--- a/Дисер/презентация/Регрессионные модели для определения повторного максимума в пауэрлифтинге. Пасько.pptx
+++ b/Дисер/презентация/Регрессионные модели для определения повторного максимума в пауэрлифтинге. Пасько.pptx
@@ -6,21 +6,22 @@
     <p:sldMasterId id="2147483767" r:id="rId2"/>
   </p:sldMasterIdLst>
   <p:notesMasterIdLst>
-    <p:notesMasterId r:id="rId15"/>
+    <p:notesMasterId r:id="rId16"/>
   </p:notesMasterIdLst>
   <p:sldIdLst>
     <p:sldId id="256" r:id="rId3"/>
     <p:sldId id="332" r:id="rId4"/>
     <p:sldId id="338" r:id="rId5"/>
     <p:sldId id="339" r:id="rId6"/>
-    <p:sldId id="340" r:id="rId7"/>
-    <p:sldId id="341" r:id="rId8"/>
-    <p:sldId id="342" r:id="rId9"/>
-    <p:sldId id="343" r:id="rId10"/>
-    <p:sldId id="344" r:id="rId11"/>
-    <p:sldId id="345" r:id="rId12"/>
-    <p:sldId id="328" r:id="rId13"/>
-    <p:sldId id="313" r:id="rId14"/>
+    <p:sldId id="346" r:id="rId7"/>
+    <p:sldId id="340" r:id="rId8"/>
+    <p:sldId id="341" r:id="rId9"/>
+    <p:sldId id="342" r:id="rId10"/>
+    <p:sldId id="343" r:id="rId11"/>
+    <p:sldId id="344" r:id="rId12"/>
+    <p:sldId id="345" r:id="rId13"/>
+    <p:sldId id="328" r:id="rId14"/>
+    <p:sldId id="313" r:id="rId15"/>
   </p:sldIdLst>
   <p:sldSz cx="12192000" cy="6858000"/>
   <p:notesSz cx="6858000" cy="9144000"/>
@@ -127,6 +128,5269 @@
 </p:presentation>
 </file>
 
+<file path=ppt/diagrams/colors1.xml><?xml version="1.0" encoding="utf-8"?>
+<dgm:colorsDef xmlns:dgm="http://schemas.openxmlformats.org/drawingml/2006/diagram" xmlns:a="http://schemas.openxmlformats.org/drawingml/2006/main" uniqueId="urn:microsoft.com/office/officeart/2005/8/colors/colorful5">
+  <dgm:title val=""/>
+  <dgm:desc val=""/>
+  <dgm:catLst>
+    <dgm:cat type="colorful" pri="10500"/>
+  </dgm:catLst>
+  <dgm:styleLbl name="node0">
+    <dgm:fillClrLst meth="repeat">
+      <a:schemeClr val="accent4"/>
+    </dgm:fillClrLst>
+    <dgm:linClrLst meth="repeat">
+      <a:schemeClr val="lt1"/>
+    </dgm:linClrLst>
+    <dgm:effectClrLst/>
+    <dgm:txLinClrLst/>
+    <dgm:txFillClrLst/>
+    <dgm:txEffectClrLst/>
+  </dgm:styleLbl>
+  <dgm:styleLbl name="node1">
+    <dgm:fillClrLst>
+      <a:schemeClr val="accent5"/>
+      <a:schemeClr val="accent6"/>
+    </dgm:fillClrLst>
+    <dgm:linClrLst meth="repeat">
+      <a:schemeClr val="lt1"/>
+    </dgm:linClrLst>
+    <dgm:effectClrLst/>
+    <dgm:txLinClrLst/>
+    <dgm:txFillClrLst/>
+    <dgm:txEffectClrLst/>
+  </dgm:styleLbl>
+  <dgm:styleLbl name="alignNode1">
+    <dgm:fillClrLst>
+      <a:schemeClr val="accent5"/>
+      <a:schemeClr val="accent6"/>
+    </dgm:fillClrLst>
+    <dgm:linClrLst>
+      <a:schemeClr val="accent5"/>
+      <a:schemeClr val="accent6"/>
+    </dgm:linClrLst>
+    <dgm:effectClrLst/>
+    <dgm:txLinClrLst/>
+    <dgm:txFillClrLst/>
+    <dgm:txEffectClrLst/>
+  </dgm:styleLbl>
+  <dgm:styleLbl name="lnNode1">
+    <dgm:fillClrLst>
+      <a:schemeClr val="accent5"/>
+      <a:schemeClr val="accent6"/>
+    </dgm:fillClrLst>
+    <dgm:linClrLst meth="repeat">
+      <a:schemeClr val="lt1"/>
+    </dgm:linClrLst>
+    <dgm:effectClrLst/>
+    <dgm:txLinClrLst/>
+    <dgm:txFillClrLst/>
+    <dgm:txEffectClrLst/>
+  </dgm:styleLbl>
+  <dgm:styleLbl name="vennNode1">
+    <dgm:fillClrLst>
+      <a:schemeClr val="accent5">
+        <a:alpha val="50000"/>
+      </a:schemeClr>
+      <a:schemeClr val="accent6">
+        <a:alpha val="50000"/>
+      </a:schemeClr>
+    </dgm:fillClrLst>
+    <dgm:linClrLst meth="repeat">
+      <a:schemeClr val="lt1"/>
+    </dgm:linClrLst>
+    <dgm:effectClrLst/>
+    <dgm:txLinClrLst/>
+    <dgm:txFillClrLst/>
+    <dgm:txEffectClrLst/>
+  </dgm:styleLbl>
+  <dgm:styleLbl name="node2">
+    <dgm:fillClrLst>
+      <a:schemeClr val="accent6"/>
+    </dgm:fillClrLst>
+    <dgm:linClrLst meth="repeat">
+      <a:schemeClr val="lt1"/>
+    </dgm:linClrLst>
+    <dgm:effectClrLst/>
+    <dgm:txLinClrLst/>
+    <dgm:txFillClrLst/>
+    <dgm:txEffectClrLst/>
+  </dgm:styleLbl>
+  <dgm:styleLbl name="node3">
+    <dgm:fillClrLst>
+      <a:schemeClr val="accent1"/>
+    </dgm:fillClrLst>
+    <dgm:linClrLst meth="repeat">
+      <a:schemeClr val="lt1"/>
+    </dgm:linClrLst>
+    <dgm:effectClrLst/>
+    <dgm:txLinClrLst/>
+    <dgm:txFillClrLst/>
+    <dgm:txEffectClrLst/>
+  </dgm:styleLbl>
+  <dgm:styleLbl name="node4">
+    <dgm:fillClrLst>
+      <a:schemeClr val="accent2"/>
+    </dgm:fillClrLst>
+    <dgm:linClrLst meth="repeat">
+      <a:schemeClr val="lt1"/>
+    </dgm:linClrLst>
+    <dgm:effectClrLst/>
+    <dgm:txLinClrLst/>
+    <dgm:txFillClrLst/>
+    <dgm:txEffectClrLst/>
+  </dgm:styleLbl>
+  <dgm:styleLbl name="fgImgPlace1">
+    <dgm:fillClrLst>
+      <a:schemeClr val="accent5">
+        <a:tint val="50000"/>
+      </a:schemeClr>
+      <a:schemeClr val="accent6">
+        <a:tint val="50000"/>
+      </a:schemeClr>
+    </dgm:fillClrLst>
+    <dgm:linClrLst meth="repeat">
+      <a:schemeClr val="lt1"/>
+    </dgm:linClrLst>
+    <dgm:effectClrLst/>
+    <dgm:txLinClrLst/>
+    <dgm:txFillClrLst meth="repeat">
+      <a:schemeClr val="lt1"/>
+    </dgm:txFillClrLst>
+    <dgm:txEffectClrLst/>
+  </dgm:styleLbl>
+  <dgm:styleLbl name="alignImgPlace1">
+    <dgm:fillClrLst>
+      <a:schemeClr val="accent5">
+        <a:tint val="50000"/>
+      </a:schemeClr>
+      <a:schemeClr val="accent6">
+        <a:tint val="20000"/>
+      </a:schemeClr>
+    </dgm:fillClrLst>
+    <dgm:linClrLst meth="repeat">
+      <a:schemeClr val="lt1"/>
+    </dgm:linClrLst>
+    <dgm:effectClrLst/>
+    <dgm:txLinClrLst/>
+    <dgm:txFillClrLst meth="repeat">
+      <a:schemeClr val="lt1"/>
+    </dgm:txFillClrLst>
+    <dgm:txEffectClrLst/>
+  </dgm:styleLbl>
+  <dgm:styleLbl name="bgImgPlace1">
+    <dgm:fillClrLst>
+      <a:schemeClr val="accent5">
+        <a:tint val="50000"/>
+      </a:schemeClr>
+      <a:schemeClr val="accent6">
+        <a:tint val="20000"/>
+      </a:schemeClr>
+    </dgm:fillClrLst>
+    <dgm:linClrLst meth="repeat">
+      <a:schemeClr val="lt1"/>
+    </dgm:linClrLst>
+    <dgm:effectClrLst/>
+    <dgm:txLinClrLst/>
+    <dgm:txFillClrLst meth="repeat">
+      <a:schemeClr val="lt1"/>
+    </dgm:txFillClrLst>
+    <dgm:txEffectClrLst/>
+  </dgm:styleLbl>
+  <dgm:styleLbl name="sibTrans2D1">
+    <dgm:fillClrLst>
+      <a:schemeClr val="accent5"/>
+      <a:schemeClr val="accent6"/>
+    </dgm:fillClrLst>
+    <dgm:linClrLst meth="repeat">
+      <a:schemeClr val="lt1"/>
+    </dgm:linClrLst>
+    <dgm:effectClrLst/>
+    <dgm:txLinClrLst/>
+    <dgm:txFillClrLst/>
+    <dgm:txEffectClrLst/>
+  </dgm:styleLbl>
+  <dgm:styleLbl name="fgSibTrans2D1">
+    <dgm:fillClrLst>
+      <a:schemeClr val="accent5"/>
+      <a:schemeClr val="accent6"/>
+    </dgm:fillClrLst>
+    <dgm:linClrLst meth="repeat">
+      <a:schemeClr val="lt1"/>
+    </dgm:linClrLst>
+    <dgm:effectClrLst/>
+    <dgm:txLinClrLst/>
+    <dgm:txFillClrLst meth="repeat">
+      <a:schemeClr val="lt1"/>
+    </dgm:txFillClrLst>
+    <dgm:txEffectClrLst/>
+  </dgm:styleLbl>
+  <dgm:styleLbl name="bgSibTrans2D1">
+    <dgm:fillClrLst>
+      <a:schemeClr val="accent5"/>
+      <a:schemeClr val="accent6"/>
+    </dgm:fillClrLst>
+    <dgm:linClrLst meth="repeat">
+      <a:schemeClr val="lt1"/>
+    </dgm:linClrLst>
+    <dgm:effectClrLst/>
+    <dgm:txLinClrLst/>
+    <dgm:txFillClrLst meth="repeat">
+      <a:schemeClr val="lt1"/>
+    </dgm:txFillClrLst>
+    <dgm:txEffectClrLst/>
+  </dgm:styleLbl>
+  <dgm:styleLbl name="sibTrans1D1">
+    <dgm:fillClrLst/>
+    <dgm:linClrLst>
+      <a:schemeClr val="accent5"/>
+      <a:schemeClr val="accent6"/>
+    </dgm:linClrLst>
+    <dgm:effectClrLst/>
+    <dgm:txLinClrLst/>
+    <dgm:txFillClrLst meth="repeat">
+      <a:schemeClr val="tx1"/>
+    </dgm:txFillClrLst>
+    <dgm:txEffectClrLst/>
+  </dgm:styleLbl>
+  <dgm:styleLbl name="callout">
+    <dgm:fillClrLst meth="repeat">
+      <a:schemeClr val="accent5"/>
+    </dgm:fillClrLst>
+    <dgm:linClrLst meth="repeat">
+      <a:schemeClr val="accent5">
+        <a:tint val="50000"/>
+      </a:schemeClr>
+    </dgm:linClrLst>
+    <dgm:effectClrLst/>
+    <dgm:txLinClrLst/>
+    <dgm:txFillClrLst meth="repeat">
+      <a:schemeClr val="tx1"/>
+    </dgm:txFillClrLst>
+    <dgm:txEffectClrLst/>
+  </dgm:styleLbl>
+  <dgm:styleLbl name="asst0">
+    <dgm:fillClrLst meth="repeat">
+      <a:schemeClr val="accent5"/>
+    </dgm:fillClrLst>
+    <dgm:linClrLst meth="repeat">
+      <a:schemeClr val="lt1">
+        <a:shade val="80000"/>
+      </a:schemeClr>
+    </dgm:linClrLst>
+    <dgm:effectClrLst/>
+    <dgm:txLinClrLst/>
+    <dgm:txFillClrLst/>
+    <dgm:txEffectClrLst/>
+  </dgm:styleLbl>
+  <dgm:styleLbl name="asst1">
+    <dgm:fillClrLst meth="repeat">
+      <a:schemeClr val="accent6"/>
+    </dgm:fillClrLst>
+    <dgm:linClrLst meth="repeat">
+      <a:schemeClr val="lt1">
+        <a:shade val="80000"/>
+      </a:schemeClr>
+    </dgm:linClrLst>
+    <dgm:effectClrLst/>
+    <dgm:txLinClrLst/>
+    <dgm:txFillClrLst/>
+    <dgm:txEffectClrLst/>
+  </dgm:styleLbl>
+  <dgm:styleLbl name="asst2">
+    <dgm:fillClrLst>
+      <a:schemeClr val="accent1"/>
+    </dgm:fillClrLst>
+    <dgm:linClrLst meth="repeat">
+      <a:schemeClr val="lt1"/>
+    </dgm:linClrLst>
+    <dgm:effectClrLst/>
+    <dgm:txLinClrLst/>
+    <dgm:txFillClrLst/>
+    <dgm:txEffectClrLst/>
+  </dgm:styleLbl>
+  <dgm:styleLbl name="asst3">
+    <dgm:fillClrLst>
+      <a:schemeClr val="accent2"/>
+    </dgm:fillClrLst>
+    <dgm:linClrLst meth="repeat">
+      <a:schemeClr val="lt1"/>
+    </dgm:linClrLst>
+    <dgm:effectClrLst/>
+    <dgm:txLinClrLst/>
+    <dgm:txFillClrLst/>
+    <dgm:txEffectClrLst/>
+  </dgm:styleLbl>
+  <dgm:styleLbl name="asst4">
+    <dgm:fillClrLst>
+      <a:schemeClr val="accent3"/>
+    </dgm:fillClrLst>
+    <dgm:linClrLst meth="repeat">
+      <a:schemeClr val="lt1"/>
+    </dgm:linClrLst>
+    <dgm:effectClrLst/>
+    <dgm:txLinClrLst/>
+    <dgm:txFillClrLst/>
+    <dgm:txEffectClrLst/>
+  </dgm:styleLbl>
+  <dgm:styleLbl name="parChTrans2D1">
+    <dgm:fillClrLst meth="repeat">
+      <a:schemeClr val="accent5"/>
+    </dgm:fillClrLst>
+    <dgm:linClrLst meth="repeat">
+      <a:schemeClr val="lt1"/>
+    </dgm:linClrLst>
+    <dgm:effectClrLst/>
+    <dgm:txLinClrLst/>
+    <dgm:txFillClrLst meth="repeat">
+      <a:schemeClr val="lt1"/>
+    </dgm:txFillClrLst>
+    <dgm:txEffectClrLst/>
+  </dgm:styleLbl>
+  <dgm:styleLbl name="parChTrans2D2">
+    <dgm:fillClrLst meth="repeat">
+      <a:schemeClr val="accent6"/>
+    </dgm:fillClrLst>
+    <dgm:linClrLst meth="repeat">
+      <a:schemeClr val="lt1"/>
+    </dgm:linClrLst>
+    <dgm:effectClrLst/>
+    <dgm:txLinClrLst/>
+    <dgm:txFillClrLst/>
+    <dgm:txEffectClrLst/>
+  </dgm:styleLbl>
+  <dgm:styleLbl name="parChTrans2D3">
+    <dgm:fillClrLst meth="repeat">
+      <a:schemeClr val="accent6"/>
+    </dgm:fillClrLst>
+    <dgm:linClrLst meth="repeat">
+      <a:schemeClr val="lt1"/>
+    </dgm:linClrLst>
+    <dgm:effectClrLst/>
+    <dgm:txLinClrLst/>
+    <dgm:txFillClrLst/>
+    <dgm:txEffectClrLst/>
+  </dgm:styleLbl>
+  <dgm:styleLbl name="parChTrans2D4">
+    <dgm:fillClrLst meth="repeat">
+      <a:schemeClr val="accent1"/>
+    </dgm:fillClrLst>
+    <dgm:linClrLst meth="repeat">
+      <a:schemeClr val="lt1"/>
+    </dgm:linClrLst>
+    <dgm:effectClrLst/>
+    <dgm:txLinClrLst/>
+    <dgm:txFillClrLst meth="repeat">
+      <a:schemeClr val="lt1"/>
+    </dgm:txFillClrLst>
+    <dgm:txEffectClrLst/>
+  </dgm:styleLbl>
+  <dgm:styleLbl name="parChTrans1D1">
+    <dgm:fillClrLst meth="repeat">
+      <a:schemeClr val="accent5"/>
+    </dgm:fillClrLst>
+    <dgm:linClrLst meth="repeat">
+      <a:schemeClr val="accent5"/>
+    </dgm:linClrLst>
+    <dgm:effectClrLst/>
+    <dgm:txLinClrLst/>
+    <dgm:txFillClrLst meth="repeat">
+      <a:schemeClr val="tx1"/>
+    </dgm:txFillClrLst>
+    <dgm:txEffectClrLst/>
+  </dgm:styleLbl>
+  <dgm:styleLbl name="parChTrans1D2">
+    <dgm:fillClrLst meth="repeat">
+      <a:schemeClr val="accent6">
+        <a:tint val="90000"/>
+      </a:schemeClr>
+    </dgm:fillClrLst>
+    <dgm:linClrLst meth="repeat">
+      <a:schemeClr val="accent6"/>
+    </dgm:linClrLst>
+    <dgm:effectClrLst/>
+    <dgm:txLinClrLst/>
+    <dgm:txFillClrLst meth="repeat">
+      <a:schemeClr val="tx1"/>
+    </dgm:txFillClrLst>
+    <dgm:txEffectClrLst/>
+  </dgm:styleLbl>
+  <dgm:styleLbl name="parChTrans1D3">
+    <dgm:fillClrLst meth="repeat">
+      <a:schemeClr val="accent6">
+        <a:tint val="70000"/>
+      </a:schemeClr>
+    </dgm:fillClrLst>
+    <dgm:linClrLst meth="repeat">
+      <a:schemeClr val="accent1"/>
+    </dgm:linClrLst>
+    <dgm:effectClrLst/>
+    <dgm:txLinClrLst/>
+    <dgm:txFillClrLst meth="repeat">
+      <a:schemeClr val="tx1"/>
+    </dgm:txFillClrLst>
+    <dgm:txEffectClrLst/>
+  </dgm:styleLbl>
+  <dgm:styleLbl name="parChTrans1D4">
+    <dgm:fillClrLst meth="repeat">
+      <a:schemeClr val="accent6">
+        <a:tint val="50000"/>
+      </a:schemeClr>
+    </dgm:fillClrLst>
+    <dgm:linClrLst meth="repeat">
+      <a:schemeClr val="accent2"/>
+    </dgm:linClrLst>
+    <dgm:effectClrLst/>
+    <dgm:txLinClrLst/>
+    <dgm:txFillClrLst meth="repeat">
+      <a:schemeClr val="tx1"/>
+    </dgm:txFillClrLst>
+    <dgm:txEffectClrLst/>
+  </dgm:styleLbl>
+  <dgm:styleLbl name="fgAcc1">
+    <dgm:fillClrLst meth="repeat">
+      <a:schemeClr val="lt1">
+        <a:alpha val="90000"/>
+      </a:schemeClr>
+    </dgm:fillClrLst>
+    <dgm:linClrLst>
+      <a:schemeClr val="accent5"/>
+      <a:schemeClr val="accent6"/>
+    </dgm:linClrLst>
+    <dgm:effectClrLst/>
+    <dgm:txLinClrLst/>
+    <dgm:txFillClrLst meth="repeat">
+      <a:schemeClr val="dk1"/>
+    </dgm:txFillClrLst>
+    <dgm:txEffectClrLst/>
+  </dgm:styleLbl>
+  <dgm:styleLbl name="conFgAcc1">
+    <dgm:fillClrLst meth="repeat">
+      <a:schemeClr val="lt1">
+        <a:alpha val="90000"/>
+      </a:schemeClr>
+    </dgm:fillClrLst>
+    <dgm:linClrLst>
+      <a:schemeClr val="accent5"/>
+      <a:schemeClr val="accent6"/>
+    </dgm:linClrLst>
+    <dgm:effectClrLst/>
+    <dgm:txLinClrLst/>
+    <dgm:txFillClrLst meth="repeat">
+      <a:schemeClr val="dk1"/>
+    </dgm:txFillClrLst>
+    <dgm:txEffectClrLst/>
+  </dgm:styleLbl>
+  <dgm:styleLbl name="alignAcc1">
+    <dgm:fillClrLst meth="repeat">
+      <a:schemeClr val="lt1">
+        <a:alpha val="90000"/>
+      </a:schemeClr>
+    </dgm:fillClrLst>
+    <dgm:linClrLst>
+      <a:schemeClr val="accent5"/>
+      <a:schemeClr val="accent6"/>
+    </dgm:linClrLst>
+    <dgm:effectClrLst/>
+    <dgm:txLinClrLst/>
+    <dgm:txFillClrLst meth="repeat">
+      <a:schemeClr val="dk1"/>
+    </dgm:txFillClrLst>
+    <dgm:txEffectClrLst/>
+  </dgm:styleLbl>
+  <dgm:styleLbl name="trAlignAcc1">
+    <dgm:fillClrLst meth="repeat">
+      <a:schemeClr val="lt1">
+        <a:alpha val="40000"/>
+      </a:schemeClr>
+    </dgm:fillClrLst>
+    <dgm:linClrLst meth="repeat">
+      <a:schemeClr val="accent5"/>
+    </dgm:linClrLst>
+    <dgm:effectClrLst/>
+    <dgm:txLinClrLst/>
+    <dgm:txFillClrLst meth="repeat">
+      <a:schemeClr val="dk1"/>
+    </dgm:txFillClrLst>
+    <dgm:txEffectClrLst/>
+  </dgm:styleLbl>
+  <dgm:styleLbl name="bgAcc1">
+    <dgm:fillClrLst meth="repeat">
+      <a:schemeClr val="lt1">
+        <a:alpha val="90000"/>
+      </a:schemeClr>
+    </dgm:fillClrLst>
+    <dgm:linClrLst>
+      <a:schemeClr val="accent5"/>
+      <a:schemeClr val="accent6"/>
+    </dgm:linClrLst>
+    <dgm:effectClrLst/>
+    <dgm:txLinClrLst/>
+    <dgm:txFillClrLst meth="repeat">
+      <a:schemeClr val="dk1"/>
+    </dgm:txFillClrLst>
+    <dgm:txEffectClrLst/>
+  </dgm:styleLbl>
+  <dgm:styleLbl name="solidFgAcc1">
+    <dgm:fillClrLst meth="repeat">
+      <a:schemeClr val="lt1"/>
+    </dgm:fillClrLst>
+    <dgm:linClrLst>
+      <a:schemeClr val="accent5"/>
+      <a:schemeClr val="accent6"/>
+    </dgm:linClrLst>
+    <dgm:effectClrLst/>
+    <dgm:txLinClrLst/>
+    <dgm:txFillClrLst meth="repeat">
+      <a:schemeClr val="dk1"/>
+    </dgm:txFillClrLst>
+    <dgm:txEffectClrLst/>
+  </dgm:styleLbl>
+  <dgm:styleLbl name="solidAlignAcc1">
+    <dgm:fillClrLst meth="repeat">
+      <a:schemeClr val="lt1"/>
+    </dgm:fillClrLst>
+    <dgm:linClrLst>
+      <a:schemeClr val="accent5"/>
+      <a:schemeClr val="accent6"/>
+    </dgm:linClrLst>
+    <dgm:effectClrLst/>
+    <dgm:txLinClrLst/>
+    <dgm:txFillClrLst meth="repeat">
+      <a:schemeClr val="dk1"/>
+    </dgm:txFillClrLst>
+    <dgm:txEffectClrLst/>
+  </dgm:styleLbl>
+  <dgm:styleLbl name="solidBgAcc1">
+    <dgm:fillClrLst meth="repeat">
+      <a:schemeClr val="lt1"/>
+    </dgm:fillClrLst>
+    <dgm:linClrLst>
+      <a:schemeClr val="accent5"/>
+      <a:schemeClr val="accent6"/>
+    </dgm:linClrLst>
+    <dgm:effectClrLst/>
+    <dgm:txLinClrLst/>
+    <dgm:txFillClrLst meth="repeat">
+      <a:schemeClr val="dk1"/>
+    </dgm:txFillClrLst>
+    <dgm:txEffectClrLst/>
+  </dgm:styleLbl>
+  <dgm:styleLbl name="fgAccFollowNode1">
+    <dgm:fillClrLst>
+      <a:schemeClr val="accent5">
+        <a:tint val="40000"/>
+        <a:alpha val="90000"/>
+      </a:schemeClr>
+      <a:schemeClr val="accent6">
+        <a:tint val="40000"/>
+        <a:alpha val="90000"/>
+      </a:schemeClr>
+    </dgm:fillClrLst>
+    <dgm:linClrLst>
+      <a:schemeClr val="accent5">
+        <a:tint val="40000"/>
+        <a:alpha val="90000"/>
+      </a:schemeClr>
+      <a:schemeClr val="accent5">
+        <a:tint val="40000"/>
+        <a:alpha val="90000"/>
+      </a:schemeClr>
+    </dgm:linClrLst>
+    <dgm:effectClrLst/>
+    <dgm:txLinClrLst/>
+    <dgm:txFillClrLst meth="repeat">
+      <a:schemeClr val="dk1"/>
+    </dgm:txFillClrLst>
+    <dgm:txEffectClrLst/>
+  </dgm:styleLbl>
+  <dgm:styleLbl name="alignAccFollowNode1">
+    <dgm:fillClrLst>
+      <a:schemeClr val="accent5">
+        <a:tint val="40000"/>
+        <a:alpha val="90000"/>
+      </a:schemeClr>
+      <a:schemeClr val="accent6">
+        <a:tint val="40000"/>
+        <a:alpha val="90000"/>
+      </a:schemeClr>
+    </dgm:fillClrLst>
+    <dgm:linClrLst>
+      <a:schemeClr val="accent5">
+        <a:tint val="40000"/>
+        <a:alpha val="90000"/>
+      </a:schemeClr>
+      <a:schemeClr val="accent6">
+        <a:tint val="40000"/>
+        <a:alpha val="90000"/>
+      </a:schemeClr>
+    </dgm:linClrLst>
+    <dgm:effectClrLst/>
+    <dgm:txLinClrLst/>
+    <dgm:txFillClrLst meth="repeat">
+      <a:schemeClr val="dk1"/>
+    </dgm:txFillClrLst>
+    <dgm:txEffectClrLst/>
+  </dgm:styleLbl>
+  <dgm:styleLbl name="bgAccFollowNode1">
+    <dgm:fillClrLst>
+      <a:schemeClr val="accent5">
+        <a:tint val="40000"/>
+        <a:alpha val="90000"/>
+      </a:schemeClr>
+      <a:schemeClr val="accent6">
+        <a:tint val="40000"/>
+        <a:alpha val="90000"/>
+      </a:schemeClr>
+    </dgm:fillClrLst>
+    <dgm:linClrLst>
+      <a:schemeClr val="accent5">
+        <a:tint val="40000"/>
+        <a:alpha val="90000"/>
+      </a:schemeClr>
+      <a:schemeClr val="accent6">
+        <a:tint val="40000"/>
+        <a:alpha val="90000"/>
+      </a:schemeClr>
+    </dgm:linClrLst>
+    <dgm:effectClrLst/>
+    <dgm:txLinClrLst/>
+    <dgm:txFillClrLst meth="repeat">
+      <a:schemeClr val="dk1"/>
+    </dgm:txFillClrLst>
+    <dgm:txEffectClrLst/>
+  </dgm:styleLbl>
+  <dgm:styleLbl name="fgAcc0">
+    <dgm:fillClrLst meth="repeat">
+      <a:schemeClr val="lt1">
+        <a:alpha val="90000"/>
+      </a:schemeClr>
+    </dgm:fillClrLst>
+    <dgm:linClrLst>
+      <a:schemeClr val="accent4"/>
+    </dgm:linClrLst>
+    <dgm:effectClrLst/>
+    <dgm:txLinClrLst/>
+    <dgm:txFillClrLst meth="repeat">
+      <a:schemeClr val="dk1"/>
+    </dgm:txFillClrLst>
+    <dgm:txEffectClrLst/>
+  </dgm:styleLbl>
+  <dgm:styleLbl name="fgAcc2">
+    <dgm:fillClrLst meth="repeat">
+      <a:schemeClr val="lt1">
+        <a:alpha val="90000"/>
+      </a:schemeClr>
+    </dgm:fillClrLst>
+    <dgm:linClrLst>
+      <a:schemeClr val="accent6"/>
+    </dgm:linClrLst>
+    <dgm:effectClrLst/>
+    <dgm:txLinClrLst/>
+    <dgm:txFillClrLst meth="repeat">
+      <a:schemeClr val="dk1"/>
+    </dgm:txFillClrLst>
+    <dgm:txEffectClrLst/>
+  </dgm:styleLbl>
+  <dgm:styleLbl name="fgAcc3">
+    <dgm:fillClrLst meth="repeat">
+      <a:schemeClr val="lt1">
+        <a:alpha val="90000"/>
+      </a:schemeClr>
+    </dgm:fillClrLst>
+    <dgm:linClrLst>
+      <a:schemeClr val="accent1"/>
+    </dgm:linClrLst>
+    <dgm:effectClrLst/>
+    <dgm:txLinClrLst/>
+    <dgm:txFillClrLst meth="repeat">
+      <a:schemeClr val="dk1"/>
+    </dgm:txFillClrLst>
+    <dgm:txEffectClrLst/>
+  </dgm:styleLbl>
+  <dgm:styleLbl name="fgAcc4">
+    <dgm:fillClrLst meth="repeat">
+      <a:schemeClr val="lt1">
+        <a:alpha val="90000"/>
+      </a:schemeClr>
+    </dgm:fillClrLst>
+    <dgm:linClrLst>
+      <a:schemeClr val="accent2"/>
+    </dgm:linClrLst>
+    <dgm:effectClrLst/>
+    <dgm:txLinClrLst/>
+    <dgm:txFillClrLst meth="repeat">
+      <a:schemeClr val="dk1"/>
+    </dgm:txFillClrLst>
+    <dgm:txEffectClrLst/>
+  </dgm:styleLbl>
+  <dgm:styleLbl name="bgShp">
+    <dgm:fillClrLst meth="repeat">
+      <a:schemeClr val="accent5">
+        <a:tint val="40000"/>
+      </a:schemeClr>
+    </dgm:fillClrLst>
+    <dgm:linClrLst meth="repeat">
+      <a:schemeClr val="dk1"/>
+    </dgm:linClrLst>
+    <dgm:effectClrLst/>
+    <dgm:txLinClrLst/>
+    <dgm:txFillClrLst meth="repeat">
+      <a:schemeClr val="dk1"/>
+    </dgm:txFillClrLst>
+    <dgm:txEffectClrLst/>
+  </dgm:styleLbl>
+  <dgm:styleLbl name="dkBgShp">
+    <dgm:fillClrLst meth="repeat">
+      <a:schemeClr val="accent5">
+        <a:shade val="90000"/>
+      </a:schemeClr>
+    </dgm:fillClrLst>
+    <dgm:linClrLst meth="repeat">
+      <a:schemeClr val="dk1"/>
+    </dgm:linClrLst>
+    <dgm:effectClrLst/>
+    <dgm:txLinClrLst/>
+    <dgm:txFillClrLst meth="repeat">
+      <a:schemeClr val="lt1"/>
+    </dgm:txFillClrLst>
+    <dgm:txEffectClrLst/>
+  </dgm:styleLbl>
+  <dgm:styleLbl name="trBgShp">
+    <dgm:fillClrLst meth="repeat">
+      <a:schemeClr val="accent5">
+        <a:tint val="50000"/>
+        <a:alpha val="40000"/>
+      </a:schemeClr>
+    </dgm:fillClrLst>
+    <dgm:linClrLst meth="repeat">
+      <a:schemeClr val="accent5"/>
+    </dgm:linClrLst>
+    <dgm:effectClrLst/>
+    <dgm:txLinClrLst/>
+    <dgm:txFillClrLst meth="repeat">
+      <a:schemeClr val="lt1"/>
+    </dgm:txFillClrLst>
+    <dgm:txEffectClrLst/>
+  </dgm:styleLbl>
+  <dgm:styleLbl name="fgShp">
+    <dgm:fillClrLst meth="repeat">
+      <a:schemeClr val="accent5">
+        <a:tint val="40000"/>
+      </a:schemeClr>
+    </dgm:fillClrLst>
+    <dgm:linClrLst meth="repeat">
+      <a:schemeClr val="lt1"/>
+    </dgm:linClrLst>
+    <dgm:effectClrLst/>
+    <dgm:txLinClrLst/>
+    <dgm:txFillClrLst meth="repeat">
+      <a:schemeClr val="dk1"/>
+    </dgm:txFillClrLst>
+    <dgm:txEffectClrLst/>
+  </dgm:styleLbl>
+  <dgm:styleLbl name="revTx">
+    <dgm:fillClrLst meth="repeat">
+      <a:schemeClr val="lt1">
+        <a:alpha val="0"/>
+      </a:schemeClr>
+    </dgm:fillClrLst>
+    <dgm:linClrLst meth="repeat">
+      <a:schemeClr val="dk1">
+        <a:alpha val="0"/>
+      </a:schemeClr>
+    </dgm:linClrLst>
+    <dgm:effectClrLst/>
+    <dgm:txLinClrLst/>
+    <dgm:txFillClrLst meth="repeat">
+      <a:schemeClr val="tx1"/>
+    </dgm:txFillClrLst>
+    <dgm:txEffectClrLst/>
+  </dgm:styleLbl>
+</dgm:colorsDef>
+</file>
+
+<file path=ppt/diagrams/colors2.xml><?xml version="1.0" encoding="utf-8"?>
+<dgm:colorsDef xmlns:dgm="http://schemas.openxmlformats.org/drawingml/2006/diagram" xmlns:a="http://schemas.openxmlformats.org/drawingml/2006/main" uniqueId="urn:microsoft.com/office/officeart/2005/8/colors/accent1_2">
+  <dgm:title val=""/>
+  <dgm:desc val=""/>
+  <dgm:catLst>
+    <dgm:cat type="accent1" pri="11200"/>
+  </dgm:catLst>
+  <dgm:styleLbl name="node0">
+    <dgm:fillClrLst meth="repeat">
+      <a:schemeClr val="accent1"/>
+    </dgm:fillClrLst>
+    <dgm:linClrLst meth="repeat">
+      <a:schemeClr val="lt1"/>
+    </dgm:linClrLst>
+    <dgm:effectClrLst/>
+    <dgm:txLinClrLst/>
+    <dgm:txFillClrLst/>
+    <dgm:txEffectClrLst/>
+  </dgm:styleLbl>
+  <dgm:styleLbl name="alignNode1">
+    <dgm:fillClrLst meth="repeat">
+      <a:schemeClr val="accent1"/>
+    </dgm:fillClrLst>
+    <dgm:linClrLst meth="repeat">
+      <a:schemeClr val="accent1"/>
+    </dgm:linClrLst>
+    <dgm:effectClrLst/>
+    <dgm:txLinClrLst/>
+    <dgm:txFillClrLst/>
+    <dgm:txEffectClrLst/>
+  </dgm:styleLbl>
+  <dgm:styleLbl name="node1">
+    <dgm:fillClrLst meth="repeat">
+      <a:schemeClr val="accent1"/>
+    </dgm:fillClrLst>
+    <dgm:linClrLst meth="repeat">
+      <a:schemeClr val="lt1"/>
+    </dgm:linClrLst>
+    <dgm:effectClrLst/>
+    <dgm:txLinClrLst/>
+    <dgm:txFillClrLst/>
+    <dgm:txEffectClrLst/>
+  </dgm:styleLbl>
+  <dgm:styleLbl name="lnNode1">
+    <dgm:fillClrLst meth="repeat">
+      <a:schemeClr val="accent1"/>
+    </dgm:fillClrLst>
+    <dgm:linClrLst meth="repeat">
+      <a:schemeClr val="lt1"/>
+    </dgm:linClrLst>
+    <dgm:effectClrLst/>
+    <dgm:txLinClrLst/>
+    <dgm:txFillClrLst/>
+    <dgm:txEffectClrLst/>
+  </dgm:styleLbl>
+  <dgm:styleLbl name="vennNode1">
+    <dgm:fillClrLst meth="repeat">
+      <a:schemeClr val="accent1">
+        <a:alpha val="50000"/>
+      </a:schemeClr>
+    </dgm:fillClrLst>
+    <dgm:linClrLst meth="repeat">
+      <a:schemeClr val="lt1"/>
+    </dgm:linClrLst>
+    <dgm:effectClrLst/>
+    <dgm:txLinClrLst/>
+    <dgm:txFillClrLst/>
+    <dgm:txEffectClrLst/>
+  </dgm:styleLbl>
+  <dgm:styleLbl name="node2">
+    <dgm:fillClrLst meth="repeat">
+      <a:schemeClr val="accent1"/>
+    </dgm:fillClrLst>
+    <dgm:linClrLst meth="repeat">
+      <a:schemeClr val="lt1"/>
+    </dgm:linClrLst>
+    <dgm:effectClrLst/>
+    <dgm:txLinClrLst/>
+    <dgm:txFillClrLst/>
+    <dgm:txEffectClrLst/>
+  </dgm:styleLbl>
+  <dgm:styleLbl name="node3">
+    <dgm:fillClrLst meth="repeat">
+      <a:schemeClr val="accent1"/>
+    </dgm:fillClrLst>
+    <dgm:linClrLst meth="repeat">
+      <a:schemeClr val="lt1"/>
+    </dgm:linClrLst>
+    <dgm:effectClrLst/>
+    <dgm:txLinClrLst/>
+    <dgm:txFillClrLst/>
+    <dgm:txEffectClrLst/>
+  </dgm:styleLbl>
+  <dgm:styleLbl name="node4">
+    <dgm:fillClrLst meth="repeat">
+      <a:schemeClr val="accent1"/>
+    </dgm:fillClrLst>
+    <dgm:linClrLst meth="repeat">
+      <a:schemeClr val="lt1"/>
+    </dgm:linClrLst>
+    <dgm:effectClrLst/>
+    <dgm:txLinClrLst/>
+    <dgm:txFillClrLst/>
+    <dgm:txEffectClrLst/>
+  </dgm:styleLbl>
+  <dgm:styleLbl name="fgImgPlace1">
+    <dgm:fillClrLst meth="repeat">
+      <a:schemeClr val="accent1">
+        <a:tint val="50000"/>
+      </a:schemeClr>
+    </dgm:fillClrLst>
+    <dgm:linClrLst meth="repeat">
+      <a:schemeClr val="lt1"/>
+    </dgm:linClrLst>
+    <dgm:effectClrLst/>
+    <dgm:txLinClrLst/>
+    <dgm:txFillClrLst meth="repeat">
+      <a:schemeClr val="lt1"/>
+    </dgm:txFillClrLst>
+    <dgm:txEffectClrLst/>
+  </dgm:styleLbl>
+  <dgm:styleLbl name="alignImgPlace1">
+    <dgm:fillClrLst meth="repeat">
+      <a:schemeClr val="accent1">
+        <a:tint val="50000"/>
+      </a:schemeClr>
+    </dgm:fillClrLst>
+    <dgm:linClrLst meth="repeat">
+      <a:schemeClr val="lt1"/>
+    </dgm:linClrLst>
+    <dgm:effectClrLst/>
+    <dgm:txLinClrLst/>
+    <dgm:txFillClrLst meth="repeat">
+      <a:schemeClr val="lt1"/>
+    </dgm:txFillClrLst>
+    <dgm:txEffectClrLst/>
+  </dgm:styleLbl>
+  <dgm:styleLbl name="bgImgPlace1">
+    <dgm:fillClrLst meth="repeat">
+      <a:schemeClr val="accent1">
+        <a:tint val="50000"/>
+      </a:schemeClr>
+    </dgm:fillClrLst>
+    <dgm:linClrLst meth="repeat">
+      <a:schemeClr val="lt1"/>
+    </dgm:linClrLst>
+    <dgm:effectClrLst/>
+    <dgm:txLinClrLst/>
+    <dgm:txFillClrLst meth="repeat">
+      <a:schemeClr val="lt1"/>
+    </dgm:txFillClrLst>
+    <dgm:txEffectClrLst/>
+  </dgm:styleLbl>
+  <dgm:styleLbl name="sibTrans2D1">
+    <dgm:fillClrLst meth="repeat">
+      <a:schemeClr val="accent1">
+        <a:tint val="60000"/>
+      </a:schemeClr>
+    </dgm:fillClrLst>
+    <dgm:linClrLst meth="repeat">
+      <a:schemeClr val="accent1">
+        <a:tint val="60000"/>
+      </a:schemeClr>
+    </dgm:linClrLst>
+    <dgm:effectClrLst/>
+    <dgm:txLinClrLst/>
+    <dgm:txFillClrLst/>
+    <dgm:txEffectClrLst/>
+  </dgm:styleLbl>
+  <dgm:styleLbl name="fgSibTrans2D1">
+    <dgm:fillClrLst meth="repeat">
+      <a:schemeClr val="accent1">
+        <a:tint val="60000"/>
+      </a:schemeClr>
+    </dgm:fillClrLst>
+    <dgm:linClrLst meth="repeat">
+      <a:schemeClr val="accent1">
+        <a:tint val="60000"/>
+      </a:schemeClr>
+    </dgm:linClrLst>
+    <dgm:effectClrLst/>
+    <dgm:txLinClrLst/>
+    <dgm:txFillClrLst/>
+    <dgm:txEffectClrLst/>
+  </dgm:styleLbl>
+  <dgm:styleLbl name="bgSibTrans2D1">
+    <dgm:fillClrLst meth="repeat">
+      <a:schemeClr val="accent1">
+        <a:tint val="60000"/>
+      </a:schemeClr>
+    </dgm:fillClrLst>
+    <dgm:linClrLst meth="repeat">
+      <a:schemeClr val="accent1">
+        <a:tint val="60000"/>
+      </a:schemeClr>
+    </dgm:linClrLst>
+    <dgm:effectClrLst/>
+    <dgm:txLinClrLst/>
+    <dgm:txFillClrLst/>
+    <dgm:txEffectClrLst/>
+  </dgm:styleLbl>
+  <dgm:styleLbl name="sibTrans1D1">
+    <dgm:fillClrLst meth="repeat">
+      <a:schemeClr val="accent1"/>
+    </dgm:fillClrLst>
+    <dgm:linClrLst meth="repeat">
+      <a:schemeClr val="accent1"/>
+    </dgm:linClrLst>
+    <dgm:effectClrLst/>
+    <dgm:txLinClrLst/>
+    <dgm:txFillClrLst meth="repeat">
+      <a:schemeClr val="tx1"/>
+    </dgm:txFillClrLst>
+    <dgm:txEffectClrLst/>
+  </dgm:styleLbl>
+  <dgm:styleLbl name="callout">
+    <dgm:fillClrLst meth="repeat">
+      <a:schemeClr val="accent1"/>
+    </dgm:fillClrLst>
+    <dgm:linClrLst meth="repeat">
+      <a:schemeClr val="accent1">
+        <a:tint val="50000"/>
+      </a:schemeClr>
+    </dgm:linClrLst>
+    <dgm:effectClrLst/>
+    <dgm:txLinClrLst/>
+    <dgm:txFillClrLst meth="repeat">
+      <a:schemeClr val="tx1"/>
+    </dgm:txFillClrLst>
+    <dgm:txEffectClrLst/>
+  </dgm:styleLbl>
+  <dgm:styleLbl name="asst0">
+    <dgm:fillClrLst meth="repeat">
+      <a:schemeClr val="accent1"/>
+    </dgm:fillClrLst>
+    <dgm:linClrLst meth="repeat">
+      <a:schemeClr val="lt1"/>
+    </dgm:linClrLst>
+    <dgm:effectClrLst/>
+    <dgm:txLinClrLst/>
+    <dgm:txFillClrLst/>
+    <dgm:txEffectClrLst/>
+  </dgm:styleLbl>
+  <dgm:styleLbl name="asst1">
+    <dgm:fillClrLst meth="repeat">
+      <a:schemeClr val="accent1"/>
+    </dgm:fillClrLst>
+    <dgm:linClrLst meth="repeat">
+      <a:schemeClr val="lt1"/>
+    </dgm:linClrLst>
+    <dgm:effectClrLst/>
+    <dgm:txLinClrLst/>
+    <dgm:txFillClrLst/>
+    <dgm:txEffectClrLst/>
+  </dgm:styleLbl>
+  <dgm:styleLbl name="asst2">
+    <dgm:fillClrLst meth="repeat">
+      <a:schemeClr val="accent1"/>
+    </dgm:fillClrLst>
+    <dgm:linClrLst meth="repeat">
+      <a:schemeClr val="lt1"/>
+    </dgm:linClrLst>
+    <dgm:effectClrLst/>
+    <dgm:txLinClrLst/>
+    <dgm:txFillClrLst/>
+    <dgm:txEffectClrLst/>
+  </dgm:styleLbl>
+  <dgm:styleLbl name="asst3">
+    <dgm:fillClrLst meth="repeat">
+      <a:schemeClr val="accent1"/>
+    </dgm:fillClrLst>
+    <dgm:linClrLst meth="repeat">
+      <a:schemeClr val="lt1"/>
+    </dgm:linClrLst>
+    <dgm:effectClrLst/>
+    <dgm:txLinClrLst/>
+    <dgm:txFillClrLst/>
+    <dgm:txEffectClrLst/>
+  </dgm:styleLbl>
+  <dgm:styleLbl name="asst4">
+    <dgm:fillClrLst meth="repeat">
+      <a:schemeClr val="accent1"/>
+    </dgm:fillClrLst>
+    <dgm:linClrLst meth="repeat">
+      <a:schemeClr val="lt1"/>
+    </dgm:linClrLst>
+    <dgm:effectClrLst/>
+    <dgm:txLinClrLst/>
+    <dgm:txFillClrLst/>
+    <dgm:txEffectClrLst/>
+  </dgm:styleLbl>
+  <dgm:styleLbl name="parChTrans2D1">
+    <dgm:fillClrLst meth="repeat">
+      <a:schemeClr val="accent1">
+        <a:tint val="60000"/>
+      </a:schemeClr>
+    </dgm:fillClrLst>
+    <dgm:linClrLst meth="repeat">
+      <a:schemeClr val="accent1">
+        <a:tint val="60000"/>
+      </a:schemeClr>
+    </dgm:linClrLst>
+    <dgm:effectClrLst/>
+    <dgm:txLinClrLst/>
+    <dgm:txFillClrLst meth="repeat">
+      <a:schemeClr val="lt1"/>
+    </dgm:txFillClrLst>
+    <dgm:txEffectClrLst/>
+  </dgm:styleLbl>
+  <dgm:styleLbl name="parChTrans2D2">
+    <dgm:fillClrLst meth="repeat">
+      <a:schemeClr val="accent1"/>
+    </dgm:fillClrLst>
+    <dgm:linClrLst meth="repeat">
+      <a:schemeClr val="accent1"/>
+    </dgm:linClrLst>
+    <dgm:effectClrLst/>
+    <dgm:txLinClrLst/>
+    <dgm:txFillClrLst meth="repeat">
+      <a:schemeClr val="lt1"/>
+    </dgm:txFillClrLst>
+    <dgm:txEffectClrLst/>
+  </dgm:styleLbl>
+  <dgm:styleLbl name="parChTrans2D3">
+    <dgm:fillClrLst meth="repeat">
+      <a:schemeClr val="accent1"/>
+    </dgm:fillClrLst>
+    <dgm:linClrLst meth="repeat">
+      <a:schemeClr val="accent1"/>
+    </dgm:linClrLst>
+    <dgm:effectClrLst/>
+    <dgm:txLinClrLst/>
+    <dgm:txFillClrLst meth="repeat">
+      <a:schemeClr val="lt1"/>
+    </dgm:txFillClrLst>
+    <dgm:txEffectClrLst/>
+  </dgm:styleLbl>
+  <dgm:styleLbl name="parChTrans2D4">
+    <dgm:fillClrLst meth="repeat">
+      <a:schemeClr val="accent1"/>
+    </dgm:fillClrLst>
+    <dgm:linClrLst meth="repeat">
+      <a:schemeClr val="accent1"/>
+    </dgm:linClrLst>
+    <dgm:effectClrLst/>
+    <dgm:txLinClrLst/>
+    <dgm:txFillClrLst meth="repeat">
+      <a:schemeClr val="lt1"/>
+    </dgm:txFillClrLst>
+    <dgm:txEffectClrLst/>
+  </dgm:styleLbl>
+  <dgm:styleLbl name="parChTrans1D1">
+    <dgm:fillClrLst meth="repeat">
+      <a:schemeClr val="accent1"/>
+    </dgm:fillClrLst>
+    <dgm:linClrLst meth="repeat">
+      <a:schemeClr val="accent1">
+        <a:shade val="60000"/>
+      </a:schemeClr>
+    </dgm:linClrLst>
+    <dgm:effectClrLst/>
+    <dgm:txLinClrLst/>
+    <dgm:txFillClrLst meth="repeat">
+      <a:schemeClr val="tx1"/>
+    </dgm:txFillClrLst>
+    <dgm:txEffectClrLst/>
+  </dgm:styleLbl>
+  <dgm:styleLbl name="parChTrans1D2">
+    <dgm:fillClrLst meth="repeat">
+      <a:schemeClr val="accent1"/>
+    </dgm:fillClrLst>
+    <dgm:linClrLst meth="repeat">
+      <a:schemeClr val="accent1">
+        <a:shade val="60000"/>
+      </a:schemeClr>
+    </dgm:linClrLst>
+    <dgm:effectClrLst/>
+    <dgm:txLinClrLst/>
+    <dgm:txFillClrLst meth="repeat">
+      <a:schemeClr val="tx1"/>
+    </dgm:txFillClrLst>
+    <dgm:txEffectClrLst/>
+  </dgm:styleLbl>
+  <dgm:styleLbl name="parChTrans1D3">
+    <dgm:fillClrLst meth="repeat">
+      <a:schemeClr val="accent1"/>
+    </dgm:fillClrLst>
+    <dgm:linClrLst meth="repeat">
+      <a:schemeClr val="accent1">
+        <a:shade val="80000"/>
+      </a:schemeClr>
+    </dgm:linClrLst>
+    <dgm:effectClrLst/>
+    <dgm:txLinClrLst/>
+    <dgm:txFillClrLst meth="repeat">
+      <a:schemeClr val="tx1"/>
+    </dgm:txFillClrLst>
+    <dgm:txEffectClrLst/>
+  </dgm:styleLbl>
+  <dgm:styleLbl name="parChTrans1D4">
+    <dgm:fillClrLst meth="repeat">
+      <a:schemeClr val="accent1"/>
+    </dgm:fillClrLst>
+    <dgm:linClrLst meth="repeat">
+      <a:schemeClr val="accent1">
+        <a:shade val="80000"/>
+      </a:schemeClr>
+    </dgm:linClrLst>
+    <dgm:effectClrLst/>
+    <dgm:txLinClrLst/>
+    <dgm:txFillClrLst meth="repeat">
+      <a:schemeClr val="tx1"/>
+    </dgm:txFillClrLst>
+    <dgm:txEffectClrLst/>
+  </dgm:styleLbl>
+  <dgm:styleLbl name="fgAcc1">
+    <dgm:fillClrLst meth="repeat">
+      <a:schemeClr val="lt1">
+        <a:alpha val="90000"/>
+      </a:schemeClr>
+    </dgm:fillClrLst>
+    <dgm:linClrLst meth="repeat">
+      <a:schemeClr val="accent1"/>
+    </dgm:linClrLst>
+    <dgm:effectClrLst/>
+    <dgm:txLinClrLst/>
+    <dgm:txFillClrLst meth="repeat">
+      <a:schemeClr val="dk1"/>
+    </dgm:txFillClrLst>
+    <dgm:txEffectClrLst/>
+  </dgm:styleLbl>
+  <dgm:styleLbl name="conFgAcc1">
+    <dgm:fillClrLst meth="repeat">
+      <a:schemeClr val="lt1">
+        <a:alpha val="90000"/>
+      </a:schemeClr>
+    </dgm:fillClrLst>
+    <dgm:linClrLst meth="repeat">
+      <a:schemeClr val="accent1"/>
+    </dgm:linClrLst>
+    <dgm:effectClrLst/>
+    <dgm:txLinClrLst/>
+    <dgm:txFillClrLst meth="repeat">
+      <a:schemeClr val="dk1"/>
+    </dgm:txFillClrLst>
+    <dgm:txEffectClrLst/>
+  </dgm:styleLbl>
+  <dgm:styleLbl name="alignAcc1">
+    <dgm:fillClrLst meth="repeat">
+      <a:schemeClr val="lt1">
+        <a:alpha val="90000"/>
+      </a:schemeClr>
+    </dgm:fillClrLst>
+    <dgm:linClrLst meth="repeat">
+      <a:schemeClr val="accent1"/>
+    </dgm:linClrLst>
+    <dgm:effectClrLst/>
+    <dgm:txLinClrLst/>
+    <dgm:txFillClrLst meth="repeat">
+      <a:schemeClr val="dk1"/>
+    </dgm:txFillClrLst>
+    <dgm:txEffectClrLst/>
+  </dgm:styleLbl>
+  <dgm:styleLbl name="trAlignAcc1">
+    <dgm:fillClrLst meth="repeat">
+      <a:schemeClr val="lt1">
+        <a:alpha val="40000"/>
+      </a:schemeClr>
+    </dgm:fillClrLst>
+    <dgm:linClrLst meth="repeat">
+      <a:schemeClr val="accent1"/>
+    </dgm:linClrLst>
+    <dgm:effectClrLst/>
+    <dgm:txLinClrLst/>
+    <dgm:txFillClrLst meth="repeat">
+      <a:schemeClr val="dk1"/>
+    </dgm:txFillClrLst>
+    <dgm:txEffectClrLst/>
+  </dgm:styleLbl>
+  <dgm:styleLbl name="bgAcc1">
+    <dgm:fillClrLst meth="repeat">
+      <a:schemeClr val="lt1">
+        <a:alpha val="90000"/>
+      </a:schemeClr>
+    </dgm:fillClrLst>
+    <dgm:linClrLst meth="repeat">
+      <a:schemeClr val="accent1"/>
+    </dgm:linClrLst>
+    <dgm:effectClrLst/>
+    <dgm:txLinClrLst/>
+    <dgm:txFillClrLst meth="repeat">
+      <a:schemeClr val="dk1"/>
+    </dgm:txFillClrLst>
+    <dgm:txEffectClrLst/>
+  </dgm:styleLbl>
+  <dgm:styleLbl name="solidFgAcc1">
+    <dgm:fillClrLst meth="repeat">
+      <a:schemeClr val="lt1"/>
+    </dgm:fillClrLst>
+    <dgm:linClrLst meth="repeat">
+      <a:schemeClr val="accent1"/>
+    </dgm:linClrLst>
+    <dgm:effectClrLst/>
+    <dgm:txLinClrLst/>
+    <dgm:txFillClrLst meth="repeat">
+      <a:schemeClr val="dk1"/>
+    </dgm:txFillClrLst>
+    <dgm:txEffectClrLst/>
+  </dgm:styleLbl>
+  <dgm:styleLbl name="solidAlignAcc1">
+    <dgm:fillClrLst meth="repeat">
+      <a:schemeClr val="lt1"/>
+    </dgm:fillClrLst>
+    <dgm:linClrLst meth="repeat">
+      <a:schemeClr val="accent1"/>
+    </dgm:linClrLst>
+    <dgm:effectClrLst/>
+    <dgm:txLinClrLst/>
+    <dgm:txFillClrLst meth="repeat">
+      <a:schemeClr val="dk1"/>
+    </dgm:txFillClrLst>
+    <dgm:txEffectClrLst/>
+  </dgm:styleLbl>
+  <dgm:styleLbl name="solidBgAcc1">
+    <dgm:fillClrLst meth="repeat">
+      <a:schemeClr val="lt1"/>
+    </dgm:fillClrLst>
+    <dgm:linClrLst meth="repeat">
+      <a:schemeClr val="accent1"/>
+    </dgm:linClrLst>
+    <dgm:effectClrLst/>
+    <dgm:txLinClrLst/>
+    <dgm:txFillClrLst meth="repeat">
+      <a:schemeClr val="dk1"/>
+    </dgm:txFillClrLst>
+    <dgm:txEffectClrLst/>
+  </dgm:styleLbl>
+  <dgm:styleLbl name="fgAccFollowNode1">
+    <dgm:fillClrLst meth="repeat">
+      <a:schemeClr val="accent1">
+        <a:alpha val="90000"/>
+        <a:tint val="40000"/>
+      </a:schemeClr>
+    </dgm:fillClrLst>
+    <dgm:linClrLst meth="repeat">
+      <a:schemeClr val="accent1">
+        <a:alpha val="90000"/>
+        <a:tint val="40000"/>
+      </a:schemeClr>
+    </dgm:linClrLst>
+    <dgm:effectClrLst/>
+    <dgm:txLinClrLst/>
+    <dgm:txFillClrLst meth="repeat">
+      <a:schemeClr val="dk1"/>
+    </dgm:txFillClrLst>
+    <dgm:txEffectClrLst/>
+  </dgm:styleLbl>
+  <dgm:styleLbl name="alignAccFollowNode1">
+    <dgm:fillClrLst meth="repeat">
+      <a:schemeClr val="accent1">
+        <a:alpha val="90000"/>
+        <a:tint val="40000"/>
+      </a:schemeClr>
+    </dgm:fillClrLst>
+    <dgm:linClrLst meth="repeat">
+      <a:schemeClr val="accent1">
+        <a:alpha val="90000"/>
+        <a:tint val="40000"/>
+      </a:schemeClr>
+    </dgm:linClrLst>
+    <dgm:effectClrLst/>
+    <dgm:txLinClrLst/>
+    <dgm:txFillClrLst meth="repeat">
+      <a:schemeClr val="dk1"/>
+    </dgm:txFillClrLst>
+    <dgm:txEffectClrLst/>
+  </dgm:styleLbl>
+  <dgm:styleLbl name="bgAccFollowNode1">
+    <dgm:fillClrLst meth="repeat">
+      <a:schemeClr val="accent1">
+        <a:alpha val="90000"/>
+        <a:tint val="40000"/>
+      </a:schemeClr>
+    </dgm:fillClrLst>
+    <dgm:linClrLst meth="repeat">
+      <a:schemeClr val="accent1">
+        <a:alpha val="90000"/>
+        <a:tint val="40000"/>
+      </a:schemeClr>
+    </dgm:linClrLst>
+    <dgm:effectClrLst/>
+    <dgm:txLinClrLst/>
+    <dgm:txFillClrLst meth="repeat">
+      <a:schemeClr val="dk1"/>
+    </dgm:txFillClrLst>
+    <dgm:txEffectClrLst/>
+  </dgm:styleLbl>
+  <dgm:styleLbl name="fgAcc0">
+    <dgm:fillClrLst meth="repeat">
+      <a:schemeClr val="lt1">
+        <a:alpha val="90000"/>
+      </a:schemeClr>
+    </dgm:fillClrLst>
+    <dgm:linClrLst meth="repeat">
+      <a:schemeClr val="accent1"/>
+    </dgm:linClrLst>
+    <dgm:effectClrLst/>
+    <dgm:txLinClrLst/>
+    <dgm:txFillClrLst meth="repeat">
+      <a:schemeClr val="dk1"/>
+    </dgm:txFillClrLst>
+    <dgm:txEffectClrLst/>
+  </dgm:styleLbl>
+  <dgm:styleLbl name="fgAcc2">
+    <dgm:fillClrLst meth="repeat">
+      <a:schemeClr val="lt1">
+        <a:alpha val="90000"/>
+      </a:schemeClr>
+    </dgm:fillClrLst>
+    <dgm:linClrLst meth="repeat">
+      <a:schemeClr val="accent1"/>
+    </dgm:linClrLst>
+    <dgm:effectClrLst/>
+    <dgm:txLinClrLst/>
+    <dgm:txFillClrLst meth="repeat">
+      <a:schemeClr val="dk1"/>
+    </dgm:txFillClrLst>
+    <dgm:txEffectClrLst/>
+  </dgm:styleLbl>
+  <dgm:styleLbl name="fgAcc3">
+    <dgm:fillClrLst meth="repeat">
+      <a:schemeClr val="lt1">
+        <a:alpha val="90000"/>
+      </a:schemeClr>
+    </dgm:fillClrLst>
+    <dgm:linClrLst meth="repeat">
+      <a:schemeClr val="accent1"/>
+    </dgm:linClrLst>
+    <dgm:effectClrLst/>
+    <dgm:txLinClrLst/>
+    <dgm:txFillClrLst meth="repeat">
+      <a:schemeClr val="dk1"/>
+    </dgm:txFillClrLst>
+    <dgm:txEffectClrLst/>
+  </dgm:styleLbl>
+  <dgm:styleLbl name="fgAcc4">
+    <dgm:fillClrLst meth="repeat">
+      <a:schemeClr val="lt1">
+        <a:alpha val="90000"/>
+      </a:schemeClr>
+    </dgm:fillClrLst>
+    <dgm:linClrLst meth="repeat">
+      <a:schemeClr val="accent1"/>
+    </dgm:linClrLst>
+    <dgm:effectClrLst/>
+    <dgm:txLinClrLst/>
+    <dgm:txFillClrLst meth="repeat">
+      <a:schemeClr val="dk1"/>
+    </dgm:txFillClrLst>
+    <dgm:txEffectClrLst/>
+  </dgm:styleLbl>
+  <dgm:styleLbl name="bgShp">
+    <dgm:fillClrLst meth="repeat">
+      <a:schemeClr val="accent1">
+        <a:tint val="40000"/>
+      </a:schemeClr>
+    </dgm:fillClrLst>
+    <dgm:linClrLst meth="repeat">
+      <a:schemeClr val="accent1"/>
+    </dgm:linClrLst>
+    <dgm:effectClrLst/>
+    <dgm:txLinClrLst/>
+    <dgm:txFillClrLst meth="repeat">
+      <a:schemeClr val="dk1"/>
+    </dgm:txFillClrLst>
+    <dgm:txEffectClrLst/>
+  </dgm:styleLbl>
+  <dgm:styleLbl name="dkBgShp">
+    <dgm:fillClrLst meth="repeat">
+      <a:schemeClr val="accent1">
+        <a:shade val="80000"/>
+      </a:schemeClr>
+    </dgm:fillClrLst>
+    <dgm:linClrLst meth="repeat">
+      <a:schemeClr val="accent1"/>
+    </dgm:linClrLst>
+    <dgm:effectClrLst/>
+    <dgm:txLinClrLst/>
+    <dgm:txFillClrLst meth="repeat">
+      <a:schemeClr val="lt1"/>
+    </dgm:txFillClrLst>
+    <dgm:txEffectClrLst/>
+  </dgm:styleLbl>
+  <dgm:styleLbl name="trBgShp">
+    <dgm:fillClrLst meth="repeat">
+      <a:schemeClr val="accent1">
+        <a:tint val="50000"/>
+        <a:alpha val="40000"/>
+      </a:schemeClr>
+    </dgm:fillClrLst>
+    <dgm:linClrLst meth="repeat">
+      <a:schemeClr val="accent1"/>
+    </dgm:linClrLst>
+    <dgm:effectClrLst/>
+    <dgm:txLinClrLst/>
+    <dgm:txFillClrLst meth="repeat">
+      <a:schemeClr val="lt1"/>
+    </dgm:txFillClrLst>
+    <dgm:txEffectClrLst/>
+  </dgm:styleLbl>
+  <dgm:styleLbl name="fgShp">
+    <dgm:fillClrLst meth="repeat">
+      <a:schemeClr val="accent1">
+        <a:tint val="60000"/>
+      </a:schemeClr>
+    </dgm:fillClrLst>
+    <dgm:linClrLst meth="repeat">
+      <a:schemeClr val="lt1"/>
+    </dgm:linClrLst>
+    <dgm:effectClrLst/>
+    <dgm:txLinClrLst/>
+    <dgm:txFillClrLst meth="repeat">
+      <a:schemeClr val="dk1"/>
+    </dgm:txFillClrLst>
+    <dgm:txEffectClrLst/>
+  </dgm:styleLbl>
+  <dgm:styleLbl name="revTx">
+    <dgm:fillClrLst meth="repeat">
+      <a:schemeClr val="lt1">
+        <a:alpha val="0"/>
+      </a:schemeClr>
+    </dgm:fillClrLst>
+    <dgm:linClrLst meth="repeat">
+      <a:schemeClr val="dk1">
+        <a:alpha val="0"/>
+      </a:schemeClr>
+    </dgm:linClrLst>
+    <dgm:effectClrLst/>
+    <dgm:txLinClrLst/>
+    <dgm:txFillClrLst meth="repeat">
+      <a:schemeClr val="tx1"/>
+    </dgm:txFillClrLst>
+    <dgm:txEffectClrLst/>
+  </dgm:styleLbl>
+</dgm:colorsDef>
+</file>
+
+<file path=ppt/diagrams/data1.xml><?xml version="1.0" encoding="utf-8"?>
+<dgm:dataModel xmlns:dgm="http://schemas.openxmlformats.org/drawingml/2006/diagram" xmlns:a="http://schemas.openxmlformats.org/drawingml/2006/main">
+  <dgm:ptLst>
+    <dgm:pt modelId="{3C0646D2-50DF-42A3-8FB8-1C74140D184B}" type="doc">
+      <dgm:prSet loTypeId="urn:microsoft.com/office/officeart/2005/8/layout/vList2" loCatId="list" qsTypeId="urn:microsoft.com/office/officeart/2005/8/quickstyle/simple1" qsCatId="simple" csTypeId="urn:microsoft.com/office/officeart/2005/8/colors/colorful5" csCatId="colorful"/>
+      <dgm:spPr/>
+      <dgm:t>
+        <a:bodyPr/>
+        <a:lstStyle/>
+        <a:p>
+          <a:endParaRPr lang="en-US"/>
+        </a:p>
+      </dgm:t>
+    </dgm:pt>
+    <dgm:pt modelId="{DD2217D8-E95E-49FD-A19A-87141FD9ABDD}">
+      <dgm:prSet/>
+      <dgm:spPr/>
+      <dgm:t>
+        <a:bodyPr/>
+        <a:lstStyle/>
+        <a:p>
+          <a:r>
+            <a:rPr lang="ru-RU" b="1"/>
+            <a:t>генетика</a:t>
+          </a:r>
+          <a:r>
+            <a:rPr lang="ru-RU"/>
+            <a:t> (соотношение мышечных волокон, рычагов и т. п.)</a:t>
+          </a:r>
+          <a:endParaRPr lang="en-US"/>
+        </a:p>
+      </dgm:t>
+    </dgm:pt>
+    <dgm:pt modelId="{CE44AC4E-05CE-4E7E-BA7A-698AEE494B81}" type="parTrans" cxnId="{43440E3D-F6F7-42B9-AB1E-86C4A5751320}">
+      <dgm:prSet/>
+      <dgm:spPr/>
+      <dgm:t>
+        <a:bodyPr/>
+        <a:lstStyle/>
+        <a:p>
+          <a:endParaRPr lang="en-US"/>
+        </a:p>
+      </dgm:t>
+    </dgm:pt>
+    <dgm:pt modelId="{9619C83F-5B2E-4E7A-A569-1CF9F373C3D2}" type="sibTrans" cxnId="{43440E3D-F6F7-42B9-AB1E-86C4A5751320}">
+      <dgm:prSet/>
+      <dgm:spPr/>
+      <dgm:t>
+        <a:bodyPr/>
+        <a:lstStyle/>
+        <a:p>
+          <a:endParaRPr lang="en-US"/>
+        </a:p>
+      </dgm:t>
+    </dgm:pt>
+    <dgm:pt modelId="{1E34A72E-8BDA-4B9B-886B-3295723A65A2}">
+      <dgm:prSet/>
+      <dgm:spPr/>
+      <dgm:t>
+        <a:bodyPr/>
+        <a:lstStyle/>
+        <a:p>
+          <a:r>
+            <a:rPr lang="ru-RU" b="1"/>
+            <a:t>опыт тренировок </a:t>
+          </a:r>
+          <a:r>
+            <a:rPr lang="ru-RU"/>
+            <a:t>(чем больше опыт, тем больше может быть как импульс ЦНС, так и порог его подавления, так и запасы креатинфосфата и т. п.) </a:t>
+          </a:r>
+          <a:endParaRPr lang="en-US"/>
+        </a:p>
+      </dgm:t>
+    </dgm:pt>
+    <dgm:pt modelId="{2DEF89C0-A720-4A88-BFBD-38D36E67A10F}" type="parTrans" cxnId="{6F2BD0E2-58A9-4B94-B9B1-80D04717537B}">
+      <dgm:prSet/>
+      <dgm:spPr/>
+      <dgm:t>
+        <a:bodyPr/>
+        <a:lstStyle/>
+        <a:p>
+          <a:endParaRPr lang="en-US"/>
+        </a:p>
+      </dgm:t>
+    </dgm:pt>
+    <dgm:pt modelId="{1EA98DB3-43EB-45F4-9A1F-ED11EC324EFE}" type="sibTrans" cxnId="{6F2BD0E2-58A9-4B94-B9B1-80D04717537B}">
+      <dgm:prSet/>
+      <dgm:spPr/>
+      <dgm:t>
+        <a:bodyPr/>
+        <a:lstStyle/>
+        <a:p>
+          <a:endParaRPr lang="en-US"/>
+        </a:p>
+      </dgm:t>
+    </dgm:pt>
+    <dgm:pt modelId="{30A25D13-7017-48F2-9417-EE1A7F866461}">
+      <dgm:prSet/>
+      <dgm:spPr/>
+      <dgm:t>
+        <a:bodyPr/>
+        <a:lstStyle/>
+        <a:p>
+          <a:r>
+            <a:rPr lang="ru-RU" b="1"/>
+            <a:t>общая конституция </a:t>
+          </a:r>
+          <a:r>
+            <a:rPr lang="ru-RU"/>
+            <a:t>(тип телосложения, рост, соотношение роста и функционального веса)</a:t>
+          </a:r>
+          <a:endParaRPr lang="en-US"/>
+        </a:p>
+      </dgm:t>
+    </dgm:pt>
+    <dgm:pt modelId="{5C869CCD-752D-4BC6-A5D7-082A64AFE403}" type="parTrans" cxnId="{1EBCE5CC-69DD-4A61-9255-54180A7EE9E0}">
+      <dgm:prSet/>
+      <dgm:spPr/>
+      <dgm:t>
+        <a:bodyPr/>
+        <a:lstStyle/>
+        <a:p>
+          <a:endParaRPr lang="en-US"/>
+        </a:p>
+      </dgm:t>
+    </dgm:pt>
+    <dgm:pt modelId="{4E7452C5-0DB7-44D2-A237-2CAB3099E505}" type="sibTrans" cxnId="{1EBCE5CC-69DD-4A61-9255-54180A7EE9E0}">
+      <dgm:prSet/>
+      <dgm:spPr/>
+      <dgm:t>
+        <a:bodyPr/>
+        <a:lstStyle/>
+        <a:p>
+          <a:endParaRPr lang="en-US"/>
+        </a:p>
+      </dgm:t>
+    </dgm:pt>
+    <dgm:pt modelId="{D211335C-3A2B-4265-9A5B-0DAE2A4B819D}">
+      <dgm:prSet/>
+      <dgm:spPr/>
+      <dgm:t>
+        <a:bodyPr/>
+        <a:lstStyle/>
+        <a:p>
+          <a:r>
+            <a:rPr lang="ru-RU" b="1"/>
+            <a:t>техника</a:t>
+          </a:r>
+          <a:r>
+            <a:rPr lang="ru-RU"/>
+            <a:t> выполнения упражнения</a:t>
+          </a:r>
+          <a:endParaRPr lang="en-US"/>
+        </a:p>
+      </dgm:t>
+    </dgm:pt>
+    <dgm:pt modelId="{E9CA3D9E-EF61-4E54-B6B2-304987A54C3D}" type="parTrans" cxnId="{7953E4D5-0540-457E-BAB3-9BDD0CE9C449}">
+      <dgm:prSet/>
+      <dgm:spPr/>
+      <dgm:t>
+        <a:bodyPr/>
+        <a:lstStyle/>
+        <a:p>
+          <a:endParaRPr lang="en-US"/>
+        </a:p>
+      </dgm:t>
+    </dgm:pt>
+    <dgm:pt modelId="{F78CD5DE-ECDC-4597-AAB0-D6650E92D485}" type="sibTrans" cxnId="{7953E4D5-0540-457E-BAB3-9BDD0CE9C449}">
+      <dgm:prSet/>
+      <dgm:spPr/>
+      <dgm:t>
+        <a:bodyPr/>
+        <a:lstStyle/>
+        <a:p>
+          <a:endParaRPr lang="en-US"/>
+        </a:p>
+      </dgm:t>
+    </dgm:pt>
+    <dgm:pt modelId="{39515027-D81A-4A6E-ADC5-0D00692E2A69}" type="pres">
+      <dgm:prSet presAssocID="{3C0646D2-50DF-42A3-8FB8-1C74140D184B}" presName="linear" presStyleCnt="0">
+        <dgm:presLayoutVars>
+          <dgm:animLvl val="lvl"/>
+          <dgm:resizeHandles val="exact"/>
+        </dgm:presLayoutVars>
+      </dgm:prSet>
+      <dgm:spPr/>
+    </dgm:pt>
+    <dgm:pt modelId="{E6D253A4-5863-4C62-BEC3-D22F9692FEFD}" type="pres">
+      <dgm:prSet presAssocID="{DD2217D8-E95E-49FD-A19A-87141FD9ABDD}" presName="parentText" presStyleLbl="node1" presStyleIdx="0" presStyleCnt="4">
+        <dgm:presLayoutVars>
+          <dgm:chMax val="0"/>
+          <dgm:bulletEnabled val="1"/>
+        </dgm:presLayoutVars>
+      </dgm:prSet>
+      <dgm:spPr/>
+    </dgm:pt>
+    <dgm:pt modelId="{D6A5DB71-CAA9-4402-B5A3-A3B3A4AF130D}" type="pres">
+      <dgm:prSet presAssocID="{9619C83F-5B2E-4E7A-A569-1CF9F373C3D2}" presName="spacer" presStyleCnt="0"/>
+      <dgm:spPr/>
+    </dgm:pt>
+    <dgm:pt modelId="{8247A9A4-06A5-4904-A1BB-CCFB9454C1A9}" type="pres">
+      <dgm:prSet presAssocID="{1E34A72E-8BDA-4B9B-886B-3295723A65A2}" presName="parentText" presStyleLbl="node1" presStyleIdx="1" presStyleCnt="4">
+        <dgm:presLayoutVars>
+          <dgm:chMax val="0"/>
+          <dgm:bulletEnabled val="1"/>
+        </dgm:presLayoutVars>
+      </dgm:prSet>
+      <dgm:spPr/>
+    </dgm:pt>
+    <dgm:pt modelId="{3CB6F08F-CFA1-4DF5-A1F2-C33A7189D85A}" type="pres">
+      <dgm:prSet presAssocID="{1EA98DB3-43EB-45F4-9A1F-ED11EC324EFE}" presName="spacer" presStyleCnt="0"/>
+      <dgm:spPr/>
+    </dgm:pt>
+    <dgm:pt modelId="{0D470848-E162-44B4-BF4E-85E140313180}" type="pres">
+      <dgm:prSet presAssocID="{30A25D13-7017-48F2-9417-EE1A7F866461}" presName="parentText" presStyleLbl="node1" presStyleIdx="2" presStyleCnt="4">
+        <dgm:presLayoutVars>
+          <dgm:chMax val="0"/>
+          <dgm:bulletEnabled val="1"/>
+        </dgm:presLayoutVars>
+      </dgm:prSet>
+      <dgm:spPr/>
+    </dgm:pt>
+    <dgm:pt modelId="{5DE860D2-93F3-463D-AEB8-D7A96E3CDF94}" type="pres">
+      <dgm:prSet presAssocID="{4E7452C5-0DB7-44D2-A237-2CAB3099E505}" presName="spacer" presStyleCnt="0"/>
+      <dgm:spPr/>
+    </dgm:pt>
+    <dgm:pt modelId="{33C68A7D-F828-4F12-9D6A-4BAB8FE43AA6}" type="pres">
+      <dgm:prSet presAssocID="{D211335C-3A2B-4265-9A5B-0DAE2A4B819D}" presName="parentText" presStyleLbl="node1" presStyleIdx="3" presStyleCnt="4">
+        <dgm:presLayoutVars>
+          <dgm:chMax val="0"/>
+          <dgm:bulletEnabled val="1"/>
+        </dgm:presLayoutVars>
+      </dgm:prSet>
+      <dgm:spPr/>
+    </dgm:pt>
+  </dgm:ptLst>
+  <dgm:cxnLst>
+    <dgm:cxn modelId="{0B5CC815-9C34-410F-8716-93BD9BDB83FD}" type="presOf" srcId="{30A25D13-7017-48F2-9417-EE1A7F866461}" destId="{0D470848-E162-44B4-BF4E-85E140313180}" srcOrd="0" destOrd="0" presId="urn:microsoft.com/office/officeart/2005/8/layout/vList2"/>
+    <dgm:cxn modelId="{43440E3D-F6F7-42B9-AB1E-86C4A5751320}" srcId="{3C0646D2-50DF-42A3-8FB8-1C74140D184B}" destId="{DD2217D8-E95E-49FD-A19A-87141FD9ABDD}" srcOrd="0" destOrd="0" parTransId="{CE44AC4E-05CE-4E7E-BA7A-698AEE494B81}" sibTransId="{9619C83F-5B2E-4E7A-A569-1CF9F373C3D2}"/>
+    <dgm:cxn modelId="{9C7D758B-D647-4A9B-BCF5-942ABB0E298D}" type="presOf" srcId="{1E34A72E-8BDA-4B9B-886B-3295723A65A2}" destId="{8247A9A4-06A5-4904-A1BB-CCFB9454C1A9}" srcOrd="0" destOrd="0" presId="urn:microsoft.com/office/officeart/2005/8/layout/vList2"/>
+    <dgm:cxn modelId="{2D67C595-3054-42D2-87B9-F1A280F648FB}" type="presOf" srcId="{DD2217D8-E95E-49FD-A19A-87141FD9ABDD}" destId="{E6D253A4-5863-4C62-BEC3-D22F9692FEFD}" srcOrd="0" destOrd="0" presId="urn:microsoft.com/office/officeart/2005/8/layout/vList2"/>
+    <dgm:cxn modelId="{40EA139C-3E9B-4699-A293-7B69CFF05390}" type="presOf" srcId="{D211335C-3A2B-4265-9A5B-0DAE2A4B819D}" destId="{33C68A7D-F828-4F12-9D6A-4BAB8FE43AA6}" srcOrd="0" destOrd="0" presId="urn:microsoft.com/office/officeart/2005/8/layout/vList2"/>
+    <dgm:cxn modelId="{F6C70BAA-38DA-47D0-93A5-A1E03B51BA7D}" type="presOf" srcId="{3C0646D2-50DF-42A3-8FB8-1C74140D184B}" destId="{39515027-D81A-4A6E-ADC5-0D00692E2A69}" srcOrd="0" destOrd="0" presId="urn:microsoft.com/office/officeart/2005/8/layout/vList2"/>
+    <dgm:cxn modelId="{1EBCE5CC-69DD-4A61-9255-54180A7EE9E0}" srcId="{3C0646D2-50DF-42A3-8FB8-1C74140D184B}" destId="{30A25D13-7017-48F2-9417-EE1A7F866461}" srcOrd="2" destOrd="0" parTransId="{5C869CCD-752D-4BC6-A5D7-082A64AFE403}" sibTransId="{4E7452C5-0DB7-44D2-A237-2CAB3099E505}"/>
+    <dgm:cxn modelId="{7953E4D5-0540-457E-BAB3-9BDD0CE9C449}" srcId="{3C0646D2-50DF-42A3-8FB8-1C74140D184B}" destId="{D211335C-3A2B-4265-9A5B-0DAE2A4B819D}" srcOrd="3" destOrd="0" parTransId="{E9CA3D9E-EF61-4E54-B6B2-304987A54C3D}" sibTransId="{F78CD5DE-ECDC-4597-AAB0-D6650E92D485}"/>
+    <dgm:cxn modelId="{6F2BD0E2-58A9-4B94-B9B1-80D04717537B}" srcId="{3C0646D2-50DF-42A3-8FB8-1C74140D184B}" destId="{1E34A72E-8BDA-4B9B-886B-3295723A65A2}" srcOrd="1" destOrd="0" parTransId="{2DEF89C0-A720-4A88-BFBD-38D36E67A10F}" sibTransId="{1EA98DB3-43EB-45F4-9A1F-ED11EC324EFE}"/>
+    <dgm:cxn modelId="{42B663A3-3ECC-49F5-9658-CCEFBE4AF22A}" type="presParOf" srcId="{39515027-D81A-4A6E-ADC5-0D00692E2A69}" destId="{E6D253A4-5863-4C62-BEC3-D22F9692FEFD}" srcOrd="0" destOrd="0" presId="urn:microsoft.com/office/officeart/2005/8/layout/vList2"/>
+    <dgm:cxn modelId="{2243816F-A2D0-4669-A169-4C86BD9058B6}" type="presParOf" srcId="{39515027-D81A-4A6E-ADC5-0D00692E2A69}" destId="{D6A5DB71-CAA9-4402-B5A3-A3B3A4AF130D}" srcOrd="1" destOrd="0" presId="urn:microsoft.com/office/officeart/2005/8/layout/vList2"/>
+    <dgm:cxn modelId="{B1D72BBB-73E2-4AFB-8F08-BFAEE7004626}" type="presParOf" srcId="{39515027-D81A-4A6E-ADC5-0D00692E2A69}" destId="{8247A9A4-06A5-4904-A1BB-CCFB9454C1A9}" srcOrd="2" destOrd="0" presId="urn:microsoft.com/office/officeart/2005/8/layout/vList2"/>
+    <dgm:cxn modelId="{6E17709D-D806-49F5-8A04-ED1EB27F30FE}" type="presParOf" srcId="{39515027-D81A-4A6E-ADC5-0D00692E2A69}" destId="{3CB6F08F-CFA1-4DF5-A1F2-C33A7189D85A}" srcOrd="3" destOrd="0" presId="urn:microsoft.com/office/officeart/2005/8/layout/vList2"/>
+    <dgm:cxn modelId="{63A7DB74-70D7-4D01-AA3B-46A81391C936}" type="presParOf" srcId="{39515027-D81A-4A6E-ADC5-0D00692E2A69}" destId="{0D470848-E162-44B4-BF4E-85E140313180}" srcOrd="4" destOrd="0" presId="urn:microsoft.com/office/officeart/2005/8/layout/vList2"/>
+    <dgm:cxn modelId="{5724C38B-9927-4E0F-8D63-D7B1B8C6893D}" type="presParOf" srcId="{39515027-D81A-4A6E-ADC5-0D00692E2A69}" destId="{5DE860D2-93F3-463D-AEB8-D7A96E3CDF94}" srcOrd="5" destOrd="0" presId="urn:microsoft.com/office/officeart/2005/8/layout/vList2"/>
+    <dgm:cxn modelId="{33A59939-B0DE-4377-9476-D158D804252C}" type="presParOf" srcId="{39515027-D81A-4A6E-ADC5-0D00692E2A69}" destId="{33C68A7D-F828-4F12-9D6A-4BAB8FE43AA6}" srcOrd="6" destOrd="0" presId="urn:microsoft.com/office/officeart/2005/8/layout/vList2"/>
+  </dgm:cxnLst>
+  <dgm:bg/>
+  <dgm:whole/>
+  <dgm:extLst>
+    <a:ext uri="http://schemas.microsoft.com/office/drawing/2008/diagram">
+      <dsp:dataModelExt xmlns:dsp="http://schemas.microsoft.com/office/drawing/2008/diagram" relId="rId6" minVer="http://schemas.openxmlformats.org/drawingml/2006/diagram"/>
+    </a:ext>
+  </dgm:extLst>
+</dgm:dataModel>
+</file>
+
+<file path=ppt/diagrams/data2.xml><?xml version="1.0" encoding="utf-8"?>
+<dgm:dataModel xmlns:dgm="http://schemas.openxmlformats.org/drawingml/2006/diagram" xmlns:a="http://schemas.openxmlformats.org/drawingml/2006/main">
+  <dgm:ptLst>
+    <dgm:pt modelId="{6AD04B4C-60F5-465C-9709-995698D5FE24}" type="doc">
+      <dgm:prSet loTypeId="urn:microsoft.com/office/officeart/2018/2/layout/IconLabelList" loCatId="icon" qsTypeId="urn:microsoft.com/office/officeart/2005/8/quickstyle/simple1" qsCatId="simple" csTypeId="urn:microsoft.com/office/officeart/2005/8/colors/accent1_2" csCatId="accent1" phldr="1"/>
+      <dgm:spPr/>
+      <dgm:t>
+        <a:bodyPr/>
+        <a:lstStyle/>
+        <a:p>
+          <a:endParaRPr lang="en-US"/>
+        </a:p>
+      </dgm:t>
+    </dgm:pt>
+    <dgm:pt modelId="{04AC4595-8AD5-48C7-B2A8-93E97055B03A}">
+      <dgm:prSet/>
+      <dgm:spPr/>
+      <dgm:t>
+        <a:bodyPr/>
+        <a:lstStyle/>
+        <a:p>
+          <a:pPr>
+            <a:lnSpc>
+              <a:spcPct val="100000"/>
+            </a:lnSpc>
+          </a:pPr>
+          <a:r>
+            <a:rPr lang="ru-RU"/>
+            <a:t>В результате проведённого исследования была найдена модель, не зависящая от типа телосложения, опыта тренировок и многих других характеристик, но при этом дающая хорошие результаты на 85% данных.</a:t>
+          </a:r>
+          <a:endParaRPr lang="en-US"/>
+        </a:p>
+      </dgm:t>
+    </dgm:pt>
+    <dgm:pt modelId="{7BBD8823-23DB-4D2C-B892-CD8D764BA283}" type="parTrans" cxnId="{39458200-2184-4F5D-A0CA-810D95D898F4}">
+      <dgm:prSet/>
+      <dgm:spPr/>
+      <dgm:t>
+        <a:bodyPr/>
+        <a:lstStyle/>
+        <a:p>
+          <a:endParaRPr lang="en-US"/>
+        </a:p>
+      </dgm:t>
+    </dgm:pt>
+    <dgm:pt modelId="{392D7130-CB58-4D8F-B2F0-0F609A7EE7AE}" type="sibTrans" cxnId="{39458200-2184-4F5D-A0CA-810D95D898F4}">
+      <dgm:prSet/>
+      <dgm:spPr/>
+      <dgm:t>
+        <a:bodyPr/>
+        <a:lstStyle/>
+        <a:p>
+          <a:endParaRPr lang="en-US"/>
+        </a:p>
+      </dgm:t>
+    </dgm:pt>
+    <dgm:pt modelId="{D11CE598-5AD9-49AC-A71A-1305A7F99D20}">
+      <dgm:prSet/>
+      <dgm:spPr/>
+      <dgm:t>
+        <a:bodyPr/>
+        <a:lstStyle/>
+        <a:p>
+          <a:pPr>
+            <a:lnSpc>
+              <a:spcPct val="100000"/>
+            </a:lnSpc>
+          </a:pPr>
+          <a:r>
+            <a:rPr lang="ru-RU"/>
+            <a:t>Я уверен, что большие погрешности в единичных случаях – это та часть закономерности, зависящая от человека и многих неучтённых характеристик. Тем не менее, влияние этих неучтённых факторов далеко не так велико, как предполагали многие: намного больше повторный максимум зависит от обычной математики.</a:t>
+          </a:r>
+          <a:endParaRPr lang="en-US"/>
+        </a:p>
+      </dgm:t>
+    </dgm:pt>
+    <dgm:pt modelId="{DA755164-9019-4F51-BE7A-A6736A006F8F}" type="parTrans" cxnId="{30E845ED-FD61-45BB-BE55-86CAECBC30B4}">
+      <dgm:prSet/>
+      <dgm:spPr/>
+      <dgm:t>
+        <a:bodyPr/>
+        <a:lstStyle/>
+        <a:p>
+          <a:endParaRPr lang="en-US"/>
+        </a:p>
+      </dgm:t>
+    </dgm:pt>
+    <dgm:pt modelId="{49100B9F-D029-46A4-A424-10D6AF63293E}" type="sibTrans" cxnId="{30E845ED-FD61-45BB-BE55-86CAECBC30B4}">
+      <dgm:prSet/>
+      <dgm:spPr/>
+      <dgm:t>
+        <a:bodyPr/>
+        <a:lstStyle/>
+        <a:p>
+          <a:endParaRPr lang="en-US"/>
+        </a:p>
+      </dgm:t>
+    </dgm:pt>
+    <dgm:pt modelId="{AF4B761E-2712-4D7D-83F3-2A925391FD6D}">
+      <dgm:prSet/>
+      <dgm:spPr/>
+      <dgm:t>
+        <a:bodyPr/>
+        <a:lstStyle/>
+        <a:p>
+          <a:pPr>
+            <a:lnSpc>
+              <a:spcPct val="100000"/>
+            </a:lnSpc>
+          </a:pPr>
+          <a:r>
+            <a:rPr lang="ru-RU"/>
+            <a:t>Посчитать собственные результаты при помощи найденной модели можно по ссылке </a:t>
+          </a:r>
+          <a:r>
+            <a:rPr lang="en-US">
+              <a:hlinkClick xmlns:r="http://schemas.openxmlformats.org/officeDocument/2006/relationships" r:id="rId1"/>
+            </a:rPr>
+            <a:t>https://dmitrypasko.shinyapps.io/RMbyMRMestimating/</a:t>
+          </a:r>
+          <a:r>
+            <a:rPr lang="en-US"/>
+            <a:t> </a:t>
+          </a:r>
+        </a:p>
+      </dgm:t>
+    </dgm:pt>
+    <dgm:pt modelId="{3C4364D4-8A95-4C43-9E8A-EA56F1EB33E5}" type="parTrans" cxnId="{B06514B3-4B31-4CE8-90B5-8EEBBFE6FA37}">
+      <dgm:prSet/>
+      <dgm:spPr/>
+      <dgm:t>
+        <a:bodyPr/>
+        <a:lstStyle/>
+        <a:p>
+          <a:endParaRPr lang="en-US"/>
+        </a:p>
+      </dgm:t>
+    </dgm:pt>
+    <dgm:pt modelId="{28388637-ABAC-45AC-B07E-11E01B773F57}" type="sibTrans" cxnId="{B06514B3-4B31-4CE8-90B5-8EEBBFE6FA37}">
+      <dgm:prSet/>
+      <dgm:spPr/>
+      <dgm:t>
+        <a:bodyPr/>
+        <a:lstStyle/>
+        <a:p>
+          <a:endParaRPr lang="en-US"/>
+        </a:p>
+      </dgm:t>
+    </dgm:pt>
+    <dgm:pt modelId="{91EDC876-38E6-456D-8A1C-ABE66CF6FA2E}" type="pres">
+      <dgm:prSet presAssocID="{6AD04B4C-60F5-465C-9709-995698D5FE24}" presName="root" presStyleCnt="0">
+        <dgm:presLayoutVars>
+          <dgm:dir/>
+          <dgm:resizeHandles val="exact"/>
+        </dgm:presLayoutVars>
+      </dgm:prSet>
+      <dgm:spPr/>
+    </dgm:pt>
+    <dgm:pt modelId="{93BE92C5-4541-41AE-93EB-2CD460DFF006}" type="pres">
+      <dgm:prSet presAssocID="{04AC4595-8AD5-48C7-B2A8-93E97055B03A}" presName="compNode" presStyleCnt="0"/>
+      <dgm:spPr/>
+    </dgm:pt>
+    <dgm:pt modelId="{E48408FF-3901-4F62-89E9-4A17D164A433}" type="pres">
+      <dgm:prSet presAssocID="{04AC4595-8AD5-48C7-B2A8-93E97055B03A}" presName="iconRect" presStyleLbl="node1" presStyleIdx="0" presStyleCnt="3"/>
+      <dgm:spPr>
+        <a:blipFill>
+          <a:blip xmlns:r="http://schemas.openxmlformats.org/officeDocument/2006/relationships" r:embed="rId2">
+            <a:extLst>
+              <a:ext uri="{28A0092B-C50C-407E-A947-70E740481C1C}">
+                <a14:useLocalDpi xmlns:a14="http://schemas.microsoft.com/office/drawing/2010/main" val="0"/>
+              </a:ext>
+              <a:ext uri="{96DAC541-7B7A-43D3-8B79-37D633B846F1}">
+                <asvg:svgBlip xmlns:asvg="http://schemas.microsoft.com/office/drawing/2016/SVG/main" r:embed="rId3"/>
+              </a:ext>
+            </a:extLst>
+          </a:blip>
+          <a:stretch>
+            <a:fillRect/>
+          </a:stretch>
+        </a:blipFill>
+      </dgm:spPr>
+      <dgm:extLst>
+        <a:ext uri="{E40237B7-FDA0-4F09-8148-C483321AD2D9}">
+          <dgm14:cNvPr xmlns:dgm14="http://schemas.microsoft.com/office/drawing/2010/diagram" id="0" name="" descr="Ученый"/>
+        </a:ext>
+      </dgm:extLst>
+    </dgm:pt>
+    <dgm:pt modelId="{92B547CC-81EC-4F4F-91EE-8606EEB7F04E}" type="pres">
+      <dgm:prSet presAssocID="{04AC4595-8AD5-48C7-B2A8-93E97055B03A}" presName="spaceRect" presStyleCnt="0"/>
+      <dgm:spPr/>
+    </dgm:pt>
+    <dgm:pt modelId="{30E72E0C-5711-4FBF-9F63-C79D6C11A30B}" type="pres">
+      <dgm:prSet presAssocID="{04AC4595-8AD5-48C7-B2A8-93E97055B03A}" presName="textRect" presStyleLbl="revTx" presStyleIdx="0" presStyleCnt="3">
+        <dgm:presLayoutVars>
+          <dgm:chMax val="1"/>
+          <dgm:chPref val="1"/>
+        </dgm:presLayoutVars>
+      </dgm:prSet>
+      <dgm:spPr/>
+    </dgm:pt>
+    <dgm:pt modelId="{96E82F3F-6DE9-486D-B94B-960FC5D629DA}" type="pres">
+      <dgm:prSet presAssocID="{392D7130-CB58-4D8F-B2F0-0F609A7EE7AE}" presName="sibTrans" presStyleCnt="0"/>
+      <dgm:spPr/>
+    </dgm:pt>
+    <dgm:pt modelId="{A423A231-CB4C-4194-AC09-8862CF62B7A4}" type="pres">
+      <dgm:prSet presAssocID="{D11CE598-5AD9-49AC-A71A-1305A7F99D20}" presName="compNode" presStyleCnt="0"/>
+      <dgm:spPr/>
+    </dgm:pt>
+    <dgm:pt modelId="{2EFD7285-6DCF-4BE2-BB92-20A7009DC627}" type="pres">
+      <dgm:prSet presAssocID="{D11CE598-5AD9-49AC-A71A-1305A7F99D20}" presName="iconRect" presStyleLbl="node1" presStyleIdx="1" presStyleCnt="3"/>
+      <dgm:spPr>
+        <a:blipFill>
+          <a:blip xmlns:r="http://schemas.openxmlformats.org/officeDocument/2006/relationships" r:embed="rId4">
+            <a:extLst>
+              <a:ext uri="{28A0092B-C50C-407E-A947-70E740481C1C}">
+                <a14:useLocalDpi xmlns:a14="http://schemas.microsoft.com/office/drawing/2010/main" val="0"/>
+              </a:ext>
+              <a:ext uri="{96DAC541-7B7A-43D3-8B79-37D633B846F1}">
+                <asvg:svgBlip xmlns:asvg="http://schemas.microsoft.com/office/drawing/2016/SVG/main" r:embed="rId5"/>
+              </a:ext>
+            </a:extLst>
+          </a:blip>
+          <a:stretch>
+            <a:fillRect/>
+          </a:stretch>
+        </a:blipFill>
+      </dgm:spPr>
+      <dgm:extLst>
+        <a:ext uri="{E40237B7-FDA0-4F09-8148-C483321AD2D9}">
+          <dgm14:cNvPr xmlns:dgm14="http://schemas.microsoft.com/office/drawing/2010/diagram" id="0" name="" descr="Хлопушка"/>
+        </a:ext>
+      </dgm:extLst>
+    </dgm:pt>
+    <dgm:pt modelId="{8CE2318B-3933-4E6F-BF53-30D271BD192B}" type="pres">
+      <dgm:prSet presAssocID="{D11CE598-5AD9-49AC-A71A-1305A7F99D20}" presName="spaceRect" presStyleCnt="0"/>
+      <dgm:spPr/>
+    </dgm:pt>
+    <dgm:pt modelId="{A43BC2E6-D9A0-4A87-9F23-671FDF1F5C72}" type="pres">
+      <dgm:prSet presAssocID="{D11CE598-5AD9-49AC-A71A-1305A7F99D20}" presName="textRect" presStyleLbl="revTx" presStyleIdx="1" presStyleCnt="3">
+        <dgm:presLayoutVars>
+          <dgm:chMax val="1"/>
+          <dgm:chPref val="1"/>
+        </dgm:presLayoutVars>
+      </dgm:prSet>
+      <dgm:spPr/>
+    </dgm:pt>
+    <dgm:pt modelId="{2331BB6F-6510-4EF0-9D3F-5309E7D0B88C}" type="pres">
+      <dgm:prSet presAssocID="{49100B9F-D029-46A4-A424-10D6AF63293E}" presName="sibTrans" presStyleCnt="0"/>
+      <dgm:spPr/>
+    </dgm:pt>
+    <dgm:pt modelId="{D3EE28F2-C696-42A8-A0F2-C2D732DC5AB8}" type="pres">
+      <dgm:prSet presAssocID="{AF4B761E-2712-4D7D-83F3-2A925391FD6D}" presName="compNode" presStyleCnt="0"/>
+      <dgm:spPr/>
+    </dgm:pt>
+    <dgm:pt modelId="{0FFEA184-8FA6-49BD-8B62-8AC2EA62044F}" type="pres">
+      <dgm:prSet presAssocID="{AF4B761E-2712-4D7D-83F3-2A925391FD6D}" presName="iconRect" presStyleLbl="node1" presStyleIdx="2" presStyleCnt="3"/>
+      <dgm:spPr>
+        <a:blipFill>
+          <a:blip xmlns:r="http://schemas.openxmlformats.org/officeDocument/2006/relationships" r:embed="rId6">
+            <a:extLst>
+              <a:ext uri="{28A0092B-C50C-407E-A947-70E740481C1C}">
+                <a14:useLocalDpi xmlns:a14="http://schemas.microsoft.com/office/drawing/2010/main" val="0"/>
+              </a:ext>
+              <a:ext uri="{96DAC541-7B7A-43D3-8B79-37D633B846F1}">
+                <asvg:svgBlip xmlns:asvg="http://schemas.microsoft.com/office/drawing/2016/SVG/main" r:embed="rId7"/>
+              </a:ext>
+            </a:extLst>
+          </a:blip>
+          <a:stretch>
+            <a:fillRect/>
+          </a:stretch>
+        </a:blipFill>
+      </dgm:spPr>
+      <dgm:extLst>
+        <a:ext uri="{E40237B7-FDA0-4F09-8148-C483321AD2D9}">
+          <dgm14:cNvPr xmlns:dgm14="http://schemas.microsoft.com/office/drawing/2010/diagram" id="0" name="" descr="Флажок"/>
+        </a:ext>
+      </dgm:extLst>
+    </dgm:pt>
+    <dgm:pt modelId="{3C04D183-207F-459E-A395-9DDA3F8F91C6}" type="pres">
+      <dgm:prSet presAssocID="{AF4B761E-2712-4D7D-83F3-2A925391FD6D}" presName="spaceRect" presStyleCnt="0"/>
+      <dgm:spPr/>
+    </dgm:pt>
+    <dgm:pt modelId="{F5425606-FE9C-4B59-835C-4E2E30161C30}" type="pres">
+      <dgm:prSet presAssocID="{AF4B761E-2712-4D7D-83F3-2A925391FD6D}" presName="textRect" presStyleLbl="revTx" presStyleIdx="2" presStyleCnt="3">
+        <dgm:presLayoutVars>
+          <dgm:chMax val="1"/>
+          <dgm:chPref val="1"/>
+        </dgm:presLayoutVars>
+      </dgm:prSet>
+      <dgm:spPr/>
+    </dgm:pt>
+  </dgm:ptLst>
+  <dgm:cxnLst>
+    <dgm:cxn modelId="{E5342200-7CAC-434B-B704-8782DF07DBBE}" type="presOf" srcId="{D11CE598-5AD9-49AC-A71A-1305A7F99D20}" destId="{A43BC2E6-D9A0-4A87-9F23-671FDF1F5C72}" srcOrd="0" destOrd="0" presId="urn:microsoft.com/office/officeart/2018/2/layout/IconLabelList"/>
+    <dgm:cxn modelId="{39458200-2184-4F5D-A0CA-810D95D898F4}" srcId="{6AD04B4C-60F5-465C-9709-995698D5FE24}" destId="{04AC4595-8AD5-48C7-B2A8-93E97055B03A}" srcOrd="0" destOrd="0" parTransId="{7BBD8823-23DB-4D2C-B892-CD8D764BA283}" sibTransId="{392D7130-CB58-4D8F-B2F0-0F609A7EE7AE}"/>
+    <dgm:cxn modelId="{0593A253-F50C-4870-A728-EFCF380C2B42}" type="presOf" srcId="{04AC4595-8AD5-48C7-B2A8-93E97055B03A}" destId="{30E72E0C-5711-4FBF-9F63-C79D6C11A30B}" srcOrd="0" destOrd="0" presId="urn:microsoft.com/office/officeart/2018/2/layout/IconLabelList"/>
+    <dgm:cxn modelId="{B06514B3-4B31-4CE8-90B5-8EEBBFE6FA37}" srcId="{6AD04B4C-60F5-465C-9709-995698D5FE24}" destId="{AF4B761E-2712-4D7D-83F3-2A925391FD6D}" srcOrd="2" destOrd="0" parTransId="{3C4364D4-8A95-4C43-9E8A-EA56F1EB33E5}" sibTransId="{28388637-ABAC-45AC-B07E-11E01B773F57}"/>
+    <dgm:cxn modelId="{3E6C93B4-F31C-4D18-8C63-558B4B0C7FAC}" type="presOf" srcId="{AF4B761E-2712-4D7D-83F3-2A925391FD6D}" destId="{F5425606-FE9C-4B59-835C-4E2E30161C30}" srcOrd="0" destOrd="0" presId="urn:microsoft.com/office/officeart/2018/2/layout/IconLabelList"/>
+    <dgm:cxn modelId="{30E845ED-FD61-45BB-BE55-86CAECBC30B4}" srcId="{6AD04B4C-60F5-465C-9709-995698D5FE24}" destId="{D11CE598-5AD9-49AC-A71A-1305A7F99D20}" srcOrd="1" destOrd="0" parTransId="{DA755164-9019-4F51-BE7A-A6736A006F8F}" sibTransId="{49100B9F-D029-46A4-A424-10D6AF63293E}"/>
+    <dgm:cxn modelId="{72FF12F4-F006-4B25-8487-6A31AE150782}" type="presOf" srcId="{6AD04B4C-60F5-465C-9709-995698D5FE24}" destId="{91EDC876-38E6-456D-8A1C-ABE66CF6FA2E}" srcOrd="0" destOrd="0" presId="urn:microsoft.com/office/officeart/2018/2/layout/IconLabelList"/>
+    <dgm:cxn modelId="{FFE5C073-CEBA-4DEF-ACEC-581F1E34EA16}" type="presParOf" srcId="{91EDC876-38E6-456D-8A1C-ABE66CF6FA2E}" destId="{93BE92C5-4541-41AE-93EB-2CD460DFF006}" srcOrd="0" destOrd="0" presId="urn:microsoft.com/office/officeart/2018/2/layout/IconLabelList"/>
+    <dgm:cxn modelId="{9FABC015-0233-4868-83D8-04C7C904AE34}" type="presParOf" srcId="{93BE92C5-4541-41AE-93EB-2CD460DFF006}" destId="{E48408FF-3901-4F62-89E9-4A17D164A433}" srcOrd="0" destOrd="0" presId="urn:microsoft.com/office/officeart/2018/2/layout/IconLabelList"/>
+    <dgm:cxn modelId="{92215F8D-96BA-4C14-B5CF-F821E27080CC}" type="presParOf" srcId="{93BE92C5-4541-41AE-93EB-2CD460DFF006}" destId="{92B547CC-81EC-4F4F-91EE-8606EEB7F04E}" srcOrd="1" destOrd="0" presId="urn:microsoft.com/office/officeart/2018/2/layout/IconLabelList"/>
+    <dgm:cxn modelId="{8D869ECF-AA5E-4DB2-A5B6-AB334A4AEDD1}" type="presParOf" srcId="{93BE92C5-4541-41AE-93EB-2CD460DFF006}" destId="{30E72E0C-5711-4FBF-9F63-C79D6C11A30B}" srcOrd="2" destOrd="0" presId="urn:microsoft.com/office/officeart/2018/2/layout/IconLabelList"/>
+    <dgm:cxn modelId="{5259EDF1-C15B-40A9-AD03-8FED246F7C65}" type="presParOf" srcId="{91EDC876-38E6-456D-8A1C-ABE66CF6FA2E}" destId="{96E82F3F-6DE9-486D-B94B-960FC5D629DA}" srcOrd="1" destOrd="0" presId="urn:microsoft.com/office/officeart/2018/2/layout/IconLabelList"/>
+    <dgm:cxn modelId="{CF46FC77-64DF-4622-806B-B8A76CAC97C9}" type="presParOf" srcId="{91EDC876-38E6-456D-8A1C-ABE66CF6FA2E}" destId="{A423A231-CB4C-4194-AC09-8862CF62B7A4}" srcOrd="2" destOrd="0" presId="urn:microsoft.com/office/officeart/2018/2/layout/IconLabelList"/>
+    <dgm:cxn modelId="{66A80D77-BB3F-4141-8E1B-1E049BB37C55}" type="presParOf" srcId="{A423A231-CB4C-4194-AC09-8862CF62B7A4}" destId="{2EFD7285-6DCF-4BE2-BB92-20A7009DC627}" srcOrd="0" destOrd="0" presId="urn:microsoft.com/office/officeart/2018/2/layout/IconLabelList"/>
+    <dgm:cxn modelId="{0C6BCE0B-F01E-4B63-9115-43EBEEB4D061}" type="presParOf" srcId="{A423A231-CB4C-4194-AC09-8862CF62B7A4}" destId="{8CE2318B-3933-4E6F-BF53-30D271BD192B}" srcOrd="1" destOrd="0" presId="urn:microsoft.com/office/officeart/2018/2/layout/IconLabelList"/>
+    <dgm:cxn modelId="{7956B483-AECD-4DFA-83A0-5339AA6C7C43}" type="presParOf" srcId="{A423A231-CB4C-4194-AC09-8862CF62B7A4}" destId="{A43BC2E6-D9A0-4A87-9F23-671FDF1F5C72}" srcOrd="2" destOrd="0" presId="urn:microsoft.com/office/officeart/2018/2/layout/IconLabelList"/>
+    <dgm:cxn modelId="{78CAF2CF-2C21-4204-A2F5-1599E42B562D}" type="presParOf" srcId="{91EDC876-38E6-456D-8A1C-ABE66CF6FA2E}" destId="{2331BB6F-6510-4EF0-9D3F-5309E7D0B88C}" srcOrd="3" destOrd="0" presId="urn:microsoft.com/office/officeart/2018/2/layout/IconLabelList"/>
+    <dgm:cxn modelId="{6125E7DB-85D9-4012-AD0F-2F2A9FD60887}" type="presParOf" srcId="{91EDC876-38E6-456D-8A1C-ABE66CF6FA2E}" destId="{D3EE28F2-C696-42A8-A0F2-C2D732DC5AB8}" srcOrd="4" destOrd="0" presId="urn:microsoft.com/office/officeart/2018/2/layout/IconLabelList"/>
+    <dgm:cxn modelId="{F0ED0FE6-4443-4393-8C5B-60FD51F75DF5}" type="presParOf" srcId="{D3EE28F2-C696-42A8-A0F2-C2D732DC5AB8}" destId="{0FFEA184-8FA6-49BD-8B62-8AC2EA62044F}" srcOrd="0" destOrd="0" presId="urn:microsoft.com/office/officeart/2018/2/layout/IconLabelList"/>
+    <dgm:cxn modelId="{010F4C52-B971-4161-AAEB-2F54BBFD4846}" type="presParOf" srcId="{D3EE28F2-C696-42A8-A0F2-C2D732DC5AB8}" destId="{3C04D183-207F-459E-A395-9DDA3F8F91C6}" srcOrd="1" destOrd="0" presId="urn:microsoft.com/office/officeart/2018/2/layout/IconLabelList"/>
+    <dgm:cxn modelId="{0760B00D-E3D7-4763-9D06-34B67075469B}" type="presParOf" srcId="{D3EE28F2-C696-42A8-A0F2-C2D732DC5AB8}" destId="{F5425606-FE9C-4B59-835C-4E2E30161C30}" srcOrd="2" destOrd="0" presId="urn:microsoft.com/office/officeart/2018/2/layout/IconLabelList"/>
+  </dgm:cxnLst>
+  <dgm:bg/>
+  <dgm:whole/>
+  <dgm:extLst>
+    <a:ext uri="http://schemas.microsoft.com/office/drawing/2008/diagram">
+      <dsp:dataModelExt xmlns:dsp="http://schemas.microsoft.com/office/drawing/2008/diagram" relId="rId6" minVer="http://schemas.openxmlformats.org/drawingml/2006/diagram"/>
+    </a:ext>
+  </dgm:extLst>
+</dgm:dataModel>
+</file>
+
+<file path=ppt/diagrams/drawing1.xml><?xml version="1.0" encoding="utf-8"?>
+<dsp:drawing xmlns:dgm="http://schemas.openxmlformats.org/drawingml/2006/diagram" xmlns:dsp="http://schemas.microsoft.com/office/drawing/2008/diagram" xmlns:a="http://schemas.openxmlformats.org/drawingml/2006/main">
+  <dsp:spTree>
+    <dsp:nvGrpSpPr>
+      <dsp:cNvPr id="0" name=""/>
+      <dsp:cNvGrpSpPr/>
+    </dsp:nvGrpSpPr>
+    <dsp:grpSpPr/>
+    <dsp:sp modelId="{E6D253A4-5863-4C62-BEC3-D22F9692FEFD}">
+      <dsp:nvSpPr>
+        <dsp:cNvPr id="0" name=""/>
+        <dsp:cNvSpPr/>
+      </dsp:nvSpPr>
+      <dsp:spPr>
+        <a:xfrm>
+          <a:off x="0" y="660721"/>
+          <a:ext cx="5257800" cy="1006931"/>
+        </a:xfrm>
+        <a:prstGeom prst="roundRect">
+          <a:avLst/>
+        </a:prstGeom>
+        <a:solidFill>
+          <a:schemeClr val="accent5">
+            <a:hueOff val="0"/>
+            <a:satOff val="0"/>
+            <a:lumOff val="0"/>
+            <a:alphaOff val="0"/>
+          </a:schemeClr>
+        </a:solidFill>
+        <a:ln w="12700" cap="flat" cmpd="sng" algn="ctr">
+          <a:solidFill>
+            <a:schemeClr val="lt1">
+              <a:hueOff val="0"/>
+              <a:satOff val="0"/>
+              <a:lumOff val="0"/>
+              <a:alphaOff val="0"/>
+            </a:schemeClr>
+          </a:solidFill>
+          <a:prstDash val="solid"/>
+          <a:miter lim="800000"/>
+        </a:ln>
+        <a:effectLst/>
+      </dsp:spPr>
+      <dsp:style>
+        <a:lnRef idx="2">
+          <a:scrgbClr r="0" g="0" b="0"/>
+        </a:lnRef>
+        <a:fillRef idx="1">
+          <a:scrgbClr r="0" g="0" b="0"/>
+        </a:fillRef>
+        <a:effectRef idx="0">
+          <a:scrgbClr r="0" g="0" b="0"/>
+        </a:effectRef>
+        <a:fontRef idx="minor">
+          <a:schemeClr val="lt1"/>
+        </a:fontRef>
+      </dsp:style>
+      <dsp:txBody>
+        <a:bodyPr spcFirstLastPara="0" vert="horz" wrap="square" lIns="68580" tIns="68580" rIns="68580" bIns="68580" numCol="1" spcCol="1270" anchor="ctr" anchorCtr="0">
+          <a:noAutofit/>
+        </a:bodyPr>
+        <a:lstStyle/>
+        <a:p>
+          <a:pPr marL="0" lvl="0" indent="0" algn="l" defTabSz="800100">
+            <a:lnSpc>
+              <a:spcPct val="90000"/>
+            </a:lnSpc>
+            <a:spcBef>
+              <a:spcPct val="0"/>
+            </a:spcBef>
+            <a:spcAft>
+              <a:spcPct val="35000"/>
+            </a:spcAft>
+            <a:buNone/>
+          </a:pPr>
+          <a:r>
+            <a:rPr lang="ru-RU" sz="1800" b="1" kern="1200"/>
+            <a:t>генетика</a:t>
+          </a:r>
+          <a:r>
+            <a:rPr lang="ru-RU" sz="1800" kern="1200"/>
+            <a:t> (соотношение мышечных волокон, рычагов и т. п.)</a:t>
+          </a:r>
+          <a:endParaRPr lang="en-US" sz="1800" kern="1200"/>
+        </a:p>
+      </dsp:txBody>
+      <dsp:txXfrm>
+        <a:off x="49154" y="709875"/>
+        <a:ext cx="5159492" cy="908623"/>
+      </dsp:txXfrm>
+    </dsp:sp>
+    <dsp:sp modelId="{8247A9A4-06A5-4904-A1BB-CCFB9454C1A9}">
+      <dsp:nvSpPr>
+        <dsp:cNvPr id="0" name=""/>
+        <dsp:cNvSpPr/>
+      </dsp:nvSpPr>
+      <dsp:spPr>
+        <a:xfrm>
+          <a:off x="0" y="1719492"/>
+          <a:ext cx="5257800" cy="1006931"/>
+        </a:xfrm>
+        <a:prstGeom prst="roundRect">
+          <a:avLst/>
+        </a:prstGeom>
+        <a:solidFill>
+          <a:schemeClr val="accent5">
+            <a:hueOff val="-2252848"/>
+            <a:satOff val="-5806"/>
+            <a:lumOff val="-3922"/>
+            <a:alphaOff val="0"/>
+          </a:schemeClr>
+        </a:solidFill>
+        <a:ln w="12700" cap="flat" cmpd="sng" algn="ctr">
+          <a:solidFill>
+            <a:schemeClr val="lt1">
+              <a:hueOff val="0"/>
+              <a:satOff val="0"/>
+              <a:lumOff val="0"/>
+              <a:alphaOff val="0"/>
+            </a:schemeClr>
+          </a:solidFill>
+          <a:prstDash val="solid"/>
+          <a:miter lim="800000"/>
+        </a:ln>
+        <a:effectLst/>
+      </dsp:spPr>
+      <dsp:style>
+        <a:lnRef idx="2">
+          <a:scrgbClr r="0" g="0" b="0"/>
+        </a:lnRef>
+        <a:fillRef idx="1">
+          <a:scrgbClr r="0" g="0" b="0"/>
+        </a:fillRef>
+        <a:effectRef idx="0">
+          <a:scrgbClr r="0" g="0" b="0"/>
+        </a:effectRef>
+        <a:fontRef idx="minor">
+          <a:schemeClr val="lt1"/>
+        </a:fontRef>
+      </dsp:style>
+      <dsp:txBody>
+        <a:bodyPr spcFirstLastPara="0" vert="horz" wrap="square" lIns="68580" tIns="68580" rIns="68580" bIns="68580" numCol="1" spcCol="1270" anchor="ctr" anchorCtr="0">
+          <a:noAutofit/>
+        </a:bodyPr>
+        <a:lstStyle/>
+        <a:p>
+          <a:pPr marL="0" lvl="0" indent="0" algn="l" defTabSz="800100">
+            <a:lnSpc>
+              <a:spcPct val="90000"/>
+            </a:lnSpc>
+            <a:spcBef>
+              <a:spcPct val="0"/>
+            </a:spcBef>
+            <a:spcAft>
+              <a:spcPct val="35000"/>
+            </a:spcAft>
+            <a:buNone/>
+          </a:pPr>
+          <a:r>
+            <a:rPr lang="ru-RU" sz="1800" b="1" kern="1200"/>
+            <a:t>опыт тренировок </a:t>
+          </a:r>
+          <a:r>
+            <a:rPr lang="ru-RU" sz="1800" kern="1200"/>
+            <a:t>(чем больше опыт, тем больше может быть как импульс ЦНС, так и порог его подавления, так и запасы креатинфосфата и т. п.) </a:t>
+          </a:r>
+          <a:endParaRPr lang="en-US" sz="1800" kern="1200"/>
+        </a:p>
+      </dsp:txBody>
+      <dsp:txXfrm>
+        <a:off x="49154" y="1768646"/>
+        <a:ext cx="5159492" cy="908623"/>
+      </dsp:txXfrm>
+    </dsp:sp>
+    <dsp:sp modelId="{0D470848-E162-44B4-BF4E-85E140313180}">
+      <dsp:nvSpPr>
+        <dsp:cNvPr id="0" name=""/>
+        <dsp:cNvSpPr/>
+      </dsp:nvSpPr>
+      <dsp:spPr>
+        <a:xfrm>
+          <a:off x="0" y="2778263"/>
+          <a:ext cx="5257800" cy="1006931"/>
+        </a:xfrm>
+        <a:prstGeom prst="roundRect">
+          <a:avLst/>
+        </a:prstGeom>
+        <a:solidFill>
+          <a:schemeClr val="accent5">
+            <a:hueOff val="-4505695"/>
+            <a:satOff val="-11613"/>
+            <a:lumOff val="-7843"/>
+            <a:alphaOff val="0"/>
+          </a:schemeClr>
+        </a:solidFill>
+        <a:ln w="12700" cap="flat" cmpd="sng" algn="ctr">
+          <a:solidFill>
+            <a:schemeClr val="lt1">
+              <a:hueOff val="0"/>
+              <a:satOff val="0"/>
+              <a:lumOff val="0"/>
+              <a:alphaOff val="0"/>
+            </a:schemeClr>
+          </a:solidFill>
+          <a:prstDash val="solid"/>
+          <a:miter lim="800000"/>
+        </a:ln>
+        <a:effectLst/>
+      </dsp:spPr>
+      <dsp:style>
+        <a:lnRef idx="2">
+          <a:scrgbClr r="0" g="0" b="0"/>
+        </a:lnRef>
+        <a:fillRef idx="1">
+          <a:scrgbClr r="0" g="0" b="0"/>
+        </a:fillRef>
+        <a:effectRef idx="0">
+          <a:scrgbClr r="0" g="0" b="0"/>
+        </a:effectRef>
+        <a:fontRef idx="minor">
+          <a:schemeClr val="lt1"/>
+        </a:fontRef>
+      </dsp:style>
+      <dsp:txBody>
+        <a:bodyPr spcFirstLastPara="0" vert="horz" wrap="square" lIns="68580" tIns="68580" rIns="68580" bIns="68580" numCol="1" spcCol="1270" anchor="ctr" anchorCtr="0">
+          <a:noAutofit/>
+        </a:bodyPr>
+        <a:lstStyle/>
+        <a:p>
+          <a:pPr marL="0" lvl="0" indent="0" algn="l" defTabSz="800100">
+            <a:lnSpc>
+              <a:spcPct val="90000"/>
+            </a:lnSpc>
+            <a:spcBef>
+              <a:spcPct val="0"/>
+            </a:spcBef>
+            <a:spcAft>
+              <a:spcPct val="35000"/>
+            </a:spcAft>
+            <a:buNone/>
+          </a:pPr>
+          <a:r>
+            <a:rPr lang="ru-RU" sz="1800" b="1" kern="1200"/>
+            <a:t>общая конституция </a:t>
+          </a:r>
+          <a:r>
+            <a:rPr lang="ru-RU" sz="1800" kern="1200"/>
+            <a:t>(тип телосложения, рост, соотношение роста и функционального веса)</a:t>
+          </a:r>
+          <a:endParaRPr lang="en-US" sz="1800" kern="1200"/>
+        </a:p>
+      </dsp:txBody>
+      <dsp:txXfrm>
+        <a:off x="49154" y="2827417"/>
+        <a:ext cx="5159492" cy="908623"/>
+      </dsp:txXfrm>
+    </dsp:sp>
+    <dsp:sp modelId="{33C68A7D-F828-4F12-9D6A-4BAB8FE43AA6}">
+      <dsp:nvSpPr>
+        <dsp:cNvPr id="0" name=""/>
+        <dsp:cNvSpPr/>
+      </dsp:nvSpPr>
+      <dsp:spPr>
+        <a:xfrm>
+          <a:off x="0" y="3837035"/>
+          <a:ext cx="5257800" cy="1006931"/>
+        </a:xfrm>
+        <a:prstGeom prst="roundRect">
+          <a:avLst/>
+        </a:prstGeom>
+        <a:solidFill>
+          <a:schemeClr val="accent5">
+            <a:hueOff val="-6758543"/>
+            <a:satOff val="-17419"/>
+            <a:lumOff val="-11765"/>
+            <a:alphaOff val="0"/>
+          </a:schemeClr>
+        </a:solidFill>
+        <a:ln w="12700" cap="flat" cmpd="sng" algn="ctr">
+          <a:solidFill>
+            <a:schemeClr val="lt1">
+              <a:hueOff val="0"/>
+              <a:satOff val="0"/>
+              <a:lumOff val="0"/>
+              <a:alphaOff val="0"/>
+            </a:schemeClr>
+          </a:solidFill>
+          <a:prstDash val="solid"/>
+          <a:miter lim="800000"/>
+        </a:ln>
+        <a:effectLst/>
+      </dsp:spPr>
+      <dsp:style>
+        <a:lnRef idx="2">
+          <a:scrgbClr r="0" g="0" b="0"/>
+        </a:lnRef>
+        <a:fillRef idx="1">
+          <a:scrgbClr r="0" g="0" b="0"/>
+        </a:fillRef>
+        <a:effectRef idx="0">
+          <a:scrgbClr r="0" g="0" b="0"/>
+        </a:effectRef>
+        <a:fontRef idx="minor">
+          <a:schemeClr val="lt1"/>
+        </a:fontRef>
+      </dsp:style>
+      <dsp:txBody>
+        <a:bodyPr spcFirstLastPara="0" vert="horz" wrap="square" lIns="68580" tIns="68580" rIns="68580" bIns="68580" numCol="1" spcCol="1270" anchor="ctr" anchorCtr="0">
+          <a:noAutofit/>
+        </a:bodyPr>
+        <a:lstStyle/>
+        <a:p>
+          <a:pPr marL="0" lvl="0" indent="0" algn="l" defTabSz="800100">
+            <a:lnSpc>
+              <a:spcPct val="90000"/>
+            </a:lnSpc>
+            <a:spcBef>
+              <a:spcPct val="0"/>
+            </a:spcBef>
+            <a:spcAft>
+              <a:spcPct val="35000"/>
+            </a:spcAft>
+            <a:buNone/>
+          </a:pPr>
+          <a:r>
+            <a:rPr lang="ru-RU" sz="1800" b="1" kern="1200"/>
+            <a:t>техника</a:t>
+          </a:r>
+          <a:r>
+            <a:rPr lang="ru-RU" sz="1800" kern="1200"/>
+            <a:t> выполнения упражнения</a:t>
+          </a:r>
+          <a:endParaRPr lang="en-US" sz="1800" kern="1200"/>
+        </a:p>
+      </dsp:txBody>
+      <dsp:txXfrm>
+        <a:off x="49154" y="3886189"/>
+        <a:ext cx="5159492" cy="908623"/>
+      </dsp:txXfrm>
+    </dsp:sp>
+  </dsp:spTree>
+</dsp:drawing>
+</file>
+
+<file path=ppt/diagrams/drawing2.xml><?xml version="1.0" encoding="utf-8"?>
+<dsp:drawing xmlns:dgm="http://schemas.openxmlformats.org/drawingml/2006/diagram" xmlns:dsp="http://schemas.microsoft.com/office/drawing/2008/diagram" xmlns:a="http://schemas.openxmlformats.org/drawingml/2006/main">
+  <dsp:spTree>
+    <dsp:nvGrpSpPr>
+      <dsp:cNvPr id="0" name=""/>
+      <dsp:cNvGrpSpPr/>
+    </dsp:nvGrpSpPr>
+    <dsp:grpSpPr/>
+    <dsp:sp modelId="{E48408FF-3901-4F62-89E9-4A17D164A433}">
+      <dsp:nvSpPr>
+        <dsp:cNvPr id="0" name=""/>
+        <dsp:cNvSpPr/>
+      </dsp:nvSpPr>
+      <dsp:spPr>
+        <a:xfrm>
+          <a:off x="1244548" y="528365"/>
+          <a:ext cx="1305787" cy="1305787"/>
+        </a:xfrm>
+        <a:prstGeom prst="rect">
+          <a:avLst/>
+        </a:prstGeom>
+        <a:blipFill>
+          <a:blip xmlns:r="http://schemas.openxmlformats.org/officeDocument/2006/relationships" r:embed="rId1">
+            <a:extLst>
+              <a:ext uri="{28A0092B-C50C-407E-A947-70E740481C1C}">
+                <a14:useLocalDpi xmlns:a14="http://schemas.microsoft.com/office/drawing/2010/main" val="0"/>
+              </a:ext>
+              <a:ext uri="{96DAC541-7B7A-43D3-8B79-37D633B846F1}">
+                <asvg:svgBlip xmlns:asvg="http://schemas.microsoft.com/office/drawing/2016/SVG/main" r:embed="rId2"/>
+              </a:ext>
+            </a:extLst>
+          </a:blip>
+          <a:stretch>
+            <a:fillRect/>
+          </a:stretch>
+        </a:blipFill>
+        <a:ln w="12700" cap="flat" cmpd="sng" algn="ctr">
+          <a:solidFill>
+            <a:schemeClr val="lt1">
+              <a:hueOff val="0"/>
+              <a:satOff val="0"/>
+              <a:lumOff val="0"/>
+              <a:alphaOff val="0"/>
+            </a:schemeClr>
+          </a:solidFill>
+          <a:prstDash val="solid"/>
+          <a:miter lim="800000"/>
+        </a:ln>
+        <a:effectLst/>
+      </dsp:spPr>
+      <dsp:style>
+        <a:lnRef idx="2">
+          <a:scrgbClr r="0" g="0" b="0"/>
+        </a:lnRef>
+        <a:fillRef idx="1">
+          <a:scrgbClr r="0" g="0" b="0"/>
+        </a:fillRef>
+        <a:effectRef idx="0">
+          <a:scrgbClr r="0" g="0" b="0"/>
+        </a:effectRef>
+        <a:fontRef idx="minor">
+          <a:schemeClr val="lt1"/>
+        </a:fontRef>
+      </dsp:style>
+    </dsp:sp>
+    <dsp:sp modelId="{30E72E0C-5711-4FBF-9F63-C79D6C11A30B}">
+      <dsp:nvSpPr>
+        <dsp:cNvPr id="0" name=""/>
+        <dsp:cNvSpPr/>
+      </dsp:nvSpPr>
+      <dsp:spPr>
+        <a:xfrm>
+          <a:off x="446567" y="2306972"/>
+          <a:ext cx="2901749" cy="1372675"/>
+        </a:xfrm>
+        <a:prstGeom prst="rect">
+          <a:avLst/>
+        </a:prstGeom>
+        <a:noFill/>
+        <a:ln>
+          <a:noFill/>
+        </a:ln>
+        <a:effectLst/>
+      </dsp:spPr>
+      <dsp:style>
+        <a:lnRef idx="0">
+          <a:scrgbClr r="0" g="0" b="0"/>
+        </a:lnRef>
+        <a:fillRef idx="0">
+          <a:scrgbClr r="0" g="0" b="0"/>
+        </a:fillRef>
+        <a:effectRef idx="0">
+          <a:scrgbClr r="0" g="0" b="0"/>
+        </a:effectRef>
+        <a:fontRef idx="minor"/>
+      </dsp:style>
+      <dsp:txBody>
+        <a:bodyPr spcFirstLastPara="0" vert="horz" wrap="square" lIns="0" tIns="0" rIns="0" bIns="0" numCol="1" spcCol="1270" anchor="t" anchorCtr="0">
+          <a:noAutofit/>
+        </a:bodyPr>
+        <a:lstStyle/>
+        <a:p>
+          <a:pPr marL="0" lvl="0" indent="0" algn="ctr" defTabSz="488950">
+            <a:lnSpc>
+              <a:spcPct val="100000"/>
+            </a:lnSpc>
+            <a:spcBef>
+              <a:spcPct val="0"/>
+            </a:spcBef>
+            <a:spcAft>
+              <a:spcPct val="35000"/>
+            </a:spcAft>
+            <a:buNone/>
+          </a:pPr>
+          <a:r>
+            <a:rPr lang="ru-RU" sz="1100" kern="1200"/>
+            <a:t>В результате проведённого исследования была найдена модель, не зависящая от типа телосложения, опыта тренировок и многих других характеристик, но при этом дающая хорошие результаты на 85% данных.</a:t>
+          </a:r>
+          <a:endParaRPr lang="en-US" sz="1100" kern="1200"/>
+        </a:p>
+      </dsp:txBody>
+      <dsp:txXfrm>
+        <a:off x="446567" y="2306972"/>
+        <a:ext cx="2901749" cy="1372675"/>
+      </dsp:txXfrm>
+    </dsp:sp>
+    <dsp:sp modelId="{2EFD7285-6DCF-4BE2-BB92-20A7009DC627}">
+      <dsp:nvSpPr>
+        <dsp:cNvPr id="0" name=""/>
+        <dsp:cNvSpPr/>
+      </dsp:nvSpPr>
+      <dsp:spPr>
+        <a:xfrm>
+          <a:off x="4654103" y="528365"/>
+          <a:ext cx="1305787" cy="1305787"/>
+        </a:xfrm>
+        <a:prstGeom prst="rect">
+          <a:avLst/>
+        </a:prstGeom>
+        <a:blipFill>
+          <a:blip xmlns:r="http://schemas.openxmlformats.org/officeDocument/2006/relationships" r:embed="rId3">
+            <a:extLst>
+              <a:ext uri="{28A0092B-C50C-407E-A947-70E740481C1C}">
+                <a14:useLocalDpi xmlns:a14="http://schemas.microsoft.com/office/drawing/2010/main" val="0"/>
+              </a:ext>
+              <a:ext uri="{96DAC541-7B7A-43D3-8B79-37D633B846F1}">
+                <asvg:svgBlip xmlns:asvg="http://schemas.microsoft.com/office/drawing/2016/SVG/main" r:embed="rId4"/>
+              </a:ext>
+            </a:extLst>
+          </a:blip>
+          <a:stretch>
+            <a:fillRect/>
+          </a:stretch>
+        </a:blipFill>
+        <a:ln w="12700" cap="flat" cmpd="sng" algn="ctr">
+          <a:solidFill>
+            <a:schemeClr val="lt1">
+              <a:hueOff val="0"/>
+              <a:satOff val="0"/>
+              <a:lumOff val="0"/>
+              <a:alphaOff val="0"/>
+            </a:schemeClr>
+          </a:solidFill>
+          <a:prstDash val="solid"/>
+          <a:miter lim="800000"/>
+        </a:ln>
+        <a:effectLst/>
+      </dsp:spPr>
+      <dsp:style>
+        <a:lnRef idx="2">
+          <a:scrgbClr r="0" g="0" b="0"/>
+        </a:lnRef>
+        <a:fillRef idx="1">
+          <a:scrgbClr r="0" g="0" b="0"/>
+        </a:fillRef>
+        <a:effectRef idx="0">
+          <a:scrgbClr r="0" g="0" b="0"/>
+        </a:effectRef>
+        <a:fontRef idx="minor">
+          <a:schemeClr val="lt1"/>
+        </a:fontRef>
+      </dsp:style>
+    </dsp:sp>
+    <dsp:sp modelId="{A43BC2E6-D9A0-4A87-9F23-671FDF1F5C72}">
+      <dsp:nvSpPr>
+        <dsp:cNvPr id="0" name=""/>
+        <dsp:cNvSpPr/>
+      </dsp:nvSpPr>
+      <dsp:spPr>
+        <a:xfrm>
+          <a:off x="3856122" y="2306972"/>
+          <a:ext cx="2901749" cy="1372675"/>
+        </a:xfrm>
+        <a:prstGeom prst="rect">
+          <a:avLst/>
+        </a:prstGeom>
+        <a:noFill/>
+        <a:ln>
+          <a:noFill/>
+        </a:ln>
+        <a:effectLst/>
+      </dsp:spPr>
+      <dsp:style>
+        <a:lnRef idx="0">
+          <a:scrgbClr r="0" g="0" b="0"/>
+        </a:lnRef>
+        <a:fillRef idx="0">
+          <a:scrgbClr r="0" g="0" b="0"/>
+        </a:fillRef>
+        <a:effectRef idx="0">
+          <a:scrgbClr r="0" g="0" b="0"/>
+        </a:effectRef>
+        <a:fontRef idx="minor"/>
+      </dsp:style>
+      <dsp:txBody>
+        <a:bodyPr spcFirstLastPara="0" vert="horz" wrap="square" lIns="0" tIns="0" rIns="0" bIns="0" numCol="1" spcCol="1270" anchor="t" anchorCtr="0">
+          <a:noAutofit/>
+        </a:bodyPr>
+        <a:lstStyle/>
+        <a:p>
+          <a:pPr marL="0" lvl="0" indent="0" algn="ctr" defTabSz="488950">
+            <a:lnSpc>
+              <a:spcPct val="100000"/>
+            </a:lnSpc>
+            <a:spcBef>
+              <a:spcPct val="0"/>
+            </a:spcBef>
+            <a:spcAft>
+              <a:spcPct val="35000"/>
+            </a:spcAft>
+            <a:buNone/>
+          </a:pPr>
+          <a:r>
+            <a:rPr lang="ru-RU" sz="1100" kern="1200"/>
+            <a:t>Я уверен, что большие погрешности в единичных случаях – это та часть закономерности, зависящая от человека и многих неучтённых характеристик. Тем не менее, влияние этих неучтённых факторов далеко не так велико, как предполагали многие: намного больше повторный максимум зависит от обычной математики.</a:t>
+          </a:r>
+          <a:endParaRPr lang="en-US" sz="1100" kern="1200"/>
+        </a:p>
+      </dsp:txBody>
+      <dsp:txXfrm>
+        <a:off x="3856122" y="2306972"/>
+        <a:ext cx="2901749" cy="1372675"/>
+      </dsp:txXfrm>
+    </dsp:sp>
+    <dsp:sp modelId="{0FFEA184-8FA6-49BD-8B62-8AC2EA62044F}">
+      <dsp:nvSpPr>
+        <dsp:cNvPr id="0" name=""/>
+        <dsp:cNvSpPr/>
+      </dsp:nvSpPr>
+      <dsp:spPr>
+        <a:xfrm>
+          <a:off x="8063658" y="528365"/>
+          <a:ext cx="1305787" cy="1305787"/>
+        </a:xfrm>
+        <a:prstGeom prst="rect">
+          <a:avLst/>
+        </a:prstGeom>
+        <a:blipFill>
+          <a:blip xmlns:r="http://schemas.openxmlformats.org/officeDocument/2006/relationships" r:embed="rId5">
+            <a:extLst>
+              <a:ext uri="{28A0092B-C50C-407E-A947-70E740481C1C}">
+                <a14:useLocalDpi xmlns:a14="http://schemas.microsoft.com/office/drawing/2010/main" val="0"/>
+              </a:ext>
+              <a:ext uri="{96DAC541-7B7A-43D3-8B79-37D633B846F1}">
+                <asvg:svgBlip xmlns:asvg="http://schemas.microsoft.com/office/drawing/2016/SVG/main" r:embed="rId6"/>
+              </a:ext>
+            </a:extLst>
+          </a:blip>
+          <a:stretch>
+            <a:fillRect/>
+          </a:stretch>
+        </a:blipFill>
+        <a:ln w="12700" cap="flat" cmpd="sng" algn="ctr">
+          <a:solidFill>
+            <a:schemeClr val="lt1">
+              <a:hueOff val="0"/>
+              <a:satOff val="0"/>
+              <a:lumOff val="0"/>
+              <a:alphaOff val="0"/>
+            </a:schemeClr>
+          </a:solidFill>
+          <a:prstDash val="solid"/>
+          <a:miter lim="800000"/>
+        </a:ln>
+        <a:effectLst/>
+      </dsp:spPr>
+      <dsp:style>
+        <a:lnRef idx="2">
+          <a:scrgbClr r="0" g="0" b="0"/>
+        </a:lnRef>
+        <a:fillRef idx="1">
+          <a:scrgbClr r="0" g="0" b="0"/>
+        </a:fillRef>
+        <a:effectRef idx="0">
+          <a:scrgbClr r="0" g="0" b="0"/>
+        </a:effectRef>
+        <a:fontRef idx="minor">
+          <a:schemeClr val="lt1"/>
+        </a:fontRef>
+      </dsp:style>
+    </dsp:sp>
+    <dsp:sp modelId="{F5425606-FE9C-4B59-835C-4E2E30161C30}">
+      <dsp:nvSpPr>
+        <dsp:cNvPr id="0" name=""/>
+        <dsp:cNvSpPr/>
+      </dsp:nvSpPr>
+      <dsp:spPr>
+        <a:xfrm>
+          <a:off x="7265677" y="2306972"/>
+          <a:ext cx="2901749" cy="1372675"/>
+        </a:xfrm>
+        <a:prstGeom prst="rect">
+          <a:avLst/>
+        </a:prstGeom>
+        <a:noFill/>
+        <a:ln>
+          <a:noFill/>
+        </a:ln>
+        <a:effectLst/>
+      </dsp:spPr>
+      <dsp:style>
+        <a:lnRef idx="0">
+          <a:scrgbClr r="0" g="0" b="0"/>
+        </a:lnRef>
+        <a:fillRef idx="0">
+          <a:scrgbClr r="0" g="0" b="0"/>
+        </a:fillRef>
+        <a:effectRef idx="0">
+          <a:scrgbClr r="0" g="0" b="0"/>
+        </a:effectRef>
+        <a:fontRef idx="minor"/>
+      </dsp:style>
+      <dsp:txBody>
+        <a:bodyPr spcFirstLastPara="0" vert="horz" wrap="square" lIns="0" tIns="0" rIns="0" bIns="0" numCol="1" spcCol="1270" anchor="t" anchorCtr="0">
+          <a:noAutofit/>
+        </a:bodyPr>
+        <a:lstStyle/>
+        <a:p>
+          <a:pPr marL="0" lvl="0" indent="0" algn="ctr" defTabSz="488950">
+            <a:lnSpc>
+              <a:spcPct val="100000"/>
+            </a:lnSpc>
+            <a:spcBef>
+              <a:spcPct val="0"/>
+            </a:spcBef>
+            <a:spcAft>
+              <a:spcPct val="35000"/>
+            </a:spcAft>
+            <a:buNone/>
+          </a:pPr>
+          <a:r>
+            <a:rPr lang="ru-RU" sz="1100" kern="1200"/>
+            <a:t>Посчитать собственные результаты при помощи найденной модели можно по ссылке </a:t>
+          </a:r>
+          <a:r>
+            <a:rPr lang="en-US" sz="1100" kern="1200">
+              <a:hlinkClick xmlns:r="http://schemas.openxmlformats.org/officeDocument/2006/relationships" r:id="rId7"/>
+            </a:rPr>
+            <a:t>https://dmitrypasko.shinyapps.io/RMbyMRMestimating/</a:t>
+          </a:r>
+          <a:r>
+            <a:rPr lang="en-US" sz="1100" kern="1200"/>
+            <a:t> </a:t>
+          </a:r>
+        </a:p>
+      </dsp:txBody>
+      <dsp:txXfrm>
+        <a:off x="7265677" y="2306972"/>
+        <a:ext cx="2901749" cy="1372675"/>
+      </dsp:txXfrm>
+    </dsp:sp>
+  </dsp:spTree>
+</dsp:drawing>
+</file>
+
+<file path=ppt/diagrams/layout1.xml><?xml version="1.0" encoding="utf-8"?>
+<dgm:layoutDef xmlns:dgm="http://schemas.openxmlformats.org/drawingml/2006/diagram" xmlns:a="http://schemas.openxmlformats.org/drawingml/2006/main" uniqueId="urn:microsoft.com/office/officeart/2005/8/layout/vList2">
+  <dgm:title val=""/>
+  <dgm:desc val=""/>
+  <dgm:catLst>
+    <dgm:cat type="list" pri="3000"/>
+    <dgm:cat type="convert" pri="1000"/>
+  </dgm:catLst>
+  <dgm:sampData>
+    <dgm:dataModel>
+      <dgm:ptLst>
+        <dgm:pt modelId="0" type="doc"/>
+        <dgm:pt modelId="1">
+          <dgm:prSet phldr="1"/>
+        </dgm:pt>
+        <dgm:pt modelId="11">
+          <dgm:prSet phldr="1"/>
+        </dgm:pt>
+        <dgm:pt modelId="2">
+          <dgm:prSet phldr="1"/>
+        </dgm:pt>
+        <dgm:pt modelId="21">
+          <dgm:prSet phldr="1"/>
+        </dgm:pt>
+      </dgm:ptLst>
+      <dgm:cxnLst>
+        <dgm:cxn modelId="4" srcId="0" destId="1" srcOrd="0" destOrd="0"/>
+        <dgm:cxn modelId="5" srcId="0" destId="2" srcOrd="1" destOrd="0"/>
+        <dgm:cxn modelId="12" srcId="1" destId="11" srcOrd="0" destOrd="0"/>
+        <dgm:cxn modelId="23" srcId="2" destId="21" srcOrd="0" destOrd="0"/>
+      </dgm:cxnLst>
+      <dgm:bg/>
+      <dgm:whole/>
+    </dgm:dataModel>
+  </dgm:sampData>
+  <dgm:styleData>
+    <dgm:dataModel>
+      <dgm:ptLst>
+        <dgm:pt modelId="0" type="doc"/>
+        <dgm:pt modelId="1"/>
+        <dgm:pt modelId="2"/>
+      </dgm:ptLst>
+      <dgm:cxnLst>
+        <dgm:cxn modelId="3" srcId="0" destId="1" srcOrd="0" destOrd="0"/>
+        <dgm:cxn modelId="4" srcId="0" destId="2" srcOrd="1" destOrd="0"/>
+      </dgm:cxnLst>
+      <dgm:bg/>
+      <dgm:whole/>
+    </dgm:dataModel>
+  </dgm:styleData>
+  <dgm:clrData>
+    <dgm:dataModel>
+      <dgm:ptLst>
+        <dgm:pt modelId="0" type="doc"/>
+        <dgm:pt modelId="1"/>
+        <dgm:pt modelId="2"/>
+        <dgm:pt modelId="3"/>
+        <dgm:pt modelId="4"/>
+      </dgm:ptLst>
+      <dgm:cxnLst>
+        <dgm:cxn modelId="5" srcId="0" destId="1" srcOrd="0" destOrd="0"/>
+        <dgm:cxn modelId="6" srcId="0" destId="2" srcOrd="1" destOrd="0"/>
+        <dgm:cxn modelId="7" srcId="0" destId="3" srcOrd="2" destOrd="0"/>
+        <dgm:cxn modelId="8" srcId="0" destId="4" srcOrd="3" destOrd="0"/>
+      </dgm:cxnLst>
+      <dgm:bg/>
+      <dgm:whole/>
+    </dgm:dataModel>
+  </dgm:clrData>
+  <dgm:layoutNode name="linear">
+    <dgm:varLst>
+      <dgm:animLvl val="lvl"/>
+      <dgm:resizeHandles val="exact"/>
+    </dgm:varLst>
+    <dgm:alg type="lin">
+      <dgm:param type="linDir" val="fromT"/>
+      <dgm:param type="vertAlign" val="mid"/>
+    </dgm:alg>
+    <dgm:shape xmlns:r="http://schemas.openxmlformats.org/officeDocument/2006/relationships" r:blip="">
+      <dgm:adjLst/>
+    </dgm:shape>
+    <dgm:presOf/>
+    <dgm:constrLst>
+      <dgm:constr type="w" for="ch" forName="parentText" refType="w"/>
+      <dgm:constr type="h" for="ch" forName="parentText" refType="primFontSz" refFor="ch" refForName="parentText" fact="0.52"/>
+      <dgm:constr type="w" for="ch" forName="childText" refType="w"/>
+      <dgm:constr type="h" for="ch" forName="childText" refType="primFontSz" refFor="ch" refForName="parentText" fact="0.46"/>
+      <dgm:constr type="h" for="ch" forName="parentText" op="equ"/>
+      <dgm:constr type="primFontSz" for="ch" forName="parentText" op="equ" val="65"/>
+      <dgm:constr type="primFontSz" for="ch" forName="childText" refType="primFontSz" refFor="ch" refForName="parentText" op="equ"/>
+      <dgm:constr type="h" for="ch" forName="spacer" refType="primFontSz" refFor="ch" refForName="parentText" fact="0.08"/>
+    </dgm:constrLst>
+    <dgm:ruleLst>
+      <dgm:rule type="primFontSz" for="ch" forName="parentText" val="5" fact="NaN" max="NaN"/>
+    </dgm:ruleLst>
+    <dgm:forEach name="Name0" axis="ch" ptType="node">
+      <dgm:layoutNode name="parentText" styleLbl="node1">
+        <dgm:varLst>
+          <dgm:chMax val="0"/>
+          <dgm:bulletEnabled val="1"/>
+        </dgm:varLst>
+        <dgm:alg type="tx">
+          <dgm:param type="parTxLTRAlign" val="l"/>
+          <dgm:param type="parTxRTLAlign" val="r"/>
+        </dgm:alg>
+        <dgm:shape xmlns:r="http://schemas.openxmlformats.org/officeDocument/2006/relationships" type="roundRect" r:blip="">
+          <dgm:adjLst/>
+        </dgm:shape>
+        <dgm:presOf axis="self"/>
+        <dgm:constrLst>
+          <dgm:constr type="tMarg" refType="primFontSz" fact="0.3"/>
+          <dgm:constr type="bMarg" refType="primFontSz" fact="0.3"/>
+          <dgm:constr type="lMarg" refType="primFontSz" fact="0.3"/>
+          <dgm:constr type="rMarg" refType="primFontSz" fact="0.3"/>
+        </dgm:constrLst>
+        <dgm:ruleLst>
+          <dgm:rule type="h" val="INF" fact="NaN" max="NaN"/>
+        </dgm:ruleLst>
+      </dgm:layoutNode>
+      <dgm:choose name="Name1">
+        <dgm:if name="Name2" axis="ch" ptType="node" func="cnt" op="gte" val="1">
+          <dgm:layoutNode name="childText" styleLbl="revTx">
+            <dgm:varLst>
+              <dgm:bulletEnabled val="1"/>
+            </dgm:varLst>
+            <dgm:alg type="tx">
+              <dgm:param type="stBulletLvl" val="1"/>
+              <dgm:param type="lnSpAfChP" val="20"/>
+            </dgm:alg>
+            <dgm:shape xmlns:r="http://schemas.openxmlformats.org/officeDocument/2006/relationships" type="rect" r:blip="">
+              <dgm:adjLst/>
+            </dgm:shape>
+            <dgm:presOf axis="des" ptType="node"/>
+            <dgm:constrLst>
+              <dgm:constr type="tMarg" refType="primFontSz" fact="0.1"/>
+              <dgm:constr type="bMarg" refType="primFontSz" fact="0.1"/>
+              <dgm:constr type="lMarg" refType="w" fact="0.09"/>
+            </dgm:constrLst>
+            <dgm:ruleLst>
+              <dgm:rule type="h" val="INF" fact="NaN" max="NaN"/>
+            </dgm:ruleLst>
+          </dgm:layoutNode>
+        </dgm:if>
+        <dgm:else name="Name3">
+          <dgm:choose name="Name4">
+            <dgm:if name="Name5" axis="par ch" ptType="doc node" func="cnt" op="gte" val="2">
+              <dgm:forEach name="Name6" axis="followSib" ptType="sibTrans" cnt="1">
+                <dgm:layoutNode name="spacer">
+                  <dgm:alg type="sp"/>
+                  <dgm:shape xmlns:r="http://schemas.openxmlformats.org/officeDocument/2006/relationships" r:blip="">
+                    <dgm:adjLst/>
+                  </dgm:shape>
+                  <dgm:presOf/>
+                  <dgm:constrLst/>
+                  <dgm:ruleLst/>
+                </dgm:layoutNode>
+              </dgm:forEach>
+            </dgm:if>
+            <dgm:else name="Name7"/>
+          </dgm:choose>
+        </dgm:else>
+      </dgm:choose>
+    </dgm:forEach>
+  </dgm:layoutNode>
+</dgm:layoutDef>
+</file>
+
+<file path=ppt/diagrams/layout2.xml><?xml version="1.0" encoding="utf-8"?>
+<dgm:layoutDef xmlns:dgm="http://schemas.openxmlformats.org/drawingml/2006/diagram" xmlns:a="http://schemas.openxmlformats.org/drawingml/2006/main" uniqueId="urn:microsoft.com/office/officeart/2018/2/layout/IconLabelList">
+  <dgm:title val="Icon Label List"/>
+  <dgm:desc val="Use to show non-sequential or grouped chunks of information accompanied by a related visuals. Works best with icons or small pictures with short text captions."/>
+  <dgm:catLst>
+    <dgm:cat type="icon" pri="500"/>
+  </dgm:catLst>
+  <dgm:sampData useDef="1">
+    <dgm:dataModel>
+      <dgm:ptLst/>
+      <dgm:bg/>
+      <dgm:whole/>
+    </dgm:dataModel>
+  </dgm:sampData>
+  <dgm:styleData useDef="1">
+    <dgm:dataModel>
+      <dgm:ptLst/>
+      <dgm:bg/>
+      <dgm:whole/>
+    </dgm:dataModel>
+  </dgm:styleData>
+  <dgm:clrData useDef="1">
+    <dgm:dataModel>
+      <dgm:ptLst/>
+      <dgm:bg/>
+      <dgm:whole/>
+    </dgm:dataModel>
+  </dgm:clrData>
+  <dgm:layoutNode name="root">
+    <dgm:varLst>
+      <dgm:dir/>
+      <dgm:resizeHandles val="exact"/>
+    </dgm:varLst>
+    <dgm:choose name="Name0">
+      <dgm:if name="Name1" axis="self" func="var" arg="dir" op="equ" val="norm">
+        <dgm:alg type="snake">
+          <dgm:param type="grDir" val="tL"/>
+          <dgm:param type="flowDir" val="row"/>
+          <dgm:param type="contDir" val="sameDir"/>
+          <dgm:param type="off" val="ctr"/>
+          <dgm:param type="vertAlign" val="mid"/>
+          <dgm:param type="horzAlign" val="ctr"/>
+        </dgm:alg>
+      </dgm:if>
+      <dgm:else name="Name2">
+        <dgm:alg type="snake">
+          <dgm:param type="grDir" val="tR"/>
+          <dgm:param type="flowDir" val="row"/>
+          <dgm:param type="contDir" val="sameDir"/>
+          <dgm:param type="off" val="ctr"/>
+          <dgm:param type="vertAlign" val="mid"/>
+          <dgm:param type="horzAlign" val="ctr"/>
+        </dgm:alg>
+      </dgm:else>
+    </dgm:choose>
+    <dgm:shape xmlns:r="http://schemas.openxmlformats.org/officeDocument/2006/relationships" r:blip="">
+      <dgm:adjLst/>
+    </dgm:shape>
+    <dgm:presOf/>
+    <dgm:choose name="Name3">
+      <dgm:if name="Name4" axis="ch" ptType="node" func="cnt" op="lte" val="2">
+        <dgm:constrLst>
+          <dgm:constr type="h" for="ch" forName="compNode" refType="h" fact="0.4"/>
+          <dgm:constr type="w" for="ch" forName="compNode" val="120"/>
+          <dgm:constr type="w" for="ch" forName="sibTrans" refType="w" refFor="ch" refForName="compNode" fact="0.175"/>
+          <dgm:constr type="sp" refType="w" refFor="ch" refForName="compNode" op="equ" fact="0.25"/>
+          <dgm:constr type="primFontSz" for="des" ptType="node" op="equ" val="50"/>
+          <dgm:constr type="h" for="des" forName="compNode" op="equ"/>
+          <dgm:constr type="h" for="des" forName="textRect" op="equ"/>
+        </dgm:constrLst>
+      </dgm:if>
+      <dgm:if name="Name5" axis="ch" ptType="node" func="cnt" op="lte" val="4">
+        <dgm:constrLst>
+          <dgm:constr type="h" for="ch" forName="compNode" refType="h" fact="0.4"/>
+          <dgm:constr type="w" for="ch" forName="compNode" refType="w"/>
+          <dgm:constr type="w" for="ch" forName="sibTrans" refType="w" refFor="ch" refForName="compNode" fact="0.175"/>
+          <dgm:constr type="sp" refType="w" refFor="ch" refForName="compNode" op="equ" fact="0.25"/>
+          <dgm:constr type="primFontSz" for="des" ptType="node" op="equ" val="36"/>
+          <dgm:constr type="h" for="des" forName="compNode" op="equ"/>
+          <dgm:constr type="h" for="des" forName="textRect" op="equ"/>
+        </dgm:constrLst>
+      </dgm:if>
+      <dgm:else name="Name6">
+        <dgm:constrLst>
+          <dgm:constr type="h" for="ch" forName="compNode" refType="h" fact="0.4"/>
+          <dgm:constr type="w" for="ch" forName="compNode" refType="w"/>
+          <dgm:constr type="w" for="ch" forName="sibTrans" refType="w" refFor="ch" refForName="compNode" fact="0.175"/>
+          <dgm:constr type="sp" refType="w" refFor="ch" refForName="compNode" op="equ" fact="0.25"/>
+          <dgm:constr type="primFontSz" for="des" ptType="node" op="equ" val="24"/>
+          <dgm:constr type="h" for="des" forName="compNode" op="equ"/>
+          <dgm:constr type="h" for="des" forName="textRect" op="equ"/>
+        </dgm:constrLst>
+      </dgm:else>
+    </dgm:choose>
+    <dgm:ruleLst>
+      <dgm:rule type="w" for="ch" forName="compNode" val="50" fact="NaN" max="NaN"/>
+    </dgm:ruleLst>
+    <dgm:forEach name="Name7" axis="ch" ptType="node">
+      <dgm:layoutNode name="compNode">
+        <dgm:alg type="composite"/>
+        <dgm:shape xmlns:r="http://schemas.openxmlformats.org/officeDocument/2006/relationships" r:blip="">
+          <dgm:adjLst/>
+        </dgm:shape>
+        <dgm:presOf axis="self"/>
+        <dgm:constrLst>
+          <dgm:constr type="w" for="ch" forName="iconRect" refType="w" fact="0.45"/>
+          <dgm:constr type="h" for="ch" forName="iconRect" refType="w" refFor="ch" refForName="iconRect"/>
+          <dgm:constr type="ctrX" for="ch" forName="iconRect" refType="w" fact="0.5"/>
+          <dgm:constr type="t" for="ch" forName="iconRect"/>
+          <dgm:constr type="h" for="ch" forName="spaceRect" refType="h" fact="0.15"/>
+          <dgm:constr type="w" for="ch" forName="spaceRect" refType="w"/>
+          <dgm:constr type="l" for="ch" forName="spaceRect"/>
+          <dgm:constr type="t" for="ch" forName="spaceRect" refType="b" refFor="ch" refForName="iconRect"/>
+          <dgm:constr type="h" for="ch" forName="textRect" val="20"/>
+          <dgm:constr type="w" for="ch" forName="textRect" refType="w"/>
+          <dgm:constr type="l" for="ch" forName="textRect"/>
+          <dgm:constr type="t" for="ch" forName="textRect" refType="b" refFor="ch" refForName="spaceRect"/>
+        </dgm:constrLst>
+        <dgm:ruleLst>
+          <dgm:rule type="h" val="INF" fact="NaN" max="NaN"/>
+        </dgm:ruleLst>
+        <dgm:layoutNode name="iconRect" styleLbl="node1">
+          <dgm:alg type="sp"/>
+          <dgm:shape xmlns:r="http://schemas.openxmlformats.org/officeDocument/2006/relationships" type="rect" r:blip="" blipPhldr="1">
+            <dgm:adjLst/>
+          </dgm:shape>
+          <dgm:presOf/>
+          <dgm:constrLst/>
+          <dgm:ruleLst/>
+        </dgm:layoutNode>
+        <dgm:layoutNode name="spaceRect">
+          <dgm:alg type="sp"/>
+          <dgm:shape xmlns:r="http://schemas.openxmlformats.org/officeDocument/2006/relationships" r:blip="">
+            <dgm:adjLst/>
+          </dgm:shape>
+          <dgm:presOf/>
+          <dgm:constrLst/>
+          <dgm:ruleLst/>
+        </dgm:layoutNode>
+        <dgm:layoutNode name="textRect" styleLbl="revTx">
+          <dgm:varLst>
+            <dgm:chMax val="1"/>
+            <dgm:chPref val="1"/>
+          </dgm:varLst>
+          <dgm:alg type="tx">
+            <dgm:param type="txAnchorVert" val="t"/>
+          </dgm:alg>
+          <dgm:shape xmlns:r="http://schemas.openxmlformats.org/officeDocument/2006/relationships" type="rect" r:blip="">
+            <dgm:adjLst/>
+          </dgm:shape>
+          <dgm:presOf axis="self" ptType="node"/>
+          <dgm:constrLst>
+            <dgm:constr type="lMarg"/>
+            <dgm:constr type="rMarg"/>
+            <dgm:constr type="tMarg"/>
+            <dgm:constr type="bMarg"/>
+          </dgm:constrLst>
+          <dgm:ruleLst>
+            <dgm:rule type="primFontSz" val="11" fact="NaN" max="NaN"/>
+            <dgm:rule type="h" val="INF" fact="NaN" max="NaN"/>
+          </dgm:ruleLst>
+        </dgm:layoutNode>
+      </dgm:layoutNode>
+      <dgm:forEach name="Name8" axis="followSib" ptType="sibTrans" cnt="1">
+        <dgm:layoutNode name="sibTrans">
+          <dgm:alg type="sp"/>
+          <dgm:shape xmlns:r="http://schemas.openxmlformats.org/officeDocument/2006/relationships" r:blip="">
+            <dgm:adjLst/>
+          </dgm:shape>
+          <dgm:presOf axis="self"/>
+          <dgm:constrLst/>
+          <dgm:ruleLst/>
+        </dgm:layoutNode>
+      </dgm:forEach>
+    </dgm:forEach>
+  </dgm:layoutNode>
+  <dgm:extLst>
+    <a:ext uri="{68A01E43-0DF5-4B5B-8FA6-DAF915123BFB}">
+      <dgm1612:lstStyle xmlns:dgm1612="http://schemas.microsoft.com/office/drawing/2016/12/diagram">
+        <a:lvl1pPr>
+          <a:lnSpc>
+            <a:spcPct val="100000"/>
+          </a:lnSpc>
+        </a:lvl1pPr>
+      </dgm1612:lstStyle>
+    </a:ext>
+  </dgm:extLst>
+</dgm:layoutDef>
+</file>
+
+<file path=ppt/diagrams/quickStyle1.xml><?xml version="1.0" encoding="utf-8"?>
+<dgm:styleDef xmlns:dgm="http://schemas.openxmlformats.org/drawingml/2006/diagram" xmlns:a="http://schemas.openxmlformats.org/drawingml/2006/main" uniqueId="urn:microsoft.com/office/officeart/2005/8/quickstyle/simple1">
+  <dgm:title val=""/>
+  <dgm:desc val=""/>
+  <dgm:catLst>
+    <dgm:cat type="simple" pri="10100"/>
+  </dgm:catLst>
+  <dgm:scene3d>
+    <a:camera prst="orthographicFront"/>
+    <a:lightRig rig="threePt" dir="t"/>
+  </dgm:scene3d>
+  <dgm:styleLbl name="node0">
+    <dgm:scene3d>
+      <a:camera prst="orthographicFront"/>
+      <a:lightRig rig="threePt" dir="t"/>
+    </dgm:scene3d>
+    <dgm:sp3d/>
+    <dgm:txPr/>
+    <dgm:style>
+      <a:lnRef idx="2">
+        <a:scrgbClr r="0" g="0" b="0"/>
+      </a:lnRef>
+      <a:fillRef idx="1">
+        <a:scrgbClr r="0" g="0" b="0"/>
+      </a:fillRef>
+      <a:effectRef idx="0">
+        <a:scrgbClr r="0" g="0" b="0"/>
+      </a:effectRef>
+      <a:fontRef idx="minor">
+        <a:schemeClr val="lt1"/>
+      </a:fontRef>
+    </dgm:style>
+  </dgm:styleLbl>
+  <dgm:styleLbl name="lnNode1">
+    <dgm:scene3d>
+      <a:camera prst="orthographicFront"/>
+      <a:lightRig rig="threePt" dir="t"/>
+    </dgm:scene3d>
+    <dgm:sp3d/>
+    <dgm:txPr/>
+    <dgm:style>
+      <a:lnRef idx="2">
+        <a:scrgbClr r="0" g="0" b="0"/>
+      </a:lnRef>
+      <a:fillRef idx="1">
+        <a:scrgbClr r="0" g="0" b="0"/>
+      </a:fillRef>
+      <a:effectRef idx="0">
+        <a:scrgbClr r="0" g="0" b="0"/>
+      </a:effectRef>
+      <a:fontRef idx="minor">
+        <a:schemeClr val="lt1"/>
+      </a:fontRef>
+    </dgm:style>
+  </dgm:styleLbl>
+  <dgm:styleLbl name="vennNode1">
+    <dgm:scene3d>
+      <a:camera prst="orthographicFront"/>
+      <a:lightRig rig="threePt" dir="t"/>
+    </dgm:scene3d>
+    <dgm:sp3d/>
+    <dgm:txPr/>
+    <dgm:style>
+      <a:lnRef idx="2">
+        <a:scrgbClr r="0" g="0" b="0"/>
+      </a:lnRef>
+      <a:fillRef idx="1">
+        <a:scrgbClr r="0" g="0" b="0"/>
+      </a:fillRef>
+      <a:effectRef idx="0">
+        <a:scrgbClr r="0" g="0" b="0"/>
+      </a:effectRef>
+      <a:fontRef idx="minor">
+        <a:schemeClr val="tx1"/>
+      </a:fontRef>
+    </dgm:style>
+  </dgm:styleLbl>
+  <dgm:styleLbl name="alignNode1">
+    <dgm:scene3d>
+      <a:camera prst="orthographicFront"/>
+      <a:lightRig rig="threePt" dir="t"/>
+    </dgm:scene3d>
+    <dgm:sp3d/>
+    <dgm:txPr/>
+    <dgm:style>
+      <a:lnRef idx="2">
+        <a:scrgbClr r="0" g="0" b="0"/>
+      </a:lnRef>
+      <a:fillRef idx="1">
+        <a:scrgbClr r="0" g="0" b="0"/>
+      </a:fillRef>
+      <a:effectRef idx="0">
+        <a:scrgbClr r="0" g="0" b="0"/>
+      </a:effectRef>
+      <a:fontRef idx="minor">
+        <a:schemeClr val="lt1"/>
+      </a:fontRef>
+    </dgm:style>
+  </dgm:styleLbl>
+  <dgm:styleLbl name="node1">
+    <dgm:scene3d>
+      <a:camera prst="orthographicFront"/>
+      <a:lightRig rig="threePt" dir="t"/>
+    </dgm:scene3d>
+    <dgm:sp3d/>
+    <dgm:txPr/>
+    <dgm:style>
+      <a:lnRef idx="2">
+        <a:scrgbClr r="0" g="0" b="0"/>
+      </a:lnRef>
+      <a:fillRef idx="1">
+        <a:scrgbClr r="0" g="0" b="0"/>
+      </a:fillRef>
+      <a:effectRef idx="0">
+        <a:scrgbClr r="0" g="0" b="0"/>
+      </a:effectRef>
+      <a:fontRef idx="minor">
+        <a:schemeClr val="lt1"/>
+      </a:fontRef>
+    </dgm:style>
+  </dgm:styleLbl>
+  <dgm:styleLbl name="node2">
+    <dgm:scene3d>
+      <a:camera prst="orthographicFront"/>
+      <a:lightRig rig="threePt" dir="t"/>
+    </dgm:scene3d>
+    <dgm:sp3d/>
+    <dgm:txPr/>
+    <dgm:style>
+      <a:lnRef idx="2">
+        <a:scrgbClr r="0" g="0" b="0"/>
+      </a:lnRef>
+      <a:fillRef idx="1">
+        <a:scrgbClr r="0" g="0" b="0"/>
+      </a:fillRef>
+      <a:effectRef idx="0">
+        <a:scrgbClr r="0" g="0" b="0"/>
+      </a:effectRef>
+      <a:fontRef idx="minor">
+        <a:schemeClr val="lt1"/>
+      </a:fontRef>
+    </dgm:style>
+  </dgm:styleLbl>
+  <dgm:styleLbl name="node3">
+    <dgm:scene3d>
+      <a:camera prst="orthographicFront"/>
+      <a:lightRig rig="threePt" dir="t"/>
+    </dgm:scene3d>
+    <dgm:sp3d/>
+    <dgm:txPr/>
+    <dgm:style>
+      <a:lnRef idx="2">
+        <a:scrgbClr r="0" g="0" b="0"/>
+      </a:lnRef>
+      <a:fillRef idx="1">
+        <a:scrgbClr r="0" g="0" b="0"/>
+      </a:fillRef>
+      <a:effectRef idx="0">
+        <a:scrgbClr r="0" g="0" b="0"/>
+      </a:effectRef>
+      <a:fontRef idx="minor">
+        <a:schemeClr val="lt1"/>
+      </a:fontRef>
+    </dgm:style>
+  </dgm:styleLbl>
+  <dgm:styleLbl name="node4">
+    <dgm:scene3d>
+      <a:camera prst="orthographicFront"/>
+      <a:lightRig rig="threePt" dir="t"/>
+    </dgm:scene3d>
+    <dgm:sp3d/>
+    <dgm:txPr/>
+    <dgm:style>
+      <a:lnRef idx="2">
+        <a:scrgbClr r="0" g="0" b="0"/>
+      </a:lnRef>
+      <a:fillRef idx="1">
+        <a:scrgbClr r="0" g="0" b="0"/>
+      </a:fillRef>
+      <a:effectRef idx="0">
+        <a:scrgbClr r="0" g="0" b="0"/>
+      </a:effectRef>
+      <a:fontRef idx="minor">
+        <a:schemeClr val="lt1"/>
+      </a:fontRef>
+    </dgm:style>
+  </dgm:styleLbl>
+  <dgm:styleLbl name="fgImgPlace1">
+    <dgm:scene3d>
+      <a:camera prst="orthographicFront"/>
+      <a:lightRig rig="threePt" dir="t"/>
+    </dgm:scene3d>
+    <dgm:sp3d/>
+    <dgm:txPr/>
+    <dgm:style>
+      <a:lnRef idx="2">
+        <a:scrgbClr r="0" g="0" b="0"/>
+      </a:lnRef>
+      <a:fillRef idx="1">
+        <a:scrgbClr r="0" g="0" b="0"/>
+      </a:fillRef>
+      <a:effectRef idx="0">
+        <a:scrgbClr r="0" g="0" b="0"/>
+      </a:effectRef>
+      <a:fontRef idx="minor"/>
+    </dgm:style>
+  </dgm:styleLbl>
+  <dgm:styleLbl name="alignImgPlace1">
+    <dgm:scene3d>
+      <a:camera prst="orthographicFront"/>
+      <a:lightRig rig="threePt" dir="t"/>
+    </dgm:scene3d>
+    <dgm:sp3d/>
+    <dgm:txPr/>
+    <dgm:style>
+      <a:lnRef idx="2">
+        <a:scrgbClr r="0" g="0" b="0"/>
+      </a:lnRef>
+      <a:fillRef idx="1">
+        <a:scrgbClr r="0" g="0" b="0"/>
+      </a:fillRef>
+      <a:effectRef idx="0">
+        <a:scrgbClr r="0" g="0" b="0"/>
+      </a:effectRef>
+      <a:fontRef idx="minor"/>
+    </dgm:style>
+  </dgm:styleLbl>
+  <dgm:styleLbl name="bgImgPlace1">
+    <dgm:scene3d>
+      <a:camera prst="orthographicFront"/>
+      <a:lightRig rig="threePt" dir="t"/>
+    </dgm:scene3d>
+    <dgm:sp3d/>
+    <dgm:txPr/>
+    <dgm:style>
+      <a:lnRef idx="2">
+        <a:scrgbClr r="0" g="0" b="0"/>
+      </a:lnRef>
+      <a:fillRef idx="1">
+        <a:scrgbClr r="0" g="0" b="0"/>
+      </a:fillRef>
+      <a:effectRef idx="0">
+        <a:scrgbClr r="0" g="0" b="0"/>
+      </a:effectRef>
+      <a:fontRef idx="minor"/>
+    </dgm:style>
+  </dgm:styleLbl>
+  <dgm:styleLbl name="sibTrans2D1">
+    <dgm:scene3d>
+      <a:camera prst="orthographicFront"/>
+      <a:lightRig rig="threePt" dir="t"/>
+    </dgm:scene3d>
+    <dgm:sp3d/>
+    <dgm:txPr/>
+    <dgm:style>
+      <a:lnRef idx="0">
+        <a:scrgbClr r="0" g="0" b="0"/>
+      </a:lnRef>
+      <a:fillRef idx="1">
+        <a:scrgbClr r="0" g="0" b="0"/>
+      </a:fillRef>
+      <a:effectRef idx="0">
+        <a:scrgbClr r="0" g="0" b="0"/>
+      </a:effectRef>
+      <a:fontRef idx="minor">
+        <a:schemeClr val="lt1"/>
+      </a:fontRef>
+    </dgm:style>
+  </dgm:styleLbl>
+  <dgm:styleLbl name="fgSibTrans2D1">
+    <dgm:scene3d>
+      <a:camera prst="orthographicFront"/>
+      <a:lightRig rig="threePt" dir="t"/>
+    </dgm:scene3d>
+    <dgm:sp3d/>
+    <dgm:txPr/>
+    <dgm:style>
+      <a:lnRef idx="0">
+        <a:scrgbClr r="0" g="0" b="0"/>
+      </a:lnRef>
+      <a:fillRef idx="1">
+        <a:scrgbClr r="0" g="0" b="0"/>
+      </a:fillRef>
+      <a:effectRef idx="0">
+        <a:scrgbClr r="0" g="0" b="0"/>
+      </a:effectRef>
+      <a:fontRef idx="minor">
+        <a:schemeClr val="lt1"/>
+      </a:fontRef>
+    </dgm:style>
+  </dgm:styleLbl>
+  <dgm:styleLbl name="bgSibTrans2D1">
+    <dgm:scene3d>
+      <a:camera prst="orthographicFront"/>
+      <a:lightRig rig="threePt" dir="t"/>
+    </dgm:scene3d>
+    <dgm:sp3d/>
+    <dgm:txPr/>
+    <dgm:style>
+      <a:lnRef idx="0">
+        <a:scrgbClr r="0" g="0" b="0"/>
+      </a:lnRef>
+      <a:fillRef idx="1">
+        <a:scrgbClr r="0" g="0" b="0"/>
+      </a:fillRef>
+      <a:effectRef idx="0">
+        <a:scrgbClr r="0" g="0" b="0"/>
+      </a:effectRef>
+      <a:fontRef idx="minor">
+        <a:schemeClr val="lt1"/>
+      </a:fontRef>
+    </dgm:style>
+  </dgm:styleLbl>
+  <dgm:styleLbl name="sibTrans1D1">
+    <dgm:scene3d>
+      <a:camera prst="orthographicFront"/>
+      <a:lightRig rig="threePt" dir="t"/>
+    </dgm:scene3d>
+    <dgm:sp3d/>
+    <dgm:txPr/>
+    <dgm:style>
+      <a:lnRef idx="1">
+        <a:scrgbClr r="0" g="0" b="0"/>
+      </a:lnRef>
+      <a:fillRef idx="0">
+        <a:scrgbClr r="0" g="0" b="0"/>
+      </a:fillRef>
+      <a:effectRef idx="0">
+        <a:scrgbClr r="0" g="0" b="0"/>
+      </a:effectRef>
+      <a:fontRef idx="minor"/>
+    </dgm:style>
+  </dgm:styleLbl>
+  <dgm:styleLbl name="callout">
+    <dgm:scene3d>
+      <a:camera prst="orthographicFront"/>
+      <a:lightRig rig="threePt" dir="t"/>
+    </dgm:scene3d>
+    <dgm:sp3d/>
+    <dgm:txPr/>
+    <dgm:style>
+      <a:lnRef idx="2">
+        <a:scrgbClr r="0" g="0" b="0"/>
+      </a:lnRef>
+      <a:fillRef idx="1">
+        <a:scrgbClr r="0" g="0" b="0"/>
+      </a:fillRef>
+      <a:effectRef idx="0">
+        <a:scrgbClr r="0" g="0" b="0"/>
+      </a:effectRef>
+      <a:fontRef idx="minor"/>
+    </dgm:style>
+  </dgm:styleLbl>
+  <dgm:styleLbl name="asst0">
+    <dgm:scene3d>
+      <a:camera prst="orthographicFront"/>
+      <a:lightRig rig="threePt" dir="t"/>
+    </dgm:scene3d>
+    <dgm:sp3d/>
+    <dgm:txPr/>
+    <dgm:style>
+      <a:lnRef idx="2">
+        <a:scrgbClr r="0" g="0" b="0"/>
+      </a:lnRef>
+      <a:fillRef idx="1">
+        <a:scrgbClr r="0" g="0" b="0"/>
+      </a:fillRef>
+      <a:effectRef idx="0">
+        <a:scrgbClr r="0" g="0" b="0"/>
+      </a:effectRef>
+      <a:fontRef idx="minor">
+        <a:schemeClr val="lt1"/>
+      </a:fontRef>
+    </dgm:style>
+  </dgm:styleLbl>
+  <dgm:styleLbl name="asst1">
+    <dgm:scene3d>
+      <a:camera prst="orthographicFront"/>
+      <a:lightRig rig="threePt" dir="t"/>
+    </dgm:scene3d>
+    <dgm:sp3d/>
+    <dgm:txPr/>
+    <dgm:style>
+      <a:lnRef idx="2">
+        <a:scrgbClr r="0" g="0" b="0"/>
+      </a:lnRef>
+      <a:fillRef idx="1">
+        <a:scrgbClr r="0" g="0" b="0"/>
+      </a:fillRef>
+      <a:effectRef idx="0">
+        <a:scrgbClr r="0" g="0" b="0"/>
+      </a:effectRef>
+      <a:fontRef idx="minor">
+        <a:schemeClr val="lt1"/>
+      </a:fontRef>
+    </dgm:style>
+  </dgm:styleLbl>
+  <dgm:styleLbl name="asst2">
+    <dgm:scene3d>
+      <a:camera prst="orthographicFront"/>
+      <a:lightRig rig="threePt" dir="t"/>
+    </dgm:scene3d>
+    <dgm:sp3d/>
+    <dgm:txPr/>
+    <dgm:style>
+      <a:lnRef idx="2">
+        <a:scrgbClr r="0" g="0" b="0"/>
+      </a:lnRef>
+      <a:fillRef idx="1">
+        <a:scrgbClr r="0" g="0" b="0"/>
+      </a:fillRef>
+      <a:effectRef idx="0">
+        <a:scrgbClr r="0" g="0" b="0"/>
+      </a:effectRef>
+      <a:fontRef idx="minor">
+        <a:schemeClr val="lt1"/>
+      </a:fontRef>
+    </dgm:style>
+  </dgm:styleLbl>
+  <dgm:styleLbl name="asst3">
+    <dgm:scene3d>
+      <a:camera prst="orthographicFront"/>
+      <a:lightRig rig="threePt" dir="t"/>
+    </dgm:scene3d>
+    <dgm:sp3d/>
+    <dgm:txPr/>
+    <dgm:style>
+      <a:lnRef idx="2">
+        <a:scrgbClr r="0" g="0" b="0"/>
+      </a:lnRef>
+      <a:fillRef idx="1">
+        <a:scrgbClr r="0" g="0" b="0"/>
+      </a:fillRef>
+      <a:effectRef idx="0">
+        <a:scrgbClr r="0" g="0" b="0"/>
+      </a:effectRef>
+      <a:fontRef idx="minor">
+        <a:schemeClr val="lt1"/>
+      </a:fontRef>
+    </dgm:style>
+  </dgm:styleLbl>
+  <dgm:styleLbl name="asst4">
+    <dgm:scene3d>
+      <a:camera prst="orthographicFront"/>
+      <a:lightRig rig="threePt" dir="t"/>
+    </dgm:scene3d>
+    <dgm:sp3d/>
+    <dgm:txPr/>
+    <dgm:style>
+      <a:lnRef idx="2">
+        <a:scrgbClr r="0" g="0" b="0"/>
+      </a:lnRef>
+      <a:fillRef idx="1">
+        <a:scrgbClr r="0" g="0" b="0"/>
+      </a:fillRef>
+      <a:effectRef idx="0">
+        <a:scrgbClr r="0" g="0" b="0"/>
+      </a:effectRef>
+      <a:fontRef idx="minor">
+        <a:schemeClr val="lt1"/>
+      </a:fontRef>
+    </dgm:style>
+  </dgm:styleLbl>
+  <dgm:styleLbl name="parChTrans2D1">
+    <dgm:scene3d>
+      <a:camera prst="orthographicFront"/>
+      <a:lightRig rig="threePt" dir="t"/>
+    </dgm:scene3d>
+    <dgm:sp3d/>
+    <dgm:txPr/>
+    <dgm:style>
+      <a:lnRef idx="2">
+        <a:scrgbClr r="0" g="0" b="0"/>
+      </a:lnRef>
+      <a:fillRef idx="1">
+        <a:scrgbClr r="0" g="0" b="0"/>
+      </a:fillRef>
+      <a:effectRef idx="0">
+        <a:scrgbClr r="0" g="0" b="0"/>
+      </a:effectRef>
+      <a:fontRef idx="minor">
+        <a:schemeClr val="lt1"/>
+      </a:fontRef>
+    </dgm:style>
+  </dgm:styleLbl>
+  <dgm:styleLbl name="parChTrans2D2">
+    <dgm:scene3d>
+      <a:camera prst="orthographicFront"/>
+      <a:lightRig rig="threePt" dir="t"/>
+    </dgm:scene3d>
+    <dgm:sp3d/>
+    <dgm:txPr/>
+    <dgm:style>
+      <a:lnRef idx="2">
+        <a:scrgbClr r="0" g="0" b="0"/>
+      </a:lnRef>
+      <a:fillRef idx="1">
+        <a:scrgbClr r="0" g="0" b="0"/>
+      </a:fillRef>
+      <a:effectRef idx="0">
+        <a:scrgbClr r="0" g="0" b="0"/>
+      </a:effectRef>
+      <a:fontRef idx="minor">
+        <a:schemeClr val="lt1"/>
+      </a:fontRef>
+    </dgm:style>
+  </dgm:styleLbl>
+  <dgm:styleLbl name="parChTrans2D3">
+    <dgm:scene3d>
+      <a:camera prst="orthographicFront"/>
+      <a:lightRig rig="threePt" dir="t"/>
+    </dgm:scene3d>
+    <dgm:sp3d/>
+    <dgm:txPr/>
+    <dgm:style>
+      <a:lnRef idx="2">
+        <a:scrgbClr r="0" g="0" b="0"/>
+      </a:lnRef>
+      <a:fillRef idx="1">
+        <a:scrgbClr r="0" g="0" b="0"/>
+      </a:fillRef>
+      <a:effectRef idx="0">
+        <a:scrgbClr r="0" g="0" b="0"/>
+      </a:effectRef>
+      <a:fontRef idx="minor">
+        <a:schemeClr val="lt1"/>
+      </a:fontRef>
+    </dgm:style>
+  </dgm:styleLbl>
+  <dgm:styleLbl name="parChTrans2D4">
+    <dgm:scene3d>
+      <a:camera prst="orthographicFront"/>
+      <a:lightRig rig="threePt" dir="t"/>
+    </dgm:scene3d>
+    <dgm:sp3d/>
+    <dgm:txPr/>
+    <dgm:style>
+      <a:lnRef idx="2">
+        <a:scrgbClr r="0" g="0" b="0"/>
+      </a:lnRef>
+      <a:fillRef idx="1">
+        <a:scrgbClr r="0" g="0" b="0"/>
+      </a:fillRef>
+      <a:effectRef idx="0">
+        <a:scrgbClr r="0" g="0" b="0"/>
+      </a:effectRef>
+      <a:fontRef idx="minor">
+        <a:schemeClr val="lt1"/>
+      </a:fontRef>
+    </dgm:style>
+  </dgm:styleLbl>
+  <dgm:styleLbl name="parChTrans1D1">
+    <dgm:scene3d>
+      <a:camera prst="orthographicFront"/>
+      <a:lightRig rig="threePt" dir="t"/>
+    </dgm:scene3d>
+    <dgm:sp3d/>
+    <dgm:txPr/>
+    <dgm:style>
+      <a:lnRef idx="2">
+        <a:scrgbClr r="0" g="0" b="0"/>
+      </a:lnRef>
+      <a:fillRef idx="0">
+        <a:scrgbClr r="0" g="0" b="0"/>
+      </a:fillRef>
+      <a:effectRef idx="0">
+        <a:scrgbClr r="0" g="0" b="0"/>
+      </a:effectRef>
+      <a:fontRef idx="minor"/>
+    </dgm:style>
+  </dgm:styleLbl>
+  <dgm:styleLbl name="parChTrans1D2">
+    <dgm:scene3d>
+      <a:camera prst="orthographicFront"/>
+      <a:lightRig rig="threePt" dir="t"/>
+    </dgm:scene3d>
+    <dgm:sp3d/>
+    <dgm:txPr/>
+    <dgm:style>
+      <a:lnRef idx="2">
+        <a:scrgbClr r="0" g="0" b="0"/>
+      </a:lnRef>
+      <a:fillRef idx="0">
+        <a:scrgbClr r="0" g="0" b="0"/>
+      </a:fillRef>
+      <a:effectRef idx="0">
+        <a:scrgbClr r="0" g="0" b="0"/>
+      </a:effectRef>
+      <a:fontRef idx="minor"/>
+    </dgm:style>
+  </dgm:styleLbl>
+  <dgm:styleLbl name="parChTrans1D3">
+    <dgm:scene3d>
+      <a:camera prst="orthographicFront"/>
+      <a:lightRig rig="threePt" dir="t"/>
+    </dgm:scene3d>
+    <dgm:sp3d/>
+    <dgm:txPr/>
+    <dgm:style>
+      <a:lnRef idx="2">
+        <a:scrgbClr r="0" g="0" b="0"/>
+      </a:lnRef>
+      <a:fillRef idx="0">
+        <a:scrgbClr r="0" g="0" b="0"/>
+      </a:fillRef>
+      <a:effectRef idx="0">
+        <a:scrgbClr r="0" g="0" b="0"/>
+      </a:effectRef>
+      <a:fontRef idx="minor"/>
+    </dgm:style>
+  </dgm:styleLbl>
+  <dgm:styleLbl name="parChTrans1D4">
+    <dgm:scene3d>
+      <a:camera prst="orthographicFront"/>
+      <a:lightRig rig="threePt" dir="t"/>
+    </dgm:scene3d>
+    <dgm:sp3d/>
+    <dgm:txPr/>
+    <dgm:style>
+      <a:lnRef idx="2">
+        <a:scrgbClr r="0" g="0" b="0"/>
+      </a:lnRef>
+      <a:fillRef idx="0">
+        <a:scrgbClr r="0" g="0" b="0"/>
+      </a:fillRef>
+      <a:effectRef idx="0">
+        <a:scrgbClr r="0" g="0" b="0"/>
+      </a:effectRef>
+      <a:fontRef idx="minor"/>
+    </dgm:style>
+  </dgm:styleLbl>
+  <dgm:styleLbl name="fgAcc1">
+    <dgm:scene3d>
+      <a:camera prst="orthographicFront"/>
+      <a:lightRig rig="threePt" dir="t"/>
+    </dgm:scene3d>
+    <dgm:sp3d/>
+    <dgm:txPr/>
+    <dgm:style>
+      <a:lnRef idx="2">
+        <a:scrgbClr r="0" g="0" b="0"/>
+      </a:lnRef>
+      <a:fillRef idx="1">
+        <a:scrgbClr r="0" g="0" b="0"/>
+      </a:fillRef>
+      <a:effectRef idx="0">
+        <a:scrgbClr r="0" g="0" b="0"/>
+      </a:effectRef>
+      <a:fontRef idx="minor"/>
+    </dgm:style>
+  </dgm:styleLbl>
+  <dgm:styleLbl name="conFgAcc1">
+    <dgm:scene3d>
+      <a:camera prst="orthographicFront"/>
+      <a:lightRig rig="threePt" dir="t"/>
+    </dgm:scene3d>
+    <dgm:sp3d/>
+    <dgm:txPr/>
+    <dgm:style>
+      <a:lnRef idx="2">
+        <a:scrgbClr r="0" g="0" b="0"/>
+      </a:lnRef>
+      <a:fillRef idx="1">
+        <a:scrgbClr r="0" g="0" b="0"/>
+      </a:fillRef>
+      <a:effectRef idx="0">
+        <a:scrgbClr r="0" g="0" b="0"/>
+      </a:effectRef>
+      <a:fontRef idx="minor"/>
+    </dgm:style>
+  </dgm:styleLbl>
+  <dgm:styleLbl name="alignAcc1">
+    <dgm:scene3d>
+      <a:camera prst="orthographicFront"/>
+      <a:lightRig rig="threePt" dir="t"/>
+    </dgm:scene3d>
+    <dgm:sp3d/>
+    <dgm:txPr/>
+    <dgm:style>
+      <a:lnRef idx="2">
+        <a:scrgbClr r="0" g="0" b="0"/>
+      </a:lnRef>
+      <a:fillRef idx="1">
+        <a:scrgbClr r="0" g="0" b="0"/>
+      </a:fillRef>
+      <a:effectRef idx="0">
+        <a:scrgbClr r="0" g="0" b="0"/>
+      </a:effectRef>
+      <a:fontRef idx="minor"/>
+    </dgm:style>
+  </dgm:styleLbl>
+  <dgm:styleLbl name="trAlignAcc1">
+    <dgm:scene3d>
+      <a:camera prst="orthographicFront"/>
+      <a:lightRig rig="threePt" dir="t"/>
+    </dgm:scene3d>
+    <dgm:sp3d/>
+    <dgm:txPr/>
+    <dgm:style>
+      <a:lnRef idx="1">
+        <a:scrgbClr r="0" g="0" b="0"/>
+      </a:lnRef>
+      <a:fillRef idx="1">
+        <a:scrgbClr r="0" g="0" b="0"/>
+      </a:fillRef>
+      <a:effectRef idx="0">
+        <a:scrgbClr r="0" g="0" b="0"/>
+      </a:effectRef>
+      <a:fontRef idx="minor"/>
+    </dgm:style>
+  </dgm:styleLbl>
+  <dgm:styleLbl name="bgAcc1">
+    <dgm:scene3d>
+      <a:camera prst="orthographicFront"/>
+      <a:lightRig rig="threePt" dir="t"/>
+    </dgm:scene3d>
+    <dgm:sp3d/>
+    <dgm:txPr/>
+    <dgm:style>
+      <a:lnRef idx="2">
+        <a:scrgbClr r="0" g="0" b="0"/>
+      </a:lnRef>
+      <a:fillRef idx="1">
+        <a:scrgbClr r="0" g="0" b="0"/>
+      </a:fillRef>
+      <a:effectRef idx="0">
+        <a:scrgbClr r="0" g="0" b="0"/>
+      </a:effectRef>
+      <a:fontRef idx="minor"/>
+    </dgm:style>
+  </dgm:styleLbl>
+  <dgm:styleLbl name="solidFgAcc1">
+    <dgm:scene3d>
+      <a:camera prst="orthographicFront"/>
+      <a:lightRig rig="threePt" dir="t"/>
+    </dgm:scene3d>
+    <dgm:sp3d/>
+    <dgm:txPr/>
+    <dgm:style>
+      <a:lnRef idx="2">
+        <a:scrgbClr r="0" g="0" b="0"/>
+      </a:lnRef>
+      <a:fillRef idx="1">
+        <a:scrgbClr r="0" g="0" b="0"/>
+      </a:fillRef>
+      <a:effectRef idx="0">
+        <a:scrgbClr r="0" g="0" b="0"/>
+      </a:effectRef>
+      <a:fontRef idx="minor"/>
+    </dgm:style>
+  </dgm:styleLbl>
+  <dgm:styleLbl name="solidAlignAcc1">
+    <dgm:scene3d>
+      <a:camera prst="orthographicFront"/>
+      <a:lightRig rig="threePt" dir="t"/>
+    </dgm:scene3d>
+    <dgm:sp3d/>
+    <dgm:txPr/>
+    <dgm:style>
+      <a:lnRef idx="2">
+        <a:scrgbClr r="0" g="0" b="0"/>
+      </a:lnRef>
+      <a:fillRef idx="1">
+        <a:scrgbClr r="0" g="0" b="0"/>
+      </a:fillRef>
+      <a:effectRef idx="0">
+        <a:scrgbClr r="0" g="0" b="0"/>
+      </a:effectRef>
+      <a:fontRef idx="minor"/>
+    </dgm:style>
+  </dgm:styleLbl>
+  <dgm:styleLbl name="solidBgAcc1">
+    <dgm:scene3d>
+      <a:camera prst="orthographicFront"/>
+      <a:lightRig rig="threePt" dir="t"/>
+    </dgm:scene3d>
+    <dgm:sp3d/>
+    <dgm:txPr/>
+    <dgm:style>
+      <a:lnRef idx="2">
+        <a:scrgbClr r="0" g="0" b="0"/>
+      </a:lnRef>
+      <a:fillRef idx="1">
+        <a:scrgbClr r="0" g="0" b="0"/>
+      </a:fillRef>
+      <a:effectRef idx="0">
+        <a:scrgbClr r="0" g="0" b="0"/>
+      </a:effectRef>
+      <a:fontRef idx="minor"/>
+    </dgm:style>
+  </dgm:styleLbl>
+  <dgm:styleLbl name="fgAccFollowNode1">
+    <dgm:scene3d>
+      <a:camera prst="orthographicFront"/>
+      <a:lightRig rig="threePt" dir="t"/>
+    </dgm:scene3d>
+    <dgm:sp3d/>
+    <dgm:txPr/>
+    <dgm:style>
+      <a:lnRef idx="2">
+        <a:scrgbClr r="0" g="0" b="0"/>
+      </a:lnRef>
+      <a:fillRef idx="1">
+        <a:scrgbClr r="0" g="0" b="0"/>
+      </a:fillRef>
+      <a:effectRef idx="0">
+        <a:scrgbClr r="0" g="0" b="0"/>
+      </a:effectRef>
+      <a:fontRef idx="minor"/>
+    </dgm:style>
+  </dgm:styleLbl>
+  <dgm:styleLbl name="alignAccFollowNode1">
+    <dgm:scene3d>
+      <a:camera prst="orthographicFront"/>
+      <a:lightRig rig="threePt" dir="t"/>
+    </dgm:scene3d>
+    <dgm:sp3d/>
+    <dgm:txPr/>
+    <dgm:style>
+      <a:lnRef idx="2">
+        <a:scrgbClr r="0" g="0" b="0"/>
+      </a:lnRef>
+      <a:fillRef idx="1">
+        <a:scrgbClr r="0" g="0" b="0"/>
+      </a:fillRef>
+      <a:effectRef idx="0">
+        <a:scrgbClr r="0" g="0" b="0"/>
+      </a:effectRef>
+      <a:fontRef idx="minor"/>
+    </dgm:style>
+  </dgm:styleLbl>
+  <dgm:styleLbl name="bgAccFollowNode1">
+    <dgm:scene3d>
+      <a:camera prst="orthographicFront"/>
+      <a:lightRig rig="threePt" dir="t"/>
+    </dgm:scene3d>
+    <dgm:sp3d/>
+    <dgm:txPr/>
+    <dgm:style>
+      <a:lnRef idx="2">
+        <a:scrgbClr r="0" g="0" b="0"/>
+      </a:lnRef>
+      <a:fillRef idx="1">
+        <a:scrgbClr r="0" g="0" b="0"/>
+      </a:fillRef>
+      <a:effectRef idx="0">
+        <a:scrgbClr r="0" g="0" b="0"/>
+      </a:effectRef>
+      <a:fontRef idx="minor"/>
+    </dgm:style>
+  </dgm:styleLbl>
+  <dgm:styleLbl name="fgAcc0">
+    <dgm:scene3d>
+      <a:camera prst="orthographicFront"/>
+      <a:lightRig rig="threePt" dir="t"/>
+    </dgm:scene3d>
+    <dgm:sp3d/>
+    <dgm:txPr/>
+    <dgm:style>
+      <a:lnRef idx="2">
+        <a:scrgbClr r="0" g="0" b="0"/>
+      </a:lnRef>
+      <a:fillRef idx="1">
+        <a:scrgbClr r="0" g="0" b="0"/>
+      </a:fillRef>
+      <a:effectRef idx="0">
+        <a:scrgbClr r="0" g="0" b="0"/>
+      </a:effectRef>
+      <a:fontRef idx="minor"/>
+    </dgm:style>
+  </dgm:styleLbl>
+  <dgm:styleLbl name="fgAcc2">
+    <dgm:scene3d>
+      <a:camera prst="orthographicFront"/>
+      <a:lightRig rig="threePt" dir="t"/>
+    </dgm:scene3d>
+    <dgm:sp3d/>
+    <dgm:txPr/>
+    <dgm:style>
+      <a:lnRef idx="2">
+        <a:scrgbClr r="0" g="0" b="0"/>
+      </a:lnRef>
+      <a:fillRef idx="1">
+        <a:scrgbClr r="0" g="0" b="0"/>
+      </a:fillRef>
+      <a:effectRef idx="0">
+        <a:scrgbClr r="0" g="0" b="0"/>
+      </a:effectRef>
+      <a:fontRef idx="minor"/>
+    </dgm:style>
+  </dgm:styleLbl>
+  <dgm:styleLbl name="fgAcc3">
+    <dgm:scene3d>
+      <a:camera prst="orthographicFront"/>
+      <a:lightRig rig="threePt" dir="t"/>
+    </dgm:scene3d>
+    <dgm:sp3d/>
+    <dgm:txPr/>
+    <dgm:style>
+      <a:lnRef idx="2">
+        <a:scrgbClr r="0" g="0" b="0"/>
+      </a:lnRef>
+      <a:fillRef idx="1">
+        <a:scrgbClr r="0" g="0" b="0"/>
+      </a:fillRef>
+      <a:effectRef idx="0">
+        <a:scrgbClr r="0" g="0" b="0"/>
+      </a:effectRef>
+      <a:fontRef idx="minor"/>
+    </dgm:style>
+  </dgm:styleLbl>
+  <dgm:styleLbl name="fgAcc4">
+    <dgm:scene3d>
+      <a:camera prst="orthographicFront"/>
+      <a:lightRig rig="threePt" dir="t"/>
+    </dgm:scene3d>
+    <dgm:sp3d/>
+    <dgm:txPr/>
+    <dgm:style>
+      <a:lnRef idx="2">
+        <a:scrgbClr r="0" g="0" b="0"/>
+      </a:lnRef>
+      <a:fillRef idx="1">
+        <a:scrgbClr r="0" g="0" b="0"/>
+      </a:fillRef>
+      <a:effectRef idx="0">
+        <a:scrgbClr r="0" g="0" b="0"/>
+      </a:effectRef>
+      <a:fontRef idx="minor"/>
+    </dgm:style>
+  </dgm:styleLbl>
+  <dgm:styleLbl name="bgShp">
+    <dgm:scene3d>
+      <a:camera prst="orthographicFront"/>
+      <a:lightRig rig="threePt" dir="t"/>
+    </dgm:scene3d>
+    <dgm:sp3d/>
+    <dgm:txPr/>
+    <dgm:style>
+      <a:lnRef idx="0">
+        <a:scrgbClr r="0" g="0" b="0"/>
+      </a:lnRef>
+      <a:fillRef idx="1">
+        <a:scrgbClr r="0" g="0" b="0"/>
+      </a:fillRef>
+      <a:effectRef idx="0">
+        <a:scrgbClr r="0" g="0" b="0"/>
+      </a:effectRef>
+      <a:fontRef idx="minor"/>
+    </dgm:style>
+  </dgm:styleLbl>
+  <dgm:styleLbl name="dkBgShp">
+    <dgm:scene3d>
+      <a:camera prst="orthographicFront"/>
+      <a:lightRig rig="threePt" dir="t"/>
+    </dgm:scene3d>
+    <dgm:sp3d/>
+    <dgm:txPr/>
+    <dgm:style>
+      <a:lnRef idx="0">
+        <a:scrgbClr r="0" g="0" b="0"/>
+      </a:lnRef>
+      <a:fillRef idx="1">
+        <a:scrgbClr r="0" g="0" b="0"/>
+      </a:fillRef>
+      <a:effectRef idx="0">
+        <a:scrgbClr r="0" g="0" b="0"/>
+      </a:effectRef>
+      <a:fontRef idx="minor"/>
+    </dgm:style>
+  </dgm:styleLbl>
+  <dgm:styleLbl name="trBgShp">
+    <dgm:scene3d>
+      <a:camera prst="orthographicFront"/>
+      <a:lightRig rig="threePt" dir="t"/>
+    </dgm:scene3d>
+    <dgm:sp3d/>
+    <dgm:txPr/>
+    <dgm:style>
+      <a:lnRef idx="0">
+        <a:scrgbClr r="0" g="0" b="0"/>
+      </a:lnRef>
+      <a:fillRef idx="1">
+        <a:scrgbClr r="0" g="0" b="0"/>
+      </a:fillRef>
+      <a:effectRef idx="0">
+        <a:scrgbClr r="0" g="0" b="0"/>
+      </a:effectRef>
+      <a:fontRef idx="minor"/>
+    </dgm:style>
+  </dgm:styleLbl>
+  <dgm:styleLbl name="fgShp">
+    <dgm:scene3d>
+      <a:camera prst="orthographicFront"/>
+      <a:lightRig rig="threePt" dir="t"/>
+    </dgm:scene3d>
+    <dgm:sp3d/>
+    <dgm:txPr/>
+    <dgm:style>
+      <a:lnRef idx="2">
+        <a:scrgbClr r="0" g="0" b="0"/>
+      </a:lnRef>
+      <a:fillRef idx="1">
+        <a:scrgbClr r="0" g="0" b="0"/>
+      </a:fillRef>
+      <a:effectRef idx="0">
+        <a:scrgbClr r="0" g="0" b="0"/>
+      </a:effectRef>
+      <a:fontRef idx="minor"/>
+    </dgm:style>
+  </dgm:styleLbl>
+  <dgm:styleLbl name="revTx">
+    <dgm:scene3d>
+      <a:camera prst="orthographicFront"/>
+      <a:lightRig rig="threePt" dir="t"/>
+    </dgm:scene3d>
+    <dgm:sp3d/>
+    <dgm:txPr/>
+    <dgm:style>
+      <a:lnRef idx="0">
+        <a:scrgbClr r="0" g="0" b="0"/>
+      </a:lnRef>
+      <a:fillRef idx="0">
+        <a:scrgbClr r="0" g="0" b="0"/>
+      </a:fillRef>
+      <a:effectRef idx="0">
+        <a:scrgbClr r="0" g="0" b="0"/>
+      </a:effectRef>
+      <a:fontRef idx="minor"/>
+    </dgm:style>
+  </dgm:styleLbl>
+</dgm:styleDef>
+</file>
+
+<file path=ppt/diagrams/quickStyle2.xml><?xml version="1.0" encoding="utf-8"?>
+<dgm:styleDef xmlns:dgm="http://schemas.openxmlformats.org/drawingml/2006/diagram" xmlns:a="http://schemas.openxmlformats.org/drawingml/2006/main" uniqueId="urn:microsoft.com/office/officeart/2005/8/quickstyle/simple1">
+  <dgm:title val=""/>
+  <dgm:desc val=""/>
+  <dgm:catLst>
+    <dgm:cat type="simple" pri="10100"/>
+  </dgm:catLst>
+  <dgm:scene3d>
+    <a:camera prst="orthographicFront"/>
+    <a:lightRig rig="threePt" dir="t"/>
+  </dgm:scene3d>
+  <dgm:styleLbl name="node0">
+    <dgm:scene3d>
+      <a:camera prst="orthographicFront"/>
+      <a:lightRig rig="threePt" dir="t"/>
+    </dgm:scene3d>
+    <dgm:sp3d/>
+    <dgm:txPr/>
+    <dgm:style>
+      <a:lnRef idx="2">
+        <a:scrgbClr r="0" g="0" b="0"/>
+      </a:lnRef>
+      <a:fillRef idx="1">
+        <a:scrgbClr r="0" g="0" b="0"/>
+      </a:fillRef>
+      <a:effectRef idx="0">
+        <a:scrgbClr r="0" g="0" b="0"/>
+      </a:effectRef>
+      <a:fontRef idx="minor">
+        <a:schemeClr val="lt1"/>
+      </a:fontRef>
+    </dgm:style>
+  </dgm:styleLbl>
+  <dgm:styleLbl name="lnNode1">
+    <dgm:scene3d>
+      <a:camera prst="orthographicFront"/>
+      <a:lightRig rig="threePt" dir="t"/>
+    </dgm:scene3d>
+    <dgm:sp3d/>
+    <dgm:txPr/>
+    <dgm:style>
+      <a:lnRef idx="2">
+        <a:scrgbClr r="0" g="0" b="0"/>
+      </a:lnRef>
+      <a:fillRef idx="1">
+        <a:scrgbClr r="0" g="0" b="0"/>
+      </a:fillRef>
+      <a:effectRef idx="0">
+        <a:scrgbClr r="0" g="0" b="0"/>
+      </a:effectRef>
+      <a:fontRef idx="minor">
+        <a:schemeClr val="lt1"/>
+      </a:fontRef>
+    </dgm:style>
+  </dgm:styleLbl>
+  <dgm:styleLbl name="vennNode1">
+    <dgm:scene3d>
+      <a:camera prst="orthographicFront"/>
+      <a:lightRig rig="threePt" dir="t"/>
+    </dgm:scene3d>
+    <dgm:sp3d/>
+    <dgm:txPr/>
+    <dgm:style>
+      <a:lnRef idx="2">
+        <a:scrgbClr r="0" g="0" b="0"/>
+      </a:lnRef>
+      <a:fillRef idx="1">
+        <a:scrgbClr r="0" g="0" b="0"/>
+      </a:fillRef>
+      <a:effectRef idx="0">
+        <a:scrgbClr r="0" g="0" b="0"/>
+      </a:effectRef>
+      <a:fontRef idx="minor">
+        <a:schemeClr val="tx1"/>
+      </a:fontRef>
+    </dgm:style>
+  </dgm:styleLbl>
+  <dgm:styleLbl name="alignNode1">
+    <dgm:scene3d>
+      <a:camera prst="orthographicFront"/>
+      <a:lightRig rig="threePt" dir="t"/>
+    </dgm:scene3d>
+    <dgm:sp3d/>
+    <dgm:txPr/>
+    <dgm:style>
+      <a:lnRef idx="2">
+        <a:scrgbClr r="0" g="0" b="0"/>
+      </a:lnRef>
+      <a:fillRef idx="1">
+        <a:scrgbClr r="0" g="0" b="0"/>
+      </a:fillRef>
+      <a:effectRef idx="0">
+        <a:scrgbClr r="0" g="0" b="0"/>
+      </a:effectRef>
+      <a:fontRef idx="minor">
+        <a:schemeClr val="lt1"/>
+      </a:fontRef>
+    </dgm:style>
+  </dgm:styleLbl>
+  <dgm:styleLbl name="node1">
+    <dgm:scene3d>
+      <a:camera prst="orthographicFront"/>
+      <a:lightRig rig="threePt" dir="t"/>
+    </dgm:scene3d>
+    <dgm:sp3d/>
+    <dgm:txPr/>
+    <dgm:style>
+      <a:lnRef idx="2">
+        <a:scrgbClr r="0" g="0" b="0"/>
+      </a:lnRef>
+      <a:fillRef idx="1">
+        <a:scrgbClr r="0" g="0" b="0"/>
+      </a:fillRef>
+      <a:effectRef idx="0">
+        <a:scrgbClr r="0" g="0" b="0"/>
+      </a:effectRef>
+      <a:fontRef idx="minor">
+        <a:schemeClr val="lt1"/>
+      </a:fontRef>
+    </dgm:style>
+  </dgm:styleLbl>
+  <dgm:styleLbl name="node2">
+    <dgm:scene3d>
+      <a:camera prst="orthographicFront"/>
+      <a:lightRig rig="threePt" dir="t"/>
+    </dgm:scene3d>
+    <dgm:sp3d/>
+    <dgm:txPr/>
+    <dgm:style>
+      <a:lnRef idx="2">
+        <a:scrgbClr r="0" g="0" b="0"/>
+      </a:lnRef>
+      <a:fillRef idx="1">
+        <a:scrgbClr r="0" g="0" b="0"/>
+      </a:fillRef>
+      <a:effectRef idx="0">
+        <a:scrgbClr r="0" g="0" b="0"/>
+      </a:effectRef>
+      <a:fontRef idx="minor">
+        <a:schemeClr val="lt1"/>
+      </a:fontRef>
+    </dgm:style>
+  </dgm:styleLbl>
+  <dgm:styleLbl name="node3">
+    <dgm:scene3d>
+      <a:camera prst="orthographicFront"/>
+      <a:lightRig rig="threePt" dir="t"/>
+    </dgm:scene3d>
+    <dgm:sp3d/>
+    <dgm:txPr/>
+    <dgm:style>
+      <a:lnRef idx="2">
+        <a:scrgbClr r="0" g="0" b="0"/>
+      </a:lnRef>
+      <a:fillRef idx="1">
+        <a:scrgbClr r="0" g="0" b="0"/>
+      </a:fillRef>
+      <a:effectRef idx="0">
+        <a:scrgbClr r="0" g="0" b="0"/>
+      </a:effectRef>
+      <a:fontRef idx="minor">
+        <a:schemeClr val="lt1"/>
+      </a:fontRef>
+    </dgm:style>
+  </dgm:styleLbl>
+  <dgm:styleLbl name="node4">
+    <dgm:scene3d>
+      <a:camera prst="orthographicFront"/>
+      <a:lightRig rig="threePt" dir="t"/>
+    </dgm:scene3d>
+    <dgm:sp3d/>
+    <dgm:txPr/>
+    <dgm:style>
+      <a:lnRef idx="2">
+        <a:scrgbClr r="0" g="0" b="0"/>
+      </a:lnRef>
+      <a:fillRef idx="1">
+        <a:scrgbClr r="0" g="0" b="0"/>
+      </a:fillRef>
+      <a:effectRef idx="0">
+        <a:scrgbClr r="0" g="0" b="0"/>
+      </a:effectRef>
+      <a:fontRef idx="minor">
+        <a:schemeClr val="lt1"/>
+      </a:fontRef>
+    </dgm:style>
+  </dgm:styleLbl>
+  <dgm:styleLbl name="fgImgPlace1">
+    <dgm:scene3d>
+      <a:camera prst="orthographicFront"/>
+      <a:lightRig rig="threePt" dir="t"/>
+    </dgm:scene3d>
+    <dgm:sp3d/>
+    <dgm:txPr/>
+    <dgm:style>
+      <a:lnRef idx="2">
+        <a:scrgbClr r="0" g="0" b="0"/>
+      </a:lnRef>
+      <a:fillRef idx="1">
+        <a:scrgbClr r="0" g="0" b="0"/>
+      </a:fillRef>
+      <a:effectRef idx="0">
+        <a:scrgbClr r="0" g="0" b="0"/>
+      </a:effectRef>
+      <a:fontRef idx="minor"/>
+    </dgm:style>
+  </dgm:styleLbl>
+  <dgm:styleLbl name="alignImgPlace1">
+    <dgm:scene3d>
+      <a:camera prst="orthographicFront"/>
+      <a:lightRig rig="threePt" dir="t"/>
+    </dgm:scene3d>
+    <dgm:sp3d/>
+    <dgm:txPr/>
+    <dgm:style>
+      <a:lnRef idx="2">
+        <a:scrgbClr r="0" g="0" b="0"/>
+      </a:lnRef>
+      <a:fillRef idx="1">
+        <a:scrgbClr r="0" g="0" b="0"/>
+      </a:fillRef>
+      <a:effectRef idx="0">
+        <a:scrgbClr r="0" g="0" b="0"/>
+      </a:effectRef>
+      <a:fontRef idx="minor"/>
+    </dgm:style>
+  </dgm:styleLbl>
+  <dgm:styleLbl name="bgImgPlace1">
+    <dgm:scene3d>
+      <a:camera prst="orthographicFront"/>
+      <a:lightRig rig="threePt" dir="t"/>
+    </dgm:scene3d>
+    <dgm:sp3d/>
+    <dgm:txPr/>
+    <dgm:style>
+      <a:lnRef idx="2">
+        <a:scrgbClr r="0" g="0" b="0"/>
+      </a:lnRef>
+      <a:fillRef idx="1">
+        <a:scrgbClr r="0" g="0" b="0"/>
+      </a:fillRef>
+      <a:effectRef idx="0">
+        <a:scrgbClr r="0" g="0" b="0"/>
+      </a:effectRef>
+      <a:fontRef idx="minor"/>
+    </dgm:style>
+  </dgm:styleLbl>
+  <dgm:styleLbl name="sibTrans2D1">
+    <dgm:scene3d>
+      <a:camera prst="orthographicFront"/>
+      <a:lightRig rig="threePt" dir="t"/>
+    </dgm:scene3d>
+    <dgm:sp3d/>
+    <dgm:txPr/>
+    <dgm:style>
+      <a:lnRef idx="0">
+        <a:scrgbClr r="0" g="0" b="0"/>
+      </a:lnRef>
+      <a:fillRef idx="1">
+        <a:scrgbClr r="0" g="0" b="0"/>
+      </a:fillRef>
+      <a:effectRef idx="0">
+        <a:scrgbClr r="0" g="0" b="0"/>
+      </a:effectRef>
+      <a:fontRef idx="minor">
+        <a:schemeClr val="lt1"/>
+      </a:fontRef>
+    </dgm:style>
+  </dgm:styleLbl>
+  <dgm:styleLbl name="fgSibTrans2D1">
+    <dgm:scene3d>
+      <a:camera prst="orthographicFront"/>
+      <a:lightRig rig="threePt" dir="t"/>
+    </dgm:scene3d>
+    <dgm:sp3d/>
+    <dgm:txPr/>
+    <dgm:style>
+      <a:lnRef idx="0">
+        <a:scrgbClr r="0" g="0" b="0"/>
+      </a:lnRef>
+      <a:fillRef idx="1">
+        <a:scrgbClr r="0" g="0" b="0"/>
+      </a:fillRef>
+      <a:effectRef idx="0">
+        <a:scrgbClr r="0" g="0" b="0"/>
+      </a:effectRef>
+      <a:fontRef idx="minor">
+        <a:schemeClr val="lt1"/>
+      </a:fontRef>
+    </dgm:style>
+  </dgm:styleLbl>
+  <dgm:styleLbl name="bgSibTrans2D1">
+    <dgm:scene3d>
+      <a:camera prst="orthographicFront"/>
+      <a:lightRig rig="threePt" dir="t"/>
+    </dgm:scene3d>
+    <dgm:sp3d/>
+    <dgm:txPr/>
+    <dgm:style>
+      <a:lnRef idx="0">
+        <a:scrgbClr r="0" g="0" b="0"/>
+      </a:lnRef>
+      <a:fillRef idx="1">
+        <a:scrgbClr r="0" g="0" b="0"/>
+      </a:fillRef>
+      <a:effectRef idx="0">
+        <a:scrgbClr r="0" g="0" b="0"/>
+      </a:effectRef>
+      <a:fontRef idx="minor">
+        <a:schemeClr val="lt1"/>
+      </a:fontRef>
+    </dgm:style>
+  </dgm:styleLbl>
+  <dgm:styleLbl name="sibTrans1D1">
+    <dgm:scene3d>
+      <a:camera prst="orthographicFront"/>
+      <a:lightRig rig="threePt" dir="t"/>
+    </dgm:scene3d>
+    <dgm:sp3d/>
+    <dgm:txPr/>
+    <dgm:style>
+      <a:lnRef idx="1">
+        <a:scrgbClr r="0" g="0" b="0"/>
+      </a:lnRef>
+      <a:fillRef idx="0">
+        <a:scrgbClr r="0" g="0" b="0"/>
+      </a:fillRef>
+      <a:effectRef idx="0">
+        <a:scrgbClr r="0" g="0" b="0"/>
+      </a:effectRef>
+      <a:fontRef idx="minor"/>
+    </dgm:style>
+  </dgm:styleLbl>
+  <dgm:styleLbl name="callout">
+    <dgm:scene3d>
+      <a:camera prst="orthographicFront"/>
+      <a:lightRig rig="threePt" dir="t"/>
+    </dgm:scene3d>
+    <dgm:sp3d/>
+    <dgm:txPr/>
+    <dgm:style>
+      <a:lnRef idx="2">
+        <a:scrgbClr r="0" g="0" b="0"/>
+      </a:lnRef>
+      <a:fillRef idx="1">
+        <a:scrgbClr r="0" g="0" b="0"/>
+      </a:fillRef>
+      <a:effectRef idx="0">
+        <a:scrgbClr r="0" g="0" b="0"/>
+      </a:effectRef>
+      <a:fontRef idx="minor"/>
+    </dgm:style>
+  </dgm:styleLbl>
+  <dgm:styleLbl name="asst0">
+    <dgm:scene3d>
+      <a:camera prst="orthographicFront"/>
+      <a:lightRig rig="threePt" dir="t"/>
+    </dgm:scene3d>
+    <dgm:sp3d/>
+    <dgm:txPr/>
+    <dgm:style>
+      <a:lnRef idx="2">
+        <a:scrgbClr r="0" g="0" b="0"/>
+      </a:lnRef>
+      <a:fillRef idx="1">
+        <a:scrgbClr r="0" g="0" b="0"/>
+      </a:fillRef>
+      <a:effectRef idx="0">
+        <a:scrgbClr r="0" g="0" b="0"/>
+      </a:effectRef>
+      <a:fontRef idx="minor">
+        <a:schemeClr val="lt1"/>
+      </a:fontRef>
+    </dgm:style>
+  </dgm:styleLbl>
+  <dgm:styleLbl name="asst1">
+    <dgm:scene3d>
+      <a:camera prst="orthographicFront"/>
+      <a:lightRig rig="threePt" dir="t"/>
+    </dgm:scene3d>
+    <dgm:sp3d/>
+    <dgm:txPr/>
+    <dgm:style>
+      <a:lnRef idx="2">
+        <a:scrgbClr r="0" g="0" b="0"/>
+      </a:lnRef>
+      <a:fillRef idx="1">
+        <a:scrgbClr r="0" g="0" b="0"/>
+      </a:fillRef>
+      <a:effectRef idx="0">
+        <a:scrgbClr r="0" g="0" b="0"/>
+      </a:effectRef>
+      <a:fontRef idx="minor">
+        <a:schemeClr val="lt1"/>
+      </a:fontRef>
+    </dgm:style>
+  </dgm:styleLbl>
+  <dgm:styleLbl name="asst2">
+    <dgm:scene3d>
+      <a:camera prst="orthographicFront"/>
+      <a:lightRig rig="threePt" dir="t"/>
+    </dgm:scene3d>
+    <dgm:sp3d/>
+    <dgm:txPr/>
+    <dgm:style>
+      <a:lnRef idx="2">
+        <a:scrgbClr r="0" g="0" b="0"/>
+      </a:lnRef>
+      <a:fillRef idx="1">
+        <a:scrgbClr r="0" g="0" b="0"/>
+      </a:fillRef>
+      <a:effectRef idx="0">
+        <a:scrgbClr r="0" g="0" b="0"/>
+      </a:effectRef>
+      <a:fontRef idx="minor">
+        <a:schemeClr val="lt1"/>
+      </a:fontRef>
+    </dgm:style>
+  </dgm:styleLbl>
+  <dgm:styleLbl name="asst3">
+    <dgm:scene3d>
+      <a:camera prst="orthographicFront"/>
+      <a:lightRig rig="threePt" dir="t"/>
+    </dgm:scene3d>
+    <dgm:sp3d/>
+    <dgm:txPr/>
+    <dgm:style>
+      <a:lnRef idx="2">
+        <a:scrgbClr r="0" g="0" b="0"/>
+      </a:lnRef>
+      <a:fillRef idx="1">
+        <a:scrgbClr r="0" g="0" b="0"/>
+      </a:fillRef>
+      <a:effectRef idx="0">
+        <a:scrgbClr r="0" g="0" b="0"/>
+      </a:effectRef>
+      <a:fontRef idx="minor">
+        <a:schemeClr val="lt1"/>
+      </a:fontRef>
+    </dgm:style>
+  </dgm:styleLbl>
+  <dgm:styleLbl name="asst4">
+    <dgm:scene3d>
+      <a:camera prst="orthographicFront"/>
+      <a:lightRig rig="threePt" dir="t"/>
+    </dgm:scene3d>
+    <dgm:sp3d/>
+    <dgm:txPr/>
+    <dgm:style>
+      <a:lnRef idx="2">
+        <a:scrgbClr r="0" g="0" b="0"/>
+      </a:lnRef>
+      <a:fillRef idx="1">
+        <a:scrgbClr r="0" g="0" b="0"/>
+      </a:fillRef>
+      <a:effectRef idx="0">
+        <a:scrgbClr r="0" g="0" b="0"/>
+      </a:effectRef>
+      <a:fontRef idx="minor">
+        <a:schemeClr val="lt1"/>
+      </a:fontRef>
+    </dgm:style>
+  </dgm:styleLbl>
+  <dgm:styleLbl name="parChTrans2D1">
+    <dgm:scene3d>
+      <a:camera prst="orthographicFront"/>
+      <a:lightRig rig="threePt" dir="t"/>
+    </dgm:scene3d>
+    <dgm:sp3d/>
+    <dgm:txPr/>
+    <dgm:style>
+      <a:lnRef idx="2">
+        <a:scrgbClr r="0" g="0" b="0"/>
+      </a:lnRef>
+      <a:fillRef idx="1">
+        <a:scrgbClr r="0" g="0" b="0"/>
+      </a:fillRef>
+      <a:effectRef idx="0">
+        <a:scrgbClr r="0" g="0" b="0"/>
+      </a:effectRef>
+      <a:fontRef idx="minor">
+        <a:schemeClr val="lt1"/>
+      </a:fontRef>
+    </dgm:style>
+  </dgm:styleLbl>
+  <dgm:styleLbl name="parChTrans2D2">
+    <dgm:scene3d>
+      <a:camera prst="orthographicFront"/>
+      <a:lightRig rig="threePt" dir="t"/>
+    </dgm:scene3d>
+    <dgm:sp3d/>
+    <dgm:txPr/>
+    <dgm:style>
+      <a:lnRef idx="2">
+        <a:scrgbClr r="0" g="0" b="0"/>
+      </a:lnRef>
+      <a:fillRef idx="1">
+        <a:scrgbClr r="0" g="0" b="0"/>
+      </a:fillRef>
+      <a:effectRef idx="0">
+        <a:scrgbClr r="0" g="0" b="0"/>
+      </a:effectRef>
+      <a:fontRef idx="minor">
+        <a:schemeClr val="lt1"/>
+      </a:fontRef>
+    </dgm:style>
+  </dgm:styleLbl>
+  <dgm:styleLbl name="parChTrans2D3">
+    <dgm:scene3d>
+      <a:camera prst="orthographicFront"/>
+      <a:lightRig rig="threePt" dir="t"/>
+    </dgm:scene3d>
+    <dgm:sp3d/>
+    <dgm:txPr/>
+    <dgm:style>
+      <a:lnRef idx="2">
+        <a:scrgbClr r="0" g="0" b="0"/>
+      </a:lnRef>
+      <a:fillRef idx="1">
+        <a:scrgbClr r="0" g="0" b="0"/>
+      </a:fillRef>
+      <a:effectRef idx="0">
+        <a:scrgbClr r="0" g="0" b="0"/>
+      </a:effectRef>
+      <a:fontRef idx="minor">
+        <a:schemeClr val="lt1"/>
+      </a:fontRef>
+    </dgm:style>
+  </dgm:styleLbl>
+  <dgm:styleLbl name="parChTrans2D4">
+    <dgm:scene3d>
+      <a:camera prst="orthographicFront"/>
+      <a:lightRig rig="threePt" dir="t"/>
+    </dgm:scene3d>
+    <dgm:sp3d/>
+    <dgm:txPr/>
+    <dgm:style>
+      <a:lnRef idx="2">
+        <a:scrgbClr r="0" g="0" b="0"/>
+      </a:lnRef>
+      <a:fillRef idx="1">
+        <a:scrgbClr r="0" g="0" b="0"/>
+      </a:fillRef>
+      <a:effectRef idx="0">
+        <a:scrgbClr r="0" g="0" b="0"/>
+      </a:effectRef>
+      <a:fontRef idx="minor">
+        <a:schemeClr val="lt1"/>
+      </a:fontRef>
+    </dgm:style>
+  </dgm:styleLbl>
+  <dgm:styleLbl name="parChTrans1D1">
+    <dgm:scene3d>
+      <a:camera prst="orthographicFront"/>
+      <a:lightRig rig="threePt" dir="t"/>
+    </dgm:scene3d>
+    <dgm:sp3d/>
+    <dgm:txPr/>
+    <dgm:style>
+      <a:lnRef idx="2">
+        <a:scrgbClr r="0" g="0" b="0"/>
+      </a:lnRef>
+      <a:fillRef idx="0">
+        <a:scrgbClr r="0" g="0" b="0"/>
+      </a:fillRef>
+      <a:effectRef idx="0">
+        <a:scrgbClr r="0" g="0" b="0"/>
+      </a:effectRef>
+      <a:fontRef idx="minor"/>
+    </dgm:style>
+  </dgm:styleLbl>
+  <dgm:styleLbl name="parChTrans1D2">
+    <dgm:scene3d>
+      <a:camera prst="orthographicFront"/>
+      <a:lightRig rig="threePt" dir="t"/>
+    </dgm:scene3d>
+    <dgm:sp3d/>
+    <dgm:txPr/>
+    <dgm:style>
+      <a:lnRef idx="2">
+        <a:scrgbClr r="0" g="0" b="0"/>
+      </a:lnRef>
+      <a:fillRef idx="0">
+        <a:scrgbClr r="0" g="0" b="0"/>
+      </a:fillRef>
+      <a:effectRef idx="0">
+        <a:scrgbClr r="0" g="0" b="0"/>
+      </a:effectRef>
+      <a:fontRef idx="minor"/>
+    </dgm:style>
+  </dgm:styleLbl>
+  <dgm:styleLbl name="parChTrans1D3">
+    <dgm:scene3d>
+      <a:camera prst="orthographicFront"/>
+      <a:lightRig rig="threePt" dir="t"/>
+    </dgm:scene3d>
+    <dgm:sp3d/>
+    <dgm:txPr/>
+    <dgm:style>
+      <a:lnRef idx="2">
+        <a:scrgbClr r="0" g="0" b="0"/>
+      </a:lnRef>
+      <a:fillRef idx="0">
+        <a:scrgbClr r="0" g="0" b="0"/>
+      </a:fillRef>
+      <a:effectRef idx="0">
+        <a:scrgbClr r="0" g="0" b="0"/>
+      </a:effectRef>
+      <a:fontRef idx="minor"/>
+    </dgm:style>
+  </dgm:styleLbl>
+  <dgm:styleLbl name="parChTrans1D4">
+    <dgm:scene3d>
+      <a:camera prst="orthographicFront"/>
+      <a:lightRig rig="threePt" dir="t"/>
+    </dgm:scene3d>
+    <dgm:sp3d/>
+    <dgm:txPr/>
+    <dgm:style>
+      <a:lnRef idx="2">
+        <a:scrgbClr r="0" g="0" b="0"/>
+      </a:lnRef>
+      <a:fillRef idx="0">
+        <a:scrgbClr r="0" g="0" b="0"/>
+      </a:fillRef>
+      <a:effectRef idx="0">
+        <a:scrgbClr r="0" g="0" b="0"/>
+      </a:effectRef>
+      <a:fontRef idx="minor"/>
+    </dgm:style>
+  </dgm:styleLbl>
+  <dgm:styleLbl name="fgAcc1">
+    <dgm:scene3d>
+      <a:camera prst="orthographicFront"/>
+      <a:lightRig rig="threePt" dir="t"/>
+    </dgm:scene3d>
+    <dgm:sp3d/>
+    <dgm:txPr/>
+    <dgm:style>
+      <a:lnRef idx="2">
+        <a:scrgbClr r="0" g="0" b="0"/>
+      </a:lnRef>
+      <a:fillRef idx="1">
+        <a:scrgbClr r="0" g="0" b="0"/>
+      </a:fillRef>
+      <a:effectRef idx="0">
+        <a:scrgbClr r="0" g="0" b="0"/>
+      </a:effectRef>
+      <a:fontRef idx="minor"/>
+    </dgm:style>
+  </dgm:styleLbl>
+  <dgm:styleLbl name="conFgAcc1">
+    <dgm:scene3d>
+      <a:camera prst="orthographicFront"/>
+      <a:lightRig rig="threePt" dir="t"/>
+    </dgm:scene3d>
+    <dgm:sp3d/>
+    <dgm:txPr/>
+    <dgm:style>
+      <a:lnRef idx="2">
+        <a:scrgbClr r="0" g="0" b="0"/>
+      </a:lnRef>
+      <a:fillRef idx="1">
+        <a:scrgbClr r="0" g="0" b="0"/>
+      </a:fillRef>
+      <a:effectRef idx="0">
+        <a:scrgbClr r="0" g="0" b="0"/>
+      </a:effectRef>
+      <a:fontRef idx="minor"/>
+    </dgm:style>
+  </dgm:styleLbl>
+  <dgm:styleLbl name="alignAcc1">
+    <dgm:scene3d>
+      <a:camera prst="orthographicFront"/>
+      <a:lightRig rig="threePt" dir="t"/>
+    </dgm:scene3d>
+    <dgm:sp3d/>
+    <dgm:txPr/>
+    <dgm:style>
+      <a:lnRef idx="2">
+        <a:scrgbClr r="0" g="0" b="0"/>
+      </a:lnRef>
+      <a:fillRef idx="1">
+        <a:scrgbClr r="0" g="0" b="0"/>
+      </a:fillRef>
+      <a:effectRef idx="0">
+        <a:scrgbClr r="0" g="0" b="0"/>
+      </a:effectRef>
+      <a:fontRef idx="minor"/>
+    </dgm:style>
+  </dgm:styleLbl>
+  <dgm:styleLbl name="trAlignAcc1">
+    <dgm:scene3d>
+      <a:camera prst="orthographicFront"/>
+      <a:lightRig rig="threePt" dir="t"/>
+    </dgm:scene3d>
+    <dgm:sp3d/>
+    <dgm:txPr/>
+    <dgm:style>
+      <a:lnRef idx="1">
+        <a:scrgbClr r="0" g="0" b="0"/>
+      </a:lnRef>
+      <a:fillRef idx="1">
+        <a:scrgbClr r="0" g="0" b="0"/>
+      </a:fillRef>
+      <a:effectRef idx="0">
+        <a:scrgbClr r="0" g="0" b="0"/>
+      </a:effectRef>
+      <a:fontRef idx="minor"/>
+    </dgm:style>
+  </dgm:styleLbl>
+  <dgm:styleLbl name="bgAcc1">
+    <dgm:scene3d>
+      <a:camera prst="orthographicFront"/>
+      <a:lightRig rig="threePt" dir="t"/>
+    </dgm:scene3d>
+    <dgm:sp3d/>
+    <dgm:txPr/>
+    <dgm:style>
+      <a:lnRef idx="2">
+        <a:scrgbClr r="0" g="0" b="0"/>
+      </a:lnRef>
+      <a:fillRef idx="1">
+        <a:scrgbClr r="0" g="0" b="0"/>
+      </a:fillRef>
+      <a:effectRef idx="0">
+        <a:scrgbClr r="0" g="0" b="0"/>
+      </a:effectRef>
+      <a:fontRef idx="minor"/>
+    </dgm:style>
+  </dgm:styleLbl>
+  <dgm:styleLbl name="solidFgAcc1">
+    <dgm:scene3d>
+      <a:camera prst="orthographicFront"/>
+      <a:lightRig rig="threePt" dir="t"/>
+    </dgm:scene3d>
+    <dgm:sp3d/>
+    <dgm:txPr/>
+    <dgm:style>
+      <a:lnRef idx="2">
+        <a:scrgbClr r="0" g="0" b="0"/>
+      </a:lnRef>
+      <a:fillRef idx="1">
+        <a:scrgbClr r="0" g="0" b="0"/>
+      </a:fillRef>
+      <a:effectRef idx="0">
+        <a:scrgbClr r="0" g="0" b="0"/>
+      </a:effectRef>
+      <a:fontRef idx="minor"/>
+    </dgm:style>
+  </dgm:styleLbl>
+  <dgm:styleLbl name="solidAlignAcc1">
+    <dgm:scene3d>
+      <a:camera prst="orthographicFront"/>
+      <a:lightRig rig="threePt" dir="t"/>
+    </dgm:scene3d>
+    <dgm:sp3d/>
+    <dgm:txPr/>
+    <dgm:style>
+      <a:lnRef idx="2">
+        <a:scrgbClr r="0" g="0" b="0"/>
+      </a:lnRef>
+      <a:fillRef idx="1">
+        <a:scrgbClr r="0" g="0" b="0"/>
+      </a:fillRef>
+      <a:effectRef idx="0">
+        <a:scrgbClr r="0" g="0" b="0"/>
+      </a:effectRef>
+      <a:fontRef idx="minor"/>
+    </dgm:style>
+  </dgm:styleLbl>
+  <dgm:styleLbl name="solidBgAcc1">
+    <dgm:scene3d>
+      <a:camera prst="orthographicFront"/>
+      <a:lightRig rig="threePt" dir="t"/>
+    </dgm:scene3d>
+    <dgm:sp3d/>
+    <dgm:txPr/>
+    <dgm:style>
+      <a:lnRef idx="2">
+        <a:scrgbClr r="0" g="0" b="0"/>
+      </a:lnRef>
+      <a:fillRef idx="1">
+        <a:scrgbClr r="0" g="0" b="0"/>
+      </a:fillRef>
+      <a:effectRef idx="0">
+        <a:scrgbClr r="0" g="0" b="0"/>
+      </a:effectRef>
+      <a:fontRef idx="minor"/>
+    </dgm:style>
+  </dgm:styleLbl>
+  <dgm:styleLbl name="fgAccFollowNode1">
+    <dgm:scene3d>
+      <a:camera prst="orthographicFront"/>
+      <a:lightRig rig="threePt" dir="t"/>
+    </dgm:scene3d>
+    <dgm:sp3d/>
+    <dgm:txPr/>
+    <dgm:style>
+      <a:lnRef idx="2">
+        <a:scrgbClr r="0" g="0" b="0"/>
+      </a:lnRef>
+      <a:fillRef idx="1">
+        <a:scrgbClr r="0" g="0" b="0"/>
+      </a:fillRef>
+      <a:effectRef idx="0">
+        <a:scrgbClr r="0" g="0" b="0"/>
+      </a:effectRef>
+      <a:fontRef idx="minor"/>
+    </dgm:style>
+  </dgm:styleLbl>
+  <dgm:styleLbl name="alignAccFollowNode1">
+    <dgm:scene3d>
+      <a:camera prst="orthographicFront"/>
+      <a:lightRig rig="threePt" dir="t"/>
+    </dgm:scene3d>
+    <dgm:sp3d/>
+    <dgm:txPr/>
+    <dgm:style>
+      <a:lnRef idx="2">
+        <a:scrgbClr r="0" g="0" b="0"/>
+      </a:lnRef>
+      <a:fillRef idx="1">
+        <a:scrgbClr r="0" g="0" b="0"/>
+      </a:fillRef>
+      <a:effectRef idx="0">
+        <a:scrgbClr r="0" g="0" b="0"/>
+      </a:effectRef>
+      <a:fontRef idx="minor"/>
+    </dgm:style>
+  </dgm:styleLbl>
+  <dgm:styleLbl name="bgAccFollowNode1">
+    <dgm:scene3d>
+      <a:camera prst="orthographicFront"/>
+      <a:lightRig rig="threePt" dir="t"/>
+    </dgm:scene3d>
+    <dgm:sp3d/>
+    <dgm:txPr/>
+    <dgm:style>
+      <a:lnRef idx="2">
+        <a:scrgbClr r="0" g="0" b="0"/>
+      </a:lnRef>
+      <a:fillRef idx="1">
+        <a:scrgbClr r="0" g="0" b="0"/>
+      </a:fillRef>
+      <a:effectRef idx="0">
+        <a:scrgbClr r="0" g="0" b="0"/>
+      </a:effectRef>
+      <a:fontRef idx="minor"/>
+    </dgm:style>
+  </dgm:styleLbl>
+  <dgm:styleLbl name="fgAcc0">
+    <dgm:scene3d>
+      <a:camera prst="orthographicFront"/>
+      <a:lightRig rig="threePt" dir="t"/>
+    </dgm:scene3d>
+    <dgm:sp3d/>
+    <dgm:txPr/>
+    <dgm:style>
+      <a:lnRef idx="2">
+        <a:scrgbClr r="0" g="0" b="0"/>
+      </a:lnRef>
+      <a:fillRef idx="1">
+        <a:scrgbClr r="0" g="0" b="0"/>
+      </a:fillRef>
+      <a:effectRef idx="0">
+        <a:scrgbClr r="0" g="0" b="0"/>
+      </a:effectRef>
+      <a:fontRef idx="minor"/>
+    </dgm:style>
+  </dgm:styleLbl>
+  <dgm:styleLbl name="fgAcc2">
+    <dgm:scene3d>
+      <a:camera prst="orthographicFront"/>
+      <a:lightRig rig="threePt" dir="t"/>
+    </dgm:scene3d>
+    <dgm:sp3d/>
+    <dgm:txPr/>
+    <dgm:style>
+      <a:lnRef idx="2">
+        <a:scrgbClr r="0" g="0" b="0"/>
+      </a:lnRef>
+      <a:fillRef idx="1">
+        <a:scrgbClr r="0" g="0" b="0"/>
+      </a:fillRef>
+      <a:effectRef idx="0">
+        <a:scrgbClr r="0" g="0" b="0"/>
+      </a:effectRef>
+      <a:fontRef idx="minor"/>
+    </dgm:style>
+  </dgm:styleLbl>
+  <dgm:styleLbl name="fgAcc3">
+    <dgm:scene3d>
+      <a:camera prst="orthographicFront"/>
+      <a:lightRig rig="threePt" dir="t"/>
+    </dgm:scene3d>
+    <dgm:sp3d/>
+    <dgm:txPr/>
+    <dgm:style>
+      <a:lnRef idx="2">
+        <a:scrgbClr r="0" g="0" b="0"/>
+      </a:lnRef>
+      <a:fillRef idx="1">
+        <a:scrgbClr r="0" g="0" b="0"/>
+      </a:fillRef>
+      <a:effectRef idx="0">
+        <a:scrgbClr r="0" g="0" b="0"/>
+      </a:effectRef>
+      <a:fontRef idx="minor"/>
+    </dgm:style>
+  </dgm:styleLbl>
+  <dgm:styleLbl name="fgAcc4">
+    <dgm:scene3d>
+      <a:camera prst="orthographicFront"/>
+      <a:lightRig rig="threePt" dir="t"/>
+    </dgm:scene3d>
+    <dgm:sp3d/>
+    <dgm:txPr/>
+    <dgm:style>
+      <a:lnRef idx="2">
+        <a:scrgbClr r="0" g="0" b="0"/>
+      </a:lnRef>
+      <a:fillRef idx="1">
+        <a:scrgbClr r="0" g="0" b="0"/>
+      </a:fillRef>
+      <a:effectRef idx="0">
+        <a:scrgbClr r="0" g="0" b="0"/>
+      </a:effectRef>
+      <a:fontRef idx="minor"/>
+    </dgm:style>
+  </dgm:styleLbl>
+  <dgm:styleLbl name="bgShp">
+    <dgm:scene3d>
+      <a:camera prst="orthographicFront"/>
+      <a:lightRig rig="threePt" dir="t"/>
+    </dgm:scene3d>
+    <dgm:sp3d/>
+    <dgm:txPr/>
+    <dgm:style>
+      <a:lnRef idx="0">
+        <a:scrgbClr r="0" g="0" b="0"/>
+      </a:lnRef>
+      <a:fillRef idx="1">
+        <a:scrgbClr r="0" g="0" b="0"/>
+      </a:fillRef>
+      <a:effectRef idx="0">
+        <a:scrgbClr r="0" g="0" b="0"/>
+      </a:effectRef>
+      <a:fontRef idx="minor"/>
+    </dgm:style>
+  </dgm:styleLbl>
+  <dgm:styleLbl name="dkBgShp">
+    <dgm:scene3d>
+      <a:camera prst="orthographicFront"/>
+      <a:lightRig rig="threePt" dir="t"/>
+    </dgm:scene3d>
+    <dgm:sp3d/>
+    <dgm:txPr/>
+    <dgm:style>
+      <a:lnRef idx="0">
+        <a:scrgbClr r="0" g="0" b="0"/>
+      </a:lnRef>
+      <a:fillRef idx="1">
+        <a:scrgbClr r="0" g="0" b="0"/>
+      </a:fillRef>
+      <a:effectRef idx="0">
+        <a:scrgbClr r="0" g="0" b="0"/>
+      </a:effectRef>
+      <a:fontRef idx="minor"/>
+    </dgm:style>
+  </dgm:styleLbl>
+  <dgm:styleLbl name="trBgShp">
+    <dgm:scene3d>
+      <a:camera prst="orthographicFront"/>
+      <a:lightRig rig="threePt" dir="t"/>
+    </dgm:scene3d>
+    <dgm:sp3d/>
+    <dgm:txPr/>
+    <dgm:style>
+      <a:lnRef idx="0">
+        <a:scrgbClr r="0" g="0" b="0"/>
+      </a:lnRef>
+      <a:fillRef idx="1">
+        <a:scrgbClr r="0" g="0" b="0"/>
+      </a:fillRef>
+      <a:effectRef idx="0">
+        <a:scrgbClr r="0" g="0" b="0"/>
+      </a:effectRef>
+      <a:fontRef idx="minor"/>
+    </dgm:style>
+  </dgm:styleLbl>
+  <dgm:styleLbl name="fgShp">
+    <dgm:scene3d>
+      <a:camera prst="orthographicFront"/>
+      <a:lightRig rig="threePt" dir="t"/>
+    </dgm:scene3d>
+    <dgm:sp3d/>
+    <dgm:txPr/>
+    <dgm:style>
+      <a:lnRef idx="2">
+        <a:scrgbClr r="0" g="0" b="0"/>
+      </a:lnRef>
+      <a:fillRef idx="1">
+        <a:scrgbClr r="0" g="0" b="0"/>
+      </a:fillRef>
+      <a:effectRef idx="0">
+        <a:scrgbClr r="0" g="0" b="0"/>
+      </a:effectRef>
+      <a:fontRef idx="minor"/>
+    </dgm:style>
+  </dgm:styleLbl>
+  <dgm:styleLbl name="revTx">
+    <dgm:scene3d>
+      <a:camera prst="orthographicFront"/>
+      <a:lightRig rig="threePt" dir="t"/>
+    </dgm:scene3d>
+    <dgm:sp3d/>
+    <dgm:txPr/>
+    <dgm:style>
+      <a:lnRef idx="0">
+        <a:scrgbClr r="0" g="0" b="0"/>
+      </a:lnRef>
+      <a:fillRef idx="0">
+        <a:scrgbClr r="0" g="0" b="0"/>
+      </a:fillRef>
+      <a:effectRef idx="0">
+        <a:scrgbClr r="0" g="0" b="0"/>
+      </a:effectRef>
+      <a:fontRef idx="minor"/>
+    </dgm:style>
+  </dgm:styleLbl>
+</dgm:styleDef>
+</file>
+
 <file path=ppt/notesMasters/notesMaster1.xml><?xml version="1.0" encoding="utf-8"?>
 <p:notesMaster xmlns:a="http://schemas.openxmlformats.org/drawingml/2006/main" xmlns:r="http://schemas.openxmlformats.org/officeDocument/2006/relationships" xmlns:p="http://schemas.openxmlformats.org/presentationml/2006/main">
   <p:cSld>
@@ -209,7 +5473,7 @@
           <a:p>
             <a:fld id="{B81D1D97-A0CC-47C7-8220-FDAA14247745}" type="datetimeFigureOut">
               <a:rPr lang="ru-RU" smtClean="0"/>
-              <a:t>18.04.2021</a:t>
+              <a:t>19.04.2021</a:t>
             </a:fld>
             <a:endParaRPr lang="ru-RU"/>
           </a:p>
@@ -618,7 +5882,7 @@
           <a:p>
             <a:fld id="{FA45D989-E665-43C3-89C9-DEC949288517}" type="datetime1">
               <a:rPr lang="ru-RU" smtClean="0"/>
-              <a:t>18.04.2021</a:t>
+              <a:t>19.04.2021</a:t>
             </a:fld>
             <a:endParaRPr lang="ru-RU"/>
           </a:p>
@@ -788,7 +6052,7 @@
           <a:p>
             <a:fld id="{235ACC50-CF13-45B5-BCC5-6A04D9B7A65C}" type="datetime1">
               <a:rPr lang="ru-RU" smtClean="0"/>
-              <a:t>18.04.2021</a:t>
+              <a:t>19.04.2021</a:t>
             </a:fld>
             <a:endParaRPr lang="ru-RU"/>
           </a:p>
@@ -968,7 +6232,7 @@
           <a:p>
             <a:fld id="{87D70D7E-7A07-4F15-8A81-993247D34E1A}" type="datetime1">
               <a:rPr lang="ru-RU" smtClean="0"/>
-              <a:t>18.04.2021</a:t>
+              <a:t>19.04.2021</a:t>
             </a:fld>
             <a:endParaRPr lang="ru-RU"/>
           </a:p>
@@ -1176,7 +6440,7 @@
           <a:p>
             <a:fld id="{64988343-CDD9-468C-8A2B-DCC57FD4E6E0}" type="datetime1">
               <a:rPr lang="ru-RU" smtClean="0"/>
-              <a:t>18.04.2021</a:t>
+              <a:t>19.04.2021</a:t>
             </a:fld>
             <a:endParaRPr lang="ru-RU"/>
           </a:p>
@@ -1374,7 +6638,7 @@
           <a:p>
             <a:fld id="{D0709471-6FEE-476D-AD38-381799AEA88C}" type="datetime1">
               <a:rPr lang="ru-RU" smtClean="0"/>
-              <a:t>18.04.2021</a:t>
+              <a:t>19.04.2021</a:t>
             </a:fld>
             <a:endParaRPr lang="ru-RU"/>
           </a:p>
@@ -1649,7 +6913,7 @@
           <a:p>
             <a:fld id="{CFE3DCD3-416F-4811-BC93-CB85E69A745F}" type="datetime1">
               <a:rPr lang="ru-RU" smtClean="0"/>
-              <a:t>18.04.2021</a:t>
+              <a:t>19.04.2021</a:t>
             </a:fld>
             <a:endParaRPr lang="ru-RU"/>
           </a:p>
@@ -1914,7 +7178,7 @@
           <a:p>
             <a:fld id="{31753219-95C6-4486-AE29-0FC2EA92C268}" type="datetime1">
               <a:rPr lang="ru-RU" smtClean="0"/>
-              <a:t>18.04.2021</a:t>
+              <a:t>19.04.2021</a:t>
             </a:fld>
             <a:endParaRPr lang="ru-RU"/>
           </a:p>
@@ -2326,7 +7590,7 @@
           <a:p>
             <a:fld id="{D296F707-EB71-4FF1-9BA8-A27281275CA4}" type="datetime1">
               <a:rPr lang="ru-RU" smtClean="0"/>
-              <a:t>18.04.2021</a:t>
+              <a:t>19.04.2021</a:t>
             </a:fld>
             <a:endParaRPr lang="ru-RU"/>
           </a:p>
@@ -2467,7 +7731,7 @@
           <a:p>
             <a:fld id="{5FCF8C0C-8A1F-456E-9830-C3A0FFDDD3A9}" type="datetime1">
               <a:rPr lang="ru-RU" smtClean="0"/>
-              <a:t>18.04.2021</a:t>
+              <a:t>19.04.2021</a:t>
             </a:fld>
             <a:endParaRPr lang="ru-RU"/>
           </a:p>
@@ -2580,7 +7844,7 @@
           <a:p>
             <a:fld id="{AB27A479-21F2-4EED-8183-93CB01C2B56B}" type="datetime1">
               <a:rPr lang="ru-RU" smtClean="0"/>
-              <a:t>18.04.2021</a:t>
+              <a:t>19.04.2021</a:t>
             </a:fld>
             <a:endParaRPr lang="ru-RU"/>
           </a:p>
@@ -2891,7 +8155,7 @@
           <a:p>
             <a:fld id="{5F0D4892-6134-43FF-B27F-E5B4F235CE43}" type="datetime1">
               <a:rPr lang="ru-RU" smtClean="0"/>
-              <a:t>18.04.2021</a:t>
+              <a:t>19.04.2021</a:t>
             </a:fld>
             <a:endParaRPr lang="ru-RU"/>
           </a:p>
@@ -3073,7 +8337,7 @@
           <a:p>
             <a:fld id="{61D6911C-BE6A-4383-A291-0A67CD7DF996}" type="datetime1">
               <a:rPr lang="ru-RU" smtClean="0"/>
-              <a:t>18.04.2021</a:t>
+              <a:t>19.04.2021</a:t>
             </a:fld>
             <a:endParaRPr lang="ru-RU"/>
           </a:p>
@@ -3349,7 +8613,7 @@
           <a:p>
             <a:fld id="{9D784330-20CD-487A-A22D-7779250F49A4}" type="datetime1">
               <a:rPr lang="ru-RU" smtClean="0"/>
-              <a:t>18.04.2021</a:t>
+              <a:t>19.04.2021</a:t>
             </a:fld>
             <a:endParaRPr lang="ru-RU"/>
           </a:p>
@@ -3547,7 +8811,7 @@
           <a:p>
             <a:fld id="{02DD74C9-F3B8-469F-A091-08C4DF5EA58F}" type="datetime1">
               <a:rPr lang="ru-RU" smtClean="0"/>
-              <a:t>18.04.2021</a:t>
+              <a:t>19.04.2021</a:t>
             </a:fld>
             <a:endParaRPr lang="ru-RU"/>
           </a:p>
@@ -3755,7 +9019,7 @@
           <a:p>
             <a:fld id="{A481E06A-F8CA-478B-B874-9AA5881EB994}" type="datetime1">
               <a:rPr lang="ru-RU" smtClean="0"/>
-              <a:t>18.04.2021</a:t>
+              <a:t>19.04.2021</a:t>
             </a:fld>
             <a:endParaRPr lang="ru-RU"/>
           </a:p>
@@ -4018,7 +9282,7 @@
           <a:p>
             <a:fld id="{3E718FFA-56F6-447B-B373-8D8A156E9547}" type="datetime1">
               <a:rPr lang="ru-RU" smtClean="0"/>
-              <a:t>18.04.2021</a:t>
+              <a:t>19.04.2021</a:t>
             </a:fld>
             <a:endParaRPr lang="ru-RU"/>
           </a:p>
@@ -4250,7 +9514,7 @@
           <a:p>
             <a:fld id="{C4298988-30FB-49B3-9290-DD059FCDC33D}" type="datetime1">
               <a:rPr lang="ru-RU" smtClean="0"/>
-              <a:t>18.04.2021</a:t>
+              <a:t>19.04.2021</a:t>
             </a:fld>
             <a:endParaRPr lang="ru-RU"/>
           </a:p>
@@ -4597,7 +9861,7 @@
           <a:p>
             <a:fld id="{4DB6DFCB-E0BC-4C65-8674-D258336BB0CF}" type="datetime1">
               <a:rPr lang="ru-RU" smtClean="0"/>
-              <a:t>18.04.2021</a:t>
+              <a:t>19.04.2021</a:t>
             </a:fld>
             <a:endParaRPr lang="ru-RU"/>
           </a:p>
@@ -4715,7 +9979,7 @@
           <a:p>
             <a:fld id="{1F349287-0C91-41D5-9673-AF6FE7CF66D1}" type="datetime1">
               <a:rPr lang="ru-RU" smtClean="0"/>
-              <a:t>18.04.2021</a:t>
+              <a:t>19.04.2021</a:t>
             </a:fld>
             <a:endParaRPr lang="ru-RU"/>
           </a:p>
@@ -4833,7 +10097,7 @@
           <a:p>
             <a:fld id="{76A07917-717A-4EA6-8F16-F0087DEDB268}" type="datetime1">
               <a:rPr lang="ru-RU" smtClean="0"/>
-              <a:t>18.04.2021</a:t>
+              <a:t>19.04.2021</a:t>
             </a:fld>
             <a:endParaRPr lang="ru-RU"/>
           </a:p>
@@ -5117,7 +10381,7 @@
           <a:p>
             <a:fld id="{A9E8DB76-1921-4960-A962-C149BA4DC157}" type="datetime1">
               <a:rPr lang="ru-RU" smtClean="0"/>
-              <a:t>18.04.2021</a:t>
+              <a:t>19.04.2021</a:t>
             </a:fld>
             <a:endParaRPr lang="ru-RU"/>
           </a:p>
@@ -5381,7 +10645,7 @@
           <a:p>
             <a:fld id="{CD3AA8A4-AADE-4755-A50F-D0B8F82A1044}" type="datetime1">
               <a:rPr lang="ru-RU" smtClean="0"/>
-              <a:t>18.04.2021</a:t>
+              <a:t>19.04.2021</a:t>
             </a:fld>
             <a:endParaRPr lang="ru-RU"/>
           </a:p>
@@ -5595,7 +10859,7 @@
           <a:p>
             <a:fld id="{EEDF6EC8-CB16-4D43-9F68-650F5B6006F3}" type="datetime1">
               <a:rPr lang="ru-RU" smtClean="0"/>
-              <a:t>18.04.2021</a:t>
+              <a:t>19.04.2021</a:t>
             </a:fld>
             <a:endParaRPr lang="ru-RU"/>
           </a:p>
@@ -6141,7 +11405,7 @@
           <a:p>
             <a:fld id="{39EEF794-56D8-478D-80B3-42917B3E20A9}" type="datetime1">
               <a:rPr lang="ru-RU" smtClean="0"/>
-              <a:t>18.04.2021</a:t>
+              <a:t>19.04.2021</a:t>
             </a:fld>
             <a:endParaRPr lang="ru-RU"/>
           </a:p>
@@ -7243,6 +12507,14 @@
 <file path=ppt/slides/slide10.xml><?xml version="1.0" encoding="utf-8"?>
 <p:sld xmlns:a="http://schemas.openxmlformats.org/drawingml/2006/main" xmlns:r="http://schemas.openxmlformats.org/officeDocument/2006/relationships" xmlns:p="http://schemas.openxmlformats.org/presentationml/2006/main">
   <p:cSld>
+    <p:bg>
+      <p:bgPr>
+        <a:solidFill>
+          <a:schemeClr val="bg1"/>
+        </a:solidFill>
+        <a:effectLst/>
+      </p:bgPr>
+    </p:bg>
     <p:spTree>
       <p:nvGrpSpPr>
         <p:cNvPr id="1" name=""/>
@@ -7257,12 +12529,566 @@
           <a:chExt cx="0" cy="0"/>
         </a:xfrm>
       </p:grpSpPr>
+      <p:sp useBgFill="1">
+        <p:nvSpPr>
+          <p:cNvPr id="12" name="Rectangle 11">
+            <a:extLst>
+              <a:ext uri="{FF2B5EF4-FFF2-40B4-BE49-F238E27FC236}">
+                <a16:creationId xmlns:a16="http://schemas.microsoft.com/office/drawing/2014/main" id="{F4C0B10B-D2C4-4A54-AFAD-3D27DF88BB37}"/>
+              </a:ext>
+              <a:ext uri="{C183D7F6-B498-43B3-948B-1728B52AA6E4}">
+                <adec:decorative xmlns:adec="http://schemas.microsoft.com/office/drawing/2017/decorative" val="1"/>
+              </a:ext>
+            </a:extLst>
+          </p:cNvPr>
+          <p:cNvSpPr>
+            <a:spLocks noGrp="1" noRot="1" noChangeAspect="1" noMove="1" noResize="1" noEditPoints="1" noAdjustHandles="1" noChangeArrowheads="1" noChangeShapeType="1" noTextEdit="1"/>
+          </p:cNvSpPr>
+          <p:nvPr>
+            <p:extLst>
+              <p:ext uri="{386F3935-93C4-4BCD-93E2-E3B085C9AB24}">
+                <p16:designElem xmlns:p16="http://schemas.microsoft.com/office/powerpoint/2015/main" val="1"/>
+              </p:ext>
+            </p:extLst>
+          </p:nvPr>
+        </p:nvSpPr>
+        <p:spPr>
+          <a:xfrm>
+            <a:off x="0" y="0"/>
+            <a:ext cx="12188952" cy="6858000"/>
+          </a:xfrm>
+          <a:prstGeom prst="rect">
+            <a:avLst/>
+          </a:prstGeom>
+          <a:ln>
+            <a:noFill/>
+          </a:ln>
+        </p:spPr>
+        <p:style>
+          <a:lnRef idx="2">
+            <a:schemeClr val="accent1">
+              <a:shade val="50000"/>
+            </a:schemeClr>
+          </a:lnRef>
+          <a:fillRef idx="1">
+            <a:schemeClr val="accent1"/>
+          </a:fillRef>
+          <a:effectRef idx="0">
+            <a:schemeClr val="accent1"/>
+          </a:effectRef>
+          <a:fontRef idx="minor">
+            <a:schemeClr val="lt1"/>
+          </a:fontRef>
+        </p:style>
+        <p:txBody>
+          <a:bodyPr rtlCol="0" anchor="ctr"/>
+          <a:lstStyle/>
+          <a:p>
+            <a:pPr algn="ctr"/>
+            <a:endParaRPr lang="en-US"/>
+          </a:p>
+        </p:txBody>
+      </p:sp>
+      <p:grpSp>
+        <p:nvGrpSpPr>
+          <p:cNvPr id="14" name="Group 13">
+            <a:extLst>
+              <a:ext uri="{FF2B5EF4-FFF2-40B4-BE49-F238E27FC236}">
+                <a16:creationId xmlns:a16="http://schemas.microsoft.com/office/drawing/2014/main" id="{B6BADB90-C74B-40D6-86DC-503F65FCE8DC}"/>
+              </a:ext>
+              <a:ext uri="{C183D7F6-B498-43B3-948B-1728B52AA6E4}">
+                <adec:decorative xmlns:adec="http://schemas.microsoft.com/office/drawing/2017/decorative" val="1"/>
+              </a:ext>
+            </a:extLst>
+          </p:cNvPr>
+          <p:cNvGrpSpPr>
+            <a:grpSpLocks noGrp="1" noUngrp="1" noRot="1" noChangeAspect="1" noMove="1" noResize="1"/>
+          </p:cNvGrpSpPr>
+          <p:nvPr>
+            <p:extLst>
+              <p:ext uri="{386F3935-93C4-4BCD-93E2-E3B085C9AB24}">
+                <p16:designElem xmlns:p16="http://schemas.microsoft.com/office/powerpoint/2015/main" val="1"/>
+              </p:ext>
+            </p:extLst>
+          </p:nvPr>
+        </p:nvGrpSpPr>
+        <p:grpSpPr>
+          <a:xfrm>
+            <a:off x="409710" y="635715"/>
+            <a:ext cx="11142208" cy="2482136"/>
+            <a:chOff x="409710" y="635715"/>
+            <a:chExt cx="11142208" cy="2482136"/>
+          </a:xfrm>
+        </p:grpSpPr>
+        <p:sp>
+          <p:nvSpPr>
+            <p:cNvPr id="15" name="Freeform 44">
+              <a:extLst>
+                <a:ext uri="{FF2B5EF4-FFF2-40B4-BE49-F238E27FC236}">
+                  <a16:creationId xmlns:a16="http://schemas.microsoft.com/office/drawing/2014/main" id="{6559431D-1886-4AE0-9B87-9AD2ECAB8439}"/>
+                </a:ext>
+                <a:ext uri="{C183D7F6-B498-43B3-948B-1728B52AA6E4}">
+                  <adec:decorative xmlns:adec="http://schemas.microsoft.com/office/drawing/2017/decorative" val="1"/>
+                </a:ext>
+              </a:extLst>
+            </p:cNvPr>
+            <p:cNvSpPr>
+              <a:spLocks/>
+            </p:cNvSpPr>
+            <p:nvPr>
+              <p:extLst>
+                <p:ext uri="{386F3935-93C4-4BCD-93E2-E3B085C9AB24}">
+                  <p16:designElem xmlns:p16="http://schemas.microsoft.com/office/powerpoint/2015/main" val="1"/>
+                </p:ext>
+              </p:extLst>
+            </p:nvPr>
+          </p:nvSpPr>
+          <p:spPr bwMode="auto">
+            <a:xfrm>
+              <a:off x="11223203" y="635716"/>
+              <a:ext cx="328612" cy="1742360"/>
+            </a:xfrm>
+            <a:custGeom>
+              <a:avLst/>
+              <a:gdLst>
+                <a:gd name="T0" fmla="*/ 207 w 207"/>
+                <a:gd name="T1" fmla="*/ 987 h 1114"/>
+                <a:gd name="T2" fmla="*/ 0 w 207"/>
+                <a:gd name="T3" fmla="*/ 1114 h 1114"/>
+                <a:gd name="T4" fmla="*/ 0 w 207"/>
+                <a:gd name="T5" fmla="*/ 127 h 1114"/>
+                <a:gd name="T6" fmla="*/ 207 w 207"/>
+                <a:gd name="T7" fmla="*/ 0 h 1114"/>
+                <a:gd name="T8" fmla="*/ 207 w 207"/>
+                <a:gd name="T9" fmla="*/ 987 h 1114"/>
+              </a:gdLst>
+              <a:ahLst/>
+              <a:cxnLst>
+                <a:cxn ang="0">
+                  <a:pos x="T0" y="T1"/>
+                </a:cxn>
+                <a:cxn ang="0">
+                  <a:pos x="T2" y="T3"/>
+                </a:cxn>
+                <a:cxn ang="0">
+                  <a:pos x="T4" y="T5"/>
+                </a:cxn>
+                <a:cxn ang="0">
+                  <a:pos x="T6" y="T7"/>
+                </a:cxn>
+                <a:cxn ang="0">
+                  <a:pos x="T8" y="T9"/>
+                </a:cxn>
+              </a:cxnLst>
+              <a:rect l="0" t="0" r="r" b="b"/>
+              <a:pathLst>
+                <a:path w="207" h="1114">
+                  <a:moveTo>
+                    <a:pt x="207" y="987"/>
+                  </a:moveTo>
+                  <a:lnTo>
+                    <a:pt x="0" y="1114"/>
+                  </a:lnTo>
+                  <a:lnTo>
+                    <a:pt x="0" y="127"/>
+                  </a:lnTo>
+                  <a:lnTo>
+                    <a:pt x="207" y="0"/>
+                  </a:lnTo>
+                  <a:lnTo>
+                    <a:pt x="207" y="987"/>
+                  </a:lnTo>
+                  <a:close/>
+                </a:path>
+              </a:pathLst>
+            </a:custGeom>
+            <a:solidFill>
+              <a:schemeClr val="accent1">
+                <a:lumMod val="50000"/>
+              </a:schemeClr>
+            </a:solidFill>
+            <a:ln>
+              <a:noFill/>
+            </a:ln>
+          </p:spPr>
+          <p:txBody>
+            <a:bodyPr vert="horz" wrap="square" lIns="91440" tIns="45720" rIns="91440" bIns="45720" numCol="1" anchor="t" anchorCtr="0" compatLnSpc="1">
+              <a:prstTxWarp prst="textNoShape">
+                <a:avLst/>
+              </a:prstTxWarp>
+            </a:bodyPr>
+            <a:lstStyle/>
+            <a:p>
+              <a:endParaRPr lang="en-US"/>
+            </a:p>
+          </p:txBody>
+        </p:sp>
+        <p:sp>
+          <p:nvSpPr>
+            <p:cNvPr id="16" name="Freeform 45">
+              <a:extLst>
+                <a:ext uri="{FF2B5EF4-FFF2-40B4-BE49-F238E27FC236}">
+                  <a16:creationId xmlns:a16="http://schemas.microsoft.com/office/drawing/2014/main" id="{373850A5-B04A-4FCD-9E73-EE322167FB31}"/>
+                </a:ext>
+                <a:ext uri="{C183D7F6-B498-43B3-948B-1728B52AA6E4}">
+                  <adec:decorative xmlns:adec="http://schemas.microsoft.com/office/drawing/2017/decorative" val="1"/>
+                </a:ext>
+              </a:extLst>
+            </p:cNvPr>
+            <p:cNvSpPr>
+              <a:spLocks/>
+            </p:cNvSpPr>
+            <p:nvPr>
+              <p:extLst>
+                <p:ext uri="{386F3935-93C4-4BCD-93E2-E3B085C9AB24}">
+                  <p16:designElem xmlns:p16="http://schemas.microsoft.com/office/powerpoint/2015/main" val="1"/>
+                </p:ext>
+              </p:extLst>
+            </p:nvPr>
+          </p:nvSpPr>
+          <p:spPr bwMode="auto">
+            <a:xfrm>
+              <a:off x="409710" y="1022350"/>
+              <a:ext cx="709612" cy="2095501"/>
+            </a:xfrm>
+            <a:custGeom>
+              <a:avLst/>
+              <a:gdLst>
+                <a:gd name="T0" fmla="*/ 447 w 447"/>
+                <a:gd name="T1" fmla="*/ 1363 h 1363"/>
+                <a:gd name="T2" fmla="*/ 0 w 447"/>
+                <a:gd name="T3" fmla="*/ 987 h 1363"/>
+                <a:gd name="T4" fmla="*/ 0 w 447"/>
+                <a:gd name="T5" fmla="*/ 0 h 1363"/>
+                <a:gd name="T6" fmla="*/ 447 w 447"/>
+                <a:gd name="T7" fmla="*/ 376 h 1363"/>
+                <a:gd name="T8" fmla="*/ 447 w 447"/>
+                <a:gd name="T9" fmla="*/ 1363 h 1363"/>
+              </a:gdLst>
+              <a:ahLst/>
+              <a:cxnLst>
+                <a:cxn ang="0">
+                  <a:pos x="T0" y="T1"/>
+                </a:cxn>
+                <a:cxn ang="0">
+                  <a:pos x="T2" y="T3"/>
+                </a:cxn>
+                <a:cxn ang="0">
+                  <a:pos x="T4" y="T5"/>
+                </a:cxn>
+                <a:cxn ang="0">
+                  <a:pos x="T6" y="T7"/>
+                </a:cxn>
+                <a:cxn ang="0">
+                  <a:pos x="T8" y="T9"/>
+                </a:cxn>
+              </a:cxnLst>
+              <a:rect l="0" t="0" r="r" b="b"/>
+              <a:pathLst>
+                <a:path w="447" h="1363">
+                  <a:moveTo>
+                    <a:pt x="447" y="1363"/>
+                  </a:moveTo>
+                  <a:lnTo>
+                    <a:pt x="0" y="987"/>
+                  </a:lnTo>
+                  <a:lnTo>
+                    <a:pt x="0" y="0"/>
+                  </a:lnTo>
+                  <a:lnTo>
+                    <a:pt x="447" y="376"/>
+                  </a:lnTo>
+                  <a:lnTo>
+                    <a:pt x="447" y="1363"/>
+                  </a:lnTo>
+                  <a:close/>
+                </a:path>
+              </a:pathLst>
+            </a:custGeom>
+            <a:solidFill>
+              <a:schemeClr val="accent1">
+                <a:lumMod val="50000"/>
+              </a:schemeClr>
+            </a:solidFill>
+            <a:ln>
+              <a:noFill/>
+            </a:ln>
+          </p:spPr>
+          <p:txBody>
+            <a:bodyPr vert="horz" wrap="square" lIns="91440" tIns="45720" rIns="91440" bIns="45720" numCol="1" anchor="t" anchorCtr="0" compatLnSpc="1">
+              <a:prstTxWarp prst="textNoShape">
+                <a:avLst/>
+              </a:prstTxWarp>
+            </a:bodyPr>
+            <a:lstStyle/>
+            <a:p>
+              <a:endParaRPr lang="en-US"/>
+            </a:p>
+          </p:txBody>
+        </p:sp>
+        <p:sp>
+          <p:nvSpPr>
+            <p:cNvPr id="17" name="Freeform 46">
+              <a:extLst>
+                <a:ext uri="{FF2B5EF4-FFF2-40B4-BE49-F238E27FC236}">
+                  <a16:creationId xmlns:a16="http://schemas.microsoft.com/office/drawing/2014/main" id="{82C18C67-80FA-4738-AA53-0AF2419F98E0}"/>
+                </a:ext>
+                <a:ext uri="{C183D7F6-B498-43B3-948B-1728B52AA6E4}">
+                  <adec:decorative xmlns:adec="http://schemas.microsoft.com/office/drawing/2017/decorative" val="1"/>
+                </a:ext>
+              </a:extLst>
+            </p:cNvPr>
+            <p:cNvSpPr>
+              <a:spLocks/>
+            </p:cNvSpPr>
+            <p:nvPr>
+              <p:extLst>
+                <p:ext uri="{386F3935-93C4-4BCD-93E2-E3B085C9AB24}">
+                  <p16:designElem xmlns:p16="http://schemas.microsoft.com/office/powerpoint/2015/main" val="1"/>
+                </p:ext>
+              </p:extLst>
+            </p:nvPr>
+          </p:nvSpPr>
+          <p:spPr bwMode="auto">
+            <a:xfrm>
+              <a:off x="409710" y="837744"/>
+              <a:ext cx="403225" cy="1705431"/>
+            </a:xfrm>
+            <a:custGeom>
+              <a:avLst/>
+              <a:gdLst>
+                <a:gd name="T0" fmla="*/ 254 w 254"/>
+                <a:gd name="T1" fmla="*/ 987 h 1109"/>
+                <a:gd name="T2" fmla="*/ 0 w 254"/>
+                <a:gd name="T3" fmla="*/ 1109 h 1109"/>
+                <a:gd name="T4" fmla="*/ 0 w 254"/>
+                <a:gd name="T5" fmla="*/ 119 h 1109"/>
+                <a:gd name="T6" fmla="*/ 254 w 254"/>
+                <a:gd name="T7" fmla="*/ 0 h 1109"/>
+                <a:gd name="T8" fmla="*/ 254 w 254"/>
+                <a:gd name="T9" fmla="*/ 987 h 1109"/>
+              </a:gdLst>
+              <a:ahLst/>
+              <a:cxnLst>
+                <a:cxn ang="0">
+                  <a:pos x="T0" y="T1"/>
+                </a:cxn>
+                <a:cxn ang="0">
+                  <a:pos x="T2" y="T3"/>
+                </a:cxn>
+                <a:cxn ang="0">
+                  <a:pos x="T4" y="T5"/>
+                </a:cxn>
+                <a:cxn ang="0">
+                  <a:pos x="T6" y="T7"/>
+                </a:cxn>
+                <a:cxn ang="0">
+                  <a:pos x="T8" y="T9"/>
+                </a:cxn>
+              </a:cxnLst>
+              <a:rect l="0" t="0" r="r" b="b"/>
+              <a:pathLst>
+                <a:path w="254" h="1109">
+                  <a:moveTo>
+                    <a:pt x="254" y="987"/>
+                  </a:moveTo>
+                  <a:lnTo>
+                    <a:pt x="0" y="1109"/>
+                  </a:lnTo>
+                  <a:lnTo>
+                    <a:pt x="0" y="119"/>
+                  </a:lnTo>
+                  <a:lnTo>
+                    <a:pt x="254" y="0"/>
+                  </a:lnTo>
+                  <a:lnTo>
+                    <a:pt x="254" y="987"/>
+                  </a:lnTo>
+                  <a:close/>
+                </a:path>
+              </a:pathLst>
+            </a:custGeom>
+            <a:solidFill>
+              <a:schemeClr val="accent1">
+                <a:lumMod val="75000"/>
+              </a:schemeClr>
+            </a:solidFill>
+            <a:ln>
+              <a:noFill/>
+            </a:ln>
+          </p:spPr>
+          <p:txBody>
+            <a:bodyPr vert="horz" wrap="square" lIns="91440" tIns="45720" rIns="91440" bIns="45720" numCol="1" anchor="t" anchorCtr="0" compatLnSpc="1">
+              <a:prstTxWarp prst="textNoShape">
+                <a:avLst/>
+              </a:prstTxWarp>
+            </a:bodyPr>
+            <a:lstStyle/>
+            <a:p>
+              <a:endParaRPr lang="en-US"/>
+            </a:p>
+          </p:txBody>
+        </p:sp>
+        <p:sp>
+          <p:nvSpPr>
+            <p:cNvPr id="18" name="Freeform 47">
+              <a:extLst>
+                <a:ext uri="{FF2B5EF4-FFF2-40B4-BE49-F238E27FC236}">
+                  <a16:creationId xmlns:a16="http://schemas.microsoft.com/office/drawing/2014/main" id="{48543B1A-8BF5-4C63-8404-41B2EA70B33E}"/>
+                </a:ext>
+                <a:ext uri="{C183D7F6-B498-43B3-948B-1728B52AA6E4}">
+                  <adec:decorative xmlns:adec="http://schemas.microsoft.com/office/drawing/2017/decorative" val="1"/>
+                </a:ext>
+              </a:extLst>
+            </p:cNvPr>
+            <p:cNvSpPr>
+              <a:spLocks/>
+            </p:cNvSpPr>
+            <p:nvPr>
+              <p:extLst>
+                <p:ext uri="{386F3935-93C4-4BCD-93E2-E3B085C9AB24}">
+                  <p16:designElem xmlns:p16="http://schemas.microsoft.com/office/powerpoint/2015/main" val="1"/>
+                </p:ext>
+              </p:extLst>
+            </p:nvPr>
+          </p:nvSpPr>
+          <p:spPr bwMode="auto">
+            <a:xfrm>
+              <a:off x="644660" y="640894"/>
+              <a:ext cx="168275" cy="1713195"/>
+            </a:xfrm>
+            <a:custGeom>
+              <a:avLst/>
+              <a:gdLst>
+                <a:gd name="T0" fmla="*/ 106 w 106"/>
+                <a:gd name="T1" fmla="*/ 1114 h 1114"/>
+                <a:gd name="T2" fmla="*/ 0 w 106"/>
+                <a:gd name="T3" fmla="*/ 1005 h 1114"/>
+                <a:gd name="T4" fmla="*/ 0 w 106"/>
+                <a:gd name="T5" fmla="*/ 0 h 1114"/>
+                <a:gd name="T6" fmla="*/ 106 w 106"/>
+                <a:gd name="T7" fmla="*/ 110 h 1114"/>
+                <a:gd name="T8" fmla="*/ 106 w 106"/>
+                <a:gd name="T9" fmla="*/ 1114 h 1114"/>
+              </a:gdLst>
+              <a:ahLst/>
+              <a:cxnLst>
+                <a:cxn ang="0">
+                  <a:pos x="T0" y="T1"/>
+                </a:cxn>
+                <a:cxn ang="0">
+                  <a:pos x="T2" y="T3"/>
+                </a:cxn>
+                <a:cxn ang="0">
+                  <a:pos x="T4" y="T5"/>
+                </a:cxn>
+                <a:cxn ang="0">
+                  <a:pos x="T6" y="T7"/>
+                </a:cxn>
+                <a:cxn ang="0">
+                  <a:pos x="T8" y="T9"/>
+                </a:cxn>
+              </a:cxnLst>
+              <a:rect l="0" t="0" r="r" b="b"/>
+              <a:pathLst>
+                <a:path w="106" h="1114">
+                  <a:moveTo>
+                    <a:pt x="106" y="1114"/>
+                  </a:moveTo>
+                  <a:lnTo>
+                    <a:pt x="0" y="1005"/>
+                  </a:lnTo>
+                  <a:lnTo>
+                    <a:pt x="0" y="0"/>
+                  </a:lnTo>
+                  <a:lnTo>
+                    <a:pt x="106" y="110"/>
+                  </a:lnTo>
+                  <a:lnTo>
+                    <a:pt x="106" y="1114"/>
+                  </a:lnTo>
+                  <a:close/>
+                </a:path>
+              </a:pathLst>
+            </a:custGeom>
+            <a:solidFill>
+              <a:schemeClr val="accent1">
+                <a:lumMod val="50000"/>
+              </a:schemeClr>
+            </a:solidFill>
+            <a:ln>
+              <a:noFill/>
+            </a:ln>
+          </p:spPr>
+          <p:txBody>
+            <a:bodyPr vert="horz" wrap="square" lIns="91440" tIns="45720" rIns="91440" bIns="45720" numCol="1" anchor="t" anchorCtr="0" compatLnSpc="1">
+              <a:prstTxWarp prst="textNoShape">
+                <a:avLst/>
+              </a:prstTxWarp>
+            </a:bodyPr>
+            <a:lstStyle/>
+            <a:p>
+              <a:endParaRPr lang="en-US"/>
+            </a:p>
+          </p:txBody>
+        </p:sp>
+        <p:sp>
+          <p:nvSpPr>
+            <p:cNvPr id="19" name="Rectangle 18">
+              <a:extLst>
+                <a:ext uri="{FF2B5EF4-FFF2-40B4-BE49-F238E27FC236}">
+                  <a16:creationId xmlns:a16="http://schemas.microsoft.com/office/drawing/2014/main" id="{92DF5096-E051-498C-A3ED-CBA77A813AAC}"/>
+                </a:ext>
+                <a:ext uri="{C183D7F6-B498-43B3-948B-1728B52AA6E4}">
+                  <adec:decorative xmlns:adec="http://schemas.microsoft.com/office/drawing/2017/decorative" val="1"/>
+                </a:ext>
+              </a:extLst>
+            </p:cNvPr>
+            <p:cNvSpPr>
+              <a:spLocks noChangeArrowheads="1"/>
+            </p:cNvSpPr>
+            <p:nvPr>
+              <p:extLst>
+                <p:ext uri="{386F3935-93C4-4BCD-93E2-E3B085C9AB24}">
+                  <p16:designElem xmlns:p16="http://schemas.microsoft.com/office/powerpoint/2015/main" val="1"/>
+                </p:ext>
+              </p:extLst>
+            </p:nvPr>
+          </p:nvSpPr>
+          <p:spPr bwMode="auto">
+            <a:xfrm>
+              <a:off x="644055" y="635715"/>
+              <a:ext cx="10907863" cy="1541457"/>
+            </a:xfrm>
+            <a:prstGeom prst="rect">
+              <a:avLst/>
+            </a:prstGeom>
+            <a:solidFill>
+              <a:schemeClr val="accent1"/>
+            </a:solidFill>
+            <a:ln>
+              <a:noFill/>
+            </a:ln>
+          </p:spPr>
+          <p:txBody>
+            <a:bodyPr vert="horz" wrap="square" lIns="91440" tIns="45720" rIns="91440" bIns="45720" numCol="1" anchor="t" anchorCtr="0" compatLnSpc="1">
+              <a:prstTxWarp prst="textNoShape">
+                <a:avLst/>
+              </a:prstTxWarp>
+            </a:bodyPr>
+            <a:lstStyle/>
+            <a:p>
+              <a:endParaRPr lang="en-US"/>
+            </a:p>
+          </p:txBody>
+        </p:sp>
+      </p:grpSp>
       <p:sp>
         <p:nvSpPr>
           <p:cNvPr id="2" name="Заголовок 1">
             <a:extLst>
               <a:ext uri="{FF2B5EF4-FFF2-40B4-BE49-F238E27FC236}">
-                <a16:creationId xmlns:a16="http://schemas.microsoft.com/office/drawing/2014/main" id="{93E77A50-5BF8-4193-B6DB-F1420021633A}"/>
+                <a16:creationId xmlns:a16="http://schemas.microsoft.com/office/drawing/2014/main" id="{123D2940-3411-43A5-9646-3231703393A3}"/>
               </a:ext>
             </a:extLst>
           </p:cNvPr>
@@ -7273,13 +13099,1111 @@
             <p:ph type="title"/>
           </p:nvPr>
         </p:nvSpPr>
-        <p:spPr/>
+        <p:spPr>
+          <a:xfrm>
+            <a:off x="1047280" y="759805"/>
+            <a:ext cx="10306520" cy="1325563"/>
+          </a:xfrm>
+        </p:spPr>
         <p:txBody>
-          <a:bodyPr/>
+          <a:bodyPr>
+            <a:normAutofit/>
+          </a:bodyPr>
           <a:lstStyle/>
           <a:p>
             <a:r>
-              <a:rPr lang="ru-RU" dirty="0"/>
+              <a:rPr lang="ru-RU" sz="4000">
+                <a:solidFill>
+                  <a:srgbClr val="FFFFFF"/>
+                </a:solidFill>
+              </a:rPr>
+              <a:t>Лучшая линейная модель</a:t>
+            </a:r>
+          </a:p>
+        </p:txBody>
+      </p:sp>
+      <mc:AlternateContent xmlns:mc="http://schemas.openxmlformats.org/markup-compatibility/2006" xmlns:a14="http://schemas.microsoft.com/office/drawing/2010/main">
+        <mc:Choice Requires="a14">
+          <p:sp>
+            <p:nvSpPr>
+              <p:cNvPr id="3" name="Объект 2">
+                <a:extLst>
+                  <a:ext uri="{FF2B5EF4-FFF2-40B4-BE49-F238E27FC236}">
+                    <a16:creationId xmlns:a16="http://schemas.microsoft.com/office/drawing/2014/main" id="{7C508738-7632-4279-A402-B8E691460338}"/>
+                  </a:ext>
+                </a:extLst>
+              </p:cNvPr>
+              <p:cNvSpPr>
+                <a:spLocks noGrp="1"/>
+              </p:cNvSpPr>
+              <p:nvPr>
+                <p:ph idx="1"/>
+              </p:nvPr>
+            </p:nvSpPr>
+            <p:spPr>
+              <a:xfrm>
+                <a:off x="933008" y="2698345"/>
+                <a:ext cx="11138235" cy="3563159"/>
+              </a:xfrm>
+            </p:spPr>
+            <p:txBody>
+              <a:bodyPr>
+                <a:normAutofit/>
+              </a:bodyPr>
+              <a:lstStyle/>
+              <a:p>
+                <a:pPr marL="0" indent="0">
+                  <a:buNone/>
+                </a:pPr>
+                <a14:m>
+                  <m:oMathPara xmlns:m="http://schemas.openxmlformats.org/officeDocument/2006/math">
+                    <m:oMathParaPr>
+                      <m:jc m:val="centerGroup"/>
+                    </m:oMathParaPr>
+                    <m:oMath xmlns:m="http://schemas.openxmlformats.org/officeDocument/2006/math">
+                      <m:r>
+                        <a:rPr lang="en-US" sz="2400" i="1">
+                          <a:latin typeface="Cambria Math" panose="02040503050406030204" pitchFamily="18" charset="0"/>
+                        </a:rPr>
+                        <m:t>𝑅𝑀</m:t>
+                      </m:r>
+                      <m:r>
+                        <a:rPr lang="en-US" sz="2400" i="1">
+                          <a:latin typeface="Cambria Math" panose="02040503050406030204" pitchFamily="18" charset="0"/>
+                        </a:rPr>
+                        <m:t>=</m:t>
+                      </m:r>
+                      <m:r>
+                        <a:rPr lang="en-US" sz="2400" i="1">
+                          <a:latin typeface="Cambria Math" panose="02040503050406030204" pitchFamily="18" charset="0"/>
+                        </a:rPr>
+                        <m:t>𝑀𝑅𝑀</m:t>
+                      </m:r>
+                      <m:r>
+                        <a:rPr lang="en-US" sz="2400" i="1">
+                          <a:latin typeface="Cambria Math" panose="02040503050406030204" pitchFamily="18" charset="0"/>
+                        </a:rPr>
+                        <m:t>⋅</m:t>
+                      </m:r>
+                      <m:d>
+                        <m:dPr>
+                          <m:ctrlPr>
+                            <a:rPr lang="en-US" sz="2400" i="1">
+                              <a:latin typeface="Cambria Math" panose="02040503050406030204" pitchFamily="18" charset="0"/>
+                            </a:rPr>
+                          </m:ctrlPr>
+                        </m:dPr>
+                        <m:e>
+                          <m:r>
+                            <a:rPr lang="en-US" sz="2400" i="1">
+                              <a:latin typeface="Cambria Math" panose="02040503050406030204" pitchFamily="18" charset="0"/>
+                            </a:rPr>
+                            <m:t>𝐶𝑜𝑢𝑛𝑡𝐺𝑟𝑜𝑢</m:t>
+                          </m:r>
+                          <m:sSub>
+                            <m:sSubPr>
+                              <m:ctrlPr>
+                                <a:rPr lang="ru-RU" sz="2400" b="0" i="1">
+                                  <a:latin typeface="Cambria Math" panose="02040503050406030204" pitchFamily="18" charset="0"/>
+                                </a:rPr>
+                              </m:ctrlPr>
+                            </m:sSubPr>
+                            <m:e>
+                              <m:r>
+                                <a:rPr lang="en-US" sz="2400" i="1">
+                                  <a:latin typeface="Cambria Math" panose="02040503050406030204" pitchFamily="18" charset="0"/>
+                                </a:rPr>
+                                <m:t>𝑝</m:t>
+                              </m:r>
+                            </m:e>
+                            <m:sub>
+                              <m:r>
+                                <a:rPr lang="en-US" sz="2400" i="1">
+                                  <a:latin typeface="Cambria Math" panose="02040503050406030204" pitchFamily="18" charset="0"/>
+                                </a:rPr>
+                                <m:t>𝑎</m:t>
+                              </m:r>
+                            </m:sub>
+                          </m:sSub>
+                          <m:r>
+                            <a:rPr lang="en-US" sz="2400" i="1">
+                              <a:latin typeface="Cambria Math" panose="02040503050406030204" pitchFamily="18" charset="0"/>
+                            </a:rPr>
+                            <m:t>+</m:t>
+                          </m:r>
+                          <m:r>
+                            <a:rPr lang="en-US" sz="2400" i="1">
+                              <a:latin typeface="Cambria Math" panose="02040503050406030204" pitchFamily="18" charset="0"/>
+                            </a:rPr>
+                            <m:t>𝐴𝑐𝑡𝑖𝑜</m:t>
+                          </m:r>
+                          <m:sSub>
+                            <m:sSubPr>
+                              <m:ctrlPr>
+                                <a:rPr lang="ru-RU" sz="2400" b="0" i="1">
+                                  <a:latin typeface="Cambria Math" panose="02040503050406030204" pitchFamily="18" charset="0"/>
+                                </a:rPr>
+                              </m:ctrlPr>
+                            </m:sSubPr>
+                            <m:e>
+                              <m:r>
+                                <a:rPr lang="en-US" sz="2400" i="1">
+                                  <a:latin typeface="Cambria Math" panose="02040503050406030204" pitchFamily="18" charset="0"/>
+                                </a:rPr>
+                                <m:t>𝑛</m:t>
+                              </m:r>
+                            </m:e>
+                            <m:sub>
+                              <m:r>
+                                <a:rPr lang="en-US" sz="2400" b="0" i="1">
+                                  <a:latin typeface="Cambria Math" panose="02040503050406030204" pitchFamily="18" charset="0"/>
+                                </a:rPr>
+                                <m:t>𝑏</m:t>
+                              </m:r>
+                            </m:sub>
+                          </m:sSub>
+                          <m:r>
+                            <a:rPr lang="en-IO" sz="2400" b="0" i="1">
+                              <a:latin typeface="Cambria Math" panose="02040503050406030204" pitchFamily="18" charset="0"/>
+                            </a:rPr>
+                            <m:t>+</m:t>
+                          </m:r>
+                          <m:r>
+                            <a:rPr lang="en-US" sz="2400" i="1">
+                              <a:latin typeface="Cambria Math" panose="02040503050406030204" pitchFamily="18" charset="0"/>
+                            </a:rPr>
+                            <m:t>𝐶𝑜𝑢𝑛𝑡𝐺𝑟𝑜𝑢</m:t>
+                          </m:r>
+                          <m:sSub>
+                            <m:sSubPr>
+                              <m:ctrlPr>
+                                <a:rPr lang="ru-RU" sz="2400" b="0" i="1">
+                                  <a:latin typeface="Cambria Math" panose="02040503050406030204" pitchFamily="18" charset="0"/>
+                                </a:rPr>
+                              </m:ctrlPr>
+                            </m:sSubPr>
+                            <m:e>
+                              <m:r>
+                                <a:rPr lang="en-US" sz="2400" i="1">
+                                  <a:latin typeface="Cambria Math" panose="02040503050406030204" pitchFamily="18" charset="0"/>
+                                </a:rPr>
+                                <m:t>𝑝</m:t>
+                              </m:r>
+                            </m:e>
+                            <m:sub>
+                              <m:r>
+                                <a:rPr lang="en-US" sz="2400" i="1">
+                                  <a:latin typeface="Cambria Math" panose="02040503050406030204" pitchFamily="18" charset="0"/>
+                                </a:rPr>
+                                <m:t>𝑐</m:t>
+                              </m:r>
+                            </m:sub>
+                          </m:sSub>
+                          <m:r>
+                            <a:rPr lang="en-US" sz="2400" i="1">
+                              <a:latin typeface="Cambria Math" panose="02040503050406030204" pitchFamily="18" charset="0"/>
+                            </a:rPr>
+                            <m:t>⋅</m:t>
+                          </m:r>
+                          <m:r>
+                            <a:rPr lang="en-US" sz="2400" i="1">
+                              <a:latin typeface="Cambria Math" panose="02040503050406030204" pitchFamily="18" charset="0"/>
+                            </a:rPr>
+                            <m:t>𝐶𝑜𝑢𝑛𝑡</m:t>
+                          </m:r>
+                        </m:e>
+                      </m:d>
+                      <m:r>
+                        <a:rPr lang="en-US" sz="2400" i="1">
+                          <a:latin typeface="Cambria Math" panose="02040503050406030204" pitchFamily="18" charset="0"/>
+                        </a:rPr>
+                        <m:t>+</m:t>
+                      </m:r>
+                      <m:r>
+                        <a:rPr lang="en-US" sz="2400" b="0" i="1">
+                          <a:latin typeface="Cambria Math" panose="02040503050406030204" pitchFamily="18" charset="0"/>
+                        </a:rPr>
+                        <m:t>𝑑</m:t>
+                      </m:r>
+                      <m:r>
+                        <a:rPr lang="en-US" sz="2400" i="1">
+                          <a:latin typeface="Cambria Math" panose="02040503050406030204" pitchFamily="18" charset="0"/>
+                        </a:rPr>
+                        <m:t>⋅</m:t>
+                      </m:r>
+                      <m:sSup>
+                        <m:sSupPr>
+                          <m:ctrlPr>
+                            <a:rPr lang="en-US" sz="2400" b="0" i="1">
+                              <a:latin typeface="Cambria Math" panose="02040503050406030204" pitchFamily="18" charset="0"/>
+                            </a:rPr>
+                          </m:ctrlPr>
+                        </m:sSupPr>
+                        <m:e>
+                          <m:d>
+                            <m:dPr>
+                              <m:ctrlPr>
+                                <a:rPr lang="en-US" sz="2400" i="1">
+                                  <a:latin typeface="Cambria Math" panose="02040503050406030204" pitchFamily="18" charset="0"/>
+                                </a:rPr>
+                              </m:ctrlPr>
+                            </m:dPr>
+                            <m:e>
+                              <m:f>
+                                <m:fPr>
+                                  <m:ctrlPr>
+                                    <a:rPr lang="ru-RU" sz="2400" b="0" i="1">
+                                      <a:latin typeface="Cambria Math" panose="02040503050406030204" pitchFamily="18" charset="0"/>
+                                    </a:rPr>
+                                  </m:ctrlPr>
+                                </m:fPr>
+                                <m:num>
+                                  <m:r>
+                                    <a:rPr lang="en-US" sz="2400" i="1">
+                                      <a:latin typeface="Cambria Math" panose="02040503050406030204" pitchFamily="18" charset="0"/>
+                                    </a:rPr>
+                                    <m:t>𝑀𝑅𝑀</m:t>
+                                  </m:r>
+                                </m:num>
+                                <m:den>
+                                  <m:r>
+                                    <a:rPr lang="en-US" sz="2400" i="1">
+                                      <a:latin typeface="Cambria Math" panose="02040503050406030204" pitchFamily="18" charset="0"/>
+                                    </a:rPr>
+                                    <m:t>𝐼𝑛𝑑𝑒𝑥</m:t>
+                                  </m:r>
+                                </m:den>
+                              </m:f>
+                            </m:e>
+                          </m:d>
+                        </m:e>
+                        <m:sup>
+                          <m:r>
+                            <a:rPr lang="en-US" sz="2400" i="1">
+                              <a:latin typeface="Cambria Math" panose="02040503050406030204" pitchFamily="18" charset="0"/>
+                            </a:rPr>
+                            <m:t>6</m:t>
+                          </m:r>
+                        </m:sup>
+                      </m:sSup>
+                    </m:oMath>
+                  </m:oMathPara>
+                </a14:m>
+                <a:endParaRPr lang="ru-RU" sz="2400" dirty="0"/>
+              </a:p>
+            </p:txBody>
+          </p:sp>
+        </mc:Choice>
+        <mc:Fallback xmlns="">
+          <p:sp>
+            <p:nvSpPr>
+              <p:cNvPr id="3" name="Объект 2">
+                <a:extLst>
+                  <a:ext uri="{FF2B5EF4-FFF2-40B4-BE49-F238E27FC236}">
+                    <a16:creationId xmlns:a16="http://schemas.microsoft.com/office/drawing/2014/main" id="{7C508738-7632-4279-A402-B8E691460338}"/>
+                  </a:ext>
+                </a:extLst>
+              </p:cNvPr>
+              <p:cNvSpPr>
+                <a:spLocks noGrp="1" noRot="1" noChangeAspect="1" noMove="1" noResize="1" noEditPoints="1" noAdjustHandles="1" noChangeArrowheads="1" noChangeShapeType="1" noTextEdit="1"/>
+              </p:cNvSpPr>
+              <p:nvPr>
+                <p:ph idx="1"/>
+              </p:nvPr>
+            </p:nvSpPr>
+            <p:spPr>
+              <a:xfrm>
+                <a:off x="933008" y="2698345"/>
+                <a:ext cx="11138235" cy="3563159"/>
+              </a:xfrm>
+              <a:blipFill>
+                <a:blip r:embed="rId2"/>
+                <a:stretch>
+                  <a:fillRect/>
+                </a:stretch>
+              </a:blipFill>
+            </p:spPr>
+            <p:txBody>
+              <a:bodyPr/>
+              <a:lstStyle/>
+              <a:p>
+                <a:r>
+                  <a:rPr lang="ru-RU">
+                    <a:noFill/>
+                  </a:rPr>
+                  <a:t> </a:t>
+                </a:r>
+              </a:p>
+            </p:txBody>
+          </p:sp>
+        </mc:Fallback>
+      </mc:AlternateContent>
+      <p:pic>
+        <p:nvPicPr>
+          <p:cNvPr id="7" name="Рисунок 6">
+            <a:extLst>
+              <a:ext uri="{FF2B5EF4-FFF2-40B4-BE49-F238E27FC236}">
+                <a16:creationId xmlns:a16="http://schemas.microsoft.com/office/drawing/2014/main" id="{521C99B1-3876-4028-8639-BD9EA4907544}"/>
+              </a:ext>
+            </a:extLst>
+          </p:cNvPr>
+          <p:cNvPicPr>
+            <a:picLocks noChangeAspect="1"/>
+          </p:cNvPicPr>
+          <p:nvPr/>
+        </p:nvPicPr>
+        <p:blipFill rotWithShape="1">
+          <a:blip r:embed="rId3"/>
+          <a:srcRect l="6334" r="1" b="1"/>
+          <a:stretch/>
+        </p:blipFill>
+        <p:spPr>
+          <a:xfrm>
+            <a:off x="7232999" y="3517332"/>
+            <a:ext cx="4305386" cy="3194586"/>
+          </a:xfrm>
+          <a:prstGeom prst="rect">
+            <a:avLst/>
+          </a:prstGeom>
+        </p:spPr>
+      </p:pic>
+      <p:sp>
+        <p:nvSpPr>
+          <p:cNvPr id="4" name="Номер слайда 3">
+            <a:extLst>
+              <a:ext uri="{FF2B5EF4-FFF2-40B4-BE49-F238E27FC236}">
+                <a16:creationId xmlns:a16="http://schemas.microsoft.com/office/drawing/2014/main" id="{A8C9160E-8C45-41FC-B5FA-589D42193E50}"/>
+              </a:ext>
+            </a:extLst>
+          </p:cNvPr>
+          <p:cNvSpPr>
+            <a:spLocks noGrp="1"/>
+          </p:cNvSpPr>
+          <p:nvPr>
+            <p:ph type="sldNum" sz="quarter" idx="12"/>
+          </p:nvPr>
+        </p:nvSpPr>
+        <p:spPr>
+          <a:xfrm>
+            <a:off x="10707624" y="6382512"/>
+            <a:ext cx="685800" cy="320040"/>
+          </a:xfrm>
+        </p:spPr>
+        <p:txBody>
+          <a:bodyPr>
+            <a:normAutofit/>
+          </a:bodyPr>
+          <a:lstStyle/>
+          <a:p>
+            <a:pPr>
+              <a:spcAft>
+                <a:spcPts val="600"/>
+              </a:spcAft>
+            </a:pPr>
+            <a:fld id="{A5D28A39-DC4B-4521-9FF8-80ED88A01777}" type="slidenum">
+              <a:rPr lang="ru-RU" sz="1000"/>
+              <a:pPr>
+                <a:spcAft>
+                  <a:spcPts val="600"/>
+                </a:spcAft>
+              </a:pPr>
+              <a:t>10</a:t>
+            </a:fld>
+            <a:endParaRPr lang="ru-RU" sz="1000"/>
+          </a:p>
+        </p:txBody>
+      </p:sp>
+      <p:sp>
+        <p:nvSpPr>
+          <p:cNvPr id="5" name="TextBox 4">
+            <a:extLst>
+              <a:ext uri="{FF2B5EF4-FFF2-40B4-BE49-F238E27FC236}">
+                <a16:creationId xmlns:a16="http://schemas.microsoft.com/office/drawing/2014/main" id="{FBAD2098-14D8-420B-99B7-EDC8FD13AC2E}"/>
+              </a:ext>
+            </a:extLst>
+          </p:cNvPr>
+          <p:cNvSpPr txBox="1"/>
+          <p:nvPr/>
+        </p:nvSpPr>
+        <p:spPr>
+          <a:xfrm>
+            <a:off x="812935" y="3650376"/>
+            <a:ext cx="5607129" cy="2369880"/>
+          </a:xfrm>
+          <a:prstGeom prst="rect">
+            <a:avLst/>
+          </a:prstGeom>
+          <a:noFill/>
+        </p:spPr>
+        <p:txBody>
+          <a:bodyPr wrap="square" rtlCol="0">
+            <a:spAutoFit/>
+          </a:bodyPr>
+          <a:lstStyle/>
+          <a:p>
+            <a:pPr marL="285750" indent="-285750">
+              <a:spcAft>
+                <a:spcPts val="600"/>
+              </a:spcAft>
+              <a:buFont typeface="Arial" panose="020B0604020202020204" pitchFamily="34" charset="0"/>
+              <a:buChar char="•"/>
+            </a:pPr>
+            <a:r>
+              <a:rPr lang="ru-RU" sz="1600" dirty="0"/>
+              <a:t>На выборочных данных модель ошибается максимум на 13кг и 12%;</a:t>
+            </a:r>
+          </a:p>
+          <a:p>
+            <a:pPr marL="285750" indent="-285750">
+              <a:spcAft>
+                <a:spcPts val="600"/>
+              </a:spcAft>
+              <a:buFont typeface="Arial" panose="020B0604020202020204" pitchFamily="34" charset="0"/>
+              <a:buChar char="•"/>
+            </a:pPr>
+            <a:r>
+              <a:rPr lang="ru-RU" sz="1600" dirty="0"/>
+              <a:t>В среднем модель ошибается на менее 3%;</a:t>
+            </a:r>
+          </a:p>
+          <a:p>
+            <a:pPr marL="285750" indent="-285750">
+              <a:spcAft>
+                <a:spcPts val="600"/>
+              </a:spcAft>
+              <a:buFont typeface="Arial" panose="020B0604020202020204" pitchFamily="34" charset="0"/>
+              <a:buChar char="•"/>
+            </a:pPr>
+            <a:r>
+              <a:rPr lang="ru-RU" sz="1600" dirty="0"/>
+              <a:t>В 85% случаев ошибка не превышала 5%;</a:t>
+            </a:r>
+          </a:p>
+          <a:p>
+            <a:pPr marL="285750" indent="-285750">
+              <a:spcAft>
+                <a:spcPts val="600"/>
+              </a:spcAft>
+              <a:buFont typeface="Arial" panose="020B0604020202020204" pitchFamily="34" charset="0"/>
+              <a:buChar char="•"/>
+            </a:pPr>
+            <a:r>
+              <a:rPr lang="ru-RU" sz="1600" dirty="0"/>
+              <a:t>В целом, на каждом диапазоне имеется почти одинаковый разброс;</a:t>
+            </a:r>
+          </a:p>
+          <a:p>
+            <a:pPr marL="285750" indent="-285750">
+              <a:spcAft>
+                <a:spcPts val="600"/>
+              </a:spcAft>
+              <a:buFont typeface="Arial" panose="020B0604020202020204" pitchFamily="34" charset="0"/>
+              <a:buChar char="•"/>
+            </a:pPr>
+            <a:r>
+              <a:rPr lang="ru-RU" sz="1600" dirty="0"/>
+              <a:t>Модель статистически значима и удовлетворяет всем нужным требованиям</a:t>
+            </a:r>
+          </a:p>
+        </p:txBody>
+      </p:sp>
+    </p:spTree>
+    <p:extLst>
+      <p:ext uri="{BB962C8B-B14F-4D97-AF65-F5344CB8AC3E}">
+        <p14:creationId xmlns:p14="http://schemas.microsoft.com/office/powerpoint/2010/main" val="1149502292"/>
+      </p:ext>
+    </p:extLst>
+  </p:cSld>
+  <p:clrMapOvr>
+    <a:masterClrMapping/>
+  </p:clrMapOvr>
+  <p:transition spd="slow">
+    <p:push dir="u"/>
+  </p:transition>
+</p:sld>
+</file>
+
+<file path=ppt/slides/slide11.xml><?xml version="1.0" encoding="utf-8"?>
+<p:sld xmlns:a="http://schemas.openxmlformats.org/drawingml/2006/main" xmlns:r="http://schemas.openxmlformats.org/officeDocument/2006/relationships" xmlns:p="http://schemas.openxmlformats.org/presentationml/2006/main">
+  <p:cSld>
+    <p:bg>
+      <p:bgPr>
+        <a:solidFill>
+          <a:schemeClr val="bg1"/>
+        </a:solidFill>
+        <a:effectLst/>
+      </p:bgPr>
+    </p:bg>
+    <p:spTree>
+      <p:nvGrpSpPr>
+        <p:cNvPr id="1" name=""/>
+        <p:cNvGrpSpPr/>
+        <p:nvPr/>
+      </p:nvGrpSpPr>
+      <p:grpSpPr>
+        <a:xfrm>
+          <a:off x="0" y="0"/>
+          <a:ext cx="0" cy="0"/>
+          <a:chOff x="0" y="0"/>
+          <a:chExt cx="0" cy="0"/>
+        </a:xfrm>
+      </p:grpSpPr>
+      <p:sp useBgFill="1">
+        <p:nvSpPr>
+          <p:cNvPr id="9" name="Rectangle 8">
+            <a:extLst>
+              <a:ext uri="{FF2B5EF4-FFF2-40B4-BE49-F238E27FC236}">
+                <a16:creationId xmlns:a16="http://schemas.microsoft.com/office/drawing/2014/main" id="{827B839B-9ADE-406B-8590-F1CAEDED45A1}"/>
+              </a:ext>
+              <a:ext uri="{C183D7F6-B498-43B3-948B-1728B52AA6E4}">
+                <adec:decorative xmlns:adec="http://schemas.microsoft.com/office/drawing/2017/decorative" val="1"/>
+              </a:ext>
+            </a:extLst>
+          </p:cNvPr>
+          <p:cNvSpPr>
+            <a:spLocks noGrp="1" noRot="1" noChangeAspect="1" noMove="1" noResize="1" noEditPoints="1" noAdjustHandles="1" noChangeArrowheads="1" noChangeShapeType="1" noTextEdit="1"/>
+          </p:cNvSpPr>
+          <p:nvPr>
+            <p:extLst>
+              <p:ext uri="{386F3935-93C4-4BCD-93E2-E3B085C9AB24}">
+                <p16:designElem xmlns:p16="http://schemas.microsoft.com/office/powerpoint/2015/main" val="1"/>
+              </p:ext>
+            </p:extLst>
+          </p:nvPr>
+        </p:nvSpPr>
+        <p:spPr>
+          <a:xfrm>
+            <a:off x="0" y="0"/>
+            <a:ext cx="12188952" cy="6858000"/>
+          </a:xfrm>
+          <a:prstGeom prst="rect">
+            <a:avLst/>
+          </a:prstGeom>
+          <a:ln>
+            <a:noFill/>
+          </a:ln>
+        </p:spPr>
+        <p:style>
+          <a:lnRef idx="2">
+            <a:schemeClr val="accent1">
+              <a:shade val="50000"/>
+            </a:schemeClr>
+          </a:lnRef>
+          <a:fillRef idx="1">
+            <a:schemeClr val="accent1"/>
+          </a:fillRef>
+          <a:effectRef idx="0">
+            <a:schemeClr val="accent1"/>
+          </a:effectRef>
+          <a:fontRef idx="minor">
+            <a:schemeClr val="lt1"/>
+          </a:fontRef>
+        </p:style>
+        <p:txBody>
+          <a:bodyPr rtlCol="0" anchor="ctr"/>
+          <a:lstStyle/>
+          <a:p>
+            <a:pPr algn="ctr"/>
+            <a:endParaRPr lang="en-US"/>
+          </a:p>
+        </p:txBody>
+      </p:sp>
+      <p:sp>
+        <p:nvSpPr>
+          <p:cNvPr id="11" name="Freeform 45">
+            <a:extLst>
+              <a:ext uri="{FF2B5EF4-FFF2-40B4-BE49-F238E27FC236}">
+                <a16:creationId xmlns:a16="http://schemas.microsoft.com/office/drawing/2014/main" id="{CFE45BF0-46DB-408C-B5F7-7B11716805D4}"/>
+              </a:ext>
+              <a:ext uri="{C183D7F6-B498-43B3-948B-1728B52AA6E4}">
+                <adec:decorative xmlns:adec="http://schemas.microsoft.com/office/drawing/2017/decorative" val="1"/>
+              </a:ext>
+            </a:extLst>
+          </p:cNvPr>
+          <p:cNvSpPr>
+            <a:spLocks noGrp="1" noRot="1" noChangeAspect="1" noMove="1" noResize="1" noEditPoints="1" noAdjustHandles="1" noChangeArrowheads="1" noChangeShapeType="1" noTextEdit="1"/>
+          </p:cNvSpPr>
+          <p:nvPr>
+            <p:extLst>
+              <p:ext uri="{386F3935-93C4-4BCD-93E2-E3B085C9AB24}">
+                <p16:designElem xmlns:p16="http://schemas.microsoft.com/office/powerpoint/2015/main" val="1"/>
+              </p:ext>
+            </p:extLst>
+          </p:nvPr>
+        </p:nvSpPr>
+        <p:spPr bwMode="auto">
+          <a:xfrm>
+            <a:off x="409710" y="1022350"/>
+            <a:ext cx="709612" cy="2095501"/>
+          </a:xfrm>
+          <a:custGeom>
+            <a:avLst/>
+            <a:gdLst>
+              <a:gd name="T0" fmla="*/ 447 w 447"/>
+              <a:gd name="T1" fmla="*/ 1363 h 1363"/>
+              <a:gd name="T2" fmla="*/ 0 w 447"/>
+              <a:gd name="T3" fmla="*/ 987 h 1363"/>
+              <a:gd name="T4" fmla="*/ 0 w 447"/>
+              <a:gd name="T5" fmla="*/ 0 h 1363"/>
+              <a:gd name="T6" fmla="*/ 447 w 447"/>
+              <a:gd name="T7" fmla="*/ 376 h 1363"/>
+              <a:gd name="T8" fmla="*/ 447 w 447"/>
+              <a:gd name="T9" fmla="*/ 1363 h 1363"/>
+            </a:gdLst>
+            <a:ahLst/>
+            <a:cxnLst>
+              <a:cxn ang="0">
+                <a:pos x="T0" y="T1"/>
+              </a:cxn>
+              <a:cxn ang="0">
+                <a:pos x="T2" y="T3"/>
+              </a:cxn>
+              <a:cxn ang="0">
+                <a:pos x="T4" y="T5"/>
+              </a:cxn>
+              <a:cxn ang="0">
+                <a:pos x="T6" y="T7"/>
+              </a:cxn>
+              <a:cxn ang="0">
+                <a:pos x="T8" y="T9"/>
+              </a:cxn>
+            </a:cxnLst>
+            <a:rect l="0" t="0" r="r" b="b"/>
+            <a:pathLst>
+              <a:path w="447" h="1363">
+                <a:moveTo>
+                  <a:pt x="447" y="1363"/>
+                </a:moveTo>
+                <a:lnTo>
+                  <a:pt x="0" y="987"/>
+                </a:lnTo>
+                <a:lnTo>
+                  <a:pt x="0" y="0"/>
+                </a:lnTo>
+                <a:lnTo>
+                  <a:pt x="447" y="376"/>
+                </a:lnTo>
+                <a:lnTo>
+                  <a:pt x="447" y="1363"/>
+                </a:lnTo>
+                <a:close/>
+              </a:path>
+            </a:pathLst>
+          </a:custGeom>
+          <a:solidFill>
+            <a:schemeClr val="accent1">
+              <a:lumMod val="50000"/>
+            </a:schemeClr>
+          </a:solidFill>
+          <a:ln>
+            <a:noFill/>
+          </a:ln>
+        </p:spPr>
+        <p:txBody>
+          <a:bodyPr vert="horz" wrap="square" lIns="91440" tIns="45720" rIns="91440" bIns="45720" numCol="1" anchor="t" anchorCtr="0" compatLnSpc="1">
+            <a:prstTxWarp prst="textNoShape">
+              <a:avLst/>
+            </a:prstTxWarp>
+          </a:bodyPr>
+          <a:lstStyle/>
+          <a:p>
+            <a:endParaRPr lang="en-US"/>
+          </a:p>
+        </p:txBody>
+      </p:sp>
+      <p:sp>
+        <p:nvSpPr>
+          <p:cNvPr id="13" name="Freeform 46">
+            <a:extLst>
+              <a:ext uri="{FF2B5EF4-FFF2-40B4-BE49-F238E27FC236}">
+                <a16:creationId xmlns:a16="http://schemas.microsoft.com/office/drawing/2014/main" id="{2AEBC8F2-97B1-41B4-93F1-2D289E197FBA}"/>
+              </a:ext>
+              <a:ext uri="{C183D7F6-B498-43B3-948B-1728B52AA6E4}">
+                <adec:decorative xmlns:adec="http://schemas.microsoft.com/office/drawing/2017/decorative" val="1"/>
+              </a:ext>
+            </a:extLst>
+          </p:cNvPr>
+          <p:cNvSpPr>
+            <a:spLocks noGrp="1" noRot="1" noChangeAspect="1" noMove="1" noResize="1" noEditPoints="1" noAdjustHandles="1" noChangeArrowheads="1" noChangeShapeType="1" noTextEdit="1"/>
+          </p:cNvSpPr>
+          <p:nvPr>
+            <p:extLst>
+              <p:ext uri="{386F3935-93C4-4BCD-93E2-E3B085C9AB24}">
+                <p16:designElem xmlns:p16="http://schemas.microsoft.com/office/powerpoint/2015/main" val="1"/>
+              </p:ext>
+            </p:extLst>
+          </p:nvPr>
+        </p:nvSpPr>
+        <p:spPr bwMode="auto">
+          <a:xfrm>
+            <a:off x="409710" y="837744"/>
+            <a:ext cx="403225" cy="1705431"/>
+          </a:xfrm>
+          <a:custGeom>
+            <a:avLst/>
+            <a:gdLst>
+              <a:gd name="T0" fmla="*/ 254 w 254"/>
+              <a:gd name="T1" fmla="*/ 987 h 1109"/>
+              <a:gd name="T2" fmla="*/ 0 w 254"/>
+              <a:gd name="T3" fmla="*/ 1109 h 1109"/>
+              <a:gd name="T4" fmla="*/ 0 w 254"/>
+              <a:gd name="T5" fmla="*/ 119 h 1109"/>
+              <a:gd name="T6" fmla="*/ 254 w 254"/>
+              <a:gd name="T7" fmla="*/ 0 h 1109"/>
+              <a:gd name="T8" fmla="*/ 254 w 254"/>
+              <a:gd name="T9" fmla="*/ 987 h 1109"/>
+            </a:gdLst>
+            <a:ahLst/>
+            <a:cxnLst>
+              <a:cxn ang="0">
+                <a:pos x="T0" y="T1"/>
+              </a:cxn>
+              <a:cxn ang="0">
+                <a:pos x="T2" y="T3"/>
+              </a:cxn>
+              <a:cxn ang="0">
+                <a:pos x="T4" y="T5"/>
+              </a:cxn>
+              <a:cxn ang="0">
+                <a:pos x="T6" y="T7"/>
+              </a:cxn>
+              <a:cxn ang="0">
+                <a:pos x="T8" y="T9"/>
+              </a:cxn>
+            </a:cxnLst>
+            <a:rect l="0" t="0" r="r" b="b"/>
+            <a:pathLst>
+              <a:path w="254" h="1109">
+                <a:moveTo>
+                  <a:pt x="254" y="987"/>
+                </a:moveTo>
+                <a:lnTo>
+                  <a:pt x="0" y="1109"/>
+                </a:lnTo>
+                <a:lnTo>
+                  <a:pt x="0" y="119"/>
+                </a:lnTo>
+                <a:lnTo>
+                  <a:pt x="254" y="0"/>
+                </a:lnTo>
+                <a:lnTo>
+                  <a:pt x="254" y="987"/>
+                </a:lnTo>
+                <a:close/>
+              </a:path>
+            </a:pathLst>
+          </a:custGeom>
+          <a:solidFill>
+            <a:schemeClr val="accent1">
+              <a:lumMod val="75000"/>
+            </a:schemeClr>
+          </a:solidFill>
+          <a:ln>
+            <a:noFill/>
+          </a:ln>
+        </p:spPr>
+        <p:txBody>
+          <a:bodyPr vert="horz" wrap="square" lIns="91440" tIns="45720" rIns="91440" bIns="45720" numCol="1" anchor="t" anchorCtr="0" compatLnSpc="1">
+            <a:prstTxWarp prst="textNoShape">
+              <a:avLst/>
+            </a:prstTxWarp>
+          </a:bodyPr>
+          <a:lstStyle/>
+          <a:p>
+            <a:endParaRPr lang="en-US"/>
+          </a:p>
+        </p:txBody>
+      </p:sp>
+      <p:sp>
+        <p:nvSpPr>
+          <p:cNvPr id="15" name="Freeform 47">
+            <a:extLst>
+              <a:ext uri="{FF2B5EF4-FFF2-40B4-BE49-F238E27FC236}">
+                <a16:creationId xmlns:a16="http://schemas.microsoft.com/office/drawing/2014/main" id="{472E3A19-F5D5-48FC-BB9C-48C2F68F598B}"/>
+              </a:ext>
+              <a:ext uri="{C183D7F6-B498-43B3-948B-1728B52AA6E4}">
+                <adec:decorative xmlns:adec="http://schemas.microsoft.com/office/drawing/2017/decorative" val="1"/>
+              </a:ext>
+            </a:extLst>
+          </p:cNvPr>
+          <p:cNvSpPr>
+            <a:spLocks noGrp="1" noRot="1" noChangeAspect="1" noMove="1" noResize="1" noEditPoints="1" noAdjustHandles="1" noChangeArrowheads="1" noChangeShapeType="1" noTextEdit="1"/>
+          </p:cNvSpPr>
+          <p:nvPr>
+            <p:extLst>
+              <p:ext uri="{386F3935-93C4-4BCD-93E2-E3B085C9AB24}">
+                <p16:designElem xmlns:p16="http://schemas.microsoft.com/office/powerpoint/2015/main" val="1"/>
+              </p:ext>
+            </p:extLst>
+          </p:nvPr>
+        </p:nvSpPr>
+        <p:spPr bwMode="auto">
+          <a:xfrm>
+            <a:off x="644660" y="640894"/>
+            <a:ext cx="168275" cy="1713195"/>
+          </a:xfrm>
+          <a:custGeom>
+            <a:avLst/>
+            <a:gdLst>
+              <a:gd name="T0" fmla="*/ 106 w 106"/>
+              <a:gd name="T1" fmla="*/ 1114 h 1114"/>
+              <a:gd name="T2" fmla="*/ 0 w 106"/>
+              <a:gd name="T3" fmla="*/ 1005 h 1114"/>
+              <a:gd name="T4" fmla="*/ 0 w 106"/>
+              <a:gd name="T5" fmla="*/ 0 h 1114"/>
+              <a:gd name="T6" fmla="*/ 106 w 106"/>
+              <a:gd name="T7" fmla="*/ 110 h 1114"/>
+              <a:gd name="T8" fmla="*/ 106 w 106"/>
+              <a:gd name="T9" fmla="*/ 1114 h 1114"/>
+            </a:gdLst>
+            <a:ahLst/>
+            <a:cxnLst>
+              <a:cxn ang="0">
+                <a:pos x="T0" y="T1"/>
+              </a:cxn>
+              <a:cxn ang="0">
+                <a:pos x="T2" y="T3"/>
+              </a:cxn>
+              <a:cxn ang="0">
+                <a:pos x="T4" y="T5"/>
+              </a:cxn>
+              <a:cxn ang="0">
+                <a:pos x="T6" y="T7"/>
+              </a:cxn>
+              <a:cxn ang="0">
+                <a:pos x="T8" y="T9"/>
+              </a:cxn>
+            </a:cxnLst>
+            <a:rect l="0" t="0" r="r" b="b"/>
+            <a:pathLst>
+              <a:path w="106" h="1114">
+                <a:moveTo>
+                  <a:pt x="106" y="1114"/>
+                </a:moveTo>
+                <a:lnTo>
+                  <a:pt x="0" y="1005"/>
+                </a:lnTo>
+                <a:lnTo>
+                  <a:pt x="0" y="0"/>
+                </a:lnTo>
+                <a:lnTo>
+                  <a:pt x="106" y="110"/>
+                </a:lnTo>
+                <a:lnTo>
+                  <a:pt x="106" y="1114"/>
+                </a:lnTo>
+                <a:close/>
+              </a:path>
+            </a:pathLst>
+          </a:custGeom>
+          <a:solidFill>
+            <a:schemeClr val="accent1">
+              <a:lumMod val="50000"/>
+            </a:schemeClr>
+          </a:solidFill>
+          <a:ln>
+            <a:noFill/>
+          </a:ln>
+        </p:spPr>
+        <p:txBody>
+          <a:bodyPr vert="horz" wrap="square" lIns="91440" tIns="45720" rIns="91440" bIns="45720" numCol="1" anchor="t" anchorCtr="0" compatLnSpc="1">
+            <a:prstTxWarp prst="textNoShape">
+              <a:avLst/>
+            </a:prstTxWarp>
+          </a:bodyPr>
+          <a:lstStyle/>
+          <a:p>
+            <a:endParaRPr lang="en-US"/>
+          </a:p>
+        </p:txBody>
+      </p:sp>
+      <p:sp>
+        <p:nvSpPr>
+          <p:cNvPr id="17" name="Freeform 44">
+            <a:extLst>
+              <a:ext uri="{FF2B5EF4-FFF2-40B4-BE49-F238E27FC236}">
+                <a16:creationId xmlns:a16="http://schemas.microsoft.com/office/drawing/2014/main" id="{7A62E32F-BB65-43A8-8EB5-92346890E549}"/>
+              </a:ext>
+              <a:ext uri="{C183D7F6-B498-43B3-948B-1728B52AA6E4}">
+                <adec:decorative xmlns:adec="http://schemas.microsoft.com/office/drawing/2017/decorative" val="1"/>
+              </a:ext>
+            </a:extLst>
+          </p:cNvPr>
+          <p:cNvSpPr>
+            <a:spLocks noGrp="1" noRot="1" noChangeAspect="1" noMove="1" noResize="1" noEditPoints="1" noAdjustHandles="1" noChangeArrowheads="1" noChangeShapeType="1" noTextEdit="1"/>
+          </p:cNvSpPr>
+          <p:nvPr>
+            <p:extLst>
+              <p:ext uri="{386F3935-93C4-4BCD-93E2-E3B085C9AB24}">
+                <p16:designElem xmlns:p16="http://schemas.microsoft.com/office/powerpoint/2015/main" val="1"/>
+              </p:ext>
+            </p:extLst>
+          </p:nvPr>
+        </p:nvSpPr>
+        <p:spPr bwMode="auto">
+          <a:xfrm>
+            <a:off x="11223203" y="635716"/>
+            <a:ext cx="328612" cy="1742360"/>
+          </a:xfrm>
+          <a:custGeom>
+            <a:avLst/>
+            <a:gdLst>
+              <a:gd name="T0" fmla="*/ 207 w 207"/>
+              <a:gd name="T1" fmla="*/ 987 h 1114"/>
+              <a:gd name="T2" fmla="*/ 0 w 207"/>
+              <a:gd name="T3" fmla="*/ 1114 h 1114"/>
+              <a:gd name="T4" fmla="*/ 0 w 207"/>
+              <a:gd name="T5" fmla="*/ 127 h 1114"/>
+              <a:gd name="T6" fmla="*/ 207 w 207"/>
+              <a:gd name="T7" fmla="*/ 0 h 1114"/>
+              <a:gd name="T8" fmla="*/ 207 w 207"/>
+              <a:gd name="T9" fmla="*/ 987 h 1114"/>
+            </a:gdLst>
+            <a:ahLst/>
+            <a:cxnLst>
+              <a:cxn ang="0">
+                <a:pos x="T0" y="T1"/>
+              </a:cxn>
+              <a:cxn ang="0">
+                <a:pos x="T2" y="T3"/>
+              </a:cxn>
+              <a:cxn ang="0">
+                <a:pos x="T4" y="T5"/>
+              </a:cxn>
+              <a:cxn ang="0">
+                <a:pos x="T6" y="T7"/>
+              </a:cxn>
+              <a:cxn ang="0">
+                <a:pos x="T8" y="T9"/>
+              </a:cxn>
+            </a:cxnLst>
+            <a:rect l="0" t="0" r="r" b="b"/>
+            <a:pathLst>
+              <a:path w="207" h="1114">
+                <a:moveTo>
+                  <a:pt x="207" y="987"/>
+                </a:moveTo>
+                <a:lnTo>
+                  <a:pt x="0" y="1114"/>
+                </a:lnTo>
+                <a:lnTo>
+                  <a:pt x="0" y="127"/>
+                </a:lnTo>
+                <a:lnTo>
+                  <a:pt x="207" y="0"/>
+                </a:lnTo>
+                <a:lnTo>
+                  <a:pt x="207" y="987"/>
+                </a:lnTo>
+                <a:close/>
+              </a:path>
+            </a:pathLst>
+          </a:custGeom>
+          <a:solidFill>
+            <a:schemeClr val="accent1">
+              <a:lumMod val="50000"/>
+            </a:schemeClr>
+          </a:solidFill>
+          <a:ln>
+            <a:noFill/>
+          </a:ln>
+        </p:spPr>
+        <p:txBody>
+          <a:bodyPr vert="horz" wrap="square" lIns="91440" tIns="45720" rIns="91440" bIns="45720" numCol="1" anchor="t" anchorCtr="0" compatLnSpc="1">
+            <a:prstTxWarp prst="textNoShape">
+              <a:avLst/>
+            </a:prstTxWarp>
+          </a:bodyPr>
+          <a:lstStyle/>
+          <a:p>
+            <a:endParaRPr lang="en-US"/>
+          </a:p>
+        </p:txBody>
+      </p:sp>
+      <p:sp>
+        <p:nvSpPr>
+          <p:cNvPr id="19" name="Rectangle 18">
+            <a:extLst>
+              <a:ext uri="{FF2B5EF4-FFF2-40B4-BE49-F238E27FC236}">
+                <a16:creationId xmlns:a16="http://schemas.microsoft.com/office/drawing/2014/main" id="{14E91B64-9FCC-451E-AFB4-A827D6329367}"/>
+              </a:ext>
+              <a:ext uri="{C183D7F6-B498-43B3-948B-1728B52AA6E4}">
+                <adec:decorative xmlns:adec="http://schemas.microsoft.com/office/drawing/2017/decorative" val="1"/>
+              </a:ext>
+            </a:extLst>
+          </p:cNvPr>
+          <p:cNvSpPr>
+            <a:spLocks noGrp="1" noRot="1" noChangeAspect="1" noMove="1" noResize="1" noEditPoints="1" noAdjustHandles="1" noChangeArrowheads="1" noChangeShapeType="1" noTextEdit="1"/>
+          </p:cNvSpPr>
+          <p:nvPr>
+            <p:extLst>
+              <p:ext uri="{386F3935-93C4-4BCD-93E2-E3B085C9AB24}">
+                <p16:designElem xmlns:p16="http://schemas.microsoft.com/office/powerpoint/2015/main" val="1"/>
+              </p:ext>
+            </p:extLst>
+          </p:nvPr>
+        </p:nvSpPr>
+        <p:spPr bwMode="auto">
+          <a:xfrm>
+            <a:off x="644055" y="635715"/>
+            <a:ext cx="10907863" cy="1541457"/>
+          </a:xfrm>
+          <a:prstGeom prst="rect">
+            <a:avLst/>
+          </a:prstGeom>
+          <a:solidFill>
+            <a:schemeClr val="accent1"/>
+          </a:solidFill>
+          <a:ln>
+            <a:noFill/>
+          </a:ln>
+        </p:spPr>
+        <p:txBody>
+          <a:bodyPr vert="horz" wrap="square" lIns="91440" tIns="45720" rIns="91440" bIns="45720" numCol="1" anchor="t" anchorCtr="0" compatLnSpc="1">
+            <a:prstTxWarp prst="textNoShape">
+              <a:avLst/>
+            </a:prstTxWarp>
+          </a:bodyPr>
+          <a:lstStyle/>
+          <a:p>
+            <a:endParaRPr lang="en-US"/>
+          </a:p>
+        </p:txBody>
+      </p:sp>
+      <p:sp>
+        <p:nvSpPr>
+          <p:cNvPr id="2" name="Заголовок 1">
+            <a:extLst>
+              <a:ext uri="{FF2B5EF4-FFF2-40B4-BE49-F238E27FC236}">
+                <a16:creationId xmlns:a16="http://schemas.microsoft.com/office/drawing/2014/main" id="{93E77A50-5BF8-4193-B6DB-F1420021633A}"/>
+              </a:ext>
+            </a:extLst>
+          </p:cNvPr>
+          <p:cNvSpPr>
+            <a:spLocks noGrp="1"/>
+          </p:cNvSpPr>
+          <p:nvPr>
+            <p:ph type="title"/>
+          </p:nvPr>
+        </p:nvSpPr>
+        <p:spPr>
+          <a:xfrm>
+            <a:off x="958506" y="800392"/>
+            <a:ext cx="10264697" cy="1212102"/>
+          </a:xfrm>
+        </p:spPr>
+        <p:txBody>
+          <a:bodyPr>
+            <a:normAutofit/>
+          </a:bodyPr>
+          <a:lstStyle/>
+          <a:p>
+            <a:r>
+              <a:rPr lang="ru-RU" sz="4000">
+                <a:solidFill>
+                  <a:srgbClr val="FFFFFF"/>
+                </a:solidFill>
+              </a:rPr>
               <a:t>Лучшая нелинейная модель</a:t>
             </a:r>
           </a:p>
@@ -7303,9 +14227,16 @@
                 <p:ph idx="1"/>
               </p:nvPr>
             </p:nvSpPr>
-            <p:spPr/>
+            <p:spPr>
+              <a:xfrm>
+                <a:off x="1367624" y="2490436"/>
+                <a:ext cx="9708995" cy="3567173"/>
+              </a:xfrm>
+            </p:spPr>
             <p:txBody>
-              <a:bodyPr/>
+              <a:bodyPr anchor="ctr">
+                <a:normAutofit/>
+              </a:bodyPr>
               <a:lstStyle/>
               <a:p>
                 <a:pPr marL="0" indent="0">
@@ -7318,28 +14249,28 @@
                     </m:oMathParaPr>
                     <m:oMath xmlns:m="http://schemas.openxmlformats.org/officeDocument/2006/math">
                       <m:r>
-                        <a:rPr lang="en-US" sz="2400" i="1" dirty="0" smtClean="0">
+                        <a:rPr lang="en-US" sz="2400" i="1">
                           <a:latin typeface="Cambria Math" panose="02040503050406030204" pitchFamily="18" charset="0"/>
                         </a:rPr>
                         <m:t>𝑅𝑀</m:t>
                       </m:r>
                       <m:r>
-                        <a:rPr lang="en-US" sz="2400" i="1" dirty="0" smtClean="0">
+                        <a:rPr lang="en-US" sz="2400" i="1">
                           <a:latin typeface="Cambria Math" panose="02040503050406030204" pitchFamily="18" charset="0"/>
                         </a:rPr>
-                        <m:t> = 100</m:t>
+                        <m:t> = </m:t>
                       </m:r>
                       <m:f>
                         <m:fPr>
                           <m:ctrlPr>
-                            <a:rPr lang="en-US" sz="2400" i="1" dirty="0" smtClean="0">
+                            <a:rPr lang="en-US" sz="2400" i="1">
                               <a:latin typeface="Cambria Math" panose="02040503050406030204" pitchFamily="18" charset="0"/>
                             </a:rPr>
                           </m:ctrlPr>
                         </m:fPr>
                         <m:num>
                           <m:r>
-                            <a:rPr lang="en-US" sz="2400" i="1" dirty="0" smtClean="0">
+                            <a:rPr lang="en-US" sz="2400" i="1">
                               <a:latin typeface="Cambria Math" panose="02040503050406030204" pitchFamily="18" charset="0"/>
                             </a:rPr>
                             <m:t>𝑀𝑅𝑀</m:t>
@@ -7347,7 +14278,7 @@
                         </m:num>
                         <m:den>
                           <m:r>
-                            <a:rPr lang="en-US" sz="2400" i="1" dirty="0" smtClean="0">
+                            <a:rPr lang="en-US" sz="2400" i="1">
                               <a:latin typeface="Cambria Math" panose="02040503050406030204" pitchFamily="18" charset="0"/>
                             </a:rPr>
                             <m:t>𝐴𝑐𝑡𝑖𝑜</m:t>
@@ -7355,14 +14286,14 @@
                           <m:sSub>
                             <m:sSubPr>
                               <m:ctrlPr>
-                                <a:rPr lang="ru-RU" sz="2400" i="1" dirty="0" smtClean="0">
+                                <a:rPr lang="ru-RU" sz="2400" i="1">
                                   <a:latin typeface="Cambria Math" panose="02040503050406030204" pitchFamily="18" charset="0"/>
                                 </a:rPr>
                               </m:ctrlPr>
                             </m:sSubPr>
                             <m:e>
                               <m:r>
-                                <a:rPr lang="en-US" sz="2400" i="1" dirty="0" smtClean="0">
+                                <a:rPr lang="en-US" sz="2400" i="1">
                                   <a:latin typeface="Cambria Math" panose="02040503050406030204" pitchFamily="18" charset="0"/>
                                 </a:rPr>
                                 <m:t>𝑛</m:t>
@@ -7370,7 +14301,7 @@
                             </m:e>
                             <m:sub>
                               <m:r>
-                                <a:rPr lang="en-US" sz="2400" i="1" dirty="0" smtClean="0">
+                                <a:rPr lang="en-US" sz="2400" i="1">
                                   <a:latin typeface="Cambria Math" panose="02040503050406030204" pitchFamily="18" charset="0"/>
                                 </a:rPr>
                                 <m:t>𝑎</m:t>
@@ -7378,19 +14309,19 @@
                             </m:sub>
                           </m:sSub>
                           <m:r>
-                            <a:rPr lang="en-US" sz="2400" i="1" dirty="0" smtClean="0">
+                            <a:rPr lang="en-US" sz="2400" i="1">
                               <a:latin typeface="Cambria Math" panose="02040503050406030204" pitchFamily="18" charset="0"/>
                             </a:rPr>
                             <m:t>+ </m:t>
                           </m:r>
                           <m:r>
-                            <a:rPr lang="en-US" sz="2400" i="1" dirty="0" smtClean="0">
+                            <a:rPr lang="en-US" sz="2400" i="1">
                               <a:latin typeface="Cambria Math" panose="02040503050406030204" pitchFamily="18" charset="0"/>
                             </a:rPr>
                             <m:t>𝑏</m:t>
                           </m:r>
                           <m:r>
-                            <a:rPr lang="en-US" sz="2400" i="1" dirty="0" smtClean="0">
+                            <a:rPr lang="en-US" sz="2400" i="1">
                               <a:latin typeface="Cambria Math" panose="02040503050406030204" pitchFamily="18" charset="0"/>
                             </a:rPr>
                             <m:t> ∙ </m:t>
@@ -7398,7 +14329,7 @@
                           <m:func>
                             <m:funcPr>
                               <m:ctrlPr>
-                                <a:rPr lang="en-US" sz="2400" i="1" dirty="0" smtClean="0">
+                                <a:rPr lang="en-US" sz="2400" i="1">
                                   <a:latin typeface="Cambria Math" panose="02040503050406030204" pitchFamily="18" charset="0"/>
                                 </a:rPr>
                               </m:ctrlPr>
@@ -7408,7 +14339,7 @@
                                 <m:rPr>
                                   <m:sty m:val="p"/>
                                 </m:rPr>
-                                <a:rPr lang="en-US" sz="2400" i="0" dirty="0" smtClean="0">
+                                <a:rPr lang="en-US" sz="2400" i="0">
                                   <a:latin typeface="Cambria Math" panose="02040503050406030204" pitchFamily="18" charset="0"/>
                                 </a:rPr>
                                 <m:t>exp</m:t>
@@ -7418,20 +14349,20 @@
                               <m:d>
                                 <m:dPr>
                                   <m:ctrlPr>
-                                    <a:rPr lang="en-US" sz="2400" i="1" dirty="0" smtClean="0">
+                                    <a:rPr lang="en-US" sz="2400" i="1">
                                       <a:latin typeface="Cambria Math" panose="02040503050406030204" pitchFamily="18" charset="0"/>
                                     </a:rPr>
                                   </m:ctrlPr>
                                 </m:dPr>
                                 <m:e>
                                   <m:r>
-                                    <a:rPr lang="en-US" sz="2400" i="1" dirty="0" smtClean="0">
+                                    <a:rPr lang="en-US" sz="2400" i="1">
                                       <a:latin typeface="Cambria Math" panose="02040503050406030204" pitchFamily="18" charset="0"/>
                                     </a:rPr>
                                     <m:t>−</m:t>
                                   </m:r>
                                   <m:r>
-                                    <a:rPr lang="en-US" sz="2400" i="1" dirty="0" err="1" smtClean="0">
+                                    <a:rPr lang="en-US" sz="2400" i="1">
                                       <a:latin typeface="Cambria Math" panose="02040503050406030204" pitchFamily="18" charset="0"/>
                                     </a:rPr>
                                     <m:t>𝐶𝑜𝑢𝑛𝑡𝐺𝑟𝑜𝑢</m:t>
@@ -7439,14 +14370,14 @@
                                   <m:sSub>
                                     <m:sSubPr>
                                       <m:ctrlPr>
-                                        <a:rPr lang="en-US" sz="2400" i="1" dirty="0" err="1" smtClean="0">
+                                        <a:rPr lang="en-US" sz="2400" i="1">
                                           <a:latin typeface="Cambria Math" panose="02040503050406030204" pitchFamily="18" charset="0"/>
                                         </a:rPr>
                                       </m:ctrlPr>
                                     </m:sSubPr>
                                     <m:e>
                                       <m:r>
-                                        <a:rPr lang="en-US" sz="2400" i="1" dirty="0" err="1" smtClean="0">
+                                        <a:rPr lang="en-US" sz="2400" i="1">
                                           <a:latin typeface="Cambria Math" panose="02040503050406030204" pitchFamily="18" charset="0"/>
                                         </a:rPr>
                                         <m:t>𝑝</m:t>
@@ -7454,7 +14385,7 @@
                                     </m:e>
                                     <m:sub>
                                       <m:r>
-                                        <a:rPr lang="en-US" sz="2400" i="1" dirty="0" err="1">
+                                        <a:rPr lang="en-US" sz="2400" i="1">
                                           <a:latin typeface="Cambria Math" panose="02040503050406030204" pitchFamily="18" charset="0"/>
                                         </a:rPr>
                                         <m:t>𝑐</m:t>
@@ -7462,20 +14393,20 @@
                                     </m:sub>
                                   </m:sSub>
                                   <m:r>
-                                    <a:rPr lang="en-US" sz="2400" i="1" dirty="0" smtClean="0">
+                                    <a:rPr lang="en-US" sz="2400" i="1">
                                       <a:latin typeface="Cambria Math" panose="02040503050406030204" pitchFamily="18" charset="0"/>
                                       <a:ea typeface="Cambria Math" panose="02040503050406030204" pitchFamily="18" charset="0"/>
                                     </a:rPr>
                                     <m:t>∙</m:t>
                                   </m:r>
                                   <m:r>
-                                    <a:rPr lang="en-US" sz="2400" i="1" dirty="0" smtClean="0">
+                                    <a:rPr lang="en-US" sz="2400" i="1">
                                       <a:latin typeface="Cambria Math" panose="02040503050406030204" pitchFamily="18" charset="0"/>
                                     </a:rPr>
                                     <m:t> </m:t>
                                   </m:r>
                                   <m:r>
-                                    <a:rPr lang="en-US" sz="2400" i="1" dirty="0" smtClean="0">
+                                    <a:rPr lang="en-US" sz="2400" i="1">
                                       <a:latin typeface="Cambria Math" panose="02040503050406030204" pitchFamily="18" charset="0"/>
                                     </a:rPr>
                                     <m:t>𝐶𝑜𝑢𝑛𝑡</m:t>
@@ -7487,19 +14418,19 @@
                         </m:den>
                       </m:f>
                       <m:r>
-                        <a:rPr lang="en-US" sz="2400" i="1" dirty="0" smtClean="0">
+                        <a:rPr lang="en-US" sz="2400" i="1">
                           <a:latin typeface="Cambria Math" panose="02040503050406030204" pitchFamily="18" charset="0"/>
                         </a:rPr>
                         <m:t>+  </m:t>
                       </m:r>
                       <m:r>
-                        <a:rPr lang="en-US" sz="2400" i="1" dirty="0" smtClean="0">
+                        <a:rPr lang="en-US" sz="2400" i="1">
                           <a:latin typeface="Cambria Math" panose="02040503050406030204" pitchFamily="18" charset="0"/>
                         </a:rPr>
                         <m:t>𝑑</m:t>
                       </m:r>
                       <m:r>
-                        <a:rPr lang="en-US" sz="2400" i="1" dirty="0" smtClean="0">
+                        <a:rPr lang="en-US" sz="2400" i="1">
                           <a:latin typeface="Cambria Math" panose="02040503050406030204" pitchFamily="18" charset="0"/>
                         </a:rPr>
                         <m:t> ∙ </m:t>
@@ -7507,7 +14438,7 @@
                       <m:sSup>
                         <m:sSupPr>
                           <m:ctrlPr>
-                            <a:rPr lang="en-US" sz="2400" i="1" dirty="0" smtClean="0">
+                            <a:rPr lang="en-US" sz="2400" i="1">
                               <a:latin typeface="Cambria Math" panose="02040503050406030204" pitchFamily="18" charset="0"/>
                             </a:rPr>
                           </m:ctrlPr>
@@ -7516,7 +14447,7 @@
                           <m:d>
                             <m:dPr>
                               <m:ctrlPr>
-                                <a:rPr lang="en-US" sz="2400" i="1" dirty="0" smtClean="0">
+                                <a:rPr lang="en-US" sz="2400" i="1">
                                   <a:latin typeface="Cambria Math" panose="02040503050406030204" pitchFamily="18" charset="0"/>
                                 </a:rPr>
                               </m:ctrlPr>
@@ -7525,14 +14456,14 @@
                               <m:f>
                                 <m:fPr>
                                   <m:ctrlPr>
-                                    <a:rPr lang="en-US" sz="2400" i="1" dirty="0" smtClean="0">
+                                    <a:rPr lang="en-US" sz="2400" i="1">
                                       <a:latin typeface="Cambria Math" panose="02040503050406030204" pitchFamily="18" charset="0"/>
                                     </a:rPr>
                                   </m:ctrlPr>
                                 </m:fPr>
                                 <m:num>
                                   <m:r>
-                                    <a:rPr lang="en-US" sz="2400" i="1" dirty="0" smtClean="0">
+                                    <a:rPr lang="en-US" sz="2400" i="1">
                                       <a:latin typeface="Cambria Math" panose="02040503050406030204" pitchFamily="18" charset="0"/>
                                     </a:rPr>
                                     <m:t>𝑀𝑅𝑀</m:t>
@@ -7540,7 +14471,7 @@
                                 </m:num>
                                 <m:den>
                                   <m:r>
-                                    <a:rPr lang="en-US" sz="2400" i="1" dirty="0" smtClean="0">
+                                    <a:rPr lang="en-US" sz="2400" i="1">
                                       <a:latin typeface="Cambria Math" panose="02040503050406030204" pitchFamily="18" charset="0"/>
                                     </a:rPr>
                                     <m:t>𝐼𝑛𝑑𝑒𝑥</m:t>
@@ -7552,7 +14483,7 @@
                         </m:e>
                         <m:sup>
                           <m:r>
-                            <a:rPr lang="en-US" sz="2400" i="1" dirty="0" smtClean="0">
+                            <a:rPr lang="en-US" sz="2400" i="1">
                               <a:latin typeface="Cambria Math" panose="02040503050406030204" pitchFamily="18" charset="0"/>
                             </a:rPr>
                             <m:t>6</m:t>
@@ -7562,7 +14493,7 @@
                     </m:oMath>
                   </m:oMathPara>
                 </a14:m>
-                <a:endParaRPr lang="ru-RU" dirty="0"/>
+                <a:endParaRPr lang="ru-RU" sz="2400"/>
               </a:p>
             </p:txBody>
           </p:sp>
@@ -7585,6 +14516,10 @@
               </p:nvPr>
             </p:nvSpPr>
             <p:spPr>
+              <a:xfrm>
+                <a:off x="1367624" y="2490436"/>
+                <a:ext cx="9708995" cy="3567173"/>
+              </a:xfrm>
               <a:blipFill>
                 <a:blip r:embed="rId2"/>
                 <a:stretch>
@@ -7623,51 +14558,33 @@
             <p:ph type="sldNum" sz="quarter" idx="12"/>
           </p:nvPr>
         </p:nvSpPr>
-        <p:spPr/>
-        <p:txBody>
-          <a:bodyPr/>
-          <a:lstStyle/>
-          <a:p>
-            <a:fld id="{A5D28A39-DC4B-4521-9FF8-80ED88A01777}" type="slidenum">
-              <a:rPr lang="ru-RU" smtClean="0"/>
-              <a:t>10</a:t>
-            </a:fld>
-            <a:endParaRPr lang="ru-RU"/>
-          </a:p>
-        </p:txBody>
-      </p:sp>
-      <p:sp>
-        <p:nvSpPr>
-          <p:cNvPr id="5" name="TextBox 4">
-            <a:extLst>
-              <a:ext uri="{FF2B5EF4-FFF2-40B4-BE49-F238E27FC236}">
-                <a16:creationId xmlns:a16="http://schemas.microsoft.com/office/drawing/2014/main" id="{F7E4DDA0-5E18-48CD-A487-DBAB81BE70C0}"/>
-              </a:ext>
-            </a:extLst>
-          </p:cNvPr>
-          <p:cNvSpPr txBox="1"/>
-          <p:nvPr/>
-        </p:nvSpPr>
         <p:spPr>
           <a:xfrm>
-            <a:off x="904783" y="3213715"/>
-            <a:ext cx="7705817" cy="369332"/>
+            <a:off x="10707624" y="6382512"/>
+            <a:ext cx="685800" cy="320040"/>
           </a:xfrm>
-          <a:prstGeom prst="rect">
-            <a:avLst/>
-          </a:prstGeom>
-          <a:noFill/>
         </p:spPr>
         <p:txBody>
-          <a:bodyPr wrap="square" rtlCol="0">
-            <a:spAutoFit/>
+          <a:bodyPr>
+            <a:normAutofit/>
           </a:bodyPr>
           <a:lstStyle/>
           <a:p>
-            <a:r>
-              <a:rPr lang="ru-RU" dirty="0"/>
-              <a:t>Модель немного лучше линейной</a:t>
-            </a:r>
+            <a:pPr>
+              <a:spcAft>
+                <a:spcPts val="600"/>
+              </a:spcAft>
+            </a:pPr>
+            <a:fld id="{A5D28A39-DC4B-4521-9FF8-80ED88A01777}" type="slidenum">
+              <a:rPr lang="ru-RU" sz="1000"/>
+              <a:pPr>
+                <a:spcAft>
+                  <a:spcPts val="600"/>
+                </a:spcAft>
+              </a:pPr>
+              <a:t>11</a:t>
+            </a:fld>
+            <a:endParaRPr lang="ru-RU" sz="1000"/>
           </a:p>
         </p:txBody>
       </p:sp>
@@ -7681,10 +14598,13 @@
   <p:clrMapOvr>
     <a:masterClrMapping/>
   </p:clrMapOvr>
+  <p:transition spd="slow">
+    <p:push dir="u"/>
+  </p:transition>
 </p:sld>
 </file>
 
-<file path=ppt/slides/slide11.xml><?xml version="1.0" encoding="utf-8"?>
+<file path=ppt/slides/slide12.xml><?xml version="1.0" encoding="utf-8"?>
 <p:sld xmlns:a="http://schemas.openxmlformats.org/drawingml/2006/main" xmlns:r="http://schemas.openxmlformats.org/officeDocument/2006/relationships" xmlns:p="http://schemas.openxmlformats.org/presentationml/2006/main">
   <p:cSld>
     <p:spTree>
@@ -7734,61 +14654,32 @@
           </a:p>
         </p:txBody>
       </p:sp>
-      <p:sp>
-        <p:nvSpPr>
-          <p:cNvPr id="3" name="Объект 2">
+      <p:graphicFrame>
+        <p:nvGraphicFramePr>
+          <p:cNvPr id="9" name="Объект 2">
             <a:extLst>
               <a:ext uri="{FF2B5EF4-FFF2-40B4-BE49-F238E27FC236}">
-                <a16:creationId xmlns:a16="http://schemas.microsoft.com/office/drawing/2014/main" id="{D945FAF1-536E-40A9-9E81-DFBCABEEDE3B}"/>
+                <a16:creationId xmlns:a16="http://schemas.microsoft.com/office/drawing/2014/main" id="{B5F5FA2C-237E-42B1-AB72-3A306365650E}"/>
               </a:ext>
             </a:extLst>
           </p:cNvPr>
-          <p:cNvSpPr>
-            <a:spLocks noGrp="1"/>
-          </p:cNvSpPr>
+          <p:cNvGraphicFramePr>
+            <a:graphicFrameLocks noGrp="1"/>
+          </p:cNvGraphicFramePr>
           <p:nvPr>
             <p:ph idx="1"/>
           </p:nvPr>
-        </p:nvSpPr>
-        <p:spPr>
-          <a:xfrm>
-            <a:off x="838200" y="1597982"/>
-            <a:ext cx="10613994" cy="3684232"/>
-          </a:xfrm>
-        </p:spPr>
-        <p:txBody>
-          <a:bodyPr>
-            <a:normAutofit/>
-          </a:bodyPr>
-          <a:lstStyle/>
-          <a:p>
-            <a:pPr algn="just"/>
-            <a:r>
-              <a:rPr lang="ru-RU" sz="2000" dirty="0"/>
-              <a:t>В результате проведённого исследования была найдена модель, не зависящая от типа телосложения, опыта тренировок и многих других характеристик, но при этом дающая хорошие результаты на 85% данных.</a:t>
-            </a:r>
-          </a:p>
-          <a:p>
-            <a:pPr algn="just"/>
-            <a:r>
-              <a:rPr lang="ru-RU" sz="2000" dirty="0"/>
-              <a:t>Я уверен, что большие погрешности в единичных случаях – это та часть закономерности, зависящая от человека и многих неучтённых характеристик. Тем не менее, влияние этих неучтённых факторов далеко не так велико, как предполагали многие: намного больше повторный максимум зависит от обычной математики.</a:t>
-            </a:r>
-          </a:p>
-          <a:p>
-            <a:pPr algn="just"/>
-            <a:r>
-              <a:rPr lang="ru-RU" sz="2000" dirty="0"/>
-              <a:t>Посчитать собственные результаты при помощи найденной модели можно по ссылке </a:t>
-            </a:r>
-            <a:r>
-              <a:rPr lang="en-US" sz="2000" dirty="0"/>
-              <a:t>https://dmitrypasko.shinyapps.io/RMbyMRMestimating/</a:t>
-            </a:r>
-            <a:endParaRPr lang="ru-RU" sz="2000" dirty="0"/>
-          </a:p>
-        </p:txBody>
-      </p:sp>
+        </p:nvGraphicFramePr>
+        <p:xfrm>
+          <a:off x="838200" y="1597982"/>
+          <a:ext cx="10613994" cy="4208014"/>
+        </p:xfrm>
+        <a:graphic>
+          <a:graphicData uri="http://schemas.openxmlformats.org/drawingml/2006/diagram">
+            <dgm:relIds xmlns:dgm="http://schemas.openxmlformats.org/drawingml/2006/diagram" xmlns:r="http://schemas.openxmlformats.org/officeDocument/2006/relationships" r:dm="rId2" r:lo="rId3" r:qs="rId4" r:cs="rId5"/>
+          </a:graphicData>
+        </a:graphic>
+      </p:graphicFrame>
       <p:sp>
         <p:nvSpPr>
           <p:cNvPr id="7" name="Номер слайда 6">
@@ -7812,7 +14703,7 @@
           <a:p>
             <a:fld id="{A5D28A39-DC4B-4521-9FF8-80ED88A01777}" type="slidenum">
               <a:rPr lang="ru-RU" smtClean="0"/>
-              <a:t>11</a:t>
+              <a:t>12</a:t>
             </a:fld>
             <a:endParaRPr lang="ru-RU" dirty="0"/>
           </a:p>
@@ -7834,7 +14725,7 @@
 </p:sld>
 </file>
 
-<file path=ppt/slides/slide12.xml><?xml version="1.0" encoding="utf-8"?>
+<file path=ppt/slides/slide13.xml><?xml version="1.0" encoding="utf-8"?>
 <p:sld xmlns:a="http://schemas.openxmlformats.org/drawingml/2006/main" xmlns:r="http://schemas.openxmlformats.org/officeDocument/2006/relationships" xmlns:p="http://schemas.openxmlformats.org/presentationml/2006/main">
   <p:cSld>
     <p:bg>
@@ -8438,7 +15329,7 @@
                   <a:spcPts val="600"/>
                 </a:spcAft>
               </a:pPr>
-              <a:t>12</a:t>
+              <a:t>13</a:t>
             </a:fld>
             <a:endParaRPr lang="en-US" sz="1500">
               <a:solidFill>
@@ -8517,9 +15408,10 @@
           <a:lstStyle/>
           <a:p>
             <a:r>
-              <a:rPr lang="ru-RU" b="1" dirty="0"/>
+              <a:rPr lang="ru-RU" b="1"/>
               <a:t>Содержание </a:t>
             </a:r>
+            <a:endParaRPr lang="ru-RU" b="1" dirty="0"/>
           </a:p>
         </p:txBody>
       </p:sp>
@@ -8565,6 +15457,12 @@
           <a:p>
             <a:r>
               <a:rPr lang="ru-RU" sz="3200" dirty="0"/>
+              <a:t>От чего зависят повторные максимумы?</a:t>
+            </a:r>
+          </a:p>
+          <a:p>
+            <a:r>
+              <a:rPr lang="ru-RU" sz="3200" dirty="0"/>
               <a:t>Гипотеза исследования</a:t>
             </a:r>
           </a:p>
@@ -8576,10 +15474,9 @@
           </a:p>
           <a:p>
             <a:r>
-              <a:rPr lang="ru-RU" sz="3200"/>
+              <a:rPr lang="ru-RU" sz="3200" dirty="0"/>
               <a:t>Результаты исследования</a:t>
             </a:r>
-            <a:endParaRPr lang="ru-RU" sz="3200" dirty="0"/>
           </a:p>
           <a:p>
             <a:r>
@@ -8748,8 +15645,16 @@
           <a:lstStyle/>
           <a:p>
             <a:r>
-              <a:rPr lang="ru-RU" sz="3400"/>
-              <a:t>Пауэрлифтинг</a:t>
+              <a:rPr lang="ru-RU" sz="3400" dirty="0"/>
+              <a:t>Пауэрлифтинг (</a:t>
+            </a:r>
+            <a:r>
+              <a:rPr lang="en-US" sz="3400" dirty="0"/>
+              <a:t>Powerlifting</a:t>
+            </a:r>
+            <a:r>
+              <a:rPr lang="ru-RU" sz="3400" dirty="0"/>
+              <a:t>)</a:t>
             </a:r>
           </a:p>
         </p:txBody>
@@ -9397,6 +16302,9 @@
   <p:clrMapOvr>
     <a:masterClrMapping/>
   </p:clrMapOvr>
+  <p:transition spd="slow">
+    <p:push dir="u"/>
+  </p:transition>
 </p:sld>
 </file>
 
@@ -10061,12 +16969,23 @@
   <p:clrMapOvr>
     <a:masterClrMapping/>
   </p:clrMapOvr>
+  <p:transition spd="slow">
+    <p:push dir="u"/>
+  </p:transition>
 </p:sld>
 </file>
 
 <file path=ppt/slides/slide5.xml><?xml version="1.0" encoding="utf-8"?>
 <p:sld xmlns:a="http://schemas.openxmlformats.org/drawingml/2006/main" xmlns:r="http://schemas.openxmlformats.org/officeDocument/2006/relationships" xmlns:p="http://schemas.openxmlformats.org/presentationml/2006/main">
   <p:cSld>
+    <p:bg>
+      <p:bgPr>
+        <a:solidFill>
+          <a:schemeClr val="bg1"/>
+        </a:solidFill>
+        <a:effectLst/>
+      </p:bgPr>
+    </p:bg>
     <p:spTree>
       <p:nvGrpSpPr>
         <p:cNvPr id="1" name=""/>
@@ -10086,7 +17005,7 @@
           <p:cNvPr id="2" name="Заголовок 1">
             <a:extLst>
               <a:ext uri="{FF2B5EF4-FFF2-40B4-BE49-F238E27FC236}">
-                <a16:creationId xmlns:a16="http://schemas.microsoft.com/office/drawing/2014/main" id="{F61D3056-1B15-4398-AFCF-45DA79EFCA7B}"/>
+                <a16:creationId xmlns:a16="http://schemas.microsoft.com/office/drawing/2014/main" id="{E9D92644-8291-40D0-8244-036760CBA64A}"/>
               </a:ext>
             </a:extLst>
           </p:cNvPr>
@@ -10097,13 +17016,778 @@
             <p:ph type="title"/>
           </p:nvPr>
         </p:nvSpPr>
-        <p:spPr/>
+        <p:spPr>
+          <a:xfrm>
+            <a:off x="519545" y="621792"/>
+            <a:ext cx="5181503" cy="5504688"/>
+          </a:xfrm>
+        </p:spPr>
         <p:txBody>
-          <a:bodyPr/>
+          <a:bodyPr>
+            <a:normAutofit/>
+          </a:bodyPr>
           <a:lstStyle/>
           <a:p>
             <a:r>
-              <a:rPr lang="ru-RU" dirty="0"/>
+              <a:rPr lang="ru-RU" sz="4800"/>
+              <a:t>Что влияет на силу человека в одном повторении?</a:t>
+            </a:r>
+          </a:p>
+        </p:txBody>
+      </p:sp>
+      <p:sp>
+        <p:nvSpPr>
+          <p:cNvPr id="10" name="Rectangle 9">
+            <a:extLst>
+              <a:ext uri="{FF2B5EF4-FFF2-40B4-BE49-F238E27FC236}">
+                <a16:creationId xmlns:a16="http://schemas.microsoft.com/office/drawing/2014/main" id="{DA176721-EB28-4282-BA88-F4C1024ACAE5}"/>
+              </a:ext>
+              <a:ext uri="{C183D7F6-B498-43B3-948B-1728B52AA6E4}">
+                <adec:decorative xmlns:adec="http://schemas.microsoft.com/office/drawing/2017/decorative" val="1"/>
+              </a:ext>
+            </a:extLst>
+          </p:cNvPr>
+          <p:cNvSpPr>
+            <a:spLocks noGrp="1" noRot="1" noChangeAspect="1" noMove="1" noResize="1" noEditPoints="1" noAdjustHandles="1" noChangeArrowheads="1" noChangeShapeType="1" noTextEdit="1"/>
+          </p:cNvSpPr>
+          <p:nvPr>
+            <p:extLst>
+              <p:ext uri="{386F3935-93C4-4BCD-93E2-E3B085C9AB24}">
+                <p16:designElem xmlns:p16="http://schemas.microsoft.com/office/powerpoint/2015/main" val="1"/>
+              </p:ext>
+            </p:extLst>
+          </p:nvPr>
+        </p:nvSpPr>
+        <p:spPr>
+          <a:xfrm rot="5400000">
+            <a:off x="6032938" y="-6032938"/>
+            <a:ext cx="126124" cy="12192000"/>
+          </a:xfrm>
+          <a:prstGeom prst="rect">
+            <a:avLst/>
+          </a:prstGeom>
+          <a:solidFill>
+            <a:srgbClr val="4472C4"/>
+          </a:solidFill>
+          <a:ln w="12700" cap="flat" cmpd="sng" algn="ctr">
+            <a:noFill/>
+            <a:prstDash val="solid"/>
+            <a:miter lim="800000"/>
+          </a:ln>
+          <a:effectLst/>
+        </p:spPr>
+        <p:txBody>
+          <a:bodyPr rtlCol="0" anchor="ctr"/>
+          <a:lstStyle/>
+          <a:p>
+            <a:pPr marL="0" marR="0" lvl="0" indent="0" algn="ctr" defTabSz="914400" eaLnBrk="1" fontAlgn="auto" latinLnBrk="0" hangingPunct="1">
+              <a:lnSpc>
+                <a:spcPct val="100000"/>
+              </a:lnSpc>
+              <a:spcBef>
+                <a:spcPts val="0"/>
+              </a:spcBef>
+              <a:spcAft>
+                <a:spcPts val="0"/>
+              </a:spcAft>
+              <a:buClrTx/>
+              <a:buSzTx/>
+              <a:buFontTx/>
+              <a:buNone/>
+              <a:tabLst/>
+              <a:defRPr/>
+            </a:pPr>
+            <a:endParaRPr kumimoji="0" lang="en-US" sz="1800" b="0" i="0" u="none" strike="noStrike" kern="0" cap="none" spc="0" normalizeH="0" baseline="0" noProof="0" dirty="0">
+              <a:ln>
+                <a:noFill/>
+              </a:ln>
+              <a:solidFill>
+                <a:prstClr val="white"/>
+              </a:solidFill>
+              <a:effectLst/>
+              <a:uLnTx/>
+              <a:uFillTx/>
+              <a:latin typeface="Calibri" panose="020F0502020204030204"/>
+              <a:ea typeface="+mn-ea"/>
+              <a:cs typeface="+mn-cs"/>
+            </a:endParaRPr>
+          </a:p>
+        </p:txBody>
+      </p:sp>
+      <p:sp>
+        <p:nvSpPr>
+          <p:cNvPr id="4" name="Номер слайда 3">
+            <a:extLst>
+              <a:ext uri="{FF2B5EF4-FFF2-40B4-BE49-F238E27FC236}">
+                <a16:creationId xmlns:a16="http://schemas.microsoft.com/office/drawing/2014/main" id="{830B7A34-A183-459E-B9AE-BECFB5D4B6B7}"/>
+              </a:ext>
+            </a:extLst>
+          </p:cNvPr>
+          <p:cNvSpPr>
+            <a:spLocks noGrp="1"/>
+          </p:cNvSpPr>
+          <p:nvPr>
+            <p:ph type="sldNum" sz="quarter" idx="12"/>
+          </p:nvPr>
+        </p:nvSpPr>
+        <p:spPr>
+          <a:xfrm>
+            <a:off x="8610600" y="6356350"/>
+            <a:ext cx="2743200" cy="365125"/>
+          </a:xfrm>
+        </p:spPr>
+        <p:txBody>
+          <a:bodyPr>
+            <a:normAutofit/>
+          </a:bodyPr>
+          <a:lstStyle/>
+          <a:p>
+            <a:pPr>
+              <a:spcAft>
+                <a:spcPts val="600"/>
+              </a:spcAft>
+            </a:pPr>
+            <a:fld id="{A5D28A39-DC4B-4521-9FF8-80ED88A01777}" type="slidenum">
+              <a:rPr lang="ru-RU" smtClean="0"/>
+              <a:pPr>
+                <a:spcAft>
+                  <a:spcPts val="600"/>
+                </a:spcAft>
+              </a:pPr>
+              <a:t>5</a:t>
+            </a:fld>
+            <a:endParaRPr lang="ru-RU"/>
+          </a:p>
+        </p:txBody>
+      </p:sp>
+      <p:graphicFrame>
+        <p:nvGraphicFramePr>
+          <p:cNvPr id="6" name="Объект 2">
+            <a:extLst>
+              <a:ext uri="{FF2B5EF4-FFF2-40B4-BE49-F238E27FC236}">
+                <a16:creationId xmlns:a16="http://schemas.microsoft.com/office/drawing/2014/main" id="{2B7F1007-75E2-4B14-9343-972B1FD544E8}"/>
+              </a:ext>
+            </a:extLst>
+          </p:cNvPr>
+          <p:cNvGraphicFramePr>
+            <a:graphicFrameLocks noGrp="1"/>
+          </p:cNvGraphicFramePr>
+          <p:nvPr>
+            <p:ph idx="1"/>
+            <p:extLst>
+              <p:ext uri="{D42A27DB-BD31-4B8C-83A1-F6EECF244321}">
+                <p14:modId xmlns:p14="http://schemas.microsoft.com/office/powerpoint/2010/main" val="1050925417"/>
+              </p:ext>
+            </p:extLst>
+          </p:nvPr>
+        </p:nvGraphicFramePr>
+        <p:xfrm>
+          <a:off x="6099048" y="621792"/>
+          <a:ext cx="5257800" cy="5504688"/>
+        </p:xfrm>
+        <a:graphic>
+          <a:graphicData uri="http://schemas.openxmlformats.org/drawingml/2006/diagram">
+            <dgm:relIds xmlns:dgm="http://schemas.openxmlformats.org/drawingml/2006/diagram" xmlns:r="http://schemas.openxmlformats.org/officeDocument/2006/relationships" r:dm="rId2" r:lo="rId3" r:qs="rId4" r:cs="rId5"/>
+          </a:graphicData>
+        </a:graphic>
+      </p:graphicFrame>
+    </p:spTree>
+    <p:extLst>
+      <p:ext uri="{BB962C8B-B14F-4D97-AF65-F5344CB8AC3E}">
+        <p14:creationId xmlns:p14="http://schemas.microsoft.com/office/powerpoint/2010/main" val="2213144705"/>
+      </p:ext>
+    </p:extLst>
+  </p:cSld>
+  <p:clrMapOvr>
+    <a:masterClrMapping/>
+  </p:clrMapOvr>
+  <p:transition spd="slow">
+    <p:push dir="u"/>
+  </p:transition>
+</p:sld>
+</file>
+
+<file path=ppt/slides/slide6.xml><?xml version="1.0" encoding="utf-8"?>
+<p:sld xmlns:a="http://schemas.openxmlformats.org/drawingml/2006/main" xmlns:r="http://schemas.openxmlformats.org/officeDocument/2006/relationships" xmlns:p="http://schemas.openxmlformats.org/presentationml/2006/main">
+  <p:cSld>
+    <p:bg>
+      <p:bgPr>
+        <a:solidFill>
+          <a:schemeClr val="bg1"/>
+        </a:solidFill>
+        <a:effectLst/>
+      </p:bgPr>
+    </p:bg>
+    <p:spTree>
+      <p:nvGrpSpPr>
+        <p:cNvPr id="1" name=""/>
+        <p:cNvGrpSpPr/>
+        <p:nvPr/>
+      </p:nvGrpSpPr>
+      <p:grpSpPr>
+        <a:xfrm>
+          <a:off x="0" y="0"/>
+          <a:ext cx="0" cy="0"/>
+          <a:chOff x="0" y="0"/>
+          <a:chExt cx="0" cy="0"/>
+        </a:xfrm>
+      </p:grpSpPr>
+      <p:sp useBgFill="1">
+        <p:nvSpPr>
+          <p:cNvPr id="9" name="Rectangle 8">
+            <a:extLst>
+              <a:ext uri="{FF2B5EF4-FFF2-40B4-BE49-F238E27FC236}">
+                <a16:creationId xmlns:a16="http://schemas.microsoft.com/office/drawing/2014/main" id="{827B839B-9ADE-406B-8590-F1CAEDED45A1}"/>
+              </a:ext>
+              <a:ext uri="{C183D7F6-B498-43B3-948B-1728B52AA6E4}">
+                <adec:decorative xmlns:adec="http://schemas.microsoft.com/office/drawing/2017/decorative" val="1"/>
+              </a:ext>
+            </a:extLst>
+          </p:cNvPr>
+          <p:cNvSpPr>
+            <a:spLocks noGrp="1" noRot="1" noChangeAspect="1" noMove="1" noResize="1" noEditPoints="1" noAdjustHandles="1" noChangeArrowheads="1" noChangeShapeType="1" noTextEdit="1"/>
+          </p:cNvSpPr>
+          <p:nvPr>
+            <p:extLst>
+              <p:ext uri="{386F3935-93C4-4BCD-93E2-E3B085C9AB24}">
+                <p16:designElem xmlns:p16="http://schemas.microsoft.com/office/powerpoint/2015/main" val="1"/>
+              </p:ext>
+            </p:extLst>
+          </p:nvPr>
+        </p:nvSpPr>
+        <p:spPr>
+          <a:xfrm>
+            <a:off x="0" y="0"/>
+            <a:ext cx="12188952" cy="6858000"/>
+          </a:xfrm>
+          <a:prstGeom prst="rect">
+            <a:avLst/>
+          </a:prstGeom>
+          <a:ln>
+            <a:noFill/>
+          </a:ln>
+        </p:spPr>
+        <p:style>
+          <a:lnRef idx="2">
+            <a:schemeClr val="accent1">
+              <a:shade val="50000"/>
+            </a:schemeClr>
+          </a:lnRef>
+          <a:fillRef idx="1">
+            <a:schemeClr val="accent1"/>
+          </a:fillRef>
+          <a:effectRef idx="0">
+            <a:schemeClr val="accent1"/>
+          </a:effectRef>
+          <a:fontRef idx="minor">
+            <a:schemeClr val="lt1"/>
+          </a:fontRef>
+        </p:style>
+        <p:txBody>
+          <a:bodyPr rtlCol="0" anchor="ctr"/>
+          <a:lstStyle/>
+          <a:p>
+            <a:pPr algn="ctr"/>
+            <a:endParaRPr lang="en-US"/>
+          </a:p>
+        </p:txBody>
+      </p:sp>
+      <p:sp>
+        <p:nvSpPr>
+          <p:cNvPr id="11" name="Freeform 45">
+            <a:extLst>
+              <a:ext uri="{FF2B5EF4-FFF2-40B4-BE49-F238E27FC236}">
+                <a16:creationId xmlns:a16="http://schemas.microsoft.com/office/drawing/2014/main" id="{CFE45BF0-46DB-408C-B5F7-7B11716805D4}"/>
+              </a:ext>
+              <a:ext uri="{C183D7F6-B498-43B3-948B-1728B52AA6E4}">
+                <adec:decorative xmlns:adec="http://schemas.microsoft.com/office/drawing/2017/decorative" val="1"/>
+              </a:ext>
+            </a:extLst>
+          </p:cNvPr>
+          <p:cNvSpPr>
+            <a:spLocks noGrp="1" noRot="1" noChangeAspect="1" noMove="1" noResize="1" noEditPoints="1" noAdjustHandles="1" noChangeArrowheads="1" noChangeShapeType="1" noTextEdit="1"/>
+          </p:cNvSpPr>
+          <p:nvPr>
+            <p:extLst>
+              <p:ext uri="{386F3935-93C4-4BCD-93E2-E3B085C9AB24}">
+                <p16:designElem xmlns:p16="http://schemas.microsoft.com/office/powerpoint/2015/main" val="1"/>
+              </p:ext>
+            </p:extLst>
+          </p:nvPr>
+        </p:nvSpPr>
+        <p:spPr bwMode="auto">
+          <a:xfrm>
+            <a:off x="409710" y="1022350"/>
+            <a:ext cx="709612" cy="2095501"/>
+          </a:xfrm>
+          <a:custGeom>
+            <a:avLst/>
+            <a:gdLst>
+              <a:gd name="T0" fmla="*/ 447 w 447"/>
+              <a:gd name="T1" fmla="*/ 1363 h 1363"/>
+              <a:gd name="T2" fmla="*/ 0 w 447"/>
+              <a:gd name="T3" fmla="*/ 987 h 1363"/>
+              <a:gd name="T4" fmla="*/ 0 w 447"/>
+              <a:gd name="T5" fmla="*/ 0 h 1363"/>
+              <a:gd name="T6" fmla="*/ 447 w 447"/>
+              <a:gd name="T7" fmla="*/ 376 h 1363"/>
+              <a:gd name="T8" fmla="*/ 447 w 447"/>
+              <a:gd name="T9" fmla="*/ 1363 h 1363"/>
+            </a:gdLst>
+            <a:ahLst/>
+            <a:cxnLst>
+              <a:cxn ang="0">
+                <a:pos x="T0" y="T1"/>
+              </a:cxn>
+              <a:cxn ang="0">
+                <a:pos x="T2" y="T3"/>
+              </a:cxn>
+              <a:cxn ang="0">
+                <a:pos x="T4" y="T5"/>
+              </a:cxn>
+              <a:cxn ang="0">
+                <a:pos x="T6" y="T7"/>
+              </a:cxn>
+              <a:cxn ang="0">
+                <a:pos x="T8" y="T9"/>
+              </a:cxn>
+            </a:cxnLst>
+            <a:rect l="0" t="0" r="r" b="b"/>
+            <a:pathLst>
+              <a:path w="447" h="1363">
+                <a:moveTo>
+                  <a:pt x="447" y="1363"/>
+                </a:moveTo>
+                <a:lnTo>
+                  <a:pt x="0" y="987"/>
+                </a:lnTo>
+                <a:lnTo>
+                  <a:pt x="0" y="0"/>
+                </a:lnTo>
+                <a:lnTo>
+                  <a:pt x="447" y="376"/>
+                </a:lnTo>
+                <a:lnTo>
+                  <a:pt x="447" y="1363"/>
+                </a:lnTo>
+                <a:close/>
+              </a:path>
+            </a:pathLst>
+          </a:custGeom>
+          <a:solidFill>
+            <a:schemeClr val="accent1">
+              <a:lumMod val="50000"/>
+            </a:schemeClr>
+          </a:solidFill>
+          <a:ln>
+            <a:noFill/>
+          </a:ln>
+        </p:spPr>
+        <p:txBody>
+          <a:bodyPr vert="horz" wrap="square" lIns="91440" tIns="45720" rIns="91440" bIns="45720" numCol="1" anchor="t" anchorCtr="0" compatLnSpc="1">
+            <a:prstTxWarp prst="textNoShape">
+              <a:avLst/>
+            </a:prstTxWarp>
+          </a:bodyPr>
+          <a:lstStyle/>
+          <a:p>
+            <a:endParaRPr lang="en-US"/>
+          </a:p>
+        </p:txBody>
+      </p:sp>
+      <p:sp>
+        <p:nvSpPr>
+          <p:cNvPr id="13" name="Freeform 46">
+            <a:extLst>
+              <a:ext uri="{FF2B5EF4-FFF2-40B4-BE49-F238E27FC236}">
+                <a16:creationId xmlns:a16="http://schemas.microsoft.com/office/drawing/2014/main" id="{2AEBC8F2-97B1-41B4-93F1-2D289E197FBA}"/>
+              </a:ext>
+              <a:ext uri="{C183D7F6-B498-43B3-948B-1728B52AA6E4}">
+                <adec:decorative xmlns:adec="http://schemas.microsoft.com/office/drawing/2017/decorative" val="1"/>
+              </a:ext>
+            </a:extLst>
+          </p:cNvPr>
+          <p:cNvSpPr>
+            <a:spLocks noGrp="1" noRot="1" noChangeAspect="1" noMove="1" noResize="1" noEditPoints="1" noAdjustHandles="1" noChangeArrowheads="1" noChangeShapeType="1" noTextEdit="1"/>
+          </p:cNvSpPr>
+          <p:nvPr>
+            <p:extLst>
+              <p:ext uri="{386F3935-93C4-4BCD-93E2-E3B085C9AB24}">
+                <p16:designElem xmlns:p16="http://schemas.microsoft.com/office/powerpoint/2015/main" val="1"/>
+              </p:ext>
+            </p:extLst>
+          </p:nvPr>
+        </p:nvSpPr>
+        <p:spPr bwMode="auto">
+          <a:xfrm>
+            <a:off x="409710" y="837744"/>
+            <a:ext cx="403225" cy="1705431"/>
+          </a:xfrm>
+          <a:custGeom>
+            <a:avLst/>
+            <a:gdLst>
+              <a:gd name="T0" fmla="*/ 254 w 254"/>
+              <a:gd name="T1" fmla="*/ 987 h 1109"/>
+              <a:gd name="T2" fmla="*/ 0 w 254"/>
+              <a:gd name="T3" fmla="*/ 1109 h 1109"/>
+              <a:gd name="T4" fmla="*/ 0 w 254"/>
+              <a:gd name="T5" fmla="*/ 119 h 1109"/>
+              <a:gd name="T6" fmla="*/ 254 w 254"/>
+              <a:gd name="T7" fmla="*/ 0 h 1109"/>
+              <a:gd name="T8" fmla="*/ 254 w 254"/>
+              <a:gd name="T9" fmla="*/ 987 h 1109"/>
+            </a:gdLst>
+            <a:ahLst/>
+            <a:cxnLst>
+              <a:cxn ang="0">
+                <a:pos x="T0" y="T1"/>
+              </a:cxn>
+              <a:cxn ang="0">
+                <a:pos x="T2" y="T3"/>
+              </a:cxn>
+              <a:cxn ang="0">
+                <a:pos x="T4" y="T5"/>
+              </a:cxn>
+              <a:cxn ang="0">
+                <a:pos x="T6" y="T7"/>
+              </a:cxn>
+              <a:cxn ang="0">
+                <a:pos x="T8" y="T9"/>
+              </a:cxn>
+            </a:cxnLst>
+            <a:rect l="0" t="0" r="r" b="b"/>
+            <a:pathLst>
+              <a:path w="254" h="1109">
+                <a:moveTo>
+                  <a:pt x="254" y="987"/>
+                </a:moveTo>
+                <a:lnTo>
+                  <a:pt x="0" y="1109"/>
+                </a:lnTo>
+                <a:lnTo>
+                  <a:pt x="0" y="119"/>
+                </a:lnTo>
+                <a:lnTo>
+                  <a:pt x="254" y="0"/>
+                </a:lnTo>
+                <a:lnTo>
+                  <a:pt x="254" y="987"/>
+                </a:lnTo>
+                <a:close/>
+              </a:path>
+            </a:pathLst>
+          </a:custGeom>
+          <a:solidFill>
+            <a:schemeClr val="accent1">
+              <a:lumMod val="75000"/>
+            </a:schemeClr>
+          </a:solidFill>
+          <a:ln>
+            <a:noFill/>
+          </a:ln>
+        </p:spPr>
+        <p:txBody>
+          <a:bodyPr vert="horz" wrap="square" lIns="91440" tIns="45720" rIns="91440" bIns="45720" numCol="1" anchor="t" anchorCtr="0" compatLnSpc="1">
+            <a:prstTxWarp prst="textNoShape">
+              <a:avLst/>
+            </a:prstTxWarp>
+          </a:bodyPr>
+          <a:lstStyle/>
+          <a:p>
+            <a:endParaRPr lang="en-US"/>
+          </a:p>
+        </p:txBody>
+      </p:sp>
+      <p:sp>
+        <p:nvSpPr>
+          <p:cNvPr id="15" name="Freeform 47">
+            <a:extLst>
+              <a:ext uri="{FF2B5EF4-FFF2-40B4-BE49-F238E27FC236}">
+                <a16:creationId xmlns:a16="http://schemas.microsoft.com/office/drawing/2014/main" id="{472E3A19-F5D5-48FC-BB9C-48C2F68F598B}"/>
+              </a:ext>
+              <a:ext uri="{C183D7F6-B498-43B3-948B-1728B52AA6E4}">
+                <adec:decorative xmlns:adec="http://schemas.microsoft.com/office/drawing/2017/decorative" val="1"/>
+              </a:ext>
+            </a:extLst>
+          </p:cNvPr>
+          <p:cNvSpPr>
+            <a:spLocks noGrp="1" noRot="1" noChangeAspect="1" noMove="1" noResize="1" noEditPoints="1" noAdjustHandles="1" noChangeArrowheads="1" noChangeShapeType="1" noTextEdit="1"/>
+          </p:cNvSpPr>
+          <p:nvPr>
+            <p:extLst>
+              <p:ext uri="{386F3935-93C4-4BCD-93E2-E3B085C9AB24}">
+                <p16:designElem xmlns:p16="http://schemas.microsoft.com/office/powerpoint/2015/main" val="1"/>
+              </p:ext>
+            </p:extLst>
+          </p:nvPr>
+        </p:nvSpPr>
+        <p:spPr bwMode="auto">
+          <a:xfrm>
+            <a:off x="644660" y="640894"/>
+            <a:ext cx="168275" cy="1713195"/>
+          </a:xfrm>
+          <a:custGeom>
+            <a:avLst/>
+            <a:gdLst>
+              <a:gd name="T0" fmla="*/ 106 w 106"/>
+              <a:gd name="T1" fmla="*/ 1114 h 1114"/>
+              <a:gd name="T2" fmla="*/ 0 w 106"/>
+              <a:gd name="T3" fmla="*/ 1005 h 1114"/>
+              <a:gd name="T4" fmla="*/ 0 w 106"/>
+              <a:gd name="T5" fmla="*/ 0 h 1114"/>
+              <a:gd name="T6" fmla="*/ 106 w 106"/>
+              <a:gd name="T7" fmla="*/ 110 h 1114"/>
+              <a:gd name="T8" fmla="*/ 106 w 106"/>
+              <a:gd name="T9" fmla="*/ 1114 h 1114"/>
+            </a:gdLst>
+            <a:ahLst/>
+            <a:cxnLst>
+              <a:cxn ang="0">
+                <a:pos x="T0" y="T1"/>
+              </a:cxn>
+              <a:cxn ang="0">
+                <a:pos x="T2" y="T3"/>
+              </a:cxn>
+              <a:cxn ang="0">
+                <a:pos x="T4" y="T5"/>
+              </a:cxn>
+              <a:cxn ang="0">
+                <a:pos x="T6" y="T7"/>
+              </a:cxn>
+              <a:cxn ang="0">
+                <a:pos x="T8" y="T9"/>
+              </a:cxn>
+            </a:cxnLst>
+            <a:rect l="0" t="0" r="r" b="b"/>
+            <a:pathLst>
+              <a:path w="106" h="1114">
+                <a:moveTo>
+                  <a:pt x="106" y="1114"/>
+                </a:moveTo>
+                <a:lnTo>
+                  <a:pt x="0" y="1005"/>
+                </a:lnTo>
+                <a:lnTo>
+                  <a:pt x="0" y="0"/>
+                </a:lnTo>
+                <a:lnTo>
+                  <a:pt x="106" y="110"/>
+                </a:lnTo>
+                <a:lnTo>
+                  <a:pt x="106" y="1114"/>
+                </a:lnTo>
+                <a:close/>
+              </a:path>
+            </a:pathLst>
+          </a:custGeom>
+          <a:solidFill>
+            <a:schemeClr val="accent1">
+              <a:lumMod val="50000"/>
+            </a:schemeClr>
+          </a:solidFill>
+          <a:ln>
+            <a:noFill/>
+          </a:ln>
+        </p:spPr>
+        <p:txBody>
+          <a:bodyPr vert="horz" wrap="square" lIns="91440" tIns="45720" rIns="91440" bIns="45720" numCol="1" anchor="t" anchorCtr="0" compatLnSpc="1">
+            <a:prstTxWarp prst="textNoShape">
+              <a:avLst/>
+            </a:prstTxWarp>
+          </a:bodyPr>
+          <a:lstStyle/>
+          <a:p>
+            <a:endParaRPr lang="en-US"/>
+          </a:p>
+        </p:txBody>
+      </p:sp>
+      <p:sp>
+        <p:nvSpPr>
+          <p:cNvPr id="17" name="Freeform 44">
+            <a:extLst>
+              <a:ext uri="{FF2B5EF4-FFF2-40B4-BE49-F238E27FC236}">
+                <a16:creationId xmlns:a16="http://schemas.microsoft.com/office/drawing/2014/main" id="{7A62E32F-BB65-43A8-8EB5-92346890E549}"/>
+              </a:ext>
+              <a:ext uri="{C183D7F6-B498-43B3-948B-1728B52AA6E4}">
+                <adec:decorative xmlns:adec="http://schemas.microsoft.com/office/drawing/2017/decorative" val="1"/>
+              </a:ext>
+            </a:extLst>
+          </p:cNvPr>
+          <p:cNvSpPr>
+            <a:spLocks noGrp="1" noRot="1" noChangeAspect="1" noMove="1" noResize="1" noEditPoints="1" noAdjustHandles="1" noChangeArrowheads="1" noChangeShapeType="1" noTextEdit="1"/>
+          </p:cNvSpPr>
+          <p:nvPr>
+            <p:extLst>
+              <p:ext uri="{386F3935-93C4-4BCD-93E2-E3B085C9AB24}">
+                <p16:designElem xmlns:p16="http://schemas.microsoft.com/office/powerpoint/2015/main" val="1"/>
+              </p:ext>
+            </p:extLst>
+          </p:nvPr>
+        </p:nvSpPr>
+        <p:spPr bwMode="auto">
+          <a:xfrm>
+            <a:off x="11223203" y="635716"/>
+            <a:ext cx="328612" cy="1742360"/>
+          </a:xfrm>
+          <a:custGeom>
+            <a:avLst/>
+            <a:gdLst>
+              <a:gd name="T0" fmla="*/ 207 w 207"/>
+              <a:gd name="T1" fmla="*/ 987 h 1114"/>
+              <a:gd name="T2" fmla="*/ 0 w 207"/>
+              <a:gd name="T3" fmla="*/ 1114 h 1114"/>
+              <a:gd name="T4" fmla="*/ 0 w 207"/>
+              <a:gd name="T5" fmla="*/ 127 h 1114"/>
+              <a:gd name="T6" fmla="*/ 207 w 207"/>
+              <a:gd name="T7" fmla="*/ 0 h 1114"/>
+              <a:gd name="T8" fmla="*/ 207 w 207"/>
+              <a:gd name="T9" fmla="*/ 987 h 1114"/>
+            </a:gdLst>
+            <a:ahLst/>
+            <a:cxnLst>
+              <a:cxn ang="0">
+                <a:pos x="T0" y="T1"/>
+              </a:cxn>
+              <a:cxn ang="0">
+                <a:pos x="T2" y="T3"/>
+              </a:cxn>
+              <a:cxn ang="0">
+                <a:pos x="T4" y="T5"/>
+              </a:cxn>
+              <a:cxn ang="0">
+                <a:pos x="T6" y="T7"/>
+              </a:cxn>
+              <a:cxn ang="0">
+                <a:pos x="T8" y="T9"/>
+              </a:cxn>
+            </a:cxnLst>
+            <a:rect l="0" t="0" r="r" b="b"/>
+            <a:pathLst>
+              <a:path w="207" h="1114">
+                <a:moveTo>
+                  <a:pt x="207" y="987"/>
+                </a:moveTo>
+                <a:lnTo>
+                  <a:pt x="0" y="1114"/>
+                </a:lnTo>
+                <a:lnTo>
+                  <a:pt x="0" y="127"/>
+                </a:lnTo>
+                <a:lnTo>
+                  <a:pt x="207" y="0"/>
+                </a:lnTo>
+                <a:lnTo>
+                  <a:pt x="207" y="987"/>
+                </a:lnTo>
+                <a:close/>
+              </a:path>
+            </a:pathLst>
+          </a:custGeom>
+          <a:solidFill>
+            <a:schemeClr val="accent1">
+              <a:lumMod val="50000"/>
+            </a:schemeClr>
+          </a:solidFill>
+          <a:ln>
+            <a:noFill/>
+          </a:ln>
+        </p:spPr>
+        <p:txBody>
+          <a:bodyPr vert="horz" wrap="square" lIns="91440" tIns="45720" rIns="91440" bIns="45720" numCol="1" anchor="t" anchorCtr="0" compatLnSpc="1">
+            <a:prstTxWarp prst="textNoShape">
+              <a:avLst/>
+            </a:prstTxWarp>
+          </a:bodyPr>
+          <a:lstStyle/>
+          <a:p>
+            <a:endParaRPr lang="en-US"/>
+          </a:p>
+        </p:txBody>
+      </p:sp>
+      <p:sp>
+        <p:nvSpPr>
+          <p:cNvPr id="19" name="Rectangle 18">
+            <a:extLst>
+              <a:ext uri="{FF2B5EF4-FFF2-40B4-BE49-F238E27FC236}">
+                <a16:creationId xmlns:a16="http://schemas.microsoft.com/office/drawing/2014/main" id="{14E91B64-9FCC-451E-AFB4-A827D6329367}"/>
+              </a:ext>
+              <a:ext uri="{C183D7F6-B498-43B3-948B-1728B52AA6E4}">
+                <adec:decorative xmlns:adec="http://schemas.microsoft.com/office/drawing/2017/decorative" val="1"/>
+              </a:ext>
+            </a:extLst>
+          </p:cNvPr>
+          <p:cNvSpPr>
+            <a:spLocks noGrp="1" noRot="1" noChangeAspect="1" noMove="1" noResize="1" noEditPoints="1" noAdjustHandles="1" noChangeArrowheads="1" noChangeShapeType="1" noTextEdit="1"/>
+          </p:cNvSpPr>
+          <p:nvPr>
+            <p:extLst>
+              <p:ext uri="{386F3935-93C4-4BCD-93E2-E3B085C9AB24}">
+                <p16:designElem xmlns:p16="http://schemas.microsoft.com/office/powerpoint/2015/main" val="1"/>
+              </p:ext>
+            </p:extLst>
+          </p:nvPr>
+        </p:nvSpPr>
+        <p:spPr bwMode="auto">
+          <a:xfrm>
+            <a:off x="644055" y="635715"/>
+            <a:ext cx="10907863" cy="1541457"/>
+          </a:xfrm>
+          <a:prstGeom prst="rect">
+            <a:avLst/>
+          </a:prstGeom>
+          <a:solidFill>
+            <a:schemeClr val="accent1"/>
+          </a:solidFill>
+          <a:ln>
+            <a:noFill/>
+          </a:ln>
+        </p:spPr>
+        <p:txBody>
+          <a:bodyPr vert="horz" wrap="square" lIns="91440" tIns="45720" rIns="91440" bIns="45720" numCol="1" anchor="t" anchorCtr="0" compatLnSpc="1">
+            <a:prstTxWarp prst="textNoShape">
+              <a:avLst/>
+            </a:prstTxWarp>
+          </a:bodyPr>
+          <a:lstStyle/>
+          <a:p>
+            <a:endParaRPr lang="en-US"/>
+          </a:p>
+        </p:txBody>
+      </p:sp>
+      <p:sp>
+        <p:nvSpPr>
+          <p:cNvPr id="2" name="Заголовок 1">
+            <a:extLst>
+              <a:ext uri="{FF2B5EF4-FFF2-40B4-BE49-F238E27FC236}">
+                <a16:creationId xmlns:a16="http://schemas.microsoft.com/office/drawing/2014/main" id="{F61D3056-1B15-4398-AFCF-45DA79EFCA7B}"/>
+              </a:ext>
+            </a:extLst>
+          </p:cNvPr>
+          <p:cNvSpPr>
+            <a:spLocks noGrp="1"/>
+          </p:cNvSpPr>
+          <p:nvPr>
+            <p:ph type="title"/>
+          </p:nvPr>
+        </p:nvSpPr>
+        <p:spPr>
+          <a:xfrm>
+            <a:off x="958506" y="800392"/>
+            <a:ext cx="10264697" cy="1212102"/>
+          </a:xfrm>
+        </p:spPr>
+        <p:txBody>
+          <a:bodyPr>
+            <a:normAutofit/>
+          </a:bodyPr>
+          <a:lstStyle/>
+          <a:p>
+            <a:r>
+              <a:rPr lang="ru-RU" sz="4000">
+                <a:solidFill>
+                  <a:srgbClr val="FFFFFF"/>
+                </a:solidFill>
+              </a:rPr>
               <a:t>Гипотеза исследования</a:t>
             </a:r>
           </a:p>
@@ -10127,36 +17811,39 @@
                 <p:ph idx="1"/>
               </p:nvPr>
             </p:nvSpPr>
-            <p:spPr/>
+            <p:spPr>
+              <a:xfrm>
+                <a:off x="1367624" y="2490436"/>
+                <a:ext cx="9708995" cy="3567173"/>
+              </a:xfrm>
+            </p:spPr>
             <p:txBody>
-              <a:bodyPr/>
+              <a:bodyPr anchor="ctr">
+                <a:normAutofit/>
+              </a:bodyPr>
               <a:lstStyle/>
               <a:p>
                 <a:pPr marL="0" indent="0">
                   <a:buNone/>
                 </a:pPr>
                 <a:r>
-                  <a:rPr lang="ru-RU" dirty="0" err="1"/>
-                  <a:t>Одноповторный</a:t>
+                  <a:rPr lang="ru-RU" sz="2400"/>
+                  <a:t>Одноповторный максимум (</a:t>
                 </a:r>
                 <a:r>
-                  <a:rPr lang="ru-RU" dirty="0"/>
-                  <a:t> максимум (</a:t>
-                </a:r>
-                <a:r>
-                  <a:rPr lang="en-US" dirty="0"/>
+                  <a:rPr lang="en-US" sz="2400"/>
                   <a:t>RM</a:t>
                 </a:r>
                 <a:r>
-                  <a:rPr lang="ru-RU" dirty="0"/>
+                  <a:rPr lang="ru-RU" sz="2400"/>
                   <a:t>) можно с небольшими ошибками предсказать через многоповторный</a:t>
                 </a:r>
                 <a:r>
-                  <a:rPr lang="en-US" dirty="0"/>
+                  <a:rPr lang="en-US" sz="2400"/>
                   <a:t> (MRM)</a:t>
                 </a:r>
                 <a:r>
-                  <a:rPr lang="ru-RU" dirty="0"/>
+                  <a:rPr lang="ru-RU" sz="2400"/>
                   <a:t> при помощи модели вида</a:t>
                 </a:r>
               </a:p>
@@ -10164,7 +17851,7 @@
                 <a:pPr marL="0" indent="0">
                   <a:buNone/>
                 </a:pPr>
-                <a:endParaRPr lang="ru-RU" dirty="0"/>
+                <a:endParaRPr lang="ru-RU" sz="2400"/>
               </a:p>
               <a:p>
                 <a:pPr marL="0" indent="0">
@@ -10177,115 +17864,115 @@
                     </m:oMathParaPr>
                     <m:oMath xmlns:m="http://schemas.openxmlformats.org/officeDocument/2006/math">
                       <m:r>
-                        <a:rPr lang="ru-RU" i="1" dirty="0" smtClean="0">
+                        <a:rPr lang="ru-RU" sz="2400" i="1">
                           <a:latin typeface="Cambria Math" panose="02040503050406030204" pitchFamily="18" charset="0"/>
                         </a:rPr>
                         <m:t>𝑅𝑀</m:t>
                       </m:r>
                       <m:r>
-                        <a:rPr lang="ru-RU" i="1" dirty="0" smtClean="0">
+                        <a:rPr lang="ru-RU" sz="2400" i="1">
                           <a:latin typeface="Cambria Math" panose="02040503050406030204" pitchFamily="18" charset="0"/>
                         </a:rPr>
                         <m:t>=</m:t>
                       </m:r>
                       <m:r>
-                        <a:rPr lang="ru-RU" i="1" dirty="0" smtClean="0">
+                        <a:rPr lang="ru-RU" sz="2400" i="1">
                           <a:latin typeface="Cambria Math" panose="02040503050406030204" pitchFamily="18" charset="0"/>
                         </a:rPr>
                         <m:t>𝑀𝑅𝑀</m:t>
                       </m:r>
                       <m:r>
-                        <a:rPr lang="ru-RU" i="1" dirty="0" smtClean="0">
+                        <a:rPr lang="ru-RU" sz="2400" i="1">
                           <a:latin typeface="Cambria Math" panose="02040503050406030204" pitchFamily="18" charset="0"/>
                         </a:rPr>
                         <m:t>⋅(</m:t>
                       </m:r>
                       <m:r>
-                        <a:rPr lang="ru-RU" i="1" dirty="0" err="1" smtClean="0">
+                        <a:rPr lang="ru-RU" sz="2400" i="1">
                           <a:latin typeface="Cambria Math" panose="02040503050406030204" pitchFamily="18" charset="0"/>
                         </a:rPr>
                         <m:t>𝑥</m:t>
                       </m:r>
                       <m:r>
-                        <a:rPr lang="ru-RU" i="1" dirty="0" err="1" smtClean="0">
+                        <a:rPr lang="ru-RU" sz="2400" i="1">
                           <a:latin typeface="Cambria Math" panose="02040503050406030204" pitchFamily="18" charset="0"/>
                         </a:rPr>
                         <m:t>+</m:t>
                       </m:r>
                       <m:r>
-                        <a:rPr lang="ru-RU" i="1" dirty="0" err="1" smtClean="0">
+                        <a:rPr lang="ru-RU" sz="2400" i="1">
                           <a:latin typeface="Cambria Math" panose="02040503050406030204" pitchFamily="18" charset="0"/>
                         </a:rPr>
                         <m:t>𝑦</m:t>
                       </m:r>
                       <m:r>
-                        <a:rPr lang="ru-RU" i="1" dirty="0" err="1" smtClean="0">
+                        <a:rPr lang="ru-RU" sz="2400" i="1">
                           <a:latin typeface="Cambria Math" panose="02040503050406030204" pitchFamily="18" charset="0"/>
                         </a:rPr>
                         <m:t>⋅</m:t>
                       </m:r>
                       <m:r>
-                        <a:rPr lang="ru-RU" i="1" dirty="0" err="1" smtClean="0">
+                        <a:rPr lang="ru-RU" sz="2400" i="1">
                           <a:latin typeface="Cambria Math" panose="02040503050406030204" pitchFamily="18" charset="0"/>
                         </a:rPr>
                         <m:t>𝑅𝐸𝑃𝑆</m:t>
                       </m:r>
                       <m:r>
-                        <a:rPr lang="ru-RU" i="1" dirty="0" smtClean="0">
+                        <a:rPr lang="ru-RU" sz="2400" i="1">
                           <a:latin typeface="Cambria Math" panose="02040503050406030204" pitchFamily="18" charset="0"/>
                         </a:rPr>
                         <m:t>)+</m:t>
                       </m:r>
                       <m:r>
-                        <a:rPr lang="ru-RU" i="1" dirty="0" smtClean="0">
+                        <a:rPr lang="ru-RU" sz="2400" i="1">
                           <a:latin typeface="Cambria Math" panose="02040503050406030204" pitchFamily="18" charset="0"/>
                         </a:rPr>
                         <m:t>𝑓</m:t>
                       </m:r>
                       <m:r>
-                        <a:rPr lang="ru-RU" i="1" dirty="0" smtClean="0">
+                        <a:rPr lang="ru-RU" sz="2400" i="1">
                           <a:latin typeface="Cambria Math" panose="02040503050406030204" pitchFamily="18" charset="0"/>
                         </a:rPr>
                         <m:t>(</m:t>
                       </m:r>
                       <m:r>
-                        <a:rPr lang="ru-RU" i="1" dirty="0" smtClean="0">
+                        <a:rPr lang="ru-RU" sz="2400" i="1">
                           <a:latin typeface="Cambria Math" panose="02040503050406030204" pitchFamily="18" charset="0"/>
                         </a:rPr>
                         <m:t>𝑀𝑅𝑀</m:t>
                       </m:r>
                       <m:r>
-                        <a:rPr lang="ru-RU" i="1" dirty="0" smtClean="0">
+                        <a:rPr lang="ru-RU" sz="2400" i="1">
                           <a:latin typeface="Cambria Math" panose="02040503050406030204" pitchFamily="18" charset="0"/>
                         </a:rPr>
                         <m:t>,</m:t>
                       </m:r>
                       <m:r>
-                        <a:rPr lang="ru-RU" i="1" dirty="0" smtClean="0">
+                        <a:rPr lang="ru-RU" sz="2400" i="1">
                           <a:latin typeface="Cambria Math" panose="02040503050406030204" pitchFamily="18" charset="0"/>
                         </a:rPr>
                         <m:t>𝐻𝐸𝐼𝐺𝐻𝑇</m:t>
                       </m:r>
                       <m:r>
-                        <a:rPr lang="ru-RU" i="1" dirty="0" smtClean="0">
+                        <a:rPr lang="ru-RU" sz="2400" i="1">
                           <a:latin typeface="Cambria Math" panose="02040503050406030204" pitchFamily="18" charset="0"/>
                         </a:rPr>
                         <m:t>,</m:t>
                       </m:r>
                       <m:r>
-                        <a:rPr lang="ru-RU" i="1" dirty="0" smtClean="0">
+                        <a:rPr lang="ru-RU" sz="2400" i="1">
                           <a:latin typeface="Cambria Math" panose="02040503050406030204" pitchFamily="18" charset="0"/>
                         </a:rPr>
                         <m:t>𝑊𝐸𝐼𝐺𝐻𝑇</m:t>
                       </m:r>
                       <m:r>
-                        <a:rPr lang="ru-RU" i="1" dirty="0" smtClean="0">
+                        <a:rPr lang="ru-RU" sz="2400" i="1">
                           <a:latin typeface="Cambria Math" panose="02040503050406030204" pitchFamily="18" charset="0"/>
                         </a:rPr>
                         <m:t>)+</m:t>
                       </m:r>
                       <m:r>
-                        <a:rPr lang="ru-RU" i="1" dirty="0" smtClean="0">
+                        <a:rPr lang="ru-RU" sz="2400" i="1">
                           <a:latin typeface="Cambria Math" panose="02040503050406030204" pitchFamily="18" charset="0"/>
                         </a:rPr>
                         <m:t>𝜀</m:t>
@@ -10293,20 +17980,20 @@
                     </m:oMath>
                   </m:oMathPara>
                 </a14:m>
-                <a:endParaRPr lang="ru-RU" dirty="0"/>
+                <a:endParaRPr lang="ru-RU" sz="2400"/>
               </a:p>
               <a:p>
                 <a:pPr marL="0" indent="0">
                   <a:buNone/>
                 </a:pPr>
-                <a:endParaRPr lang="en-US" dirty="0"/>
+                <a:endParaRPr lang="en-US" sz="2400"/>
               </a:p>
               <a:p>
                 <a:pPr marL="0" indent="0">
                   <a:buNone/>
                 </a:pPr>
                 <a:r>
-                  <a:rPr lang="ru-RU" dirty="0"/>
+                  <a:rPr lang="ru-RU" sz="2400"/>
                   <a:t>с поправками на телосложение, опыт тренировок, диапазон повторений или некоторые другие факторы.</a:t>
                 </a:r>
               </a:p>
@@ -10331,10 +18018,14 @@
               </p:nvPr>
             </p:nvSpPr>
             <p:spPr>
+              <a:xfrm>
+                <a:off x="1367624" y="2490436"/>
+                <a:ext cx="9708995" cy="3567173"/>
+              </a:xfrm>
               <a:blipFill>
                 <a:blip r:embed="rId2"/>
                 <a:stretch>
-                  <a:fillRect l="-1217" t="-2241"/>
+                  <a:fillRect l="-942" r="-1067"/>
                 </a:stretch>
               </a:blipFill>
             </p:spPr>
@@ -10369,16 +18060,33 @@
             <p:ph type="sldNum" sz="quarter" idx="12"/>
           </p:nvPr>
         </p:nvSpPr>
-        <p:spPr/>
+        <p:spPr>
+          <a:xfrm>
+            <a:off x="10707624" y="6382512"/>
+            <a:ext cx="685800" cy="320040"/>
+          </a:xfrm>
+        </p:spPr>
         <p:txBody>
-          <a:bodyPr/>
+          <a:bodyPr>
+            <a:normAutofit/>
+          </a:bodyPr>
           <a:lstStyle/>
           <a:p>
+            <a:pPr>
+              <a:spcAft>
+                <a:spcPts val="600"/>
+              </a:spcAft>
+            </a:pPr>
             <a:fld id="{A5D28A39-DC4B-4521-9FF8-80ED88A01777}" type="slidenum">
-              <a:rPr lang="ru-RU" smtClean="0"/>
-              <a:t>5</a:t>
+              <a:rPr lang="ru-RU" sz="1000"/>
+              <a:pPr>
+                <a:spcAft>
+                  <a:spcPts val="600"/>
+                </a:spcAft>
+              </a:pPr>
+              <a:t>6</a:t>
             </a:fld>
-            <a:endParaRPr lang="ru-RU"/>
+            <a:endParaRPr lang="ru-RU" sz="1000"/>
           </a:p>
         </p:txBody>
       </p:sp>
@@ -10392,10 +18100,13 @@
   <p:clrMapOvr>
     <a:masterClrMapping/>
   </p:clrMapOvr>
+  <p:transition spd="slow">
+    <p:push dir="u"/>
+  </p:transition>
 </p:sld>
 </file>
 
-<file path=ppt/slides/slide6.xml><?xml version="1.0" encoding="utf-8"?>
+<file path=ppt/slides/slide7.xml><?xml version="1.0" encoding="utf-8"?>
 <p:sld xmlns:a="http://schemas.openxmlformats.org/drawingml/2006/main" xmlns:r="http://schemas.openxmlformats.org/officeDocument/2006/relationships" xmlns:p="http://schemas.openxmlformats.org/presentationml/2006/main">
   <p:cSld>
     <p:bg>
@@ -11012,7 +18723,7 @@
                   <a:spcPts val="600"/>
                 </a:spcAft>
               </a:pPr>
-              <a:t>6</a:t>
+              <a:t>7</a:t>
             </a:fld>
             <a:endParaRPr lang="ru-RU">
               <a:solidFill>
@@ -11035,10 +18746,13 @@
   <p:clrMapOvr>
     <a:masterClrMapping/>
   </p:clrMapOvr>
+  <p:transition spd="slow">
+    <p:push dir="u"/>
+  </p:transition>
 </p:sld>
 </file>
 
-<file path=ppt/slides/slide7.xml><?xml version="1.0" encoding="utf-8"?>
+<file path=ppt/slides/slide8.xml><?xml version="1.0" encoding="utf-8"?>
 <p:sld xmlns:a="http://schemas.openxmlformats.org/drawingml/2006/main" xmlns:r="http://schemas.openxmlformats.org/officeDocument/2006/relationships" xmlns:p="http://schemas.openxmlformats.org/presentationml/2006/main">
   <p:cSld>
     <p:bg>
@@ -11274,7 +18988,7 @@
                   <a:spcPts val="600"/>
                 </a:spcAft>
               </a:pPr>
-              <a:t>7</a:t>
+              <a:t>8</a:t>
             </a:fld>
             <a:endParaRPr lang="en-US"/>
           </a:p>
@@ -11319,10 +19033,13 @@
   <p:clrMapOvr>
     <a:masterClrMapping/>
   </p:clrMapOvr>
+  <p:transition spd="slow">
+    <p:push dir="u"/>
+  </p:transition>
 </p:sld>
 </file>
 
-<file path=ppt/slides/slide8.xml><?xml version="1.0" encoding="utf-8"?>
+<file path=ppt/slides/slide9.xml><?xml version="1.0" encoding="utf-8"?>
 <p:sld xmlns:a="http://schemas.openxmlformats.org/drawingml/2006/main" xmlns:r="http://schemas.openxmlformats.org/officeDocument/2006/relationships" xmlns:p="http://schemas.openxmlformats.org/presentationml/2006/main">
   <p:cSld>
     <p:spTree>
@@ -11412,7 +19129,7 @@
           <a:p>
             <a:fld id="{A5D28A39-DC4B-4521-9FF8-80ED88A01777}" type="slidenum">
               <a:rPr lang="ru-RU" smtClean="0"/>
-              <a:t>8</a:t>
+              <a:t>9</a:t>
             </a:fld>
             <a:endParaRPr lang="ru-RU"/>
           </a:p>
@@ -11470,8 +19187,8 @@
         </p:blipFill>
         <p:spPr>
           <a:xfrm>
-            <a:off x="5182133" y="1292658"/>
-            <a:ext cx="6884310" cy="4884305"/>
+            <a:off x="5262117" y="1349406"/>
+            <a:ext cx="6804325" cy="4827557"/>
           </a:xfrm>
           <a:prstGeom prst="rect">
             <a:avLst/>
@@ -11518,594 +19235,9 @@
   <p:clrMapOvr>
     <a:masterClrMapping/>
   </p:clrMapOvr>
-</p:sld>
-</file>
-
-<file path=ppt/slides/slide9.xml><?xml version="1.0" encoding="utf-8"?>
-<p:sld xmlns:a="http://schemas.openxmlformats.org/drawingml/2006/main" xmlns:r="http://schemas.openxmlformats.org/officeDocument/2006/relationships" xmlns:p="http://schemas.openxmlformats.org/presentationml/2006/main">
-  <p:cSld>
-    <p:spTree>
-      <p:nvGrpSpPr>
-        <p:cNvPr id="1" name=""/>
-        <p:cNvGrpSpPr/>
-        <p:nvPr/>
-      </p:nvGrpSpPr>
-      <p:grpSpPr>
-        <a:xfrm>
-          <a:off x="0" y="0"/>
-          <a:ext cx="0" cy="0"/>
-          <a:chOff x="0" y="0"/>
-          <a:chExt cx="0" cy="0"/>
-        </a:xfrm>
-      </p:grpSpPr>
-      <p:sp>
-        <p:nvSpPr>
-          <p:cNvPr id="2" name="Заголовок 1">
-            <a:extLst>
-              <a:ext uri="{FF2B5EF4-FFF2-40B4-BE49-F238E27FC236}">
-                <a16:creationId xmlns:a16="http://schemas.microsoft.com/office/drawing/2014/main" id="{123D2940-3411-43A5-9646-3231703393A3}"/>
-              </a:ext>
-            </a:extLst>
-          </p:cNvPr>
-          <p:cNvSpPr>
-            <a:spLocks noGrp="1"/>
-          </p:cNvSpPr>
-          <p:nvPr>
-            <p:ph type="title"/>
-          </p:nvPr>
-        </p:nvSpPr>
-        <p:spPr/>
-        <p:txBody>
-          <a:bodyPr/>
-          <a:lstStyle/>
-          <a:p>
-            <a:r>
-              <a:rPr lang="ru-RU" dirty="0"/>
-              <a:t>Лучшая линейная модель</a:t>
-            </a:r>
-          </a:p>
-        </p:txBody>
-      </p:sp>
-      <mc:AlternateContent xmlns:mc="http://schemas.openxmlformats.org/markup-compatibility/2006" xmlns:a14="http://schemas.microsoft.com/office/drawing/2010/main">
-        <mc:Choice Requires="a14">
-          <p:sp>
-            <p:nvSpPr>
-              <p:cNvPr id="3" name="Объект 2">
-                <a:extLst>
-                  <a:ext uri="{FF2B5EF4-FFF2-40B4-BE49-F238E27FC236}">
-                    <a16:creationId xmlns:a16="http://schemas.microsoft.com/office/drawing/2014/main" id="{7C508738-7632-4279-A402-B8E691460338}"/>
-                  </a:ext>
-                </a:extLst>
-              </p:cNvPr>
-              <p:cNvSpPr>
-                <a:spLocks noGrp="1"/>
-              </p:cNvSpPr>
-              <p:nvPr>
-                <p:ph idx="1"/>
-              </p:nvPr>
-            </p:nvSpPr>
-            <p:spPr>
-              <a:xfrm>
-                <a:off x="183471" y="1847850"/>
-                <a:ext cx="11825057" cy="4351338"/>
-              </a:xfrm>
-            </p:spPr>
-            <p:txBody>
-              <a:bodyPr/>
-              <a:lstStyle/>
-              <a:p>
-                <a:pPr marL="0" indent="0">
-                  <a:buNone/>
-                </a:pPr>
-                <a14:m>
-                  <m:oMathPara xmlns:m="http://schemas.openxmlformats.org/officeDocument/2006/math">
-                    <m:oMathParaPr>
-                      <m:jc m:val="centerGroup"/>
-                    </m:oMathParaPr>
-                    <m:oMath xmlns:m="http://schemas.openxmlformats.org/officeDocument/2006/math">
-                      <m:r>
-                        <a:rPr lang="en-US" sz="2000" i="1" dirty="0" smtClean="0">
-                          <a:latin typeface="Cambria Math" panose="02040503050406030204" pitchFamily="18" charset="0"/>
-                        </a:rPr>
-                        <m:t>𝑅𝑀</m:t>
-                      </m:r>
-                      <m:r>
-                        <a:rPr lang="en-US" sz="2000" i="1" dirty="0" smtClean="0">
-                          <a:latin typeface="Cambria Math" panose="02040503050406030204" pitchFamily="18" charset="0"/>
-                        </a:rPr>
-                        <m:t>=</m:t>
-                      </m:r>
-                      <m:r>
-                        <a:rPr lang="en-US" sz="2000" i="1" dirty="0" smtClean="0">
-                          <a:latin typeface="Cambria Math" panose="02040503050406030204" pitchFamily="18" charset="0"/>
-                        </a:rPr>
-                        <m:t>𝑀𝑅𝑀</m:t>
-                      </m:r>
-                      <m:r>
-                        <a:rPr lang="en-US" sz="2000" i="1" dirty="0" smtClean="0">
-                          <a:latin typeface="Cambria Math" panose="02040503050406030204" pitchFamily="18" charset="0"/>
-                        </a:rPr>
-                        <m:t>⋅</m:t>
-                      </m:r>
-                      <m:d>
-                        <m:dPr>
-                          <m:ctrlPr>
-                            <a:rPr lang="en-US" sz="2000" i="1" dirty="0" smtClean="0">
-                              <a:latin typeface="Cambria Math" panose="02040503050406030204" pitchFamily="18" charset="0"/>
-                            </a:rPr>
-                          </m:ctrlPr>
-                        </m:dPr>
-                        <m:e>
-                          <m:r>
-                            <a:rPr lang="en-US" sz="2000" i="1" dirty="0" smtClean="0">
-                              <a:latin typeface="Cambria Math" panose="02040503050406030204" pitchFamily="18" charset="0"/>
-                            </a:rPr>
-                            <m:t>𝐶𝑜𝑢𝑛𝑡𝐺𝑟𝑜𝑢</m:t>
-                          </m:r>
-                          <m:sSub>
-                            <m:sSubPr>
-                              <m:ctrlPr>
-                                <a:rPr lang="ru-RU" sz="2000" b="0" i="1" dirty="0" smtClean="0">
-                                  <a:latin typeface="Cambria Math" panose="02040503050406030204" pitchFamily="18" charset="0"/>
-                                </a:rPr>
-                              </m:ctrlPr>
-                            </m:sSubPr>
-                            <m:e>
-                              <m:r>
-                                <a:rPr lang="en-US" sz="2000" i="1" dirty="0" smtClean="0">
-                                  <a:latin typeface="Cambria Math" panose="02040503050406030204" pitchFamily="18" charset="0"/>
-                                </a:rPr>
-                                <m:t>𝑝</m:t>
-                              </m:r>
-                            </m:e>
-                            <m:sub>
-                              <m:r>
-                                <a:rPr lang="en-US" sz="2000" i="1" dirty="0" smtClean="0">
-                                  <a:latin typeface="Cambria Math" panose="02040503050406030204" pitchFamily="18" charset="0"/>
-                                </a:rPr>
-                                <m:t>𝑐𝑜𝑒</m:t>
-                              </m:r>
-                              <m:sSub>
-                                <m:sSubPr>
-                                  <m:ctrlPr>
-                                    <a:rPr lang="ru-RU" sz="2000" b="0" i="1" dirty="0" smtClean="0">
-                                      <a:latin typeface="Cambria Math" panose="02040503050406030204" pitchFamily="18" charset="0"/>
-                                    </a:rPr>
-                                  </m:ctrlPr>
-                                </m:sSubPr>
-                                <m:e>
-                                  <m:r>
-                                    <a:rPr lang="en-US" sz="2000" i="1" dirty="0" smtClean="0">
-                                      <a:latin typeface="Cambria Math" panose="02040503050406030204" pitchFamily="18" charset="0"/>
-                                    </a:rPr>
-                                    <m:t>𝑓</m:t>
-                                  </m:r>
-                                </m:e>
-                                <m:sub>
-                                  <m:r>
-                                    <a:rPr lang="en-US" sz="2000" i="1" dirty="0" smtClean="0">
-                                      <a:latin typeface="Cambria Math" panose="02040503050406030204" pitchFamily="18" charset="0"/>
-                                    </a:rPr>
-                                    <m:t>2</m:t>
-                                  </m:r>
-                                </m:sub>
-                              </m:sSub>
-                            </m:sub>
-                          </m:sSub>
-                          <m:r>
-                            <a:rPr lang="en-US" sz="2000" i="1" dirty="0" smtClean="0">
-                              <a:latin typeface="Cambria Math" panose="02040503050406030204" pitchFamily="18" charset="0"/>
-                            </a:rPr>
-                            <m:t>+</m:t>
-                          </m:r>
-                          <m:r>
-                            <a:rPr lang="en-US" sz="2000" i="1" dirty="0" smtClean="0">
-                              <a:latin typeface="Cambria Math" panose="02040503050406030204" pitchFamily="18" charset="0"/>
-                            </a:rPr>
-                            <m:t>𝐴𝑐𝑡𝑖𝑜</m:t>
-                          </m:r>
-                          <m:sSub>
-                            <m:sSubPr>
-                              <m:ctrlPr>
-                                <a:rPr lang="ru-RU" sz="2000" b="0" i="1" dirty="0" smtClean="0">
-                                  <a:latin typeface="Cambria Math" panose="02040503050406030204" pitchFamily="18" charset="0"/>
-                                </a:rPr>
-                              </m:ctrlPr>
-                            </m:sSubPr>
-                            <m:e>
-                              <m:r>
-                                <a:rPr lang="en-US" sz="2000" i="1" dirty="0" smtClean="0">
-                                  <a:latin typeface="Cambria Math" panose="02040503050406030204" pitchFamily="18" charset="0"/>
-                                </a:rPr>
-                                <m:t>𝑛</m:t>
-                              </m:r>
-                            </m:e>
-                            <m:sub>
-                              <m:r>
-                                <a:rPr lang="en-US" sz="2000" i="1" dirty="0" smtClean="0">
-                                  <a:latin typeface="Cambria Math" panose="02040503050406030204" pitchFamily="18" charset="0"/>
-                                </a:rPr>
-                                <m:t>𝑐𝑜𝑒𝑓</m:t>
-                              </m:r>
-                            </m:sub>
-                          </m:sSub>
-                          <m:r>
-                            <a:rPr lang="en-IO" sz="2000" b="0" i="1" dirty="0" smtClean="0">
-                              <a:latin typeface="Cambria Math" panose="02040503050406030204" pitchFamily="18" charset="0"/>
-                            </a:rPr>
-                            <m:t>+</m:t>
-                          </m:r>
-                          <m:r>
-                            <a:rPr lang="en-US" sz="2000" i="1" dirty="0" smtClean="0">
-                              <a:latin typeface="Cambria Math" panose="02040503050406030204" pitchFamily="18" charset="0"/>
-                            </a:rPr>
-                            <m:t>𝐶𝑜𝑢𝑛𝑡𝐺𝑟𝑜𝑢</m:t>
-                          </m:r>
-                          <m:sSub>
-                            <m:sSubPr>
-                              <m:ctrlPr>
-                                <a:rPr lang="ru-RU" sz="2000" b="0" i="1" dirty="0" smtClean="0">
-                                  <a:latin typeface="Cambria Math" panose="02040503050406030204" pitchFamily="18" charset="0"/>
-                                </a:rPr>
-                              </m:ctrlPr>
-                            </m:sSubPr>
-                            <m:e>
-                              <m:r>
-                                <a:rPr lang="en-US" sz="2000" i="1" dirty="0" smtClean="0">
-                                  <a:latin typeface="Cambria Math" panose="02040503050406030204" pitchFamily="18" charset="0"/>
-                                </a:rPr>
-                                <m:t>𝑝</m:t>
-                              </m:r>
-                            </m:e>
-                            <m:sub>
-                              <m:r>
-                                <a:rPr lang="en-US" sz="2000" i="1" dirty="0" smtClean="0">
-                                  <a:latin typeface="Cambria Math" panose="02040503050406030204" pitchFamily="18" charset="0"/>
-                                </a:rPr>
-                                <m:t>𝑐𝑜𝑒</m:t>
-                              </m:r>
-                              <m:sSub>
-                                <m:sSubPr>
-                                  <m:ctrlPr>
-                                    <a:rPr lang="ru-RU" sz="2000" b="0" i="1" dirty="0" smtClean="0">
-                                      <a:latin typeface="Cambria Math" panose="02040503050406030204" pitchFamily="18" charset="0"/>
-                                    </a:rPr>
-                                  </m:ctrlPr>
-                                </m:sSubPr>
-                                <m:e>
-                                  <m:r>
-                                    <a:rPr lang="en-US" sz="2000" i="1" dirty="0" smtClean="0">
-                                      <a:latin typeface="Cambria Math" panose="02040503050406030204" pitchFamily="18" charset="0"/>
-                                    </a:rPr>
-                                    <m:t>𝑓</m:t>
-                                  </m:r>
-                                </m:e>
-                                <m:sub>
-                                  <m:r>
-                                    <a:rPr lang="en-US" sz="2000" i="1" dirty="0" smtClean="0">
-                                      <a:latin typeface="Cambria Math" panose="02040503050406030204" pitchFamily="18" charset="0"/>
-                                    </a:rPr>
-                                    <m:t>1</m:t>
-                                  </m:r>
-                                </m:sub>
-                              </m:sSub>
-                            </m:sub>
-                          </m:sSub>
-                          <m:r>
-                            <a:rPr lang="en-US" sz="2000" i="1" dirty="0" smtClean="0">
-                              <a:latin typeface="Cambria Math" panose="02040503050406030204" pitchFamily="18" charset="0"/>
-                            </a:rPr>
-                            <m:t>⋅</m:t>
-                          </m:r>
-                          <m:r>
-                            <a:rPr lang="en-US" sz="2000" i="1" dirty="0" smtClean="0">
-                              <a:latin typeface="Cambria Math" panose="02040503050406030204" pitchFamily="18" charset="0"/>
-                            </a:rPr>
-                            <m:t>𝐶𝑜𝑢𝑛𝑡</m:t>
-                          </m:r>
-                        </m:e>
-                      </m:d>
-                      <m:r>
-                        <a:rPr lang="en-US" sz="2000" i="1" dirty="0" smtClean="0">
-                          <a:latin typeface="Cambria Math" panose="02040503050406030204" pitchFamily="18" charset="0"/>
-                        </a:rPr>
-                        <m:t>+</m:t>
-                      </m:r>
-                      <m:r>
-                        <a:rPr lang="en-US" sz="2000" i="1" dirty="0" err="1" smtClean="0">
-                          <a:latin typeface="Cambria Math" panose="02040503050406030204" pitchFamily="18" charset="0"/>
-                        </a:rPr>
-                        <m:t>𝑐𝑜𝑒𝑓</m:t>
-                      </m:r>
-                      <m:r>
-                        <a:rPr lang="en-US" sz="2000" i="1" dirty="0" smtClean="0">
-                          <a:latin typeface="Cambria Math" panose="02040503050406030204" pitchFamily="18" charset="0"/>
-                        </a:rPr>
-                        <m:t>⋅</m:t>
-                      </m:r>
-                      <m:sSup>
-                        <m:sSupPr>
-                          <m:ctrlPr>
-                            <a:rPr lang="en-US" sz="2000" b="0" i="1" dirty="0" smtClean="0">
-                              <a:latin typeface="Cambria Math" panose="02040503050406030204" pitchFamily="18" charset="0"/>
-                            </a:rPr>
-                          </m:ctrlPr>
-                        </m:sSupPr>
-                        <m:e>
-                          <m:d>
-                            <m:dPr>
-                              <m:ctrlPr>
-                                <a:rPr lang="en-US" sz="2000" i="1" dirty="0" smtClean="0">
-                                  <a:latin typeface="Cambria Math" panose="02040503050406030204" pitchFamily="18" charset="0"/>
-                                </a:rPr>
-                              </m:ctrlPr>
-                            </m:dPr>
-                            <m:e>
-                              <m:f>
-                                <m:fPr>
-                                  <m:ctrlPr>
-                                    <a:rPr lang="ru-RU" sz="2000" b="0" i="1" dirty="0" smtClean="0">
-                                      <a:latin typeface="Cambria Math" panose="02040503050406030204" pitchFamily="18" charset="0"/>
-                                    </a:rPr>
-                                  </m:ctrlPr>
-                                </m:fPr>
-                                <m:num>
-                                  <m:r>
-                                    <a:rPr lang="en-US" sz="2000" i="1" dirty="0" err="1" smtClean="0">
-                                      <a:latin typeface="Cambria Math" panose="02040503050406030204" pitchFamily="18" charset="0"/>
-                                    </a:rPr>
-                                    <m:t>𝑀𝑅𝑀</m:t>
-                                  </m:r>
-                                </m:num>
-                                <m:den>
-                                  <m:r>
-                                    <a:rPr lang="en-US" sz="2000" i="1" dirty="0" err="1" smtClean="0">
-                                      <a:latin typeface="Cambria Math" panose="02040503050406030204" pitchFamily="18" charset="0"/>
-                                    </a:rPr>
-                                    <m:t>𝐼𝑛𝑑𝑒𝑥</m:t>
-                                  </m:r>
-                                </m:den>
-                              </m:f>
-                            </m:e>
-                          </m:d>
-                        </m:e>
-                        <m:sup>
-                          <m:r>
-                            <a:rPr lang="en-US" sz="2000" i="1" dirty="0" smtClean="0">
-                              <a:latin typeface="Cambria Math" panose="02040503050406030204" pitchFamily="18" charset="0"/>
-                            </a:rPr>
-                            <m:t>6</m:t>
-                          </m:r>
-                        </m:sup>
-                      </m:sSup>
-                    </m:oMath>
-                  </m:oMathPara>
-                </a14:m>
-                <a:endParaRPr lang="ru-RU" dirty="0"/>
-              </a:p>
-            </p:txBody>
-          </p:sp>
-        </mc:Choice>
-        <mc:Fallback xmlns="">
-          <p:sp>
-            <p:nvSpPr>
-              <p:cNvPr id="3" name="Объект 2">
-                <a:extLst>
-                  <a:ext uri="{FF2B5EF4-FFF2-40B4-BE49-F238E27FC236}">
-                    <a16:creationId xmlns:a16="http://schemas.microsoft.com/office/drawing/2014/main" id="{7C508738-7632-4279-A402-B8E691460338}"/>
-                  </a:ext>
-                </a:extLst>
-              </p:cNvPr>
-              <p:cNvSpPr>
-                <a:spLocks noGrp="1" noRot="1" noChangeAspect="1" noMove="1" noResize="1" noEditPoints="1" noAdjustHandles="1" noChangeArrowheads="1" noChangeShapeType="1" noTextEdit="1"/>
-              </p:cNvSpPr>
-              <p:nvPr>
-                <p:ph idx="1"/>
-              </p:nvPr>
-            </p:nvSpPr>
-            <p:spPr>
-              <a:xfrm>
-                <a:off x="183471" y="1847850"/>
-                <a:ext cx="11825057" cy="4351338"/>
-              </a:xfrm>
-              <a:blipFill>
-                <a:blip r:embed="rId2"/>
-                <a:stretch>
-                  <a:fillRect/>
-                </a:stretch>
-              </a:blipFill>
-            </p:spPr>
-            <p:txBody>
-              <a:bodyPr/>
-              <a:lstStyle/>
-              <a:p>
-                <a:r>
-                  <a:rPr lang="ru-RU">
-                    <a:noFill/>
-                  </a:rPr>
-                  <a:t> </a:t>
-                </a:r>
-              </a:p>
-            </p:txBody>
-          </p:sp>
-        </mc:Fallback>
-      </mc:AlternateContent>
-      <p:sp>
-        <p:nvSpPr>
-          <p:cNvPr id="4" name="Номер слайда 3">
-            <a:extLst>
-              <a:ext uri="{FF2B5EF4-FFF2-40B4-BE49-F238E27FC236}">
-                <a16:creationId xmlns:a16="http://schemas.microsoft.com/office/drawing/2014/main" id="{A8C9160E-8C45-41FC-B5FA-589D42193E50}"/>
-              </a:ext>
-            </a:extLst>
-          </p:cNvPr>
-          <p:cNvSpPr>
-            <a:spLocks noGrp="1"/>
-          </p:cNvSpPr>
-          <p:nvPr>
-            <p:ph type="sldNum" sz="quarter" idx="12"/>
-          </p:nvPr>
-        </p:nvSpPr>
-        <p:spPr/>
-        <p:txBody>
-          <a:bodyPr/>
-          <a:lstStyle/>
-          <a:p>
-            <a:fld id="{A5D28A39-DC4B-4521-9FF8-80ED88A01777}" type="slidenum">
-              <a:rPr lang="ru-RU" smtClean="0"/>
-              <a:t>9</a:t>
-            </a:fld>
-            <a:endParaRPr lang="ru-RU"/>
-          </a:p>
-        </p:txBody>
-      </p:sp>
-      <p:sp>
-        <p:nvSpPr>
-          <p:cNvPr id="5" name="TextBox 4">
-            <a:extLst>
-              <a:ext uri="{FF2B5EF4-FFF2-40B4-BE49-F238E27FC236}">
-                <a16:creationId xmlns:a16="http://schemas.microsoft.com/office/drawing/2014/main" id="{FBAD2098-14D8-420B-99B7-EDC8FD13AC2E}"/>
-              </a:ext>
-            </a:extLst>
-          </p:cNvPr>
-          <p:cNvSpPr txBox="1"/>
-          <p:nvPr/>
-        </p:nvSpPr>
-        <p:spPr>
-          <a:xfrm>
-            <a:off x="904783" y="3213715"/>
-            <a:ext cx="5542199" cy="3408758"/>
-          </a:xfrm>
-          <a:prstGeom prst="rect">
-            <a:avLst/>
-          </a:prstGeom>
-          <a:noFill/>
-        </p:spPr>
-        <p:txBody>
-          <a:bodyPr wrap="square" rtlCol="0">
-            <a:spAutoFit/>
-          </a:bodyPr>
-          <a:lstStyle/>
-          <a:p>
-            <a:pPr marL="285750" indent="-285750">
-              <a:buFont typeface="Arial" panose="020B0604020202020204" pitchFamily="34" charset="0"/>
-              <a:buChar char="•"/>
-            </a:pPr>
-            <a:r>
-              <a:rPr lang="ru-RU" dirty="0"/>
-              <a:t>На выборочных данных модель ошибается максимум на 13кг и 12%;</a:t>
-            </a:r>
-          </a:p>
-          <a:p>
-            <a:pPr marL="285750" indent="-285750">
-              <a:buFont typeface="Arial" panose="020B0604020202020204" pitchFamily="34" charset="0"/>
-              <a:buChar char="•"/>
-            </a:pPr>
-            <a:endParaRPr lang="ru-RU" dirty="0"/>
-          </a:p>
-          <a:p>
-            <a:pPr marL="285750" indent="-285750">
-              <a:buFont typeface="Arial" panose="020B0604020202020204" pitchFamily="34" charset="0"/>
-              <a:buChar char="•"/>
-            </a:pPr>
-            <a:r>
-              <a:rPr lang="ru-RU" dirty="0"/>
-              <a:t>В среднем модель ошибается на менее 3%;</a:t>
-            </a:r>
-          </a:p>
-          <a:p>
-            <a:pPr marL="285750" indent="-285750">
-              <a:buFont typeface="Arial" panose="020B0604020202020204" pitchFamily="34" charset="0"/>
-              <a:buChar char="•"/>
-            </a:pPr>
-            <a:endParaRPr lang="ru-RU" dirty="0"/>
-          </a:p>
-          <a:p>
-            <a:pPr marL="285750" indent="-285750">
-              <a:buFont typeface="Arial" panose="020B0604020202020204" pitchFamily="34" charset="0"/>
-              <a:buChar char="•"/>
-            </a:pPr>
-            <a:r>
-              <a:rPr lang="ru-RU" dirty="0"/>
-              <a:t>В 85% случаев ошибка не превышала 5%;</a:t>
-            </a:r>
-          </a:p>
-          <a:p>
-            <a:pPr marL="285750" indent="-285750">
-              <a:buFont typeface="Arial" panose="020B0604020202020204" pitchFamily="34" charset="0"/>
-              <a:buChar char="•"/>
-            </a:pPr>
-            <a:endParaRPr lang="ru-RU" dirty="0"/>
-          </a:p>
-          <a:p>
-            <a:pPr marL="285750" indent="-285750">
-              <a:buFont typeface="Arial" panose="020B0604020202020204" pitchFamily="34" charset="0"/>
-              <a:buChar char="•"/>
-            </a:pPr>
-            <a:r>
-              <a:rPr lang="ru-RU" dirty="0"/>
-              <a:t>В целом, на каждом диапазоне имеется почти одинаковый разброс;</a:t>
-            </a:r>
-          </a:p>
-          <a:p>
-            <a:pPr marL="285750" indent="-285750">
-              <a:buFont typeface="Arial" panose="020B0604020202020204" pitchFamily="34" charset="0"/>
-              <a:buChar char="•"/>
-            </a:pPr>
-            <a:endParaRPr lang="ru-RU" dirty="0"/>
-          </a:p>
-          <a:p>
-            <a:pPr marL="285750" indent="-285750">
-              <a:buFont typeface="Arial" panose="020B0604020202020204" pitchFamily="34" charset="0"/>
-              <a:buChar char="•"/>
-            </a:pPr>
-            <a:r>
-              <a:rPr lang="ru-RU" dirty="0"/>
-              <a:t>Модель статистически значима и удовлетворяет всем нужным требованиям</a:t>
-            </a:r>
-          </a:p>
-        </p:txBody>
-      </p:sp>
-      <p:pic>
-        <p:nvPicPr>
-          <p:cNvPr id="7" name="Рисунок 6">
-            <a:extLst>
-              <a:ext uri="{FF2B5EF4-FFF2-40B4-BE49-F238E27FC236}">
-                <a16:creationId xmlns:a16="http://schemas.microsoft.com/office/drawing/2014/main" id="{521C99B1-3876-4028-8639-BD9EA4907544}"/>
-              </a:ext>
-            </a:extLst>
-          </p:cNvPr>
-          <p:cNvPicPr>
-            <a:picLocks noChangeAspect="1"/>
-          </p:cNvPicPr>
-          <p:nvPr/>
-        </p:nvPicPr>
-        <p:blipFill>
-          <a:blip r:embed="rId3"/>
-          <a:stretch>
-            <a:fillRect/>
-          </a:stretch>
-        </p:blipFill>
-        <p:spPr>
-          <a:xfrm>
-            <a:off x="6446983" y="2626922"/>
-            <a:ext cx="5561546" cy="3865953"/>
-          </a:xfrm>
-          <a:prstGeom prst="rect">
-            <a:avLst/>
-          </a:prstGeom>
-        </p:spPr>
-      </p:pic>
-    </p:spTree>
-    <p:extLst>
-      <p:ext uri="{BB962C8B-B14F-4D97-AF65-F5344CB8AC3E}">
-        <p14:creationId xmlns:p14="http://schemas.microsoft.com/office/powerpoint/2010/main" val="1149502292"/>
-      </p:ext>
-    </p:extLst>
-  </p:cSld>
-  <p:clrMapOvr>
-    <a:masterClrMapping/>
-  </p:clrMapOvr>
+  <p:transition spd="slow">
+    <p:push dir="u"/>
+  </p:transition>
 </p:sld>
 </file>
 

--- a/Дисер/презентация/Регрессионные модели для определения повторного максимума в пауэрлифтинге. Пасько.pptx
+++ b/Дисер/презентация/Регрессионные модели для определения повторного максимума в пауэрлифтинге. Пасько.pptx
@@ -5473,7 +5473,7 @@
           <a:p>
             <a:fld id="{B81D1D97-A0CC-47C7-8220-FDAA14247745}" type="datetimeFigureOut">
               <a:rPr lang="ru-RU" smtClean="0"/>
-              <a:t>19.04.2021</a:t>
+              <a:t>20.04.2021</a:t>
             </a:fld>
             <a:endParaRPr lang="ru-RU"/>
           </a:p>
@@ -5882,7 +5882,7 @@
           <a:p>
             <a:fld id="{FA45D989-E665-43C3-89C9-DEC949288517}" type="datetime1">
               <a:rPr lang="ru-RU" smtClean="0"/>
-              <a:t>19.04.2021</a:t>
+              <a:t>20.04.2021</a:t>
             </a:fld>
             <a:endParaRPr lang="ru-RU"/>
           </a:p>
@@ -6052,7 +6052,7 @@
           <a:p>
             <a:fld id="{235ACC50-CF13-45B5-BCC5-6A04D9B7A65C}" type="datetime1">
               <a:rPr lang="ru-RU" smtClean="0"/>
-              <a:t>19.04.2021</a:t>
+              <a:t>20.04.2021</a:t>
             </a:fld>
             <a:endParaRPr lang="ru-RU"/>
           </a:p>
@@ -6232,7 +6232,7 @@
           <a:p>
             <a:fld id="{87D70D7E-7A07-4F15-8A81-993247D34E1A}" type="datetime1">
               <a:rPr lang="ru-RU" smtClean="0"/>
-              <a:t>19.04.2021</a:t>
+              <a:t>20.04.2021</a:t>
             </a:fld>
             <a:endParaRPr lang="ru-RU"/>
           </a:p>
@@ -6440,7 +6440,7 @@
           <a:p>
             <a:fld id="{64988343-CDD9-468C-8A2B-DCC57FD4E6E0}" type="datetime1">
               <a:rPr lang="ru-RU" smtClean="0"/>
-              <a:t>19.04.2021</a:t>
+              <a:t>20.04.2021</a:t>
             </a:fld>
             <a:endParaRPr lang="ru-RU"/>
           </a:p>
@@ -6638,7 +6638,7 @@
           <a:p>
             <a:fld id="{D0709471-6FEE-476D-AD38-381799AEA88C}" type="datetime1">
               <a:rPr lang="ru-RU" smtClean="0"/>
-              <a:t>19.04.2021</a:t>
+              <a:t>20.04.2021</a:t>
             </a:fld>
             <a:endParaRPr lang="ru-RU"/>
           </a:p>
@@ -6913,7 +6913,7 @@
           <a:p>
             <a:fld id="{CFE3DCD3-416F-4811-BC93-CB85E69A745F}" type="datetime1">
               <a:rPr lang="ru-RU" smtClean="0"/>
-              <a:t>19.04.2021</a:t>
+              <a:t>20.04.2021</a:t>
             </a:fld>
             <a:endParaRPr lang="ru-RU"/>
           </a:p>
@@ -7178,7 +7178,7 @@
           <a:p>
             <a:fld id="{31753219-95C6-4486-AE29-0FC2EA92C268}" type="datetime1">
               <a:rPr lang="ru-RU" smtClean="0"/>
-              <a:t>19.04.2021</a:t>
+              <a:t>20.04.2021</a:t>
             </a:fld>
             <a:endParaRPr lang="ru-RU"/>
           </a:p>
@@ -7590,7 +7590,7 @@
           <a:p>
             <a:fld id="{D296F707-EB71-4FF1-9BA8-A27281275CA4}" type="datetime1">
               <a:rPr lang="ru-RU" smtClean="0"/>
-              <a:t>19.04.2021</a:t>
+              <a:t>20.04.2021</a:t>
             </a:fld>
             <a:endParaRPr lang="ru-RU"/>
           </a:p>
@@ -7731,7 +7731,7 @@
           <a:p>
             <a:fld id="{5FCF8C0C-8A1F-456E-9830-C3A0FFDDD3A9}" type="datetime1">
               <a:rPr lang="ru-RU" smtClean="0"/>
-              <a:t>19.04.2021</a:t>
+              <a:t>20.04.2021</a:t>
             </a:fld>
             <a:endParaRPr lang="ru-RU"/>
           </a:p>
@@ -7844,7 +7844,7 @@
           <a:p>
             <a:fld id="{AB27A479-21F2-4EED-8183-93CB01C2B56B}" type="datetime1">
               <a:rPr lang="ru-RU" smtClean="0"/>
-              <a:t>19.04.2021</a:t>
+              <a:t>20.04.2021</a:t>
             </a:fld>
             <a:endParaRPr lang="ru-RU"/>
           </a:p>
@@ -8155,7 +8155,7 @@
           <a:p>
             <a:fld id="{5F0D4892-6134-43FF-B27F-E5B4F235CE43}" type="datetime1">
               <a:rPr lang="ru-RU" smtClean="0"/>
-              <a:t>19.04.2021</a:t>
+              <a:t>20.04.2021</a:t>
             </a:fld>
             <a:endParaRPr lang="ru-RU"/>
           </a:p>
@@ -8337,7 +8337,7 @@
           <a:p>
             <a:fld id="{61D6911C-BE6A-4383-A291-0A67CD7DF996}" type="datetime1">
               <a:rPr lang="ru-RU" smtClean="0"/>
-              <a:t>19.04.2021</a:t>
+              <a:t>20.04.2021</a:t>
             </a:fld>
             <a:endParaRPr lang="ru-RU"/>
           </a:p>
@@ -8613,7 +8613,7 @@
           <a:p>
             <a:fld id="{9D784330-20CD-487A-A22D-7779250F49A4}" type="datetime1">
               <a:rPr lang="ru-RU" smtClean="0"/>
-              <a:t>19.04.2021</a:t>
+              <a:t>20.04.2021</a:t>
             </a:fld>
             <a:endParaRPr lang="ru-RU"/>
           </a:p>
@@ -8811,7 +8811,7 @@
           <a:p>
             <a:fld id="{02DD74C9-F3B8-469F-A091-08C4DF5EA58F}" type="datetime1">
               <a:rPr lang="ru-RU" smtClean="0"/>
-              <a:t>19.04.2021</a:t>
+              <a:t>20.04.2021</a:t>
             </a:fld>
             <a:endParaRPr lang="ru-RU"/>
           </a:p>
@@ -9019,7 +9019,7 @@
           <a:p>
             <a:fld id="{A481E06A-F8CA-478B-B874-9AA5881EB994}" type="datetime1">
               <a:rPr lang="ru-RU" smtClean="0"/>
-              <a:t>19.04.2021</a:t>
+              <a:t>20.04.2021</a:t>
             </a:fld>
             <a:endParaRPr lang="ru-RU"/>
           </a:p>
@@ -9282,7 +9282,7 @@
           <a:p>
             <a:fld id="{3E718FFA-56F6-447B-B373-8D8A156E9547}" type="datetime1">
               <a:rPr lang="ru-RU" smtClean="0"/>
-              <a:t>19.04.2021</a:t>
+              <a:t>20.04.2021</a:t>
             </a:fld>
             <a:endParaRPr lang="ru-RU"/>
           </a:p>
@@ -9514,7 +9514,7 @@
           <a:p>
             <a:fld id="{C4298988-30FB-49B3-9290-DD059FCDC33D}" type="datetime1">
               <a:rPr lang="ru-RU" smtClean="0"/>
-              <a:t>19.04.2021</a:t>
+              <a:t>20.04.2021</a:t>
             </a:fld>
             <a:endParaRPr lang="ru-RU"/>
           </a:p>
@@ -9861,7 +9861,7 @@
           <a:p>
             <a:fld id="{4DB6DFCB-E0BC-4C65-8674-D258336BB0CF}" type="datetime1">
               <a:rPr lang="ru-RU" smtClean="0"/>
-              <a:t>19.04.2021</a:t>
+              <a:t>20.04.2021</a:t>
             </a:fld>
             <a:endParaRPr lang="ru-RU"/>
           </a:p>
@@ -9979,7 +9979,7 @@
           <a:p>
             <a:fld id="{1F349287-0C91-41D5-9673-AF6FE7CF66D1}" type="datetime1">
               <a:rPr lang="ru-RU" smtClean="0"/>
-              <a:t>19.04.2021</a:t>
+              <a:t>20.04.2021</a:t>
             </a:fld>
             <a:endParaRPr lang="ru-RU"/>
           </a:p>
@@ -10097,7 +10097,7 @@
           <a:p>
             <a:fld id="{76A07917-717A-4EA6-8F16-F0087DEDB268}" type="datetime1">
               <a:rPr lang="ru-RU" smtClean="0"/>
-              <a:t>19.04.2021</a:t>
+              <a:t>20.04.2021</a:t>
             </a:fld>
             <a:endParaRPr lang="ru-RU"/>
           </a:p>
@@ -10381,7 +10381,7 @@
           <a:p>
             <a:fld id="{A9E8DB76-1921-4960-A962-C149BA4DC157}" type="datetime1">
               <a:rPr lang="ru-RU" smtClean="0"/>
-              <a:t>19.04.2021</a:t>
+              <a:t>20.04.2021</a:t>
             </a:fld>
             <a:endParaRPr lang="ru-RU"/>
           </a:p>
@@ -10645,7 +10645,7 @@
           <a:p>
             <a:fld id="{CD3AA8A4-AADE-4755-A50F-D0B8F82A1044}" type="datetime1">
               <a:rPr lang="ru-RU" smtClean="0"/>
-              <a:t>19.04.2021</a:t>
+              <a:t>20.04.2021</a:t>
             </a:fld>
             <a:endParaRPr lang="ru-RU"/>
           </a:p>
@@ -10859,7 +10859,7 @@
           <a:p>
             <a:fld id="{EEDF6EC8-CB16-4D43-9F68-650F5B6006F3}" type="datetime1">
               <a:rPr lang="ru-RU" smtClean="0"/>
-              <a:t>19.04.2021</a:t>
+              <a:t>20.04.2021</a:t>
             </a:fld>
             <a:endParaRPr lang="ru-RU"/>
           </a:p>
@@ -11405,7 +11405,7 @@
           <a:p>
             <a:fld id="{39EEF794-56D8-478D-80B3-42917B3E20A9}" type="datetime1">
               <a:rPr lang="ru-RU" smtClean="0"/>
-              <a:t>19.04.2021</a:t>
+              <a:t>20.04.2021</a:t>
             </a:fld>
             <a:endParaRPr lang="ru-RU"/>
           </a:p>
@@ -11833,10 +11833,10 @@
       </p:grpSpPr>
       <p:sp useBgFill="1">
         <p:nvSpPr>
-          <p:cNvPr id="8" name="Rectangle 7">
+          <p:cNvPr id="23" name="Rectangle 22">
             <a:extLst>
               <a:ext uri="{FF2B5EF4-FFF2-40B4-BE49-F238E27FC236}">
-                <a16:creationId xmlns:a16="http://schemas.microsoft.com/office/drawing/2014/main" id="{559AE206-7EBA-4D33-8BC9-9D8158553F0E}"/>
+                <a16:creationId xmlns:a16="http://schemas.microsoft.com/office/drawing/2014/main" id="{D839A9B9-F246-4779-A2BA-7AD3DAB5412B}"/>
               </a:ext>
               <a:ext uri="{C183D7F6-B498-43B3-948B-1728B52AA6E4}">
                 <adec:decorative xmlns:adec="http://schemas.microsoft.com/office/drawing/2017/decorative" val="1"/>
@@ -11857,7 +11857,7 @@
         <p:spPr>
           <a:xfrm>
             <a:off x="0" y="0"/>
-            <a:ext cx="12192000" cy="6858000"/>
+            <a:ext cx="12188952" cy="6858000"/>
           </a:xfrm>
           <a:prstGeom prst="rect">
             <a:avLst/>
@@ -11886,122 +11886,17 @@
           <a:bodyPr rtlCol="0" anchor="ctr"/>
           <a:lstStyle/>
           <a:p>
-            <a:pPr marL="0" marR="0" lvl="0" indent="0" algn="ctr" defTabSz="914400" rtl="0" eaLnBrk="1" fontAlgn="auto" latinLnBrk="0" hangingPunct="1">
-              <a:lnSpc>
-                <a:spcPct val="100000"/>
-              </a:lnSpc>
-              <a:spcBef>
-                <a:spcPts val="0"/>
-              </a:spcBef>
-              <a:spcAft>
-                <a:spcPts val="0"/>
-              </a:spcAft>
-              <a:buClrTx/>
-              <a:buSzTx/>
-              <a:buFontTx/>
-              <a:buNone/>
-              <a:tabLst/>
-              <a:defRPr/>
-            </a:pPr>
-            <a:endParaRPr kumimoji="0" lang="en-US" sz="1800" b="0" i="0" u="none" strike="noStrike" kern="1200" cap="none" spc="0" normalizeH="0" baseline="0" noProof="0">
-              <a:ln>
-                <a:noFill/>
-              </a:ln>
-              <a:solidFill>
-                <a:prstClr val="white"/>
-              </a:solidFill>
-              <a:effectLst/>
-              <a:uLnTx/>
-              <a:uFillTx/>
-              <a:latin typeface="Calibri" panose="020F0502020204030204"/>
-              <a:ea typeface="+mn-ea"/>
-              <a:cs typeface="+mn-cs"/>
-            </a:endParaRPr>
+            <a:pPr algn="ctr"/>
+            <a:endParaRPr lang="en-US"/>
           </a:p>
         </p:txBody>
       </p:sp>
       <p:sp>
         <p:nvSpPr>
-          <p:cNvPr id="2" name="Заголовок 1">
+          <p:cNvPr id="25" name="Freeform: Shape 24">
             <a:extLst>
               <a:ext uri="{FF2B5EF4-FFF2-40B4-BE49-F238E27FC236}">
-                <a16:creationId xmlns:a16="http://schemas.microsoft.com/office/drawing/2014/main" id="{DD6DD511-A7C8-4FA2-B53A-F193BE5EAF25}"/>
-              </a:ext>
-            </a:extLst>
-          </p:cNvPr>
-          <p:cNvSpPr>
-            <a:spLocks noGrp="1"/>
-          </p:cNvSpPr>
-          <p:nvPr>
-            <p:ph type="ctrTitle"/>
-          </p:nvPr>
-        </p:nvSpPr>
-        <p:spPr>
-          <a:xfrm>
-            <a:off x="838199" y="4525347"/>
-            <a:ext cx="6801321" cy="1737360"/>
-          </a:xfrm>
-        </p:spPr>
-        <p:txBody>
-          <a:bodyPr anchor="ctr">
-            <a:normAutofit/>
-          </a:bodyPr>
-          <a:lstStyle/>
-          <a:p>
-            <a:pPr algn="r"/>
-            <a:r>
-              <a:rPr lang="ru-RU" sz="2900" b="1" dirty="0"/>
-              <a:t>Регрессионные модели для определения повторного максимума </a:t>
-            </a:r>
-            <a:r>
-              <a:rPr lang="ru-RU" sz="2900" dirty="0"/>
-              <a:t>в пауэрлифтинге</a:t>
-            </a:r>
-          </a:p>
-        </p:txBody>
-      </p:sp>
-      <p:sp>
-        <p:nvSpPr>
-          <p:cNvPr id="3" name="Подзаголовок 2">
-            <a:extLst>
-              <a:ext uri="{FF2B5EF4-FFF2-40B4-BE49-F238E27FC236}">
-                <a16:creationId xmlns:a16="http://schemas.microsoft.com/office/drawing/2014/main" id="{3C83EA00-E4F4-4113-ACBB-2AE638C6857D}"/>
-              </a:ext>
-            </a:extLst>
-          </p:cNvPr>
-          <p:cNvSpPr>
-            <a:spLocks noGrp="1"/>
-          </p:cNvSpPr>
-          <p:nvPr>
-            <p:ph type="subTitle" idx="1"/>
-          </p:nvPr>
-        </p:nvSpPr>
-        <p:spPr>
-          <a:xfrm>
-            <a:off x="7961258" y="4525347"/>
-            <a:ext cx="3258675" cy="1737360"/>
-          </a:xfrm>
-        </p:spPr>
-        <p:txBody>
-          <a:bodyPr anchor="ctr">
-            <a:normAutofit/>
-          </a:bodyPr>
-          <a:lstStyle/>
-          <a:p>
-            <a:pPr algn="l"/>
-            <a:r>
-              <a:rPr lang="ru-RU" dirty="0"/>
-              <a:t>Пасько Д. А.</a:t>
-            </a:r>
-          </a:p>
-        </p:txBody>
-      </p:sp>
-      <p:sp>
-        <p:nvSpPr>
-          <p:cNvPr id="10" name="Oval 9">
-            <a:extLst>
-              <a:ext uri="{FF2B5EF4-FFF2-40B4-BE49-F238E27FC236}">
-                <a16:creationId xmlns:a16="http://schemas.microsoft.com/office/drawing/2014/main" id="{6437D937-A7F1-4011-92B4-328E5BE1B166}"/>
+                <a16:creationId xmlns:a16="http://schemas.microsoft.com/office/drawing/2014/main" id="{689FF3C7-B796-4C63-BF20-B2EE56888340}"/>
               </a:ext>
               <a:ext uri="{C183D7F6-B498-43B3-948B-1728B52AA6E4}">
                 <adec:decorative xmlns:adec="http://schemas.microsoft.com/office/drawing/2017/decorative" val="1"/>
@@ -12021,300 +11916,118 @@
         </p:nvSpPr>
         <p:spPr>
           <a:xfrm>
-            <a:off x="588567" y="620480"/>
-            <a:ext cx="2243800" cy="2243796"/>
-          </a:xfrm>
-          <a:prstGeom prst="ellipse">
-            <a:avLst/>
-          </a:prstGeom>
-          <a:solidFill>
-            <a:schemeClr val="accent5"/>
-          </a:solidFill>
-          <a:ln>
-            <a:noFill/>
-          </a:ln>
-        </p:spPr>
-        <p:style>
-          <a:lnRef idx="2">
-            <a:schemeClr val="accent1">
-              <a:shade val="50000"/>
-            </a:schemeClr>
-          </a:lnRef>
-          <a:fillRef idx="1">
-            <a:schemeClr val="accent1"/>
-          </a:fillRef>
-          <a:effectRef idx="0">
-            <a:schemeClr val="accent1"/>
-          </a:effectRef>
-          <a:fontRef idx="minor">
-            <a:schemeClr val="lt1"/>
-          </a:fontRef>
-        </p:style>
-        <p:txBody>
-          <a:bodyPr rtlCol="0" anchor="ctr"/>
-          <a:lstStyle/>
-          <a:p>
-            <a:pPr marL="0" marR="0" lvl="0" indent="0" algn="ctr" defTabSz="914400" rtl="0" eaLnBrk="1" fontAlgn="auto" latinLnBrk="0" hangingPunct="1">
-              <a:lnSpc>
-                <a:spcPct val="100000"/>
-              </a:lnSpc>
-              <a:spcBef>
-                <a:spcPts val="0"/>
-              </a:spcBef>
-              <a:spcAft>
-                <a:spcPts val="0"/>
-              </a:spcAft>
-              <a:buClrTx/>
-              <a:buSzTx/>
-              <a:buFontTx/>
-              <a:buNone/>
-              <a:tabLst/>
-              <a:defRPr/>
-            </a:pPr>
-            <a:endParaRPr kumimoji="0" lang="en-US" sz="1800" b="0" i="0" u="none" strike="noStrike" kern="1200" cap="none" spc="0" normalizeH="0" baseline="0" noProof="0">
-              <a:ln>
-                <a:noFill/>
-              </a:ln>
-              <a:solidFill>
-                <a:prstClr val="white"/>
-              </a:solidFill>
-              <a:effectLst/>
-              <a:uLnTx/>
-              <a:uFillTx/>
-              <a:latin typeface="Calibri" panose="020F0502020204030204"/>
-              <a:ea typeface="+mn-ea"/>
-              <a:cs typeface="+mn-cs"/>
-            </a:endParaRPr>
-          </a:p>
-        </p:txBody>
-      </p:sp>
-      <p:sp>
-        <p:nvSpPr>
-          <p:cNvPr id="12" name="Oval 11">
-            <a:extLst>
-              <a:ext uri="{FF2B5EF4-FFF2-40B4-BE49-F238E27FC236}">
-                <a16:creationId xmlns:a16="http://schemas.microsoft.com/office/drawing/2014/main" id="{B672F332-AF08-46C6-94F0-77684310D7B7}"/>
-              </a:ext>
-              <a:ext uri="{C183D7F6-B498-43B3-948B-1728B52AA6E4}">
-                <adec:decorative xmlns:adec="http://schemas.microsoft.com/office/drawing/2017/decorative" val="1"/>
-              </a:ext>
-            </a:extLst>
-          </p:cNvPr>
-          <p:cNvSpPr>
-            <a:spLocks noGrp="1" noRot="1" noChangeAspect="1" noMove="1" noResize="1" noEditPoints="1" noAdjustHandles="1" noChangeArrowheads="1" noChangeShapeType="1" noTextEdit="1"/>
-          </p:cNvSpPr>
-          <p:nvPr>
-            <p:extLst>
-              <p:ext uri="{386F3935-93C4-4BCD-93E2-E3B085C9AB24}">
-                <p16:designElem xmlns:p16="http://schemas.microsoft.com/office/powerpoint/2015/main" val="1"/>
-              </p:ext>
-            </p:extLst>
-          </p:nvPr>
-        </p:nvSpPr>
-        <p:spPr>
-          <a:xfrm>
-            <a:off x="3395001" y="2466604"/>
-            <a:ext cx="962395" cy="962395"/>
-          </a:xfrm>
-          <a:prstGeom prst="ellipse">
-            <a:avLst/>
-          </a:prstGeom>
-          <a:solidFill>
-            <a:schemeClr val="accent4"/>
-          </a:solidFill>
-          <a:ln>
-            <a:noFill/>
-          </a:ln>
-        </p:spPr>
-        <p:style>
-          <a:lnRef idx="2">
-            <a:schemeClr val="accent1">
-              <a:shade val="50000"/>
-            </a:schemeClr>
-          </a:lnRef>
-          <a:fillRef idx="1">
-            <a:schemeClr val="accent1"/>
-          </a:fillRef>
-          <a:effectRef idx="0">
-            <a:schemeClr val="accent1"/>
-          </a:effectRef>
-          <a:fontRef idx="minor">
-            <a:schemeClr val="lt1"/>
-          </a:fontRef>
-        </p:style>
-        <p:txBody>
-          <a:bodyPr rtlCol="0" anchor="ctr"/>
-          <a:lstStyle/>
-          <a:p>
-            <a:pPr marL="0" marR="0" lvl="0" indent="0" algn="ctr" defTabSz="914400" rtl="0" eaLnBrk="1" fontAlgn="auto" latinLnBrk="0" hangingPunct="1">
-              <a:lnSpc>
-                <a:spcPct val="100000"/>
-              </a:lnSpc>
-              <a:spcBef>
-                <a:spcPts val="0"/>
-              </a:spcBef>
-              <a:spcAft>
-                <a:spcPts val="0"/>
-              </a:spcAft>
-              <a:buClrTx/>
-              <a:buSzTx/>
-              <a:buFontTx/>
-              <a:buNone/>
-              <a:tabLst/>
-              <a:defRPr/>
-            </a:pPr>
-            <a:endParaRPr kumimoji="0" lang="en-US" sz="1800" b="0" i="0" u="none" strike="noStrike" kern="1200" cap="none" spc="0" normalizeH="0" baseline="0" noProof="0">
-              <a:ln>
-                <a:noFill/>
-              </a:ln>
-              <a:solidFill>
-                <a:prstClr val="white"/>
-              </a:solidFill>
-              <a:effectLst/>
-              <a:uLnTx/>
-              <a:uFillTx/>
-              <a:latin typeface="Calibri" panose="020F0502020204030204"/>
-              <a:ea typeface="+mn-ea"/>
-              <a:cs typeface="+mn-cs"/>
-            </a:endParaRPr>
-          </a:p>
-        </p:txBody>
-      </p:sp>
-      <p:sp>
-        <p:nvSpPr>
-          <p:cNvPr id="14" name="Oval 13">
-            <a:extLst>
-              <a:ext uri="{FF2B5EF4-FFF2-40B4-BE49-F238E27FC236}">
-                <a16:creationId xmlns:a16="http://schemas.microsoft.com/office/drawing/2014/main" id="{34244EF8-D73A-40E1-BE73-D46E6B4B04ED}"/>
-              </a:ext>
-              <a:ext uri="{C183D7F6-B498-43B3-948B-1728B52AA6E4}">
-                <adec:decorative xmlns:adec="http://schemas.microsoft.com/office/drawing/2017/decorative" val="1"/>
-              </a:ext>
-            </a:extLst>
-          </p:cNvPr>
-          <p:cNvSpPr>
-            <a:spLocks noGrp="1" noRot="1" noChangeAspect="1" noMove="1" noResize="1" noEditPoints="1" noAdjustHandles="1" noChangeArrowheads="1" noChangeShapeType="1" noTextEdit="1"/>
-          </p:cNvSpPr>
-          <p:nvPr>
-            <p:extLst>
-              <p:ext uri="{386F3935-93C4-4BCD-93E2-E3B085C9AB24}">
-                <p16:designElem xmlns:p16="http://schemas.microsoft.com/office/powerpoint/2015/main" val="1"/>
-              </p:ext>
-            </p:extLst>
-          </p:nvPr>
-        </p:nvSpPr>
-        <p:spPr>
-          <a:xfrm>
-            <a:off x="5125829" y="2327988"/>
-            <a:ext cx="293695" cy="293695"/>
-          </a:xfrm>
-          <a:prstGeom prst="ellipse">
-            <a:avLst/>
-          </a:prstGeom>
-          <a:solidFill>
-            <a:schemeClr val="accent3"/>
-          </a:solidFill>
-          <a:ln>
-            <a:noFill/>
-          </a:ln>
-        </p:spPr>
-        <p:style>
-          <a:lnRef idx="2">
-            <a:schemeClr val="accent1">
-              <a:shade val="50000"/>
-            </a:schemeClr>
-          </a:lnRef>
-          <a:fillRef idx="1">
-            <a:schemeClr val="accent1"/>
-          </a:fillRef>
-          <a:effectRef idx="0">
-            <a:schemeClr val="accent1"/>
-          </a:effectRef>
-          <a:fontRef idx="minor">
-            <a:schemeClr val="lt1"/>
-          </a:fontRef>
-        </p:style>
-        <p:txBody>
-          <a:bodyPr rtlCol="0" anchor="ctr"/>
-          <a:lstStyle/>
-          <a:p>
-            <a:pPr marL="0" marR="0" lvl="0" indent="0" algn="ctr" defTabSz="914400" rtl="0" eaLnBrk="1" fontAlgn="auto" latinLnBrk="0" hangingPunct="1">
-              <a:lnSpc>
-                <a:spcPct val="100000"/>
-              </a:lnSpc>
-              <a:spcBef>
-                <a:spcPts val="0"/>
-              </a:spcBef>
-              <a:spcAft>
-                <a:spcPts val="0"/>
-              </a:spcAft>
-              <a:buClrTx/>
-              <a:buSzTx/>
-              <a:buFontTx/>
-              <a:buNone/>
-              <a:tabLst/>
-              <a:defRPr/>
-            </a:pPr>
-            <a:endParaRPr kumimoji="0" lang="en-US" sz="1800" b="0" i="0" u="none" strike="noStrike" kern="1200" cap="none" spc="0" normalizeH="0" baseline="0" noProof="0">
-              <a:ln>
-                <a:noFill/>
-              </a:ln>
-              <a:solidFill>
-                <a:prstClr val="white"/>
-              </a:solidFill>
-              <a:effectLst/>
-              <a:uLnTx/>
-              <a:uFillTx/>
-              <a:latin typeface="Calibri" panose="020F0502020204030204"/>
-              <a:ea typeface="+mn-ea"/>
-              <a:cs typeface="+mn-cs"/>
-            </a:endParaRPr>
-          </a:p>
-        </p:txBody>
-      </p:sp>
-      <p:sp>
-        <p:nvSpPr>
-          <p:cNvPr id="16" name="Freeform: Shape 15">
-            <a:extLst>
-              <a:ext uri="{FF2B5EF4-FFF2-40B4-BE49-F238E27FC236}">
-                <a16:creationId xmlns:a16="http://schemas.microsoft.com/office/drawing/2014/main" id="{AB84D7E8-4ECB-42D7-ADBF-01689B0F24AE}"/>
-              </a:ext>
-              <a:ext uri="{C183D7F6-B498-43B3-948B-1728B52AA6E4}">
-                <adec:decorative xmlns:adec="http://schemas.microsoft.com/office/drawing/2017/decorative" val="1"/>
-              </a:ext>
-            </a:extLst>
-          </p:cNvPr>
-          <p:cNvSpPr>
-            <a:spLocks noGrp="1" noRot="1" noChangeAspect="1" noMove="1" noResize="1" noEditPoints="1" noAdjustHandles="1" noChangeArrowheads="1" noChangeShapeType="1" noTextEdit="1"/>
-          </p:cNvSpPr>
-          <p:nvPr>
-            <p:extLst>
-              <p:ext uri="{386F3935-93C4-4BCD-93E2-E3B085C9AB24}">
-                <p16:designElem xmlns:p16="http://schemas.microsoft.com/office/powerpoint/2015/main" val="1"/>
-              </p:ext>
-            </p:extLst>
-          </p:nvPr>
-        </p:nvSpPr>
-        <p:spPr>
-          <a:xfrm>
-            <a:off x="6492113" y="0"/>
-            <a:ext cx="5699887" cy="4059244"/>
+            <a:off x="685896" y="1"/>
+            <a:ext cx="11282409" cy="2930115"/>
           </a:xfrm>
           <a:custGeom>
             <a:avLst/>
             <a:gdLst>
-              <a:gd name="connsiteX0" fmla="*/ 0 w 5699887"/>
-              <a:gd name="connsiteY0" fmla="*/ 0 h 4059244"/>
-              <a:gd name="connsiteX1" fmla="*/ 5699887 w 5699887"/>
-              <a:gd name="connsiteY1" fmla="*/ 0 h 4059244"/>
-              <a:gd name="connsiteX2" fmla="*/ 5699887 w 5699887"/>
-              <a:gd name="connsiteY2" fmla="*/ 3944096 h 4059244"/>
-              <a:gd name="connsiteX3" fmla="*/ 5525775 w 5699887"/>
-              <a:gd name="connsiteY3" fmla="*/ 3980429 h 4059244"/>
-              <a:gd name="connsiteX4" fmla="*/ 4663256 w 5699887"/>
-              <a:gd name="connsiteY4" fmla="*/ 4059244 h 4059244"/>
-              <a:gd name="connsiteX5" fmla="*/ 8566 w 5699887"/>
-              <a:gd name="connsiteY5" fmla="*/ 67422 h 4059244"/>
+              <a:gd name="connsiteX0" fmla="*/ 1277174 w 11282409"/>
+              <a:gd name="connsiteY0" fmla="*/ 0 h 2930115"/>
+              <a:gd name="connsiteX1" fmla="*/ 11077320 w 11282409"/>
+              <a:gd name="connsiteY1" fmla="*/ 0 h 2930115"/>
+              <a:gd name="connsiteX2" fmla="*/ 10933044 w 11282409"/>
+              <a:gd name="connsiteY2" fmla="*/ 93916 h 2930115"/>
+              <a:gd name="connsiteX3" fmla="*/ 11087630 w 11282409"/>
+              <a:gd name="connsiteY3" fmla="*/ 165214 h 2930115"/>
+              <a:gd name="connsiteX4" fmla="*/ 10401271 w 11282409"/>
+              <a:gd name="connsiteY4" fmla="*/ 582307 h 2930115"/>
+              <a:gd name="connsiteX5" fmla="*/ 11038163 w 11282409"/>
+              <a:gd name="connsiteY5" fmla="*/ 511009 h 2930115"/>
+              <a:gd name="connsiteX6" fmla="*/ 11004154 w 11282409"/>
+              <a:gd name="connsiteY6" fmla="*/ 568047 h 2930115"/>
+              <a:gd name="connsiteX7" fmla="*/ 10970146 w 11282409"/>
+              <a:gd name="connsiteY7" fmla="*/ 625085 h 2930115"/>
+              <a:gd name="connsiteX8" fmla="*/ 11270042 w 11282409"/>
+              <a:gd name="connsiteY8" fmla="*/ 589437 h 2930115"/>
+              <a:gd name="connsiteX9" fmla="*/ 11270042 w 11282409"/>
+              <a:gd name="connsiteY9" fmla="*/ 650039 h 2930115"/>
+              <a:gd name="connsiteX10" fmla="*/ 11177291 w 11282409"/>
+              <a:gd name="connsiteY10" fmla="*/ 721337 h 2930115"/>
+              <a:gd name="connsiteX11" fmla="*/ 11270042 w 11282409"/>
+              <a:gd name="connsiteY11" fmla="*/ 703512 h 2930115"/>
+              <a:gd name="connsiteX12" fmla="*/ 11282409 w 11282409"/>
+              <a:gd name="connsiteY12" fmla="*/ 703512 h 2930115"/>
+              <a:gd name="connsiteX13" fmla="*/ 11282409 w 11282409"/>
+              <a:gd name="connsiteY13" fmla="*/ 981574 h 2930115"/>
+              <a:gd name="connsiteX14" fmla="*/ 4053985 w 11282409"/>
+              <a:gd name="connsiteY14" fmla="*/ 2928005 h 2930115"/>
+              <a:gd name="connsiteX15" fmla="*/ 3386175 w 11282409"/>
+              <a:gd name="connsiteY15" fmla="*/ 2892355 h 2930115"/>
+              <a:gd name="connsiteX16" fmla="*/ 3228499 w 11282409"/>
+              <a:gd name="connsiteY16" fmla="*/ 2774714 h 2930115"/>
+              <a:gd name="connsiteX17" fmla="*/ 3389267 w 11282409"/>
+              <a:gd name="connsiteY17" fmla="*/ 2717676 h 2930115"/>
+              <a:gd name="connsiteX18" fmla="*/ 3883942 w 11282409"/>
+              <a:gd name="connsiteY18" fmla="*/ 2535866 h 2930115"/>
+              <a:gd name="connsiteX19" fmla="*/ 3401634 w 11282409"/>
+              <a:gd name="connsiteY19" fmla="*/ 2564386 h 2930115"/>
+              <a:gd name="connsiteX20" fmla="*/ 4087994 w 11282409"/>
+              <a:gd name="connsiteY20" fmla="*/ 2414660 h 2930115"/>
+              <a:gd name="connsiteX21" fmla="*/ 4285864 w 11282409"/>
+              <a:gd name="connsiteY21" fmla="*/ 2336233 h 2930115"/>
+              <a:gd name="connsiteX22" fmla="*/ 4091088 w 11282409"/>
+              <a:gd name="connsiteY22" fmla="*/ 2304149 h 2930115"/>
+              <a:gd name="connsiteX23" fmla="*/ 3148114 w 11282409"/>
+              <a:gd name="connsiteY23" fmla="*/ 2400401 h 2930115"/>
+              <a:gd name="connsiteX24" fmla="*/ 3058455 w 11282409"/>
+              <a:gd name="connsiteY24" fmla="*/ 2411095 h 2930115"/>
+              <a:gd name="connsiteX25" fmla="*/ 2443203 w 11282409"/>
+              <a:gd name="connsiteY25" fmla="*/ 2336233 h 2930115"/>
+              <a:gd name="connsiteX26" fmla="*/ 2786383 w 11282409"/>
+              <a:gd name="connsiteY26" fmla="*/ 2257805 h 2930115"/>
+              <a:gd name="connsiteX27" fmla="*/ 2390644 w 11282409"/>
+              <a:gd name="connsiteY27" fmla="*/ 2211461 h 2930115"/>
+              <a:gd name="connsiteX28" fmla="*/ 1911429 w 11282409"/>
+              <a:gd name="connsiteY28" fmla="*/ 2168683 h 2930115"/>
+              <a:gd name="connsiteX29" fmla="*/ 1416755 w 11282409"/>
+              <a:gd name="connsiteY29" fmla="*/ 2026087 h 2930115"/>
+              <a:gd name="connsiteX30" fmla="*/ 1070483 w 11282409"/>
+              <a:gd name="connsiteY30" fmla="*/ 1979743 h 2930115"/>
+              <a:gd name="connsiteX31" fmla="*/ 1104491 w 11282409"/>
+              <a:gd name="connsiteY31" fmla="*/ 1854972 h 2930115"/>
+              <a:gd name="connsiteX32" fmla="*/ 1039566 w 11282409"/>
+              <a:gd name="connsiteY32" fmla="*/ 1748026 h 2930115"/>
+              <a:gd name="connsiteX33" fmla="*/ 1623900 w 11282409"/>
+              <a:gd name="connsiteY33" fmla="*/ 1694553 h 2930115"/>
+              <a:gd name="connsiteX34" fmla="*/ 1401296 w 11282409"/>
+              <a:gd name="connsiteY34" fmla="*/ 1676728 h 2930115"/>
+              <a:gd name="connsiteX35" fmla="*/ 1302362 w 11282409"/>
+              <a:gd name="connsiteY35" fmla="*/ 1623255 h 2930115"/>
+              <a:gd name="connsiteX36" fmla="*/ 1385838 w 11282409"/>
+              <a:gd name="connsiteY36" fmla="*/ 1566216 h 2930115"/>
+              <a:gd name="connsiteX37" fmla="*/ 1756843 w 11282409"/>
+              <a:gd name="connsiteY37" fmla="*/ 1377277 h 2930115"/>
+              <a:gd name="connsiteX38" fmla="*/ 721120 w 11282409"/>
+              <a:gd name="connsiteY38" fmla="*/ 1387972 h 2930115"/>
+              <a:gd name="connsiteX39" fmla="*/ 857154 w 11282409"/>
+              <a:gd name="connsiteY39" fmla="*/ 1323803 h 2930115"/>
+              <a:gd name="connsiteX40" fmla="*/ 2285525 w 11282409"/>
+              <a:gd name="connsiteY40" fmla="*/ 924536 h 2930115"/>
+              <a:gd name="connsiteX41" fmla="*/ 2569963 w 11282409"/>
+              <a:gd name="connsiteY41" fmla="*/ 874628 h 2930115"/>
+              <a:gd name="connsiteX42" fmla="*/ 1803218 w 11282409"/>
+              <a:gd name="connsiteY42" fmla="*/ 856803 h 2930115"/>
+              <a:gd name="connsiteX43" fmla="*/ 625276 w 11282409"/>
+              <a:gd name="connsiteY43" fmla="*/ 682124 h 2930115"/>
+              <a:gd name="connsiteX44" fmla="*/ 736578 w 11282409"/>
+              <a:gd name="connsiteY44" fmla="*/ 521703 h 2930115"/>
+              <a:gd name="connsiteX45" fmla="*/ 155336 w 11282409"/>
+              <a:gd name="connsiteY45" fmla="*/ 550222 h 2930115"/>
+              <a:gd name="connsiteX46" fmla="*/ 421223 w 11282409"/>
+              <a:gd name="connsiteY46" fmla="*/ 425451 h 2930115"/>
+              <a:gd name="connsiteX47" fmla="*/ 201712 w 11282409"/>
+              <a:gd name="connsiteY47" fmla="*/ 404062 h 2930115"/>
+              <a:gd name="connsiteX48" fmla="*/ 3843 w 11282409"/>
+              <a:gd name="connsiteY48" fmla="*/ 314939 h 2930115"/>
+              <a:gd name="connsiteX49" fmla="*/ 829329 w 11282409"/>
+              <a:gd name="connsiteY49" fmla="*/ 175909 h 2930115"/>
+              <a:gd name="connsiteX50" fmla="*/ 1045749 w 11282409"/>
+              <a:gd name="connsiteY50" fmla="*/ 47572 h 2930115"/>
+              <a:gd name="connsiteX51" fmla="*/ 1172509 w 11282409"/>
+              <a:gd name="connsiteY51" fmla="*/ 11924 h 2930115"/>
+              <a:gd name="connsiteX52" fmla="*/ 1257531 w 11282409"/>
+              <a:gd name="connsiteY52" fmla="*/ 7914 h 2930115"/>
             </a:gdLst>
             <a:ahLst/>
             <a:cxnLst>
@@ -12336,149 +12049,502 @@
               <a:cxn ang="0">
                 <a:pos x="connsiteX5" y="connsiteY5"/>
               </a:cxn>
+              <a:cxn ang="0">
+                <a:pos x="connsiteX6" y="connsiteY6"/>
+              </a:cxn>
+              <a:cxn ang="0">
+                <a:pos x="connsiteX7" y="connsiteY7"/>
+              </a:cxn>
+              <a:cxn ang="0">
+                <a:pos x="connsiteX8" y="connsiteY8"/>
+              </a:cxn>
+              <a:cxn ang="0">
+                <a:pos x="connsiteX9" y="connsiteY9"/>
+              </a:cxn>
+              <a:cxn ang="0">
+                <a:pos x="connsiteX10" y="connsiteY10"/>
+              </a:cxn>
+              <a:cxn ang="0">
+                <a:pos x="connsiteX11" y="connsiteY11"/>
+              </a:cxn>
+              <a:cxn ang="0">
+                <a:pos x="connsiteX12" y="connsiteY12"/>
+              </a:cxn>
+              <a:cxn ang="0">
+                <a:pos x="connsiteX13" y="connsiteY13"/>
+              </a:cxn>
+              <a:cxn ang="0">
+                <a:pos x="connsiteX14" y="connsiteY14"/>
+              </a:cxn>
+              <a:cxn ang="0">
+                <a:pos x="connsiteX15" y="connsiteY15"/>
+              </a:cxn>
+              <a:cxn ang="0">
+                <a:pos x="connsiteX16" y="connsiteY16"/>
+              </a:cxn>
+              <a:cxn ang="0">
+                <a:pos x="connsiteX17" y="connsiteY17"/>
+              </a:cxn>
+              <a:cxn ang="0">
+                <a:pos x="connsiteX18" y="connsiteY18"/>
+              </a:cxn>
+              <a:cxn ang="0">
+                <a:pos x="connsiteX19" y="connsiteY19"/>
+              </a:cxn>
+              <a:cxn ang="0">
+                <a:pos x="connsiteX20" y="connsiteY20"/>
+              </a:cxn>
+              <a:cxn ang="0">
+                <a:pos x="connsiteX21" y="connsiteY21"/>
+              </a:cxn>
+              <a:cxn ang="0">
+                <a:pos x="connsiteX22" y="connsiteY22"/>
+              </a:cxn>
+              <a:cxn ang="0">
+                <a:pos x="connsiteX23" y="connsiteY23"/>
+              </a:cxn>
+              <a:cxn ang="0">
+                <a:pos x="connsiteX24" y="connsiteY24"/>
+              </a:cxn>
+              <a:cxn ang="0">
+                <a:pos x="connsiteX25" y="connsiteY25"/>
+              </a:cxn>
+              <a:cxn ang="0">
+                <a:pos x="connsiteX26" y="connsiteY26"/>
+              </a:cxn>
+              <a:cxn ang="0">
+                <a:pos x="connsiteX27" y="connsiteY27"/>
+              </a:cxn>
+              <a:cxn ang="0">
+                <a:pos x="connsiteX28" y="connsiteY28"/>
+              </a:cxn>
+              <a:cxn ang="0">
+                <a:pos x="connsiteX29" y="connsiteY29"/>
+              </a:cxn>
+              <a:cxn ang="0">
+                <a:pos x="connsiteX30" y="connsiteY30"/>
+              </a:cxn>
+              <a:cxn ang="0">
+                <a:pos x="connsiteX31" y="connsiteY31"/>
+              </a:cxn>
+              <a:cxn ang="0">
+                <a:pos x="connsiteX32" y="connsiteY32"/>
+              </a:cxn>
+              <a:cxn ang="0">
+                <a:pos x="connsiteX33" y="connsiteY33"/>
+              </a:cxn>
+              <a:cxn ang="0">
+                <a:pos x="connsiteX34" y="connsiteY34"/>
+              </a:cxn>
+              <a:cxn ang="0">
+                <a:pos x="connsiteX35" y="connsiteY35"/>
+              </a:cxn>
+              <a:cxn ang="0">
+                <a:pos x="connsiteX36" y="connsiteY36"/>
+              </a:cxn>
+              <a:cxn ang="0">
+                <a:pos x="connsiteX37" y="connsiteY37"/>
+              </a:cxn>
+              <a:cxn ang="0">
+                <a:pos x="connsiteX38" y="connsiteY38"/>
+              </a:cxn>
+              <a:cxn ang="0">
+                <a:pos x="connsiteX39" y="connsiteY39"/>
+              </a:cxn>
+              <a:cxn ang="0">
+                <a:pos x="connsiteX40" y="connsiteY40"/>
+              </a:cxn>
+              <a:cxn ang="0">
+                <a:pos x="connsiteX41" y="connsiteY41"/>
+              </a:cxn>
+              <a:cxn ang="0">
+                <a:pos x="connsiteX42" y="connsiteY42"/>
+              </a:cxn>
+              <a:cxn ang="0">
+                <a:pos x="connsiteX43" y="connsiteY43"/>
+              </a:cxn>
+              <a:cxn ang="0">
+                <a:pos x="connsiteX44" y="connsiteY44"/>
+              </a:cxn>
+              <a:cxn ang="0">
+                <a:pos x="connsiteX45" y="connsiteY45"/>
+              </a:cxn>
+              <a:cxn ang="0">
+                <a:pos x="connsiteX46" y="connsiteY46"/>
+              </a:cxn>
+              <a:cxn ang="0">
+                <a:pos x="connsiteX47" y="connsiteY47"/>
+              </a:cxn>
+              <a:cxn ang="0">
+                <a:pos x="connsiteX48" y="connsiteY48"/>
+              </a:cxn>
+              <a:cxn ang="0">
+                <a:pos x="connsiteX49" y="connsiteY49"/>
+              </a:cxn>
+              <a:cxn ang="0">
+                <a:pos x="connsiteX50" y="connsiteY50"/>
+              </a:cxn>
+              <a:cxn ang="0">
+                <a:pos x="connsiteX51" y="connsiteY51"/>
+              </a:cxn>
+              <a:cxn ang="0">
+                <a:pos x="connsiteX52" y="connsiteY52"/>
+              </a:cxn>
             </a:cxnLst>
             <a:rect l="l" t="t" r="r" b="b"/>
             <a:pathLst>
-              <a:path w="5699887" h="4059244">
+              <a:path w="11282409" h="2930115">
                 <a:moveTo>
-                  <a:pt x="0" y="0"/>
+                  <a:pt x="1277174" y="0"/>
                 </a:moveTo>
                 <a:lnTo>
-                  <a:pt x="5699887" y="0"/>
+                  <a:pt x="11077320" y="0"/>
                 </a:lnTo>
                 <a:lnTo>
-                  <a:pt x="5699887" y="3944096"/>
+                  <a:pt x="10933044" y="93916"/>
+                </a:lnTo>
+                <a:cubicBezTo>
+                  <a:pt x="10973237" y="147389"/>
+                  <a:pt x="11059805" y="83222"/>
+                  <a:pt x="11087630" y="165214"/>
+                </a:cubicBezTo>
+                <a:cubicBezTo>
+                  <a:pt x="10865028" y="304245"/>
+                  <a:pt x="10660974" y="478924"/>
+                  <a:pt x="10401271" y="582307"/>
+                </a:cubicBezTo>
+                <a:cubicBezTo>
+                  <a:pt x="10614599" y="507443"/>
+                  <a:pt x="10827927" y="543093"/>
+                  <a:pt x="11038163" y="511009"/>
+                </a:cubicBezTo>
+                <a:cubicBezTo>
+                  <a:pt x="11065988" y="553787"/>
+                  <a:pt x="11019613" y="553787"/>
+                  <a:pt x="11004154" y="568047"/>
+                </a:cubicBezTo>
+                <a:cubicBezTo>
+                  <a:pt x="10988696" y="582307"/>
+                  <a:pt x="10967053" y="593001"/>
+                  <a:pt x="10970146" y="625085"/>
+                </a:cubicBezTo>
+                <a:cubicBezTo>
+                  <a:pt x="11065988" y="639345"/>
+                  <a:pt x="11171107" y="589437"/>
+                  <a:pt x="11270042" y="589437"/>
+                </a:cubicBezTo>
+                <a:lnTo>
+                  <a:pt x="11270042" y="650039"/>
+                </a:lnTo>
+                <a:cubicBezTo>
+                  <a:pt x="11236032" y="671428"/>
+                  <a:pt x="11192750" y="678558"/>
+                  <a:pt x="11177291" y="721337"/>
+                </a:cubicBezTo>
+                <a:cubicBezTo>
+                  <a:pt x="11208207" y="714208"/>
+                  <a:pt x="11239125" y="710643"/>
+                  <a:pt x="11270042" y="703512"/>
+                </a:cubicBezTo>
+                <a:lnTo>
+                  <a:pt x="11282409" y="703512"/>
                 </a:lnTo>
                 <a:lnTo>
-                  <a:pt x="5525775" y="3980429"/>
+                  <a:pt x="11282409" y="981574"/>
                 </a:lnTo>
                 <a:cubicBezTo>
-                  <a:pt x="5246154" y="4032190"/>
-                  <a:pt x="4957865" y="4059244"/>
-                  <a:pt x="4663256" y="4059244"/>
+                  <a:pt x="9254245" y="2952959"/>
+                  <a:pt x="4397165" y="2906615"/>
+                  <a:pt x="4053985" y="2928005"/>
                 </a:cubicBezTo>
                 <a:cubicBezTo>
-                  <a:pt x="2306390" y="4059244"/>
-                  <a:pt x="353936" y="2327747"/>
-                  <a:pt x="8566" y="67422"/>
+                  <a:pt x="3945776" y="2935134"/>
+                  <a:pt x="3491294" y="2924439"/>
+                  <a:pt x="3386175" y="2892355"/>
+                </a:cubicBezTo>
+                <a:cubicBezTo>
+                  <a:pt x="3243956" y="2853141"/>
+                  <a:pt x="3228499" y="2774714"/>
+                  <a:pt x="3228499" y="2774714"/>
+                </a:cubicBezTo>
+                <a:cubicBezTo>
+                  <a:pt x="3228499" y="2774714"/>
+                  <a:pt x="3299608" y="2742630"/>
+                  <a:pt x="3389267" y="2717676"/>
+                </a:cubicBezTo>
+                <a:cubicBezTo>
+                  <a:pt x="3562404" y="2667768"/>
+                  <a:pt x="3704623" y="2575080"/>
+                  <a:pt x="3883942" y="2535866"/>
+                </a:cubicBezTo>
+                <a:cubicBezTo>
+                  <a:pt x="3723173" y="2546561"/>
+                  <a:pt x="3562404" y="2553691"/>
+                  <a:pt x="3401634" y="2564386"/>
+                </a:cubicBezTo>
+                <a:cubicBezTo>
+                  <a:pt x="3624237" y="2468133"/>
+                  <a:pt x="3859208" y="2453874"/>
+                  <a:pt x="4087994" y="2414660"/>
+                </a:cubicBezTo>
+                <a:cubicBezTo>
+                  <a:pt x="4162197" y="2403966"/>
+                  <a:pt x="4285864" y="2436049"/>
+                  <a:pt x="4285864" y="2336233"/>
+                </a:cubicBezTo>
+                <a:cubicBezTo>
+                  <a:pt x="4282774" y="2272064"/>
+                  <a:pt x="4162197" y="2300584"/>
+                  <a:pt x="4091088" y="2304149"/>
+                </a:cubicBezTo>
+                <a:cubicBezTo>
+                  <a:pt x="3775732" y="2314843"/>
+                  <a:pt x="3463469" y="2361187"/>
+                  <a:pt x="3148114" y="2400401"/>
+                </a:cubicBezTo>
+                <a:cubicBezTo>
+                  <a:pt x="3117196" y="2403966"/>
+                  <a:pt x="3080097" y="2421790"/>
+                  <a:pt x="3058455" y="2411095"/>
+                </a:cubicBezTo>
+                <a:cubicBezTo>
+                  <a:pt x="2879135" y="2339797"/>
+                  <a:pt x="2675082" y="2357622"/>
+                  <a:pt x="2443203" y="2336233"/>
+                </a:cubicBezTo>
+                <a:cubicBezTo>
+                  <a:pt x="2569963" y="2254241"/>
+                  <a:pt x="2678173" y="2311278"/>
+                  <a:pt x="2786383" y="2257805"/>
+                </a:cubicBezTo>
+                <a:cubicBezTo>
+                  <a:pt x="2653440" y="2200766"/>
+                  <a:pt x="2517405" y="2225722"/>
+                  <a:pt x="2390644" y="2211461"/>
+                </a:cubicBezTo>
+                <a:cubicBezTo>
+                  <a:pt x="2297893" y="2200766"/>
+                  <a:pt x="1963988" y="2186507"/>
+                  <a:pt x="1911429" y="2168683"/>
+                </a:cubicBezTo>
+                <a:cubicBezTo>
+                  <a:pt x="1750660" y="2115209"/>
+                  <a:pt x="1558974" y="2122339"/>
+                  <a:pt x="1416755" y="2026087"/>
+                </a:cubicBezTo>
+                <a:cubicBezTo>
+                  <a:pt x="1314728" y="1958354"/>
+                  <a:pt x="1178693" y="2015393"/>
+                  <a:pt x="1070483" y="1979743"/>
+                </a:cubicBezTo>
+                <a:cubicBezTo>
+                  <a:pt x="1024107" y="1929835"/>
+                  <a:pt x="1089033" y="1894186"/>
+                  <a:pt x="1104491" y="1854972"/>
+                </a:cubicBezTo>
+                <a:cubicBezTo>
+                  <a:pt x="1126133" y="1805064"/>
+                  <a:pt x="1067391" y="1794370"/>
+                  <a:pt x="1039566" y="1748026"/>
+                </a:cubicBezTo>
+                <a:cubicBezTo>
+                  <a:pt x="1231252" y="1751591"/>
+                  <a:pt x="1413663" y="1737331"/>
+                  <a:pt x="1623900" y="1694553"/>
+                </a:cubicBezTo>
+                <a:cubicBezTo>
+                  <a:pt x="1537332" y="1630384"/>
+                  <a:pt x="1463130" y="1690987"/>
+                  <a:pt x="1401296" y="1676728"/>
+                </a:cubicBezTo>
+                <a:cubicBezTo>
+                  <a:pt x="1358012" y="1666033"/>
+                  <a:pt x="1302362" y="1676728"/>
+                  <a:pt x="1302362" y="1623255"/>
+                </a:cubicBezTo>
+                <a:cubicBezTo>
+                  <a:pt x="1302362" y="1580476"/>
+                  <a:pt x="1351829" y="1573345"/>
+                  <a:pt x="1385838" y="1566216"/>
+                </a:cubicBezTo>
+                <a:cubicBezTo>
+                  <a:pt x="1518781" y="1541262"/>
+                  <a:pt x="1648633" y="1509178"/>
+                  <a:pt x="1756843" y="1377277"/>
+                </a:cubicBezTo>
+                <a:cubicBezTo>
+                  <a:pt x="1407480" y="1334499"/>
+                  <a:pt x="1048840" y="1502049"/>
+                  <a:pt x="721120" y="1387972"/>
+                </a:cubicBezTo>
+                <a:cubicBezTo>
+                  <a:pt x="748945" y="1313109"/>
+                  <a:pt x="813871" y="1327368"/>
+                  <a:pt x="857154" y="1323803"/>
+                </a:cubicBezTo>
+                <a:cubicBezTo>
+                  <a:pt x="1147775" y="1291720"/>
+                  <a:pt x="2127849" y="903147"/>
+                  <a:pt x="2285525" y="924536"/>
+                </a:cubicBezTo>
+                <a:cubicBezTo>
+                  <a:pt x="2381369" y="935231"/>
+                  <a:pt x="2480304" y="928101"/>
+                  <a:pt x="2569963" y="874628"/>
+                </a:cubicBezTo>
+                <a:cubicBezTo>
+                  <a:pt x="2678173" y="810460"/>
+                  <a:pt x="1988721" y="945926"/>
+                  <a:pt x="1803218" y="856803"/>
+                </a:cubicBezTo>
+                <a:cubicBezTo>
+                  <a:pt x="1713559" y="814024"/>
+                  <a:pt x="956090" y="689253"/>
+                  <a:pt x="625276" y="682124"/>
+                </a:cubicBezTo>
+                <a:cubicBezTo>
+                  <a:pt x="656194" y="614390"/>
+                  <a:pt x="770587" y="617955"/>
+                  <a:pt x="736578" y="521703"/>
+                </a:cubicBezTo>
+                <a:cubicBezTo>
+                  <a:pt x="557259" y="514574"/>
+                  <a:pt x="365573" y="575176"/>
+                  <a:pt x="155336" y="550222"/>
+                </a:cubicBezTo>
+                <a:cubicBezTo>
+                  <a:pt x="229537" y="464666"/>
+                  <a:pt x="337746" y="471795"/>
+                  <a:pt x="421223" y="425451"/>
+                </a:cubicBezTo>
+                <a:cubicBezTo>
+                  <a:pt x="356297" y="361283"/>
+                  <a:pt x="275913" y="400497"/>
+                  <a:pt x="201712" y="404062"/>
+                </a:cubicBezTo>
+                <a:cubicBezTo>
+                  <a:pt x="136786" y="407627"/>
+                  <a:pt x="-27075" y="318505"/>
+                  <a:pt x="3843" y="314939"/>
+                </a:cubicBezTo>
+                <a:cubicBezTo>
+                  <a:pt x="282096" y="293551"/>
+                  <a:pt x="551076" y="197299"/>
+                  <a:pt x="829329" y="175909"/>
+                </a:cubicBezTo>
+                <a:cubicBezTo>
+                  <a:pt x="922080" y="168779"/>
+                  <a:pt x="1027200" y="175909"/>
+                  <a:pt x="1045749" y="47572"/>
+                </a:cubicBezTo>
+                <a:cubicBezTo>
+                  <a:pt x="1048840" y="11924"/>
+                  <a:pt x="1039566" y="4795"/>
+                  <a:pt x="1172509" y="11924"/>
+                </a:cubicBezTo>
+                <a:cubicBezTo>
+                  <a:pt x="1198789" y="13707"/>
+                  <a:pt x="1228933" y="14598"/>
+                  <a:pt x="1257531" y="7914"/>
                 </a:cubicBezTo>
                 <a:close/>
               </a:path>
             </a:pathLst>
           </a:custGeom>
           <a:solidFill>
-            <a:srgbClr val="595959"/>
+            <a:schemeClr val="bg2">
+              <a:alpha val="50000"/>
+            </a:schemeClr>
           </a:solidFill>
-          <a:ln>
+          <a:ln w="32707" cap="flat">
             <a:noFill/>
+            <a:prstDash val="solid"/>
+            <a:miter/>
           </a:ln>
         </p:spPr>
-        <p:style>
-          <a:lnRef idx="2">
-            <a:schemeClr val="accent1">
-              <a:shade val="50000"/>
-            </a:schemeClr>
-          </a:lnRef>
-          <a:fillRef idx="1">
-            <a:schemeClr val="accent1"/>
-          </a:fillRef>
-          <a:effectRef idx="0">
-            <a:schemeClr val="accent1"/>
-          </a:effectRef>
-          <a:fontRef idx="minor">
-            <a:schemeClr val="lt1"/>
-          </a:fontRef>
-        </p:style>
         <p:txBody>
           <a:bodyPr rtlCol="0" anchor="ctr"/>
           <a:lstStyle/>
           <a:p>
-            <a:pPr marL="0" marR="0" lvl="0" indent="0" algn="ctr" defTabSz="914400" rtl="0" eaLnBrk="1" fontAlgn="auto" latinLnBrk="0" hangingPunct="1">
-              <a:lnSpc>
-                <a:spcPct val="100000"/>
-              </a:lnSpc>
-              <a:spcBef>
-                <a:spcPts val="0"/>
-              </a:spcBef>
-              <a:spcAft>
-                <a:spcPts val="0"/>
-              </a:spcAft>
-              <a:buClrTx/>
-              <a:buSzTx/>
-              <a:buFontTx/>
-              <a:buNone/>
-              <a:tabLst/>
-              <a:defRPr/>
-            </a:pPr>
-            <a:endParaRPr kumimoji="0" lang="en-US" sz="1800" b="0" i="0" u="none" strike="noStrike" kern="1200" cap="none" spc="0" normalizeH="0" baseline="0" noProof="0">
-              <a:ln>
-                <a:noFill/>
-              </a:ln>
-              <a:solidFill>
-                <a:prstClr val="white"/>
-              </a:solidFill>
-              <a:effectLst/>
-              <a:uLnTx/>
-              <a:uFillTx/>
-              <a:latin typeface="Calibri" panose="020F0502020204030204"/>
-              <a:ea typeface="+mn-ea"/>
-              <a:cs typeface="+mn-cs"/>
-            </a:endParaRPr>
+            <a:endParaRPr lang="en-US"/>
           </a:p>
         </p:txBody>
       </p:sp>
-      <p:cxnSp>
-        <p:nvCxnSpPr>
-          <p:cNvPr id="18" name="Straight Connector 17">
+      <p:sp>
+        <p:nvSpPr>
+          <p:cNvPr id="2" name="Заголовок 1">
             <a:extLst>
               <a:ext uri="{FF2B5EF4-FFF2-40B4-BE49-F238E27FC236}">
-                <a16:creationId xmlns:a16="http://schemas.microsoft.com/office/drawing/2014/main" id="{9E8E38ED-369A-44C2-B635-0BED0E48A6E8}"/>
-              </a:ext>
-              <a:ext uri="{C183D7F6-B498-43B3-948B-1728B52AA6E4}">
-                <adec:decorative xmlns:adec="http://schemas.microsoft.com/office/drawing/2017/decorative" val="1"/>
+                <a16:creationId xmlns:a16="http://schemas.microsoft.com/office/drawing/2014/main" id="{DD6DD511-A7C8-4FA2-B53A-F193BE5EAF25}"/>
               </a:ext>
             </a:extLst>
           </p:cNvPr>
-          <p:cNvCxnSpPr>
-            <a:cxnSpLocks noGrp="1" noRot="1" noChangeAspect="1" noMove="1" noResize="1" noEditPoints="1" noAdjustHandles="1" noChangeArrowheads="1" noChangeShapeType="1"/>
-          </p:cNvCxnSpPr>
+          <p:cNvSpPr>
+            <a:spLocks noGrp="1"/>
+          </p:cNvSpPr>
           <p:nvPr>
-            <p:extLst>
-              <p:ext uri="{386F3935-93C4-4BCD-93E2-E3B085C9AB24}">
-                <p16:designElem xmlns:p16="http://schemas.microsoft.com/office/powerpoint/2015/main" val="1"/>
-              </p:ext>
-            </p:extLst>
+            <p:ph type="ctrTitle"/>
           </p:nvPr>
-        </p:nvCxnSpPr>
+        </p:nvSpPr>
         <p:spPr>
           <a:xfrm>
-            <a:off x="7800392" y="4525347"/>
-            <a:ext cx="0" cy="1737360"/>
+            <a:off x="1524000" y="1834964"/>
+            <a:ext cx="9144000" cy="2387600"/>
           </a:xfrm>
-          <a:prstGeom prst="line">
-            <a:avLst/>
-          </a:prstGeom>
-          <a:ln w="19050" cap="sq">
-            <a:solidFill>
-              <a:schemeClr val="tx1"/>
-            </a:solidFill>
-          </a:ln>
         </p:spPr>
-        <p:style>
-          <a:lnRef idx="1">
-            <a:schemeClr val="accent1"/>
-          </a:lnRef>
-          <a:fillRef idx="0">
-            <a:schemeClr val="accent1"/>
-          </a:fillRef>
-          <a:effectRef idx="0">
-            <a:schemeClr val="accent1"/>
-          </a:effectRef>
-          <a:fontRef idx="minor">
-            <a:schemeClr val="tx1"/>
-          </a:fontRef>
-        </p:style>
-      </p:cxnSp>
+        <p:txBody>
+          <a:bodyPr>
+            <a:normAutofit/>
+          </a:bodyPr>
+          <a:lstStyle/>
+          <a:p>
+            <a:r>
+              <a:rPr lang="ru-RU" sz="5200" b="1"/>
+              <a:t>Регрессионные модели для определения повторного максимума </a:t>
+            </a:r>
+            <a:r>
+              <a:rPr lang="ru-RU" sz="5200"/>
+              <a:t>в пауэрлифтинге</a:t>
+            </a:r>
+          </a:p>
+        </p:txBody>
+      </p:sp>
+      <p:sp>
+        <p:nvSpPr>
+          <p:cNvPr id="3" name="Подзаголовок 2">
+            <a:extLst>
+              <a:ext uri="{FF2B5EF4-FFF2-40B4-BE49-F238E27FC236}">
+                <a16:creationId xmlns:a16="http://schemas.microsoft.com/office/drawing/2014/main" id="{3C83EA00-E4F4-4113-ACBB-2AE638C6857D}"/>
+              </a:ext>
+            </a:extLst>
+          </p:cNvPr>
+          <p:cNvSpPr>
+            <a:spLocks noGrp="1"/>
+          </p:cNvSpPr>
+          <p:nvPr>
+            <p:ph type="subTitle" idx="1"/>
+          </p:nvPr>
+        </p:nvSpPr>
+        <p:spPr>
+          <a:xfrm>
+            <a:off x="1524000" y="4314639"/>
+            <a:ext cx="9144000" cy="1655762"/>
+          </a:xfrm>
+        </p:spPr>
+        <p:txBody>
+          <a:bodyPr>
+            <a:normAutofit/>
+          </a:bodyPr>
+          <a:lstStyle/>
+          <a:p>
+            <a:r>
+              <a:rPr lang="ru-RU" dirty="0"/>
+              <a:t>Пасько Д. А.</a:t>
+            </a:r>
+            <a:endParaRPr lang="ru-RU"/>
+          </a:p>
+        </p:txBody>
+      </p:sp>
     </p:spTree>
     <p:extLst>
       <p:ext uri="{BB962C8B-B14F-4D97-AF65-F5344CB8AC3E}">

--- a/Дисер/презентация/Регрессионные модели для определения повторного максимума в пауэрлифтинге. Пасько.pptx
+++ b/Дисер/презентация/Регрессионные модели для определения повторного максимума в пауэрлифтинге. Пасько.pptx
@@ -6,7 +6,7 @@
     <p:sldMasterId id="2147483767" r:id="rId2"/>
   </p:sldMasterIdLst>
   <p:notesMasterIdLst>
-    <p:notesMasterId r:id="rId16"/>
+    <p:notesMasterId r:id="rId17"/>
   </p:notesMasterIdLst>
   <p:sldIdLst>
     <p:sldId id="256" r:id="rId3"/>
@@ -20,8 +20,9 @@
     <p:sldId id="343" r:id="rId11"/>
     <p:sldId id="344" r:id="rId12"/>
     <p:sldId id="345" r:id="rId13"/>
-    <p:sldId id="328" r:id="rId14"/>
-    <p:sldId id="313" r:id="rId15"/>
+    <p:sldId id="347" r:id="rId14"/>
+    <p:sldId id="328" r:id="rId15"/>
+    <p:sldId id="313" r:id="rId16"/>
   </p:sldIdLst>
   <p:sldSz cx="12192000" cy="6858000"/>
   <p:notesSz cx="6858000" cy="9144000"/>
@@ -5473,7 +5474,7 @@
           <a:p>
             <a:fld id="{B81D1D97-A0CC-47C7-8220-FDAA14247745}" type="datetimeFigureOut">
               <a:rPr lang="ru-RU" smtClean="0"/>
-              <a:t>20.04.2021</a:t>
+              <a:t>14.06.2021</a:t>
             </a:fld>
             <a:endParaRPr lang="ru-RU"/>
           </a:p>
@@ -5882,7 +5883,7 @@
           <a:p>
             <a:fld id="{FA45D989-E665-43C3-89C9-DEC949288517}" type="datetime1">
               <a:rPr lang="ru-RU" smtClean="0"/>
-              <a:t>20.04.2021</a:t>
+              <a:t>14.06.2021</a:t>
             </a:fld>
             <a:endParaRPr lang="ru-RU"/>
           </a:p>
@@ -6052,7 +6053,7 @@
           <a:p>
             <a:fld id="{235ACC50-CF13-45B5-BCC5-6A04D9B7A65C}" type="datetime1">
               <a:rPr lang="ru-RU" smtClean="0"/>
-              <a:t>20.04.2021</a:t>
+              <a:t>14.06.2021</a:t>
             </a:fld>
             <a:endParaRPr lang="ru-RU"/>
           </a:p>
@@ -6232,7 +6233,7 @@
           <a:p>
             <a:fld id="{87D70D7E-7A07-4F15-8A81-993247D34E1A}" type="datetime1">
               <a:rPr lang="ru-RU" smtClean="0"/>
-              <a:t>20.04.2021</a:t>
+              <a:t>14.06.2021</a:t>
             </a:fld>
             <a:endParaRPr lang="ru-RU"/>
           </a:p>
@@ -6440,7 +6441,7 @@
           <a:p>
             <a:fld id="{64988343-CDD9-468C-8A2B-DCC57FD4E6E0}" type="datetime1">
               <a:rPr lang="ru-RU" smtClean="0"/>
-              <a:t>20.04.2021</a:t>
+              <a:t>14.06.2021</a:t>
             </a:fld>
             <a:endParaRPr lang="ru-RU"/>
           </a:p>
@@ -6638,7 +6639,7 @@
           <a:p>
             <a:fld id="{D0709471-6FEE-476D-AD38-381799AEA88C}" type="datetime1">
               <a:rPr lang="ru-RU" smtClean="0"/>
-              <a:t>20.04.2021</a:t>
+              <a:t>14.06.2021</a:t>
             </a:fld>
             <a:endParaRPr lang="ru-RU"/>
           </a:p>
@@ -6913,7 +6914,7 @@
           <a:p>
             <a:fld id="{CFE3DCD3-416F-4811-BC93-CB85E69A745F}" type="datetime1">
               <a:rPr lang="ru-RU" smtClean="0"/>
-              <a:t>20.04.2021</a:t>
+              <a:t>14.06.2021</a:t>
             </a:fld>
             <a:endParaRPr lang="ru-RU"/>
           </a:p>
@@ -7178,7 +7179,7 @@
           <a:p>
             <a:fld id="{31753219-95C6-4486-AE29-0FC2EA92C268}" type="datetime1">
               <a:rPr lang="ru-RU" smtClean="0"/>
-              <a:t>20.04.2021</a:t>
+              <a:t>14.06.2021</a:t>
             </a:fld>
             <a:endParaRPr lang="ru-RU"/>
           </a:p>
@@ -7590,7 +7591,7 @@
           <a:p>
             <a:fld id="{D296F707-EB71-4FF1-9BA8-A27281275CA4}" type="datetime1">
               <a:rPr lang="ru-RU" smtClean="0"/>
-              <a:t>20.04.2021</a:t>
+              <a:t>14.06.2021</a:t>
             </a:fld>
             <a:endParaRPr lang="ru-RU"/>
           </a:p>
@@ -7731,7 +7732,7 @@
           <a:p>
             <a:fld id="{5FCF8C0C-8A1F-456E-9830-C3A0FFDDD3A9}" type="datetime1">
               <a:rPr lang="ru-RU" smtClean="0"/>
-              <a:t>20.04.2021</a:t>
+              <a:t>14.06.2021</a:t>
             </a:fld>
             <a:endParaRPr lang="ru-RU"/>
           </a:p>
@@ -7844,7 +7845,7 @@
           <a:p>
             <a:fld id="{AB27A479-21F2-4EED-8183-93CB01C2B56B}" type="datetime1">
               <a:rPr lang="ru-RU" smtClean="0"/>
-              <a:t>20.04.2021</a:t>
+              <a:t>14.06.2021</a:t>
             </a:fld>
             <a:endParaRPr lang="ru-RU"/>
           </a:p>
@@ -8155,7 +8156,7 @@
           <a:p>
             <a:fld id="{5F0D4892-6134-43FF-B27F-E5B4F235CE43}" type="datetime1">
               <a:rPr lang="ru-RU" smtClean="0"/>
-              <a:t>20.04.2021</a:t>
+              <a:t>14.06.2021</a:t>
             </a:fld>
             <a:endParaRPr lang="ru-RU"/>
           </a:p>
@@ -8337,7 +8338,7 @@
           <a:p>
             <a:fld id="{61D6911C-BE6A-4383-A291-0A67CD7DF996}" type="datetime1">
               <a:rPr lang="ru-RU" smtClean="0"/>
-              <a:t>20.04.2021</a:t>
+              <a:t>14.06.2021</a:t>
             </a:fld>
             <a:endParaRPr lang="ru-RU"/>
           </a:p>
@@ -8613,7 +8614,7 @@
           <a:p>
             <a:fld id="{9D784330-20CD-487A-A22D-7779250F49A4}" type="datetime1">
               <a:rPr lang="ru-RU" smtClean="0"/>
-              <a:t>20.04.2021</a:t>
+              <a:t>14.06.2021</a:t>
             </a:fld>
             <a:endParaRPr lang="ru-RU"/>
           </a:p>
@@ -8811,7 +8812,7 @@
           <a:p>
             <a:fld id="{02DD74C9-F3B8-469F-A091-08C4DF5EA58F}" type="datetime1">
               <a:rPr lang="ru-RU" smtClean="0"/>
-              <a:t>20.04.2021</a:t>
+              <a:t>14.06.2021</a:t>
             </a:fld>
             <a:endParaRPr lang="ru-RU"/>
           </a:p>
@@ -9019,7 +9020,7 @@
           <a:p>
             <a:fld id="{A481E06A-F8CA-478B-B874-9AA5881EB994}" type="datetime1">
               <a:rPr lang="ru-RU" smtClean="0"/>
-              <a:t>20.04.2021</a:t>
+              <a:t>14.06.2021</a:t>
             </a:fld>
             <a:endParaRPr lang="ru-RU"/>
           </a:p>
@@ -9282,7 +9283,7 @@
           <a:p>
             <a:fld id="{3E718FFA-56F6-447B-B373-8D8A156E9547}" type="datetime1">
               <a:rPr lang="ru-RU" smtClean="0"/>
-              <a:t>20.04.2021</a:t>
+              <a:t>14.06.2021</a:t>
             </a:fld>
             <a:endParaRPr lang="ru-RU"/>
           </a:p>
@@ -9514,7 +9515,7 @@
           <a:p>
             <a:fld id="{C4298988-30FB-49B3-9290-DD059FCDC33D}" type="datetime1">
               <a:rPr lang="ru-RU" smtClean="0"/>
-              <a:t>20.04.2021</a:t>
+              <a:t>14.06.2021</a:t>
             </a:fld>
             <a:endParaRPr lang="ru-RU"/>
           </a:p>
@@ -9861,7 +9862,7 @@
           <a:p>
             <a:fld id="{4DB6DFCB-E0BC-4C65-8674-D258336BB0CF}" type="datetime1">
               <a:rPr lang="ru-RU" smtClean="0"/>
-              <a:t>20.04.2021</a:t>
+              <a:t>14.06.2021</a:t>
             </a:fld>
             <a:endParaRPr lang="ru-RU"/>
           </a:p>
@@ -9979,7 +9980,7 @@
           <a:p>
             <a:fld id="{1F349287-0C91-41D5-9673-AF6FE7CF66D1}" type="datetime1">
               <a:rPr lang="ru-RU" smtClean="0"/>
-              <a:t>20.04.2021</a:t>
+              <a:t>14.06.2021</a:t>
             </a:fld>
             <a:endParaRPr lang="ru-RU"/>
           </a:p>
@@ -10097,7 +10098,7 @@
           <a:p>
             <a:fld id="{76A07917-717A-4EA6-8F16-F0087DEDB268}" type="datetime1">
               <a:rPr lang="ru-RU" smtClean="0"/>
-              <a:t>20.04.2021</a:t>
+              <a:t>14.06.2021</a:t>
             </a:fld>
             <a:endParaRPr lang="ru-RU"/>
           </a:p>
@@ -10381,7 +10382,7 @@
           <a:p>
             <a:fld id="{A9E8DB76-1921-4960-A962-C149BA4DC157}" type="datetime1">
               <a:rPr lang="ru-RU" smtClean="0"/>
-              <a:t>20.04.2021</a:t>
+              <a:t>14.06.2021</a:t>
             </a:fld>
             <a:endParaRPr lang="ru-RU"/>
           </a:p>
@@ -10645,7 +10646,7 @@
           <a:p>
             <a:fld id="{CD3AA8A4-AADE-4755-A50F-D0B8F82A1044}" type="datetime1">
               <a:rPr lang="ru-RU" smtClean="0"/>
-              <a:t>20.04.2021</a:t>
+              <a:t>14.06.2021</a:t>
             </a:fld>
             <a:endParaRPr lang="ru-RU"/>
           </a:p>
@@ -10859,7 +10860,7 @@
           <a:p>
             <a:fld id="{EEDF6EC8-CB16-4D43-9F68-650F5B6006F3}" type="datetime1">
               <a:rPr lang="ru-RU" smtClean="0"/>
-              <a:t>20.04.2021</a:t>
+              <a:t>14.06.2021</a:t>
             </a:fld>
             <a:endParaRPr lang="ru-RU"/>
           </a:p>
@@ -11405,7 +11406,7 @@
           <a:p>
             <a:fld id="{39EEF794-56D8-478D-80B3-42917B3E20A9}" type="datetime1">
               <a:rPr lang="ru-RU" smtClean="0"/>
-              <a:t>20.04.2021</a:t>
+              <a:t>14.06.2021</a:t>
             </a:fld>
             <a:endParaRPr lang="ru-RU"/>
           </a:p>
@@ -12499,12 +12500,8 @@
           <a:lstStyle/>
           <a:p>
             <a:r>
-              <a:rPr lang="ru-RU" sz="5200" b="1"/>
-              <a:t>Регрессионные модели для определения повторного максимума </a:t>
-            </a:r>
-            <a:r>
-              <a:rPr lang="ru-RU" sz="5200"/>
-              <a:t>в пауэрлифтинге</a:t>
+              <a:rPr lang="ru-RU" sz="5200" b="1" dirty="0"/>
+              <a:t>Регрессионные модели для определения повторного максимума в пауэрлифтинге</a:t>
             </a:r>
           </a:p>
         </p:txBody>
@@ -12527,8 +12524,8 @@
         </p:nvSpPr>
         <p:spPr>
           <a:xfrm>
-            <a:off x="1524000" y="4314639"/>
-            <a:ext cx="9144000" cy="1655762"/>
+            <a:off x="1522476" y="5363603"/>
+            <a:ext cx="9144000" cy="1134851"/>
           </a:xfrm>
         </p:spPr>
         <p:txBody>
@@ -12537,11 +12534,60 @@
           </a:bodyPr>
           <a:lstStyle/>
           <a:p>
+            <a:pPr algn="l"/>
             <a:r>
               <a:rPr lang="ru-RU" dirty="0"/>
-              <a:t>Пасько Д. А.</a:t>
+              <a:t>Работу выполнил: студент гр. 202, Пасько Д. А.</a:t>
             </a:r>
-            <a:endParaRPr lang="ru-RU"/>
+          </a:p>
+          <a:p>
+            <a:pPr algn="l"/>
+            <a:r>
+              <a:rPr lang="ru-RU" dirty="0"/>
+              <a:t>Научный руководитель: докт. физ.-мат. наук, доц. Голуб М. В.</a:t>
+            </a:r>
+          </a:p>
+        </p:txBody>
+      </p:sp>
+      <p:sp>
+        <p:nvSpPr>
+          <p:cNvPr id="4" name="TextBox 3">
+            <a:extLst>
+              <a:ext uri="{FF2B5EF4-FFF2-40B4-BE49-F238E27FC236}">
+                <a16:creationId xmlns:a16="http://schemas.microsoft.com/office/drawing/2014/main" id="{A62C03FF-C3BA-4B31-96B1-1869AF1A4572}"/>
+              </a:ext>
+            </a:extLst>
+          </p:cNvPr>
+          <p:cNvSpPr txBox="1"/>
+          <p:nvPr/>
+        </p:nvSpPr>
+        <p:spPr>
+          <a:xfrm>
+            <a:off x="3622089" y="271151"/>
+            <a:ext cx="4479175" cy="646331"/>
+          </a:xfrm>
+          <a:prstGeom prst="rect">
+            <a:avLst/>
+          </a:prstGeom>
+          <a:noFill/>
+        </p:spPr>
+        <p:txBody>
+          <a:bodyPr wrap="none" rtlCol="0">
+            <a:spAutoFit/>
+          </a:bodyPr>
+          <a:lstStyle/>
+          <a:p>
+            <a:r>
+              <a:rPr lang="ru-RU" dirty="0"/>
+              <a:t>ВЫПУСКНАЯ КВАЛИФИКАЦИОННАЯ РАБОТА</a:t>
+            </a:r>
+          </a:p>
+          <a:p>
+            <a:pPr algn="ctr"/>
+            <a:r>
+              <a:rPr lang="ru-RU" dirty="0"/>
+              <a:t>(МАГИСТЕРСКАЯ ДИССЕРТАЦИЯ)</a:t>
+            </a:r>
           </a:p>
         </p:txBody>
       </p:sp>
@@ -13188,8 +13234,8 @@
           </a:p>
         </p:txBody>
       </p:sp>
-      <mc:AlternateContent xmlns:mc="http://schemas.openxmlformats.org/markup-compatibility/2006" xmlns:a14="http://schemas.microsoft.com/office/drawing/2010/main">
-        <mc:Choice Requires="a14">
+      <mc:AlternateContent xmlns:mc="http://schemas.openxmlformats.org/markup-compatibility/2006">
+        <mc:Choice xmlns:a14="http://schemas.microsoft.com/office/drawing/2010/main" Requires="a14">
           <p:sp>
             <p:nvSpPr>
               <p:cNvPr id="3" name="Объект 2">
@@ -13208,8 +13254,8 @@
             </p:nvSpPr>
             <p:spPr>
               <a:xfrm>
-                <a:off x="933008" y="2698345"/>
-                <a:ext cx="11138235" cy="3563159"/>
+                <a:off x="971019" y="2498263"/>
+                <a:ext cx="11138235" cy="826046"/>
               </a:xfrm>
             </p:spPr>
             <p:txBody>
@@ -13460,7 +13506,7 @@
             </p:txBody>
           </p:sp>
         </mc:Choice>
-        <mc:Fallback xmlns="">
+        <mc:Fallback>
           <p:sp>
             <p:nvSpPr>
               <p:cNvPr id="3" name="Объект 2">
@@ -13479,8 +13525,8 @@
             </p:nvSpPr>
             <p:spPr>
               <a:xfrm>
-                <a:off x="933008" y="2698345"/>
-                <a:ext cx="11138235" cy="3563159"/>
+                <a:off x="971019" y="2498263"/>
+                <a:ext cx="11138235" cy="826046"/>
               </a:xfrm>
               <a:blipFill>
                 <a:blip r:embed="rId2"/>
@@ -13504,35 +13550,6 @@
           </p:sp>
         </mc:Fallback>
       </mc:AlternateContent>
-      <p:pic>
-        <p:nvPicPr>
-          <p:cNvPr id="7" name="Рисунок 6">
-            <a:extLst>
-              <a:ext uri="{FF2B5EF4-FFF2-40B4-BE49-F238E27FC236}">
-                <a16:creationId xmlns:a16="http://schemas.microsoft.com/office/drawing/2014/main" id="{521C99B1-3876-4028-8639-BD9EA4907544}"/>
-              </a:ext>
-            </a:extLst>
-          </p:cNvPr>
-          <p:cNvPicPr>
-            <a:picLocks noChangeAspect="1"/>
-          </p:cNvPicPr>
-          <p:nvPr/>
-        </p:nvPicPr>
-        <p:blipFill rotWithShape="1">
-          <a:blip r:embed="rId3"/>
-          <a:srcRect l="6334" r="1" b="1"/>
-          <a:stretch/>
-        </p:blipFill>
-        <p:spPr>
-          <a:xfrm>
-            <a:off x="7232999" y="3517332"/>
-            <a:ext cx="4305386" cy="3194586"/>
-          </a:xfrm>
-          <a:prstGeom prst="rect">
-            <a:avLst/>
-          </a:prstGeom>
-        </p:spPr>
-      </p:pic>
       <p:sp>
         <p:nvSpPr>
           <p:cNvPr id="4" name="Номер слайда 3">
@@ -13567,7 +13584,7 @@
               </a:spcAft>
             </a:pPr>
             <a:fld id="{A5D28A39-DC4B-4521-9FF8-80ED88A01777}" type="slidenum">
-              <a:rPr lang="ru-RU" sz="1000"/>
+              <a:rPr lang="ru-RU"/>
               <a:pPr>
                 <a:spcAft>
                   <a:spcPts val="600"/>
@@ -13575,7 +13592,7 @@
               </a:pPr>
               <a:t>10</a:t>
             </a:fld>
-            <a:endParaRPr lang="ru-RU" sz="1000"/>
+            <a:endParaRPr lang="ru-RU" sz="1000" dirty="0"/>
           </a:p>
         </p:txBody>
       </p:sp>
@@ -13593,7 +13610,7 @@
         </p:nvSpPr>
         <p:spPr>
           <a:xfrm>
-            <a:off x="812935" y="3650376"/>
+            <a:off x="644055" y="3702452"/>
             <a:ext cx="5607129" cy="2369880"/>
           </a:xfrm>
           <a:prstGeom prst="rect">
@@ -13673,6 +13690,36 @@
           </a:p>
         </p:txBody>
       </p:sp>
+      <p:pic>
+        <p:nvPicPr>
+          <p:cNvPr id="8" name="Рисунок 7">
+            <a:extLst>
+              <a:ext uri="{FF2B5EF4-FFF2-40B4-BE49-F238E27FC236}">
+                <a16:creationId xmlns:a16="http://schemas.microsoft.com/office/drawing/2014/main" id="{44E6FDF1-15C8-4C20-AF23-07BA89732B41}"/>
+              </a:ext>
+            </a:extLst>
+          </p:cNvPr>
+          <p:cNvPicPr>
+            <a:picLocks noChangeAspect="1"/>
+          </p:cNvPicPr>
+          <p:nvPr/>
+        </p:nvPicPr>
+        <p:blipFill>
+          <a:blip r:embed="rId3"/>
+          <a:stretch>
+            <a:fillRect/>
+          </a:stretch>
+        </p:blipFill>
+        <p:spPr>
+          <a:xfrm>
+            <a:off x="6616286" y="3324309"/>
+            <a:ext cx="3708470" cy="3288927"/>
+          </a:xfrm>
+          <a:prstGeom prst="rect">
+            <a:avLst/>
+          </a:prstGeom>
+        </p:spPr>
+      </p:pic>
     </p:spTree>
     <p:extLst>
       <p:ext uri="{BB962C8B-B14F-4D97-AF65-F5344CB8AC3E}">
@@ -14275,8 +14322,8 @@
           </a:p>
         </p:txBody>
       </p:sp>
-      <mc:AlternateContent xmlns:mc="http://schemas.openxmlformats.org/markup-compatibility/2006" xmlns:a14="http://schemas.microsoft.com/office/drawing/2010/main">
-        <mc:Choice Requires="a14">
+      <mc:AlternateContent xmlns:mc="http://schemas.openxmlformats.org/markup-compatibility/2006">
+        <mc:Choice xmlns:a14="http://schemas.microsoft.com/office/drawing/2010/main" Requires="a14">
           <p:sp>
             <p:nvSpPr>
               <p:cNvPr id="3" name="Объект 2">
@@ -14295,8 +14342,8 @@
             </p:nvSpPr>
             <p:spPr>
               <a:xfrm>
-                <a:off x="1367624" y="2490436"/>
-                <a:ext cx="9708995" cy="3567173"/>
+                <a:off x="1236357" y="2288310"/>
+                <a:ext cx="9708995" cy="1180809"/>
               </a:xfrm>
             </p:spPr>
             <p:txBody>
@@ -14559,12 +14606,12 @@
                     </m:oMath>
                   </m:oMathPara>
                 </a14:m>
-                <a:endParaRPr lang="ru-RU" sz="2400"/>
+                <a:endParaRPr lang="ru-RU" sz="2400" dirty="0"/>
               </a:p>
             </p:txBody>
           </p:sp>
         </mc:Choice>
-        <mc:Fallback xmlns="">
+        <mc:Fallback>
           <p:sp>
             <p:nvSpPr>
               <p:cNvPr id="3" name="Объект 2">
@@ -14583,8 +14630,8 @@
             </p:nvSpPr>
             <p:spPr>
               <a:xfrm>
-                <a:off x="1367624" y="2490436"/>
-                <a:ext cx="9708995" cy="3567173"/>
+                <a:off x="1236357" y="2288310"/>
+                <a:ext cx="9708995" cy="1180809"/>
               </a:xfrm>
               <a:blipFill>
                 <a:blip r:embed="rId2"/>
@@ -14642,7 +14689,7 @@
               </a:spcAft>
             </a:pPr>
             <a:fld id="{A5D28A39-DC4B-4521-9FF8-80ED88A01777}" type="slidenum">
-              <a:rPr lang="ru-RU" sz="1000"/>
+              <a:rPr lang="ru-RU"/>
               <a:pPr>
                 <a:spcAft>
                   <a:spcPts val="600"/>
@@ -14650,7 +14697,105 @@
               </a:pPr>
               <a:t>11</a:t>
             </a:fld>
-            <a:endParaRPr lang="ru-RU" sz="1000"/>
+            <a:endParaRPr lang="ru-RU" dirty="0"/>
+          </a:p>
+        </p:txBody>
+      </p:sp>
+      <p:pic>
+        <p:nvPicPr>
+          <p:cNvPr id="6" name="Рисунок 5">
+            <a:extLst>
+              <a:ext uri="{FF2B5EF4-FFF2-40B4-BE49-F238E27FC236}">
+                <a16:creationId xmlns:a16="http://schemas.microsoft.com/office/drawing/2014/main" id="{A8056F26-031E-4DC6-91A7-0D3683DFF373}"/>
+              </a:ext>
+            </a:extLst>
+          </p:cNvPr>
+          <p:cNvPicPr>
+            <a:picLocks noChangeAspect="1"/>
+          </p:cNvPicPr>
+          <p:nvPr/>
+        </p:nvPicPr>
+        <p:blipFill>
+          <a:blip r:embed="rId3"/>
+          <a:stretch>
+            <a:fillRect/>
+          </a:stretch>
+        </p:blipFill>
+        <p:spPr>
+          <a:xfrm>
+            <a:off x="611322" y="3580257"/>
+            <a:ext cx="4943475" cy="2962275"/>
+          </a:xfrm>
+          <a:prstGeom prst="rect">
+            <a:avLst/>
+          </a:prstGeom>
+        </p:spPr>
+      </p:pic>
+      <p:sp>
+        <p:nvSpPr>
+          <p:cNvPr id="14" name="TextBox 13">
+            <a:extLst>
+              <a:ext uri="{FF2B5EF4-FFF2-40B4-BE49-F238E27FC236}">
+                <a16:creationId xmlns:a16="http://schemas.microsoft.com/office/drawing/2014/main" id="{D193F3FC-8D4D-42C9-BB34-2AC9BDC49F1E}"/>
+              </a:ext>
+            </a:extLst>
+          </p:cNvPr>
+          <p:cNvSpPr txBox="1"/>
+          <p:nvPr/>
+        </p:nvSpPr>
+        <p:spPr>
+          <a:xfrm>
+            <a:off x="5944686" y="4065276"/>
+            <a:ext cx="5607129" cy="1231106"/>
+          </a:xfrm>
+          <a:prstGeom prst="rect">
+            <a:avLst/>
+          </a:prstGeom>
+          <a:noFill/>
+        </p:spPr>
+        <p:txBody>
+          <a:bodyPr wrap="square" rtlCol="0">
+            <a:spAutoFit/>
+          </a:bodyPr>
+          <a:lstStyle/>
+          <a:p>
+            <a:pPr marL="285750" indent="-285750">
+              <a:spcAft>
+                <a:spcPts val="600"/>
+              </a:spcAft>
+              <a:buFont typeface="Arial" panose="020B0604020202020204" pitchFamily="34" charset="0"/>
+              <a:buChar char="•"/>
+            </a:pPr>
+            <a:r>
+              <a:rPr lang="ru-RU" sz="1600" dirty="0"/>
+              <a:t>На выборочных данных модель ошибается максимум на 13кг и 11%;</a:t>
+            </a:r>
+          </a:p>
+          <a:p>
+            <a:pPr marL="285750" indent="-285750">
+              <a:spcAft>
+                <a:spcPts val="600"/>
+              </a:spcAft>
+              <a:buFont typeface="Arial" panose="020B0604020202020204" pitchFamily="34" charset="0"/>
+              <a:buChar char="•"/>
+            </a:pPr>
+            <a:r>
+              <a:rPr lang="ru-RU" sz="1600" dirty="0"/>
+              <a:t>В среднем модель ошибается на 3%;</a:t>
+            </a:r>
+          </a:p>
+          <a:p>
+            <a:pPr marL="285750" indent="-285750">
+              <a:spcAft>
+                <a:spcPts val="600"/>
+              </a:spcAft>
+              <a:buFont typeface="Arial" panose="020B0604020202020204" pitchFamily="34" charset="0"/>
+              <a:buChar char="•"/>
+            </a:pPr>
+            <a:r>
+              <a:rPr lang="ru-RU" sz="1600" dirty="0"/>
+              <a:t>В 80% случаев ошибка не превышала 5%;</a:t>
+            </a:r>
           </a:p>
         </p:txBody>
       </p:sp>
@@ -14671,6 +14816,125 @@
 </file>
 
 <file path=ppt/slides/slide12.xml><?xml version="1.0" encoding="utf-8"?>
+<p:sld xmlns:a="http://schemas.openxmlformats.org/drawingml/2006/main" xmlns:r="http://schemas.openxmlformats.org/officeDocument/2006/relationships" xmlns:p="http://schemas.openxmlformats.org/presentationml/2006/main">
+  <p:cSld>
+    <p:spTree>
+      <p:nvGrpSpPr>
+        <p:cNvPr id="1" name=""/>
+        <p:cNvGrpSpPr/>
+        <p:nvPr/>
+      </p:nvGrpSpPr>
+      <p:grpSpPr>
+        <a:xfrm>
+          <a:off x="0" y="0"/>
+          <a:ext cx="0" cy="0"/>
+          <a:chOff x="0" y="0"/>
+          <a:chExt cx="0" cy="0"/>
+        </a:xfrm>
+      </p:grpSpPr>
+      <p:sp>
+        <p:nvSpPr>
+          <p:cNvPr id="2" name="Заголовок 1">
+            <a:extLst>
+              <a:ext uri="{FF2B5EF4-FFF2-40B4-BE49-F238E27FC236}">
+                <a16:creationId xmlns:a16="http://schemas.microsoft.com/office/drawing/2014/main" id="{4AD130FB-6B09-47F2-B44F-A8BC250EF6FA}"/>
+              </a:ext>
+            </a:extLst>
+          </p:cNvPr>
+          <p:cNvSpPr>
+            <a:spLocks noGrp="1"/>
+          </p:cNvSpPr>
+          <p:nvPr>
+            <p:ph type="title"/>
+          </p:nvPr>
+        </p:nvSpPr>
+        <p:spPr/>
+        <p:txBody>
+          <a:bodyPr/>
+          <a:lstStyle/>
+          <a:p>
+            <a:endParaRPr lang="ru-RU" dirty="0"/>
+          </a:p>
+        </p:txBody>
+      </p:sp>
+      <p:pic>
+        <p:nvPicPr>
+          <p:cNvPr id="6" name="Объект 5">
+            <a:extLst>
+              <a:ext uri="{FF2B5EF4-FFF2-40B4-BE49-F238E27FC236}">
+                <a16:creationId xmlns:a16="http://schemas.microsoft.com/office/drawing/2014/main" id="{B037AD76-B587-4D2B-9B31-39203F951AD9}"/>
+              </a:ext>
+            </a:extLst>
+          </p:cNvPr>
+          <p:cNvPicPr>
+            <a:picLocks noGrp="1" noChangeAspect="1"/>
+          </p:cNvPicPr>
+          <p:nvPr>
+            <p:ph idx="1"/>
+          </p:nvPr>
+        </p:nvPicPr>
+        <p:blipFill>
+          <a:blip r:embed="rId2">
+            <a:extLst>
+              <a:ext uri="{28A0092B-C50C-407E-A947-70E740481C1C}">
+                <a14:useLocalDpi xmlns:a14="http://schemas.microsoft.com/office/drawing/2010/main" val="0"/>
+              </a:ext>
+            </a:extLst>
+          </a:blip>
+          <a:stretch>
+            <a:fillRect/>
+          </a:stretch>
+        </p:blipFill>
+        <p:spPr>
+          <a:xfrm>
+            <a:off x="724333" y="136525"/>
+            <a:ext cx="10743333" cy="6219825"/>
+          </a:xfrm>
+        </p:spPr>
+      </p:pic>
+      <p:sp>
+        <p:nvSpPr>
+          <p:cNvPr id="4" name="Номер слайда 3">
+            <a:extLst>
+              <a:ext uri="{FF2B5EF4-FFF2-40B4-BE49-F238E27FC236}">
+                <a16:creationId xmlns:a16="http://schemas.microsoft.com/office/drawing/2014/main" id="{8BD1987C-ADA0-4392-9825-D2BCFEFC951B}"/>
+              </a:ext>
+            </a:extLst>
+          </p:cNvPr>
+          <p:cNvSpPr>
+            <a:spLocks noGrp="1"/>
+          </p:cNvSpPr>
+          <p:nvPr>
+            <p:ph type="sldNum" sz="quarter" idx="12"/>
+          </p:nvPr>
+        </p:nvSpPr>
+        <p:spPr/>
+        <p:txBody>
+          <a:bodyPr/>
+          <a:lstStyle/>
+          <a:p>
+            <a:fld id="{A5D28A39-DC4B-4521-9FF8-80ED88A01777}" type="slidenum">
+              <a:rPr lang="ru-RU" smtClean="0"/>
+              <a:t>12</a:t>
+            </a:fld>
+            <a:endParaRPr lang="ru-RU"/>
+          </a:p>
+        </p:txBody>
+      </p:sp>
+    </p:spTree>
+    <p:extLst>
+      <p:ext uri="{BB962C8B-B14F-4D97-AF65-F5344CB8AC3E}">
+        <p14:creationId xmlns:p14="http://schemas.microsoft.com/office/powerpoint/2010/main" val="3274011700"/>
+      </p:ext>
+    </p:extLst>
+  </p:cSld>
+  <p:clrMapOvr>
+    <a:masterClrMapping/>
+  </p:clrMapOvr>
+</p:sld>
+</file>
+
+<file path=ppt/slides/slide13.xml><?xml version="1.0" encoding="utf-8"?>
 <p:sld xmlns:a="http://schemas.openxmlformats.org/drawingml/2006/main" xmlns:r="http://schemas.openxmlformats.org/officeDocument/2006/relationships" xmlns:p="http://schemas.openxmlformats.org/presentationml/2006/main">
   <p:cSld>
     <p:spTree>
@@ -14769,7 +15033,7 @@
           <a:p>
             <a:fld id="{A5D28A39-DC4B-4521-9FF8-80ED88A01777}" type="slidenum">
               <a:rPr lang="ru-RU" smtClean="0"/>
-              <a:t>12</a:t>
+              <a:t>13</a:t>
             </a:fld>
             <a:endParaRPr lang="ru-RU" dirty="0"/>
           </a:p>
@@ -14791,7 +15055,7 @@
 </p:sld>
 </file>
 
-<file path=ppt/slides/slide13.xml><?xml version="1.0" encoding="utf-8"?>
+<file path=ppt/slides/slide14.xml><?xml version="1.0" encoding="utf-8"?>
 <p:sld xmlns:a="http://schemas.openxmlformats.org/drawingml/2006/main" xmlns:r="http://schemas.openxmlformats.org/officeDocument/2006/relationships" xmlns:p="http://schemas.openxmlformats.org/presentationml/2006/main">
   <p:cSld>
     <p:bg>
@@ -15395,7 +15659,7 @@
                   <a:spcPts val="600"/>
                 </a:spcAft>
               </a:pPr>
-              <a:t>13</a:t>
+              <a:t>14</a:t>
             </a:fld>
             <a:endParaRPr lang="en-US" sz="1500">
               <a:solidFill>
@@ -19056,7 +19320,7 @@
               </a:pPr>
               <a:t>8</a:t>
             </a:fld>
-            <a:endParaRPr lang="en-US"/>
+            <a:endParaRPr lang="en-US" dirty="0"/>
           </a:p>
         </p:txBody>
       </p:sp>
@@ -19233,10 +19497,10 @@
       </p:pic>
       <p:pic>
         <p:nvPicPr>
-          <p:cNvPr id="8" name="Рисунок 7">
+          <p:cNvPr id="10" name="Рисунок 9">
             <a:extLst>
               <a:ext uri="{FF2B5EF4-FFF2-40B4-BE49-F238E27FC236}">
-                <a16:creationId xmlns:a16="http://schemas.microsoft.com/office/drawing/2014/main" id="{5E27119B-2C72-4B2D-9E1C-113DC1AFC113}"/>
+                <a16:creationId xmlns:a16="http://schemas.microsoft.com/office/drawing/2014/main" id="{ACB1E038-D16A-475E-9D8E-9ACEBC387C1D}"/>
               </a:ext>
             </a:extLst>
           </p:cNvPr>
@@ -19253,8 +19517,8 @@
         </p:blipFill>
         <p:spPr>
           <a:xfrm>
-            <a:off x="5262117" y="1349406"/>
-            <a:ext cx="6804325" cy="4827557"/>
+            <a:off x="125557" y="79663"/>
+            <a:ext cx="5239526" cy="3642592"/>
           </a:xfrm>
           <a:prstGeom prst="rect">
             <a:avLst/>
@@ -19263,10 +19527,10 @@
       </p:pic>
       <p:pic>
         <p:nvPicPr>
-          <p:cNvPr id="10" name="Рисунок 9">
+          <p:cNvPr id="7" name="Рисунок 6">
             <a:extLst>
               <a:ext uri="{FF2B5EF4-FFF2-40B4-BE49-F238E27FC236}">
-                <a16:creationId xmlns:a16="http://schemas.microsoft.com/office/drawing/2014/main" id="{ACB1E038-D16A-475E-9D8E-9ACEBC387C1D}"/>
+                <a16:creationId xmlns:a16="http://schemas.microsoft.com/office/drawing/2014/main" id="{922B6960-F815-4A92-BF4C-43BF6B162682}"/>
               </a:ext>
             </a:extLst>
           </p:cNvPr>
@@ -19283,8 +19547,8 @@
         </p:blipFill>
         <p:spPr>
           <a:xfrm>
-            <a:off x="125557" y="79663"/>
-            <a:ext cx="5239526" cy="3642592"/>
+            <a:off x="5351080" y="1690689"/>
+            <a:ext cx="6715363" cy="4665662"/>
           </a:xfrm>
           <a:prstGeom prst="rect">
             <a:avLst/>

--- a/Дисер/презентация/Регрессионные модели для определения повторного максимума в пауэрлифтинге. Пасько.pptx
+++ b/Дисер/презентация/Регрессионные модели для определения повторного максимума в пауэрлифтинге. Пасько.pptx
@@ -5474,7 +5474,7 @@
           <a:p>
             <a:fld id="{B81D1D97-A0CC-47C7-8220-FDAA14247745}" type="datetimeFigureOut">
               <a:rPr lang="ru-RU" smtClean="0"/>
-              <a:t>14.06.2021</a:t>
+              <a:t>17.06.2021</a:t>
             </a:fld>
             <a:endParaRPr lang="ru-RU"/>
           </a:p>
@@ -5883,7 +5883,7 @@
           <a:p>
             <a:fld id="{FA45D989-E665-43C3-89C9-DEC949288517}" type="datetime1">
               <a:rPr lang="ru-RU" smtClean="0"/>
-              <a:t>14.06.2021</a:t>
+              <a:t>17.06.2021</a:t>
             </a:fld>
             <a:endParaRPr lang="ru-RU"/>
           </a:p>
@@ -6053,7 +6053,7 @@
           <a:p>
             <a:fld id="{235ACC50-CF13-45B5-BCC5-6A04D9B7A65C}" type="datetime1">
               <a:rPr lang="ru-RU" smtClean="0"/>
-              <a:t>14.06.2021</a:t>
+              <a:t>17.06.2021</a:t>
             </a:fld>
             <a:endParaRPr lang="ru-RU"/>
           </a:p>
@@ -6233,7 +6233,7 @@
           <a:p>
             <a:fld id="{87D70D7E-7A07-4F15-8A81-993247D34E1A}" type="datetime1">
               <a:rPr lang="ru-RU" smtClean="0"/>
-              <a:t>14.06.2021</a:t>
+              <a:t>17.06.2021</a:t>
             </a:fld>
             <a:endParaRPr lang="ru-RU"/>
           </a:p>
@@ -6441,7 +6441,7 @@
           <a:p>
             <a:fld id="{64988343-CDD9-468C-8A2B-DCC57FD4E6E0}" type="datetime1">
               <a:rPr lang="ru-RU" smtClean="0"/>
-              <a:t>14.06.2021</a:t>
+              <a:t>17.06.2021</a:t>
             </a:fld>
             <a:endParaRPr lang="ru-RU"/>
           </a:p>
@@ -6639,7 +6639,7 @@
           <a:p>
             <a:fld id="{D0709471-6FEE-476D-AD38-381799AEA88C}" type="datetime1">
               <a:rPr lang="ru-RU" smtClean="0"/>
-              <a:t>14.06.2021</a:t>
+              <a:t>17.06.2021</a:t>
             </a:fld>
             <a:endParaRPr lang="ru-RU"/>
           </a:p>
@@ -6914,7 +6914,7 @@
           <a:p>
             <a:fld id="{CFE3DCD3-416F-4811-BC93-CB85E69A745F}" type="datetime1">
               <a:rPr lang="ru-RU" smtClean="0"/>
-              <a:t>14.06.2021</a:t>
+              <a:t>17.06.2021</a:t>
             </a:fld>
             <a:endParaRPr lang="ru-RU"/>
           </a:p>
@@ -7179,7 +7179,7 @@
           <a:p>
             <a:fld id="{31753219-95C6-4486-AE29-0FC2EA92C268}" type="datetime1">
               <a:rPr lang="ru-RU" smtClean="0"/>
-              <a:t>14.06.2021</a:t>
+              <a:t>17.06.2021</a:t>
             </a:fld>
             <a:endParaRPr lang="ru-RU"/>
           </a:p>
@@ -7591,7 +7591,7 @@
           <a:p>
             <a:fld id="{D296F707-EB71-4FF1-9BA8-A27281275CA4}" type="datetime1">
               <a:rPr lang="ru-RU" smtClean="0"/>
-              <a:t>14.06.2021</a:t>
+              <a:t>17.06.2021</a:t>
             </a:fld>
             <a:endParaRPr lang="ru-RU"/>
           </a:p>
@@ -7732,7 +7732,7 @@
           <a:p>
             <a:fld id="{5FCF8C0C-8A1F-456E-9830-C3A0FFDDD3A9}" type="datetime1">
               <a:rPr lang="ru-RU" smtClean="0"/>
-              <a:t>14.06.2021</a:t>
+              <a:t>17.06.2021</a:t>
             </a:fld>
             <a:endParaRPr lang="ru-RU"/>
           </a:p>
@@ -7845,7 +7845,7 @@
           <a:p>
             <a:fld id="{AB27A479-21F2-4EED-8183-93CB01C2B56B}" type="datetime1">
               <a:rPr lang="ru-RU" smtClean="0"/>
-              <a:t>14.06.2021</a:t>
+              <a:t>17.06.2021</a:t>
             </a:fld>
             <a:endParaRPr lang="ru-RU"/>
           </a:p>
@@ -8156,7 +8156,7 @@
           <a:p>
             <a:fld id="{5F0D4892-6134-43FF-B27F-E5B4F235CE43}" type="datetime1">
               <a:rPr lang="ru-RU" smtClean="0"/>
-              <a:t>14.06.2021</a:t>
+              <a:t>17.06.2021</a:t>
             </a:fld>
             <a:endParaRPr lang="ru-RU"/>
           </a:p>
@@ -8338,7 +8338,7 @@
           <a:p>
             <a:fld id="{61D6911C-BE6A-4383-A291-0A67CD7DF996}" type="datetime1">
               <a:rPr lang="ru-RU" smtClean="0"/>
-              <a:t>14.06.2021</a:t>
+              <a:t>17.06.2021</a:t>
             </a:fld>
             <a:endParaRPr lang="ru-RU"/>
           </a:p>
@@ -8614,7 +8614,7 @@
           <a:p>
             <a:fld id="{9D784330-20CD-487A-A22D-7779250F49A4}" type="datetime1">
               <a:rPr lang="ru-RU" smtClean="0"/>
-              <a:t>14.06.2021</a:t>
+              <a:t>17.06.2021</a:t>
             </a:fld>
             <a:endParaRPr lang="ru-RU"/>
           </a:p>
@@ -8812,7 +8812,7 @@
           <a:p>
             <a:fld id="{02DD74C9-F3B8-469F-A091-08C4DF5EA58F}" type="datetime1">
               <a:rPr lang="ru-RU" smtClean="0"/>
-              <a:t>14.06.2021</a:t>
+              <a:t>17.06.2021</a:t>
             </a:fld>
             <a:endParaRPr lang="ru-RU"/>
           </a:p>
@@ -9020,7 +9020,7 @@
           <a:p>
             <a:fld id="{A481E06A-F8CA-478B-B874-9AA5881EB994}" type="datetime1">
               <a:rPr lang="ru-RU" smtClean="0"/>
-              <a:t>14.06.2021</a:t>
+              <a:t>17.06.2021</a:t>
             </a:fld>
             <a:endParaRPr lang="ru-RU"/>
           </a:p>
@@ -9283,7 +9283,7 @@
           <a:p>
             <a:fld id="{3E718FFA-56F6-447B-B373-8D8A156E9547}" type="datetime1">
               <a:rPr lang="ru-RU" smtClean="0"/>
-              <a:t>14.06.2021</a:t>
+              <a:t>17.06.2021</a:t>
             </a:fld>
             <a:endParaRPr lang="ru-RU"/>
           </a:p>
@@ -9515,7 +9515,7 @@
           <a:p>
             <a:fld id="{C4298988-30FB-49B3-9290-DD059FCDC33D}" type="datetime1">
               <a:rPr lang="ru-RU" smtClean="0"/>
-              <a:t>14.06.2021</a:t>
+              <a:t>17.06.2021</a:t>
             </a:fld>
             <a:endParaRPr lang="ru-RU"/>
           </a:p>
@@ -9862,7 +9862,7 @@
           <a:p>
             <a:fld id="{4DB6DFCB-E0BC-4C65-8674-D258336BB0CF}" type="datetime1">
               <a:rPr lang="ru-RU" smtClean="0"/>
-              <a:t>14.06.2021</a:t>
+              <a:t>17.06.2021</a:t>
             </a:fld>
             <a:endParaRPr lang="ru-RU"/>
           </a:p>
@@ -9980,7 +9980,7 @@
           <a:p>
             <a:fld id="{1F349287-0C91-41D5-9673-AF6FE7CF66D1}" type="datetime1">
               <a:rPr lang="ru-RU" smtClean="0"/>
-              <a:t>14.06.2021</a:t>
+              <a:t>17.06.2021</a:t>
             </a:fld>
             <a:endParaRPr lang="ru-RU"/>
           </a:p>
@@ -10098,7 +10098,7 @@
           <a:p>
             <a:fld id="{76A07917-717A-4EA6-8F16-F0087DEDB268}" type="datetime1">
               <a:rPr lang="ru-RU" smtClean="0"/>
-              <a:t>14.06.2021</a:t>
+              <a:t>17.06.2021</a:t>
             </a:fld>
             <a:endParaRPr lang="ru-RU"/>
           </a:p>
@@ -10382,7 +10382,7 @@
           <a:p>
             <a:fld id="{A9E8DB76-1921-4960-A962-C149BA4DC157}" type="datetime1">
               <a:rPr lang="ru-RU" smtClean="0"/>
-              <a:t>14.06.2021</a:t>
+              <a:t>17.06.2021</a:t>
             </a:fld>
             <a:endParaRPr lang="ru-RU"/>
           </a:p>
@@ -10646,7 +10646,7 @@
           <a:p>
             <a:fld id="{CD3AA8A4-AADE-4755-A50F-D0B8F82A1044}" type="datetime1">
               <a:rPr lang="ru-RU" smtClean="0"/>
-              <a:t>14.06.2021</a:t>
+              <a:t>17.06.2021</a:t>
             </a:fld>
             <a:endParaRPr lang="ru-RU"/>
           </a:p>
@@ -10860,7 +10860,7 @@
           <a:p>
             <a:fld id="{EEDF6EC8-CB16-4D43-9F68-650F5B6006F3}" type="datetime1">
               <a:rPr lang="ru-RU" smtClean="0"/>
-              <a:t>14.06.2021</a:t>
+              <a:t>17.06.2021</a:t>
             </a:fld>
             <a:endParaRPr lang="ru-RU"/>
           </a:p>
@@ -11406,7 +11406,7 @@
           <a:p>
             <a:fld id="{39EEF794-56D8-478D-80B3-42917B3E20A9}" type="datetime1">
               <a:rPr lang="ru-RU" smtClean="0"/>
-              <a:t>14.06.2021</a:t>
+              <a:t>17.06.2021</a:t>
             </a:fld>
             <a:endParaRPr lang="ru-RU"/>
           </a:p>
@@ -13234,8 +13234,8 @@
           </a:p>
         </p:txBody>
       </p:sp>
-      <mc:AlternateContent xmlns:mc="http://schemas.openxmlformats.org/markup-compatibility/2006">
-        <mc:Choice xmlns:a14="http://schemas.microsoft.com/office/drawing/2010/main" Requires="a14">
+      <mc:AlternateContent xmlns:mc="http://schemas.openxmlformats.org/markup-compatibility/2006" xmlns:a14="http://schemas.microsoft.com/office/drawing/2010/main">
+        <mc:Choice Requires="a14">
           <p:sp>
             <p:nvSpPr>
               <p:cNvPr id="3" name="Объект 2">
@@ -13506,7 +13506,7 @@
             </p:txBody>
           </p:sp>
         </mc:Choice>
-        <mc:Fallback>
+        <mc:Fallback xmlns="">
           <p:sp>
             <p:nvSpPr>
               <p:cNvPr id="3" name="Объект 2">
@@ -14322,8 +14322,8 @@
           </a:p>
         </p:txBody>
       </p:sp>
-      <mc:AlternateContent xmlns:mc="http://schemas.openxmlformats.org/markup-compatibility/2006">
-        <mc:Choice xmlns:a14="http://schemas.microsoft.com/office/drawing/2010/main" Requires="a14">
+      <mc:AlternateContent xmlns:mc="http://schemas.openxmlformats.org/markup-compatibility/2006" xmlns:a14="http://schemas.microsoft.com/office/drawing/2010/main">
+        <mc:Choice Requires="a14">
           <p:sp>
             <p:nvSpPr>
               <p:cNvPr id="3" name="Объект 2">
@@ -14611,7 +14611,7 @@
             </p:txBody>
           </p:sp>
         </mc:Choice>
-        <mc:Fallback>
+        <mc:Fallback xmlns="">
           <p:sp>
             <p:nvSpPr>
               <p:cNvPr id="3" name="Объект 2">
@@ -14931,6 +14931,9 @@
   <p:clrMapOvr>
     <a:masterClrMapping/>
   </p:clrMapOvr>
+  <p:transition spd="slow">
+    <p:push dir="u"/>
+  </p:transition>
 </p:sld>
 </file>
 

--- a/Дисер/презентация/Регрессионные модели для определения повторного максимума в пауэрлифтинге. Пасько.pptx
+++ b/Дисер/презентация/Регрессионные модели для определения повторного максимума в пауэрлифтинге. Пасько.pptx
@@ -5474,7 +5474,7 @@
           <a:p>
             <a:fld id="{B81D1D97-A0CC-47C7-8220-FDAA14247745}" type="datetimeFigureOut">
               <a:rPr lang="ru-RU" smtClean="0"/>
-              <a:t>17.06.2021</a:t>
+              <a:t>20.06.2021</a:t>
             </a:fld>
             <a:endParaRPr lang="ru-RU"/>
           </a:p>
@@ -5883,7 +5883,7 @@
           <a:p>
             <a:fld id="{FA45D989-E665-43C3-89C9-DEC949288517}" type="datetime1">
               <a:rPr lang="ru-RU" smtClean="0"/>
-              <a:t>17.06.2021</a:t>
+              <a:t>20.06.2021</a:t>
             </a:fld>
             <a:endParaRPr lang="ru-RU"/>
           </a:p>
@@ -6053,7 +6053,7 @@
           <a:p>
             <a:fld id="{235ACC50-CF13-45B5-BCC5-6A04D9B7A65C}" type="datetime1">
               <a:rPr lang="ru-RU" smtClean="0"/>
-              <a:t>17.06.2021</a:t>
+              <a:t>20.06.2021</a:t>
             </a:fld>
             <a:endParaRPr lang="ru-RU"/>
           </a:p>
@@ -6233,7 +6233,7 @@
           <a:p>
             <a:fld id="{87D70D7E-7A07-4F15-8A81-993247D34E1A}" type="datetime1">
               <a:rPr lang="ru-RU" smtClean="0"/>
-              <a:t>17.06.2021</a:t>
+              <a:t>20.06.2021</a:t>
             </a:fld>
             <a:endParaRPr lang="ru-RU"/>
           </a:p>
@@ -6441,7 +6441,7 @@
           <a:p>
             <a:fld id="{64988343-CDD9-468C-8A2B-DCC57FD4E6E0}" type="datetime1">
               <a:rPr lang="ru-RU" smtClean="0"/>
-              <a:t>17.06.2021</a:t>
+              <a:t>20.06.2021</a:t>
             </a:fld>
             <a:endParaRPr lang="ru-RU"/>
           </a:p>
@@ -6639,7 +6639,7 @@
           <a:p>
             <a:fld id="{D0709471-6FEE-476D-AD38-381799AEA88C}" type="datetime1">
               <a:rPr lang="ru-RU" smtClean="0"/>
-              <a:t>17.06.2021</a:t>
+              <a:t>20.06.2021</a:t>
             </a:fld>
             <a:endParaRPr lang="ru-RU"/>
           </a:p>
@@ -6914,7 +6914,7 @@
           <a:p>
             <a:fld id="{CFE3DCD3-416F-4811-BC93-CB85E69A745F}" type="datetime1">
               <a:rPr lang="ru-RU" smtClean="0"/>
-              <a:t>17.06.2021</a:t>
+              <a:t>20.06.2021</a:t>
             </a:fld>
             <a:endParaRPr lang="ru-RU"/>
           </a:p>
@@ -7179,7 +7179,7 @@
           <a:p>
             <a:fld id="{31753219-95C6-4486-AE29-0FC2EA92C268}" type="datetime1">
               <a:rPr lang="ru-RU" smtClean="0"/>
-              <a:t>17.06.2021</a:t>
+              <a:t>20.06.2021</a:t>
             </a:fld>
             <a:endParaRPr lang="ru-RU"/>
           </a:p>
@@ -7591,7 +7591,7 @@
           <a:p>
             <a:fld id="{D296F707-EB71-4FF1-9BA8-A27281275CA4}" type="datetime1">
               <a:rPr lang="ru-RU" smtClean="0"/>
-              <a:t>17.06.2021</a:t>
+              <a:t>20.06.2021</a:t>
             </a:fld>
             <a:endParaRPr lang="ru-RU"/>
           </a:p>
@@ -7732,7 +7732,7 @@
           <a:p>
             <a:fld id="{5FCF8C0C-8A1F-456E-9830-C3A0FFDDD3A9}" type="datetime1">
               <a:rPr lang="ru-RU" smtClean="0"/>
-              <a:t>17.06.2021</a:t>
+              <a:t>20.06.2021</a:t>
             </a:fld>
             <a:endParaRPr lang="ru-RU"/>
           </a:p>
@@ -7845,7 +7845,7 @@
           <a:p>
             <a:fld id="{AB27A479-21F2-4EED-8183-93CB01C2B56B}" type="datetime1">
               <a:rPr lang="ru-RU" smtClean="0"/>
-              <a:t>17.06.2021</a:t>
+              <a:t>20.06.2021</a:t>
             </a:fld>
             <a:endParaRPr lang="ru-RU"/>
           </a:p>
@@ -8156,7 +8156,7 @@
           <a:p>
             <a:fld id="{5F0D4892-6134-43FF-B27F-E5B4F235CE43}" type="datetime1">
               <a:rPr lang="ru-RU" smtClean="0"/>
-              <a:t>17.06.2021</a:t>
+              <a:t>20.06.2021</a:t>
             </a:fld>
             <a:endParaRPr lang="ru-RU"/>
           </a:p>
@@ -8338,7 +8338,7 @@
           <a:p>
             <a:fld id="{61D6911C-BE6A-4383-A291-0A67CD7DF996}" type="datetime1">
               <a:rPr lang="ru-RU" smtClean="0"/>
-              <a:t>17.06.2021</a:t>
+              <a:t>20.06.2021</a:t>
             </a:fld>
             <a:endParaRPr lang="ru-RU"/>
           </a:p>
@@ -8614,7 +8614,7 @@
           <a:p>
             <a:fld id="{9D784330-20CD-487A-A22D-7779250F49A4}" type="datetime1">
               <a:rPr lang="ru-RU" smtClean="0"/>
-              <a:t>17.06.2021</a:t>
+              <a:t>20.06.2021</a:t>
             </a:fld>
             <a:endParaRPr lang="ru-RU"/>
           </a:p>
@@ -8812,7 +8812,7 @@
           <a:p>
             <a:fld id="{02DD74C9-F3B8-469F-A091-08C4DF5EA58F}" type="datetime1">
               <a:rPr lang="ru-RU" smtClean="0"/>
-              <a:t>17.06.2021</a:t>
+              <a:t>20.06.2021</a:t>
             </a:fld>
             <a:endParaRPr lang="ru-RU"/>
           </a:p>
@@ -9020,7 +9020,7 @@
           <a:p>
             <a:fld id="{A481E06A-F8CA-478B-B874-9AA5881EB994}" type="datetime1">
               <a:rPr lang="ru-RU" smtClean="0"/>
-              <a:t>17.06.2021</a:t>
+              <a:t>20.06.2021</a:t>
             </a:fld>
             <a:endParaRPr lang="ru-RU"/>
           </a:p>
@@ -9283,7 +9283,7 @@
           <a:p>
             <a:fld id="{3E718FFA-56F6-447B-B373-8D8A156E9547}" type="datetime1">
               <a:rPr lang="ru-RU" smtClean="0"/>
-              <a:t>17.06.2021</a:t>
+              <a:t>20.06.2021</a:t>
             </a:fld>
             <a:endParaRPr lang="ru-RU"/>
           </a:p>
@@ -9515,7 +9515,7 @@
           <a:p>
             <a:fld id="{C4298988-30FB-49B3-9290-DD059FCDC33D}" type="datetime1">
               <a:rPr lang="ru-RU" smtClean="0"/>
-              <a:t>17.06.2021</a:t>
+              <a:t>20.06.2021</a:t>
             </a:fld>
             <a:endParaRPr lang="ru-RU"/>
           </a:p>
@@ -9862,7 +9862,7 @@
           <a:p>
             <a:fld id="{4DB6DFCB-E0BC-4C65-8674-D258336BB0CF}" type="datetime1">
               <a:rPr lang="ru-RU" smtClean="0"/>
-              <a:t>17.06.2021</a:t>
+              <a:t>20.06.2021</a:t>
             </a:fld>
             <a:endParaRPr lang="ru-RU"/>
           </a:p>
@@ -9980,7 +9980,7 @@
           <a:p>
             <a:fld id="{1F349287-0C91-41D5-9673-AF6FE7CF66D1}" type="datetime1">
               <a:rPr lang="ru-RU" smtClean="0"/>
-              <a:t>17.06.2021</a:t>
+              <a:t>20.06.2021</a:t>
             </a:fld>
             <a:endParaRPr lang="ru-RU"/>
           </a:p>
@@ -10098,7 +10098,7 @@
           <a:p>
             <a:fld id="{76A07917-717A-4EA6-8F16-F0087DEDB268}" type="datetime1">
               <a:rPr lang="ru-RU" smtClean="0"/>
-              <a:t>17.06.2021</a:t>
+              <a:t>20.06.2021</a:t>
             </a:fld>
             <a:endParaRPr lang="ru-RU"/>
           </a:p>
@@ -10382,7 +10382,7 @@
           <a:p>
             <a:fld id="{A9E8DB76-1921-4960-A962-C149BA4DC157}" type="datetime1">
               <a:rPr lang="ru-RU" smtClean="0"/>
-              <a:t>17.06.2021</a:t>
+              <a:t>20.06.2021</a:t>
             </a:fld>
             <a:endParaRPr lang="ru-RU"/>
           </a:p>
@@ -10646,7 +10646,7 @@
           <a:p>
             <a:fld id="{CD3AA8A4-AADE-4755-A50F-D0B8F82A1044}" type="datetime1">
               <a:rPr lang="ru-RU" smtClean="0"/>
-              <a:t>17.06.2021</a:t>
+              <a:t>20.06.2021</a:t>
             </a:fld>
             <a:endParaRPr lang="ru-RU"/>
           </a:p>
@@ -10860,7 +10860,7 @@
           <a:p>
             <a:fld id="{EEDF6EC8-CB16-4D43-9F68-650F5B6006F3}" type="datetime1">
               <a:rPr lang="ru-RU" smtClean="0"/>
-              <a:t>17.06.2021</a:t>
+              <a:t>20.06.2021</a:t>
             </a:fld>
             <a:endParaRPr lang="ru-RU"/>
           </a:p>
@@ -11406,7 +11406,7 @@
           <a:p>
             <a:fld id="{39EEF794-56D8-478D-80B3-42917B3E20A9}" type="datetime1">
               <a:rPr lang="ru-RU" smtClean="0"/>
-              <a:t>17.06.2021</a:t>
+              <a:t>20.06.2021</a:t>
             </a:fld>
             <a:endParaRPr lang="ru-RU"/>
           </a:p>
